--- a/Notes/4_postulates.pptx
+++ b/Notes/4_postulates.pptx
@@ -5,7 +5,7 @@
     <p:sldMasterId id="2147483648" r:id="rId1"/>
   </p:sldMasterIdLst>
   <p:notesMasterIdLst>
-    <p:notesMasterId r:id="rId26"/>
+    <p:notesMasterId r:id="rId28"/>
   </p:notesMasterIdLst>
   <p:sldIdLst>
     <p:sldId id="278" r:id="rId2"/>
@@ -23,15 +23,17 @@
     <p:sldId id="291" r:id="rId14"/>
     <p:sldId id="292" r:id="rId15"/>
     <p:sldId id="293" r:id="rId16"/>
-    <p:sldId id="294" r:id="rId17"/>
-    <p:sldId id="295" r:id="rId18"/>
-    <p:sldId id="296" r:id="rId19"/>
-    <p:sldId id="297" r:id="rId20"/>
-    <p:sldId id="298" r:id="rId21"/>
-    <p:sldId id="299" r:id="rId22"/>
-    <p:sldId id="300" r:id="rId23"/>
-    <p:sldId id="301" r:id="rId24"/>
-    <p:sldId id="302" r:id="rId25"/>
+    <p:sldId id="304" r:id="rId17"/>
+    <p:sldId id="303" r:id="rId18"/>
+    <p:sldId id="294" r:id="rId19"/>
+    <p:sldId id="295" r:id="rId20"/>
+    <p:sldId id="296" r:id="rId21"/>
+    <p:sldId id="297" r:id="rId22"/>
+    <p:sldId id="298" r:id="rId23"/>
+    <p:sldId id="299" r:id="rId24"/>
+    <p:sldId id="300" r:id="rId25"/>
+    <p:sldId id="301" r:id="rId26"/>
+    <p:sldId id="302" r:id="rId27"/>
   </p:sldIdLst>
   <p:sldSz cx="9144000" cy="6858000" type="screen4x3"/>
   <p:notesSz cx="6858000" cy="9144000"/>
@@ -130,6 +132,22 @@
       </a:defRPr>
     </a:lvl9pPr>
   </p:defaultTextStyle>
+  <p:extLst>
+    <p:ext uri="{EFAFB233-063F-42B5-8137-9DF3F51BA10A}">
+      <p15:sldGuideLst xmlns:p15="http://schemas.microsoft.com/office/powerpoint/2012/main">
+        <p15:guide id="1" orient="horz" pos="2160">
+          <p15:clr>
+            <a:srgbClr val="A4A3A4"/>
+          </p15:clr>
+        </p15:guide>
+        <p15:guide id="2" pos="2880">
+          <p15:clr>
+            <a:srgbClr val="A4A3A4"/>
+          </p15:clr>
+        </p15:guide>
+      </p15:sldGuideLst>
+    </p:ext>
+  </p:extLst>
 </p:presentation>
 </file>
 
@@ -215,7 +233,7 @@
           <a:p>
             <a:fld id="{47B5508F-B9DA-3A4B-92BF-6A4138802024}" type="datetimeFigureOut">
               <a:rPr lang="en-US" smtClean="0"/>
-              <a:t>9/14/17</a:t>
+              <a:t>9/18/23</a:t>
             </a:fld>
             <a:endParaRPr lang="en-US"/>
           </a:p>
@@ -279,38 +297,37 @@
           <a:p>
             <a:pPr lvl="0"/>
             <a:r>
-              <a:rPr lang="en-US" smtClean="0"/>
+              <a:rPr lang="en-US"/>
               <a:t>Click to edit Master text styles</a:t>
             </a:r>
           </a:p>
           <a:p>
             <a:pPr lvl="1"/>
             <a:r>
-              <a:rPr lang="en-US" smtClean="0"/>
+              <a:rPr lang="en-US"/>
               <a:t>Second level</a:t>
             </a:r>
           </a:p>
           <a:p>
             <a:pPr lvl="2"/>
             <a:r>
-              <a:rPr lang="en-US" smtClean="0"/>
+              <a:rPr lang="en-US"/>
               <a:t>Third level</a:t>
             </a:r>
           </a:p>
           <a:p>
             <a:pPr lvl="3"/>
             <a:r>
-              <a:rPr lang="en-US" smtClean="0"/>
+              <a:rPr lang="en-US"/>
               <a:t>Fourth level</a:t>
             </a:r>
           </a:p>
           <a:p>
             <a:pPr lvl="4"/>
             <a:r>
-              <a:rPr lang="en-US" smtClean="0"/>
+              <a:rPr lang="en-US"/>
               <a:t>Fifth level</a:t>
             </a:r>
-            <a:endParaRPr lang="en-US"/>
           </a:p>
         </p:txBody>
       </p:sp>
@@ -608,10 +625,9 @@
           <a:lstStyle/>
           <a:p>
             <a:r>
-              <a:rPr lang="en-US" smtClean="0"/>
+              <a:rPr lang="en-US"/>
               <a:t>Click to edit Master title style</a:t>
             </a:r>
-            <a:endParaRPr lang="en-US"/>
           </a:p>
         </p:txBody>
       </p:sp>
@@ -727,10 +743,9 @@
           </a:lstStyle>
           <a:p>
             <a:r>
-              <a:rPr lang="en-US" smtClean="0"/>
+              <a:rPr lang="en-US"/>
               <a:t>Click to edit Master subtitle style</a:t>
             </a:r>
-            <a:endParaRPr lang="en-US"/>
           </a:p>
         </p:txBody>
       </p:sp>
@@ -752,7 +767,7 @@
             <a:fld id="{B2F2B4BC-311C-574E-AB1F-5BCC7E00BDAB}" type="datetimeFigureOut">
               <a:rPr lang="en-US" smtClean="0"/>
               <a:pPr/>
-              <a:t>9/14/17</a:t>
+              <a:t>9/18/23</a:t>
             </a:fld>
             <a:endParaRPr lang="en-US"/>
           </a:p>
@@ -842,10 +857,9 @@
           <a:lstStyle/>
           <a:p>
             <a:r>
-              <a:rPr lang="en-US" smtClean="0"/>
+              <a:rPr lang="en-US"/>
               <a:t>Click to edit Master title style</a:t>
             </a:r>
-            <a:endParaRPr lang="en-US"/>
           </a:p>
         </p:txBody>
       </p:sp>
@@ -866,38 +880,37 @@
           <a:p>
             <a:pPr lvl="0"/>
             <a:r>
-              <a:rPr lang="en-US" smtClean="0"/>
+              <a:rPr lang="en-US"/>
               <a:t>Click to edit Master text styles</a:t>
             </a:r>
           </a:p>
           <a:p>
             <a:pPr lvl="1"/>
             <a:r>
-              <a:rPr lang="en-US" smtClean="0"/>
+              <a:rPr lang="en-US"/>
               <a:t>Second level</a:t>
             </a:r>
           </a:p>
           <a:p>
             <a:pPr lvl="2"/>
             <a:r>
-              <a:rPr lang="en-US" smtClean="0"/>
+              <a:rPr lang="en-US"/>
               <a:t>Third level</a:t>
             </a:r>
           </a:p>
           <a:p>
             <a:pPr lvl="3"/>
             <a:r>
-              <a:rPr lang="en-US" smtClean="0"/>
+              <a:rPr lang="en-US"/>
               <a:t>Fourth level</a:t>
             </a:r>
           </a:p>
           <a:p>
             <a:pPr lvl="4"/>
             <a:r>
-              <a:rPr lang="en-US" smtClean="0"/>
+              <a:rPr lang="en-US"/>
               <a:t>Fifth level</a:t>
             </a:r>
-            <a:endParaRPr lang="en-US"/>
           </a:p>
         </p:txBody>
       </p:sp>
@@ -919,7 +932,7 @@
             <a:fld id="{B2F2B4BC-311C-574E-AB1F-5BCC7E00BDAB}" type="datetimeFigureOut">
               <a:rPr lang="en-US" smtClean="0"/>
               <a:pPr/>
-              <a:t>9/14/17</a:t>
+              <a:t>9/18/23</a:t>
             </a:fld>
             <a:endParaRPr lang="en-US"/>
           </a:p>
@@ -1014,10 +1027,9 @@
           <a:lstStyle/>
           <a:p>
             <a:r>
-              <a:rPr lang="en-US" smtClean="0"/>
+              <a:rPr lang="en-US"/>
               <a:t>Click to edit Master title style</a:t>
             </a:r>
-            <a:endParaRPr lang="en-US"/>
           </a:p>
         </p:txBody>
       </p:sp>
@@ -1043,38 +1055,37 @@
           <a:p>
             <a:pPr lvl="0"/>
             <a:r>
-              <a:rPr lang="en-US" smtClean="0"/>
+              <a:rPr lang="en-US"/>
               <a:t>Click to edit Master text styles</a:t>
             </a:r>
           </a:p>
           <a:p>
             <a:pPr lvl="1"/>
             <a:r>
-              <a:rPr lang="en-US" smtClean="0"/>
+              <a:rPr lang="en-US"/>
               <a:t>Second level</a:t>
             </a:r>
           </a:p>
           <a:p>
             <a:pPr lvl="2"/>
             <a:r>
-              <a:rPr lang="en-US" smtClean="0"/>
+              <a:rPr lang="en-US"/>
               <a:t>Third level</a:t>
             </a:r>
           </a:p>
           <a:p>
             <a:pPr lvl="3"/>
             <a:r>
-              <a:rPr lang="en-US" smtClean="0"/>
+              <a:rPr lang="en-US"/>
               <a:t>Fourth level</a:t>
             </a:r>
           </a:p>
           <a:p>
             <a:pPr lvl="4"/>
             <a:r>
-              <a:rPr lang="en-US" smtClean="0"/>
+              <a:rPr lang="en-US"/>
               <a:t>Fifth level</a:t>
             </a:r>
-            <a:endParaRPr lang="en-US"/>
           </a:p>
         </p:txBody>
       </p:sp>
@@ -1096,7 +1107,7 @@
             <a:fld id="{B2F2B4BC-311C-574E-AB1F-5BCC7E00BDAB}" type="datetimeFigureOut">
               <a:rPr lang="en-US" smtClean="0"/>
               <a:pPr/>
-              <a:t>9/14/17</a:t>
+              <a:t>9/18/23</a:t>
             </a:fld>
             <a:endParaRPr lang="en-US"/>
           </a:p>
@@ -1186,10 +1197,9 @@
           <a:lstStyle/>
           <a:p>
             <a:r>
-              <a:rPr lang="en-US" smtClean="0"/>
+              <a:rPr lang="en-US"/>
               <a:t>Click to edit Master title style</a:t>
             </a:r>
-            <a:endParaRPr lang="en-US"/>
           </a:p>
         </p:txBody>
       </p:sp>
@@ -1210,38 +1220,37 @@
           <a:p>
             <a:pPr lvl="0"/>
             <a:r>
-              <a:rPr lang="en-US" smtClean="0"/>
+              <a:rPr lang="en-US"/>
               <a:t>Click to edit Master text styles</a:t>
             </a:r>
           </a:p>
           <a:p>
             <a:pPr lvl="1"/>
             <a:r>
-              <a:rPr lang="en-US" smtClean="0"/>
+              <a:rPr lang="en-US"/>
               <a:t>Second level</a:t>
             </a:r>
           </a:p>
           <a:p>
             <a:pPr lvl="2"/>
             <a:r>
-              <a:rPr lang="en-US" smtClean="0"/>
+              <a:rPr lang="en-US"/>
               <a:t>Third level</a:t>
             </a:r>
           </a:p>
           <a:p>
             <a:pPr lvl="3"/>
             <a:r>
-              <a:rPr lang="en-US" smtClean="0"/>
+              <a:rPr lang="en-US"/>
               <a:t>Fourth level</a:t>
             </a:r>
           </a:p>
           <a:p>
             <a:pPr lvl="4"/>
             <a:r>
-              <a:rPr lang="en-US" smtClean="0"/>
+              <a:rPr lang="en-US"/>
               <a:t>Fifth level</a:t>
             </a:r>
-            <a:endParaRPr lang="en-US"/>
           </a:p>
         </p:txBody>
       </p:sp>
@@ -1263,7 +1272,7 @@
             <a:fld id="{B2F2B4BC-311C-574E-AB1F-5BCC7E00BDAB}" type="datetimeFigureOut">
               <a:rPr lang="en-US" smtClean="0"/>
               <a:pPr/>
-              <a:t>9/14/17</a:t>
+              <a:t>9/18/23</a:t>
             </a:fld>
             <a:endParaRPr lang="en-US"/>
           </a:p>
@@ -1362,10 +1371,9 @@
           </a:lstStyle>
           <a:p>
             <a:r>
-              <a:rPr lang="en-US" smtClean="0"/>
+              <a:rPr lang="en-US"/>
               <a:t>Click to edit Master title style</a:t>
             </a:r>
-            <a:endParaRPr lang="en-US"/>
           </a:p>
         </p:txBody>
       </p:sp>
@@ -1482,7 +1490,7 @@
           <a:p>
             <a:pPr lvl="0"/>
             <a:r>
-              <a:rPr lang="en-US" smtClean="0"/>
+              <a:rPr lang="en-US"/>
               <a:t>Click to edit Master text styles</a:t>
             </a:r>
           </a:p>
@@ -1506,7 +1514,7 @@
             <a:fld id="{B2F2B4BC-311C-574E-AB1F-5BCC7E00BDAB}" type="datetimeFigureOut">
               <a:rPr lang="en-US" smtClean="0"/>
               <a:pPr/>
-              <a:t>9/14/17</a:t>
+              <a:t>9/18/23</a:t>
             </a:fld>
             <a:endParaRPr lang="en-US"/>
           </a:p>
@@ -1596,10 +1604,9 @@
           <a:lstStyle/>
           <a:p>
             <a:r>
-              <a:rPr lang="en-US" smtClean="0"/>
+              <a:rPr lang="en-US"/>
               <a:t>Click to edit Master title style</a:t>
             </a:r>
-            <a:endParaRPr lang="en-US"/>
           </a:p>
         </p:txBody>
       </p:sp>
@@ -1653,38 +1660,37 @@
           <a:p>
             <a:pPr lvl="0"/>
             <a:r>
-              <a:rPr lang="en-US" smtClean="0"/>
+              <a:rPr lang="en-US"/>
               <a:t>Click to edit Master text styles</a:t>
             </a:r>
           </a:p>
           <a:p>
             <a:pPr lvl="1"/>
             <a:r>
-              <a:rPr lang="en-US" smtClean="0"/>
+              <a:rPr lang="en-US"/>
               <a:t>Second level</a:t>
             </a:r>
           </a:p>
           <a:p>
             <a:pPr lvl="2"/>
             <a:r>
-              <a:rPr lang="en-US" smtClean="0"/>
+              <a:rPr lang="en-US"/>
               <a:t>Third level</a:t>
             </a:r>
           </a:p>
           <a:p>
             <a:pPr lvl="3"/>
             <a:r>
-              <a:rPr lang="en-US" smtClean="0"/>
+              <a:rPr lang="en-US"/>
               <a:t>Fourth level</a:t>
             </a:r>
           </a:p>
           <a:p>
             <a:pPr lvl="4"/>
             <a:r>
-              <a:rPr lang="en-US" smtClean="0"/>
+              <a:rPr lang="en-US"/>
               <a:t>Fifth level</a:t>
             </a:r>
-            <a:endParaRPr lang="en-US"/>
           </a:p>
         </p:txBody>
       </p:sp>
@@ -1738,38 +1744,37 @@
           <a:p>
             <a:pPr lvl="0"/>
             <a:r>
-              <a:rPr lang="en-US" smtClean="0"/>
+              <a:rPr lang="en-US"/>
               <a:t>Click to edit Master text styles</a:t>
             </a:r>
           </a:p>
           <a:p>
             <a:pPr lvl="1"/>
             <a:r>
-              <a:rPr lang="en-US" smtClean="0"/>
+              <a:rPr lang="en-US"/>
               <a:t>Second level</a:t>
             </a:r>
           </a:p>
           <a:p>
             <a:pPr lvl="2"/>
             <a:r>
-              <a:rPr lang="en-US" smtClean="0"/>
+              <a:rPr lang="en-US"/>
               <a:t>Third level</a:t>
             </a:r>
           </a:p>
           <a:p>
             <a:pPr lvl="3"/>
             <a:r>
-              <a:rPr lang="en-US" smtClean="0"/>
+              <a:rPr lang="en-US"/>
               <a:t>Fourth level</a:t>
             </a:r>
           </a:p>
           <a:p>
             <a:pPr lvl="4"/>
             <a:r>
-              <a:rPr lang="en-US" smtClean="0"/>
+              <a:rPr lang="en-US"/>
               <a:t>Fifth level</a:t>
             </a:r>
-            <a:endParaRPr lang="en-US"/>
           </a:p>
         </p:txBody>
       </p:sp>
@@ -1791,7 +1796,7 @@
             <a:fld id="{B2F2B4BC-311C-574E-AB1F-5BCC7E00BDAB}" type="datetimeFigureOut">
               <a:rPr lang="en-US" smtClean="0"/>
               <a:pPr/>
-              <a:t>9/14/17</a:t>
+              <a:t>9/18/23</a:t>
             </a:fld>
             <a:endParaRPr lang="en-US"/>
           </a:p>
@@ -1885,10 +1890,9 @@
           </a:lstStyle>
           <a:p>
             <a:r>
-              <a:rPr lang="en-US" smtClean="0"/>
+              <a:rPr lang="en-US"/>
               <a:t>Click to edit Master title style</a:t>
             </a:r>
-            <a:endParaRPr lang="en-US"/>
           </a:p>
         </p:txBody>
       </p:sp>
@@ -1951,7 +1955,7 @@
           <a:p>
             <a:pPr lvl="0"/>
             <a:r>
-              <a:rPr lang="en-US" smtClean="0"/>
+              <a:rPr lang="en-US"/>
               <a:t>Click to edit Master text styles</a:t>
             </a:r>
           </a:p>
@@ -2007,38 +2011,37 @@
           <a:p>
             <a:pPr lvl="0"/>
             <a:r>
-              <a:rPr lang="en-US" smtClean="0"/>
+              <a:rPr lang="en-US"/>
               <a:t>Click to edit Master text styles</a:t>
             </a:r>
           </a:p>
           <a:p>
             <a:pPr lvl="1"/>
             <a:r>
-              <a:rPr lang="en-US" smtClean="0"/>
+              <a:rPr lang="en-US"/>
               <a:t>Second level</a:t>
             </a:r>
           </a:p>
           <a:p>
             <a:pPr lvl="2"/>
             <a:r>
-              <a:rPr lang="en-US" smtClean="0"/>
+              <a:rPr lang="en-US"/>
               <a:t>Third level</a:t>
             </a:r>
           </a:p>
           <a:p>
             <a:pPr lvl="3"/>
             <a:r>
-              <a:rPr lang="en-US" smtClean="0"/>
+              <a:rPr lang="en-US"/>
               <a:t>Fourth level</a:t>
             </a:r>
           </a:p>
           <a:p>
             <a:pPr lvl="4"/>
             <a:r>
-              <a:rPr lang="en-US" smtClean="0"/>
+              <a:rPr lang="en-US"/>
               <a:t>Fifth level</a:t>
             </a:r>
-            <a:endParaRPr lang="en-US"/>
           </a:p>
         </p:txBody>
       </p:sp>
@@ -2101,7 +2104,7 @@
           <a:p>
             <a:pPr lvl="0"/>
             <a:r>
-              <a:rPr lang="en-US" smtClean="0"/>
+              <a:rPr lang="en-US"/>
               <a:t>Click to edit Master text styles</a:t>
             </a:r>
           </a:p>
@@ -2157,38 +2160,37 @@
           <a:p>
             <a:pPr lvl="0"/>
             <a:r>
-              <a:rPr lang="en-US" smtClean="0"/>
+              <a:rPr lang="en-US"/>
               <a:t>Click to edit Master text styles</a:t>
             </a:r>
           </a:p>
           <a:p>
             <a:pPr lvl="1"/>
             <a:r>
-              <a:rPr lang="en-US" smtClean="0"/>
+              <a:rPr lang="en-US"/>
               <a:t>Second level</a:t>
             </a:r>
           </a:p>
           <a:p>
             <a:pPr lvl="2"/>
             <a:r>
-              <a:rPr lang="en-US" smtClean="0"/>
+              <a:rPr lang="en-US"/>
               <a:t>Third level</a:t>
             </a:r>
           </a:p>
           <a:p>
             <a:pPr lvl="3"/>
             <a:r>
-              <a:rPr lang="en-US" smtClean="0"/>
+              <a:rPr lang="en-US"/>
               <a:t>Fourth level</a:t>
             </a:r>
           </a:p>
           <a:p>
             <a:pPr lvl="4"/>
             <a:r>
-              <a:rPr lang="en-US" smtClean="0"/>
+              <a:rPr lang="en-US"/>
               <a:t>Fifth level</a:t>
             </a:r>
-            <a:endParaRPr lang="en-US"/>
           </a:p>
         </p:txBody>
       </p:sp>
@@ -2210,7 +2212,7 @@
             <a:fld id="{B2F2B4BC-311C-574E-AB1F-5BCC7E00BDAB}" type="datetimeFigureOut">
               <a:rPr lang="en-US" smtClean="0"/>
               <a:pPr/>
-              <a:t>9/14/17</a:t>
+              <a:t>9/18/23</a:t>
             </a:fld>
             <a:endParaRPr lang="en-US"/>
           </a:p>
@@ -2300,10 +2302,9 @@
           <a:lstStyle/>
           <a:p>
             <a:r>
-              <a:rPr lang="en-US" smtClean="0"/>
+              <a:rPr lang="en-US"/>
               <a:t>Click to edit Master title style</a:t>
             </a:r>
-            <a:endParaRPr lang="en-US"/>
           </a:p>
         </p:txBody>
       </p:sp>
@@ -2325,7 +2326,7 @@
             <a:fld id="{B2F2B4BC-311C-574E-AB1F-5BCC7E00BDAB}" type="datetimeFigureOut">
               <a:rPr lang="en-US" smtClean="0"/>
               <a:pPr/>
-              <a:t>9/14/17</a:t>
+              <a:t>9/18/23</a:t>
             </a:fld>
             <a:endParaRPr lang="en-US"/>
           </a:p>
@@ -2417,7 +2418,7 @@
             <a:fld id="{B2F2B4BC-311C-574E-AB1F-5BCC7E00BDAB}" type="datetimeFigureOut">
               <a:rPr lang="en-US" smtClean="0"/>
               <a:pPr/>
-              <a:t>9/14/17</a:t>
+              <a:t>9/18/23</a:t>
             </a:fld>
             <a:endParaRPr lang="en-US"/>
           </a:p>
@@ -2516,10 +2517,9 @@
           </a:lstStyle>
           <a:p>
             <a:r>
-              <a:rPr lang="en-US" smtClean="0"/>
+              <a:rPr lang="en-US"/>
               <a:t>Click to edit Master title style</a:t>
             </a:r>
-            <a:endParaRPr lang="en-US"/>
           </a:p>
         </p:txBody>
       </p:sp>
@@ -2573,38 +2573,37 @@
           <a:p>
             <a:pPr lvl="0"/>
             <a:r>
-              <a:rPr lang="en-US" smtClean="0"/>
+              <a:rPr lang="en-US"/>
               <a:t>Click to edit Master text styles</a:t>
             </a:r>
           </a:p>
           <a:p>
             <a:pPr lvl="1"/>
             <a:r>
-              <a:rPr lang="en-US" smtClean="0"/>
+              <a:rPr lang="en-US"/>
               <a:t>Second level</a:t>
             </a:r>
           </a:p>
           <a:p>
             <a:pPr lvl="2"/>
             <a:r>
-              <a:rPr lang="en-US" smtClean="0"/>
+              <a:rPr lang="en-US"/>
               <a:t>Third level</a:t>
             </a:r>
           </a:p>
           <a:p>
             <a:pPr lvl="3"/>
             <a:r>
-              <a:rPr lang="en-US" smtClean="0"/>
+              <a:rPr lang="en-US"/>
               <a:t>Fourth level</a:t>
             </a:r>
           </a:p>
           <a:p>
             <a:pPr lvl="4"/>
             <a:r>
-              <a:rPr lang="en-US" smtClean="0"/>
+              <a:rPr lang="en-US"/>
               <a:t>Fifth level</a:t>
             </a:r>
-            <a:endParaRPr lang="en-US"/>
           </a:p>
         </p:txBody>
       </p:sp>
@@ -2667,7 +2666,7 @@
           <a:p>
             <a:pPr lvl="0"/>
             <a:r>
-              <a:rPr lang="en-US" smtClean="0"/>
+              <a:rPr lang="en-US"/>
               <a:t>Click to edit Master text styles</a:t>
             </a:r>
           </a:p>
@@ -2691,7 +2690,7 @@
             <a:fld id="{B2F2B4BC-311C-574E-AB1F-5BCC7E00BDAB}" type="datetimeFigureOut">
               <a:rPr lang="en-US" smtClean="0"/>
               <a:pPr/>
-              <a:t>9/14/17</a:t>
+              <a:t>9/18/23</a:t>
             </a:fld>
             <a:endParaRPr lang="en-US"/>
           </a:p>
@@ -2790,10 +2789,9 @@
           </a:lstStyle>
           <a:p>
             <a:r>
-              <a:rPr lang="en-US" smtClean="0"/>
+              <a:rPr lang="en-US"/>
               <a:t>Click to edit Master title style</a:t>
             </a:r>
-            <a:endParaRPr lang="en-US"/>
           </a:p>
         </p:txBody>
       </p:sp>
@@ -2917,7 +2915,7 @@
           <a:p>
             <a:pPr lvl="0"/>
             <a:r>
-              <a:rPr lang="en-US" smtClean="0"/>
+              <a:rPr lang="en-US"/>
               <a:t>Click to edit Master text styles</a:t>
             </a:r>
           </a:p>
@@ -2941,7 +2939,7 @@
             <a:fld id="{B2F2B4BC-311C-574E-AB1F-5BCC7E00BDAB}" type="datetimeFigureOut">
               <a:rPr lang="en-US" smtClean="0"/>
               <a:pPr/>
-              <a:t>9/14/17</a:t>
+              <a:t>9/18/23</a:t>
             </a:fld>
             <a:endParaRPr lang="en-US"/>
           </a:p>
@@ -3046,10 +3044,9 @@
           <a:lstStyle/>
           <a:p>
             <a:r>
-              <a:rPr lang="en-US" smtClean="0"/>
+              <a:rPr lang="en-US"/>
               <a:t>Click to edit Master title style</a:t>
             </a:r>
-            <a:endParaRPr lang="en-US"/>
           </a:p>
         </p:txBody>
       </p:sp>
@@ -3080,38 +3077,37 @@
           <a:p>
             <a:pPr lvl="0"/>
             <a:r>
-              <a:rPr lang="en-US" smtClean="0"/>
+              <a:rPr lang="en-US"/>
               <a:t>Click to edit Master text styles</a:t>
             </a:r>
           </a:p>
           <a:p>
             <a:pPr lvl="1"/>
             <a:r>
-              <a:rPr lang="en-US" smtClean="0"/>
+              <a:rPr lang="en-US"/>
               <a:t>Second level</a:t>
             </a:r>
           </a:p>
           <a:p>
             <a:pPr lvl="2"/>
             <a:r>
-              <a:rPr lang="en-US" smtClean="0"/>
+              <a:rPr lang="en-US"/>
               <a:t>Third level</a:t>
             </a:r>
           </a:p>
           <a:p>
             <a:pPr lvl="3"/>
             <a:r>
-              <a:rPr lang="en-US" smtClean="0"/>
+              <a:rPr lang="en-US"/>
               <a:t>Fourth level</a:t>
             </a:r>
           </a:p>
           <a:p>
             <a:pPr lvl="4"/>
             <a:r>
-              <a:rPr lang="en-US" smtClean="0"/>
+              <a:rPr lang="en-US"/>
               <a:t>Fifth level</a:t>
             </a:r>
-            <a:endParaRPr lang="en-US"/>
           </a:p>
         </p:txBody>
       </p:sp>
@@ -3151,7 +3147,7 @@
             <a:fld id="{B2F2B4BC-311C-574E-AB1F-5BCC7E00BDAB}" type="datetimeFigureOut">
               <a:rPr lang="en-US" smtClean="0"/>
               <a:pPr/>
-              <a:t>9/14/17</a:t>
+              <a:t>9/18/23</a:t>
             </a:fld>
             <a:endParaRPr lang="en-US"/>
           </a:p>
@@ -3531,7 +3527,7 @@
           <p:nvPr/>
         </p:nvPicPr>
         <p:blipFill>
-          <a:blip r:embed="rId4"/>
+          <a:blip r:embed="rId3"/>
           <a:srcRect/>
           <a:stretch>
             <a:fillRect/>
@@ -3563,7 +3559,7 @@
           <p:nvPr/>
         </p:nvPicPr>
         <p:blipFill>
-          <a:blip r:embed="rId4"/>
+          <a:blip r:embed="rId3"/>
           <a:srcRect/>
           <a:stretch>
             <a:fillRect/>
@@ -3620,7 +3616,7 @@
           <a:p>
             <a:pPr algn="ctr"/>
             <a:r>
-              <a:rPr lang="en-US" sz="4400" dirty="0" smtClean="0">
+              <a:rPr lang="en-US" sz="4400" dirty="0">
                 <a:latin typeface="Times New Roman"/>
                 <a:cs typeface="Times New Roman"/>
               </a:rPr>
@@ -3651,12 +3647,12 @@
           <a:graphicData uri="http://schemas.openxmlformats.org/presentationml/2006/ole">
             <mc:AlternateContent xmlns:mc="http://schemas.openxmlformats.org/markup-compatibility/2006">
               <mc:Choice xmlns:v="urn:schemas-microsoft-com:vml" Requires="v">
-                <p:oleObj spid="_x0000_s45385" r:id="rId5" imgW="76320" imgH="181080" progId="">
+                <p:oleObj r:id="rId4" imgW="76320" imgH="181080" progId="">
                   <p:embed/>
                 </p:oleObj>
               </mc:Choice>
               <mc:Fallback>
-                <p:oleObj r:id="rId5" imgW="76320" imgH="181080" progId="">
+                <p:oleObj r:id="rId4" imgW="76320" imgH="181080" progId="">
                   <p:embed/>
                   <p:pic>
                     <p:nvPicPr>
@@ -3667,7 +3663,7 @@
                       <p:nvPr/>
                     </p:nvPicPr>
                     <p:blipFill>
-                      <a:blip r:embed="rId6">
+                      <a:blip r:embed="rId5">
                         <a:extLst>
                           <a:ext uri="{28A0092B-C50C-407E-A947-70E740481C1C}">
                             <a14:useLocalDpi xmlns:a14="http://schemas.microsoft.com/office/drawing/2010/main" val="0"/>
@@ -3690,7 +3686,7 @@
                       <a:noFill/>
                       <a:extLst>
                         <a:ext uri="{909E8E84-426E-40dd-AFC4-6F175D3DCCD1}">
-                          <a14:hiddenFill xmlns:a14="http://schemas.microsoft.com/office/drawing/2010/main">
+                          <a14:hiddenFill xmlns="" xmlns:a14="http://schemas.microsoft.com/office/drawing/2010/main">
                             <a:blipFill dpi="0" rotWithShape="0">
                               <a:blip/>
                               <a:srcRect/>
@@ -3718,7 +3714,7 @@
           <p:nvPr/>
         </p:nvPicPr>
         <p:blipFill>
-          <a:blip r:embed="rId7"/>
+          <a:blip r:embed="rId6"/>
           <a:stretch>
             <a:fillRect/>
           </a:stretch>
@@ -3743,11 +3739,11 @@
   <p:clrMapOvr>
     <a:masterClrMapping/>
   </p:clrMapOvr>
-  <p:transition xmlns:p14="http://schemas.microsoft.com/office/powerpoint/2010/main" spd="med"/>
+  <p:transition spd="med"/>
   <p:timing>
     <p:tnLst>
       <p:par>
-        <p:cTn xmlns:p14="http://schemas.microsoft.com/office/powerpoint/2010/main" id="1" dur="indefinite" restart="never" nodeType="tmRoot">
+        <p:cTn id="1" dur="indefinite" restart="never" nodeType="tmRoot">
           <p:childTnLst>
             <p:seq concurrent="1" nextAc="seek">
               <p:cTn id="2" dur="0" nodeType="mainSeq"/>
@@ -3874,7 +3870,7 @@
               </a:tabLst>
             </a:pPr>
             <a:r>
-              <a:rPr lang="en-GB" sz="4000" dirty="0" smtClean="0">
+              <a:rPr lang="en-GB" sz="4000" dirty="0">
                 <a:solidFill>
                   <a:srgbClr val="000000"/>
                 </a:solidFill>
@@ -3882,12 +3878,6 @@
               </a:rPr>
               <a:t>The Fundamental Rules of Our Game</a:t>
             </a:r>
-            <a:endParaRPr lang="en-GB" sz="4000" dirty="0">
-              <a:solidFill>
-                <a:srgbClr val="000000"/>
-              </a:solidFill>
-              <a:latin typeface="Times New Roman" pitchFamily="18" charset="0"/>
-            </a:endParaRPr>
           </a:p>
         </p:txBody>
       </p:sp>
@@ -3941,7 +3931,7 @@
               </a:tabLst>
             </a:pPr>
             <a:r>
-              <a:rPr lang="en-GB" sz="2800" dirty="0" smtClean="0">
+              <a:rPr lang="en-GB" sz="2800" dirty="0">
                 <a:solidFill>
                   <a:srgbClr val="000000"/>
                 </a:solidFill>
@@ -3950,7 +3940,7 @@
               <a:t>All that can be known about a physical system (i.e. its </a:t>
             </a:r>
             <a:r>
-              <a:rPr lang="en-GB" sz="2800" b="1" dirty="0" smtClean="0">
+              <a:rPr lang="en-GB" sz="2800" b="1" dirty="0">
                 <a:solidFill>
                   <a:srgbClr val="000000"/>
                 </a:solidFill>
@@ -3959,7 +3949,7 @@
               <a:t>state</a:t>
             </a:r>
             <a:r>
-              <a:rPr lang="en-GB" sz="2800" dirty="0" smtClean="0">
+              <a:rPr lang="en-GB" sz="2800" dirty="0">
                 <a:solidFill>
                   <a:srgbClr val="000000"/>
                 </a:solidFill>
@@ -3968,7 +3958,7 @@
               <a:t>) is encoded in its </a:t>
             </a:r>
             <a:r>
-              <a:rPr lang="en-GB" sz="2800" b="1" dirty="0" smtClean="0">
+              <a:rPr lang="en-GB" sz="2800" b="1" dirty="0">
                 <a:solidFill>
                   <a:srgbClr val="000000"/>
                 </a:solidFill>
@@ -4032,7 +4022,7 @@
               </a:tabLst>
             </a:pPr>
             <a:r>
-              <a:rPr lang="en-GB" sz="3200" dirty="0" smtClean="0">
+              <a:rPr lang="en-GB" sz="3200" dirty="0">
                 <a:solidFill>
                   <a:srgbClr val="000000"/>
                 </a:solidFill>
@@ -4093,7 +4083,7 @@
               </a:tabLst>
             </a:pPr>
             <a:r>
-              <a:rPr lang="en-GB" sz="2800" i="1" dirty="0" smtClean="0">
+              <a:rPr lang="en-GB" sz="2800" i="1" dirty="0">
                 <a:solidFill>
                   <a:srgbClr val="000000"/>
                 </a:solidFill>
@@ -4103,7 +4093,7 @@
               <a:t>y</a:t>
             </a:r>
             <a:r>
-              <a:rPr lang="en-GB" sz="2800" i="1" baseline="30000" dirty="0" smtClean="0">
+              <a:rPr lang="en-GB" sz="2800" i="1" baseline="30000" dirty="0">
                 <a:solidFill>
                   <a:srgbClr val="000000"/>
                 </a:solidFill>
@@ -4113,7 +4103,7 @@
               <a:t>*</a:t>
             </a:r>
             <a:r>
-              <a:rPr lang="en-GB" sz="2800" dirty="0" smtClean="0">
+              <a:rPr lang="en-GB" sz="2800" dirty="0">
                 <a:solidFill>
                   <a:srgbClr val="000000"/>
                 </a:solidFill>
@@ -4121,7 +4111,7 @@
               </a:rPr>
               <a:t> means conjugate</a:t>
             </a:r>
-            <a:endParaRPr lang="en-GB" sz="2800" b="1" i="1" u="sng" dirty="0" smtClean="0">
+            <a:endParaRPr lang="en-GB" sz="2800" b="1" i="1" u="sng" dirty="0">
               <a:solidFill>
                 <a:srgbClr val="000000"/>
               </a:solidFill>
@@ -4198,7 +4188,7 @@
           <a:lstStyle/>
           <a:p>
             <a:r>
-              <a:rPr lang="en-GB" sz="3200" dirty="0" smtClean="0">
+              <a:rPr lang="en-GB" sz="3200" dirty="0">
                 <a:solidFill>
                   <a:srgbClr val="000000"/>
                 </a:solidFill>
@@ -4223,7 +4213,7 @@
   <p:timing>
     <p:tnLst>
       <p:par>
-        <p:cTn xmlns:p14="http://schemas.microsoft.com/office/powerpoint/2010/main" id="1" dur="indefinite" restart="never" nodeType="tmRoot">
+        <p:cTn id="1" dur="indefinite" restart="never" nodeType="tmRoot">
           <p:childTnLst>
             <p:seq concurrent="1" nextAc="seek">
               <p:cTn id="2" dur="indefinite" nodeType="mainSeq">
@@ -4611,7 +4601,7 @@
               </a:tabLst>
             </a:pPr>
             <a:r>
-              <a:rPr lang="en-GB" sz="4000" dirty="0" smtClean="0">
+              <a:rPr lang="en-GB" sz="4000" dirty="0">
                 <a:solidFill>
                   <a:srgbClr val="000000"/>
                 </a:solidFill>
@@ -4619,12 +4609,6 @@
               </a:rPr>
               <a:t>The Fundamental Rules of Our Game</a:t>
             </a:r>
-            <a:endParaRPr lang="en-GB" sz="4000" dirty="0">
-              <a:solidFill>
-                <a:srgbClr val="000000"/>
-              </a:solidFill>
-              <a:latin typeface="Times New Roman" pitchFamily="18" charset="0"/>
-            </a:endParaRPr>
           </a:p>
         </p:txBody>
       </p:sp>
@@ -4678,7 +4662,7 @@
               </a:tabLst>
             </a:pPr>
             <a:r>
-              <a:rPr lang="en-GB" sz="2800" dirty="0" smtClean="0">
+              <a:rPr lang="en-GB" sz="2800" dirty="0">
                 <a:solidFill>
                   <a:srgbClr val="000000"/>
                 </a:solidFill>
@@ -4687,7 +4671,7 @@
               <a:t>All that can be known about a physical system (i.e. its </a:t>
             </a:r>
             <a:r>
-              <a:rPr lang="en-GB" sz="2800" b="1" dirty="0" smtClean="0">
+              <a:rPr lang="en-GB" sz="2800" b="1" dirty="0">
                 <a:solidFill>
                   <a:srgbClr val="000000"/>
                 </a:solidFill>
@@ -4696,7 +4680,7 @@
               <a:t>state</a:t>
             </a:r>
             <a:r>
-              <a:rPr lang="en-GB" sz="2800" dirty="0" smtClean="0">
+              <a:rPr lang="en-GB" sz="2800" dirty="0">
                 <a:solidFill>
                   <a:srgbClr val="000000"/>
                 </a:solidFill>
@@ -4705,7 +4689,7 @@
               <a:t>) is encoded in its </a:t>
             </a:r>
             <a:r>
-              <a:rPr lang="en-GB" sz="2800" b="1" dirty="0" smtClean="0">
+              <a:rPr lang="en-GB" sz="2800" b="1" dirty="0">
                 <a:solidFill>
                   <a:srgbClr val="000000"/>
                 </a:solidFill>
@@ -4769,7 +4753,7 @@
               </a:tabLst>
             </a:pPr>
             <a:r>
-              <a:rPr lang="en-GB" sz="3200" dirty="0" smtClean="0">
+              <a:rPr lang="en-GB" sz="3200" dirty="0">
                 <a:solidFill>
                   <a:srgbClr val="000000"/>
                 </a:solidFill>
@@ -4830,7 +4814,7 @@
               </a:tabLst>
             </a:pPr>
             <a:r>
-              <a:rPr lang="en-GB" sz="2800" dirty="0" smtClean="0">
+              <a:rPr lang="en-GB" sz="2800" dirty="0">
                 <a:solidFill>
                   <a:srgbClr val="000000"/>
                 </a:solidFill>
@@ -4916,7 +4900,7 @@
               </a:tabLst>
             </a:pPr>
             <a:r>
-              <a:rPr lang="en-GB" sz="2400" dirty="0" smtClean="0">
+              <a:rPr lang="en-GB" sz="2400" dirty="0">
                 <a:solidFill>
                   <a:srgbClr val="000000"/>
                 </a:solidFill>
@@ -4926,7 +4910,7 @@
               <a:t>This is called the </a:t>
             </a:r>
             <a:r>
-              <a:rPr lang="en-GB" sz="2400" b="1" dirty="0" smtClean="0">
+              <a:rPr lang="en-GB" sz="2400" b="1" dirty="0">
                 <a:solidFill>
                   <a:srgbClr val="000000"/>
                 </a:solidFill>
@@ -4935,7 +4919,7 @@
               </a:rPr>
               <a:t>normalization condition</a:t>
             </a:r>
-            <a:endParaRPr lang="en-GB" sz="2400" dirty="0" smtClean="0">
+            <a:endParaRPr lang="en-GB" sz="2400" dirty="0">
               <a:solidFill>
                 <a:srgbClr val="000000"/>
               </a:solidFill>
@@ -4966,7 +4950,7 @@
               </a:tabLst>
             </a:pPr>
             <a:r>
-              <a:rPr lang="en-GB" sz="2400" dirty="0" smtClean="0">
+              <a:rPr lang="en-GB" sz="2400" dirty="0">
                 <a:solidFill>
                   <a:srgbClr val="000000"/>
                 </a:solidFill>
@@ -4983,17 +4967,7 @@
                 <a:latin typeface="Times New Roman"/>
                 <a:cs typeface="Times New Roman"/>
               </a:rPr>
-              <a:t>n</a:t>
-            </a:r>
-            <a:r>
-              <a:rPr lang="en-GB" sz="2400" b="1" dirty="0" smtClean="0">
-                <a:solidFill>
-                  <a:srgbClr val="000000"/>
-                </a:solidFill>
-                <a:latin typeface="Times New Roman"/>
-                <a:cs typeface="Times New Roman"/>
-              </a:rPr>
-              <a:t>ormalized</a:t>
+              <a:t>normalized</a:t>
             </a:r>
           </a:p>
         </p:txBody>
@@ -5011,7 +4985,7 @@
   <p:timing>
     <p:tnLst>
       <p:par>
-        <p:cTn xmlns:p14="http://schemas.microsoft.com/office/powerpoint/2010/main" id="1" dur="indefinite" restart="never" nodeType="tmRoot">
+        <p:cTn id="1" dur="indefinite" restart="never" nodeType="tmRoot">
           <p:childTnLst>
             <p:seq concurrent="1" nextAc="seek">
               <p:cTn id="2" dur="indefinite" nodeType="mainSeq">
@@ -5308,7 +5282,7 @@
               </a:tabLst>
             </a:pPr>
             <a:r>
-              <a:rPr lang="en-GB" sz="4000" dirty="0" smtClean="0">
+              <a:rPr lang="en-GB" sz="4000" dirty="0">
                 <a:solidFill>
                   <a:srgbClr val="000000"/>
                 </a:solidFill>
@@ -5316,12 +5290,6 @@
               </a:rPr>
               <a:t>The Fundamental Rules of Our Game</a:t>
             </a:r>
-            <a:endParaRPr lang="en-GB" sz="4000" dirty="0">
-              <a:solidFill>
-                <a:srgbClr val="000000"/>
-              </a:solidFill>
-              <a:latin typeface="Times New Roman" pitchFamily="18" charset="0"/>
-            </a:endParaRPr>
           </a:p>
         </p:txBody>
       </p:sp>
@@ -5375,7 +5343,7 @@
               </a:tabLst>
             </a:pPr>
             <a:r>
-              <a:rPr lang="en-GB" sz="2800" dirty="0" smtClean="0">
+              <a:rPr lang="en-GB" sz="2800" dirty="0">
                 <a:solidFill>
                   <a:srgbClr val="000000"/>
                 </a:solidFill>
@@ -5384,7 +5352,7 @@
               <a:t>Every observable satisfies an </a:t>
             </a:r>
             <a:r>
-              <a:rPr lang="en-GB" sz="2800" dirty="0" err="1" smtClean="0">
+              <a:rPr lang="en-GB" sz="2800" dirty="0" err="1">
                 <a:solidFill>
                   <a:srgbClr val="000000"/>
                 </a:solidFill>
@@ -5393,7 +5361,7 @@
               <a:t>eigen</a:t>
             </a:r>
             <a:r>
-              <a:rPr lang="en-GB" sz="2800" dirty="0" smtClean="0">
+              <a:rPr lang="en-GB" sz="2800" dirty="0">
                 <a:solidFill>
                   <a:srgbClr val="000000"/>
                 </a:solidFill>
@@ -5425,7 +5393,7 @@
               </a:tabLst>
             </a:pPr>
             <a:r>
-              <a:rPr lang="en-GB" sz="2800" dirty="0" smtClean="0">
+              <a:rPr lang="en-GB" sz="2800" dirty="0">
                 <a:solidFill>
                   <a:srgbClr val="000000"/>
                 </a:solidFill>
@@ -5457,7 +5425,7 @@
               </a:tabLst>
             </a:pPr>
             <a:r>
-              <a:rPr lang="en-GB" sz="2800" dirty="0" smtClean="0">
+              <a:rPr lang="en-GB" sz="2800" dirty="0">
                 <a:solidFill>
                   <a:srgbClr val="000000"/>
                 </a:solidFill>
@@ -5466,7 +5434,7 @@
               <a:t>The </a:t>
             </a:r>
             <a:r>
-              <a:rPr lang="en-GB" sz="2800" dirty="0" err="1" smtClean="0">
+              <a:rPr lang="en-GB" sz="2800" dirty="0" err="1">
                 <a:solidFill>
                   <a:srgbClr val="000000"/>
                 </a:solidFill>
@@ -5475,7 +5443,7 @@
               <a:t>eigen</a:t>
             </a:r>
             <a:r>
-              <a:rPr lang="en-GB" sz="2800" dirty="0" smtClean="0">
+              <a:rPr lang="en-GB" sz="2800" dirty="0">
                 <a:solidFill>
                   <a:srgbClr val="000000"/>
                 </a:solidFill>
@@ -5484,7 +5452,7 @@
               <a:t>-system we are </a:t>
             </a:r>
             <a:r>
-              <a:rPr lang="en-GB" sz="2800" b="1" i="1" u="sng" dirty="0" smtClean="0">
+              <a:rPr lang="en-GB" sz="2800" b="1" i="1" u="sng" dirty="0">
                 <a:solidFill>
                   <a:srgbClr val="000000"/>
                 </a:solidFill>
@@ -5493,7 +5461,7 @@
               <a:t>MOST</a:t>
             </a:r>
             <a:r>
-              <a:rPr lang="en-GB" sz="2800" dirty="0" smtClean="0">
+              <a:rPr lang="en-GB" sz="2800" dirty="0">
                 <a:solidFill>
                   <a:srgbClr val="000000"/>
                 </a:solidFill>
@@ -5557,7 +5525,7 @@
               </a:tabLst>
             </a:pPr>
             <a:r>
-              <a:rPr lang="en-GB" sz="3200" dirty="0" smtClean="0">
+              <a:rPr lang="en-GB" sz="3200" dirty="0">
                 <a:solidFill>
                   <a:srgbClr val="000000"/>
                 </a:solidFill>
@@ -5649,7 +5617,7 @@
           <a:p>
             <a:pPr algn="ctr"/>
             <a:r>
-              <a:rPr lang="en-GB" sz="2800" dirty="0" smtClean="0">
+              <a:rPr lang="en-GB" sz="2800" dirty="0">
                 <a:solidFill>
                   <a:srgbClr val="000000"/>
                 </a:solidFill>
@@ -5658,7 +5626,7 @@
               <a:t>We are interested in </a:t>
             </a:r>
             <a:r>
-              <a:rPr lang="en-GB" sz="2800" dirty="0" err="1" smtClean="0">
+              <a:rPr lang="en-GB" sz="2800" dirty="0" err="1">
                 <a:solidFill>
                   <a:srgbClr val="000000"/>
                 </a:solidFill>
@@ -5667,7 +5635,7 @@
               <a:t>eigenfunctions</a:t>
             </a:r>
             <a:r>
-              <a:rPr lang="en-GB" sz="2800" dirty="0" smtClean="0">
+              <a:rPr lang="en-GB" sz="2800" dirty="0">
                 <a:solidFill>
                   <a:srgbClr val="000000"/>
                 </a:solidFill>
@@ -5702,7 +5670,7 @@
           <a:p>
             <a:pPr algn="ctr"/>
             <a:r>
-              <a:rPr lang="en-GB" sz="2800" dirty="0" smtClean="0">
+              <a:rPr lang="en-GB" sz="2800" dirty="0">
                 <a:solidFill>
                   <a:srgbClr val="000000"/>
                 </a:solidFill>
@@ -5727,7 +5695,7 @@
   <p:timing>
     <p:tnLst>
       <p:par>
-        <p:cTn xmlns:p14="http://schemas.microsoft.com/office/powerpoint/2010/main" id="1" dur="indefinite" restart="never" nodeType="tmRoot">
+        <p:cTn id="1" dur="indefinite" restart="never" nodeType="tmRoot">
           <p:childTnLst>
             <p:seq concurrent="1" nextAc="seek">
               <p:cTn id="2" dur="indefinite" nodeType="mainSeq">
@@ -6208,7 +6176,7 @@
               </a:tabLst>
             </a:pPr>
             <a:r>
-              <a:rPr lang="en-GB" sz="4000" dirty="0" smtClean="0">
+              <a:rPr lang="en-GB" sz="4000" dirty="0">
                 <a:solidFill>
                   <a:srgbClr val="000000"/>
                 </a:solidFill>
@@ -6216,12 +6184,6 @@
               </a:rPr>
               <a:t>The Fundamental Rules of Our Game</a:t>
             </a:r>
-            <a:endParaRPr lang="en-GB" sz="4000" dirty="0">
-              <a:solidFill>
-                <a:srgbClr val="000000"/>
-              </a:solidFill>
-              <a:latin typeface="Times New Roman" pitchFamily="18" charset="0"/>
-            </a:endParaRPr>
           </a:p>
         </p:txBody>
       </p:sp>
@@ -6275,7 +6237,7 @@
               </a:tabLst>
             </a:pPr>
             <a:r>
-              <a:rPr lang="en-GB" sz="2800" dirty="0" smtClean="0">
+              <a:rPr lang="en-GB" sz="2800" dirty="0">
                 <a:solidFill>
                   <a:srgbClr val="000000"/>
                 </a:solidFill>
@@ -6284,7 +6246,7 @@
               <a:t>Besides being eigenvalues of some </a:t>
             </a:r>
             <a:r>
-              <a:rPr lang="en-GB" sz="2800" dirty="0" err="1" smtClean="0">
+              <a:rPr lang="en-GB" sz="2800" dirty="0" err="1">
                 <a:solidFill>
                   <a:srgbClr val="000000"/>
                 </a:solidFill>
@@ -6293,7 +6255,7 @@
               <a:t>eigen</a:t>
             </a:r>
             <a:r>
-              <a:rPr lang="en-GB" sz="2800" dirty="0" smtClean="0">
+              <a:rPr lang="en-GB" sz="2800" dirty="0">
                 <a:solidFill>
                   <a:srgbClr val="000000"/>
                 </a:solidFill>
@@ -6302,7 +6264,7 @@
               <a:t>-system, observables are </a:t>
             </a:r>
             <a:r>
-              <a:rPr lang="en-GB" sz="2800" i="1" u="sng" dirty="0" smtClean="0">
+              <a:rPr lang="en-GB" sz="2800" i="1" u="sng" dirty="0">
                 <a:solidFill>
                   <a:srgbClr val="000000"/>
                 </a:solidFill>
@@ -6311,7 +6273,7 @@
               <a:t>also</a:t>
             </a:r>
             <a:r>
-              <a:rPr lang="en-GB" sz="2800" dirty="0" smtClean="0">
+              <a:rPr lang="en-GB" sz="2800" dirty="0">
                 <a:solidFill>
                   <a:srgbClr val="000000"/>
                 </a:solidFill>
@@ -6320,7 +6282,7 @@
               <a:t> </a:t>
             </a:r>
             <a:r>
-              <a:rPr lang="en-GB" sz="2800" b="1" dirty="0" smtClean="0">
+              <a:rPr lang="en-GB" sz="2800" b="1" dirty="0">
                 <a:solidFill>
                   <a:srgbClr val="000000"/>
                 </a:solidFill>
@@ -6352,7 +6314,7 @@
               </a:tabLst>
             </a:pPr>
             <a:r>
-              <a:rPr lang="en-GB" sz="2800" dirty="0" smtClean="0">
+              <a:rPr lang="en-GB" sz="2800" dirty="0">
                 <a:solidFill>
                   <a:srgbClr val="000000"/>
                 </a:solidFill>
@@ -6416,7 +6378,7 @@
               </a:tabLst>
             </a:pPr>
             <a:r>
-              <a:rPr lang="en-GB" sz="3200" dirty="0" smtClean="0">
+              <a:rPr lang="en-GB" sz="3200" dirty="0">
                 <a:solidFill>
                   <a:srgbClr val="000000"/>
                 </a:solidFill>
@@ -6497,7 +6459,7 @@
           <a:lstStyle/>
           <a:p>
             <a:r>
-              <a:rPr lang="en-GB" sz="2400" dirty="0" smtClean="0">
+              <a:rPr lang="en-GB" sz="2400" dirty="0">
                 <a:solidFill>
                   <a:srgbClr val="000000"/>
                 </a:solidFill>
@@ -6531,7 +6493,7 @@
           <a:lstStyle/>
           <a:p>
             <a:r>
-              <a:rPr lang="en-GB" sz="2400" dirty="0" smtClean="0">
+              <a:rPr lang="en-GB" sz="2400" dirty="0">
                 <a:solidFill>
                   <a:srgbClr val="000000"/>
                 </a:solidFill>
@@ -6556,7 +6518,7 @@
   <p:timing>
     <p:tnLst>
       <p:par>
-        <p:cTn xmlns:p14="http://schemas.microsoft.com/office/powerpoint/2010/main" id="1" dur="indefinite" restart="never" nodeType="tmRoot">
+        <p:cTn id="1" dur="indefinite" restart="never" nodeType="tmRoot">
           <p:childTnLst>
             <p:seq concurrent="1" nextAc="seek">
               <p:cTn id="2" dur="indefinite" nodeType="mainSeq">
@@ -6962,7 +6924,7 @@
               </a:tabLst>
             </a:pPr>
             <a:r>
-              <a:rPr lang="en-GB" sz="4000" dirty="0" smtClean="0">
+              <a:rPr lang="en-GB" sz="4000" dirty="0">
                 <a:solidFill>
                   <a:srgbClr val="000000"/>
                 </a:solidFill>
@@ -6970,12 +6932,6 @@
               </a:rPr>
               <a:t>The Fundamental Rules of Our Game</a:t>
             </a:r>
-            <a:endParaRPr lang="en-GB" sz="4000" dirty="0">
-              <a:solidFill>
-                <a:srgbClr val="000000"/>
-              </a:solidFill>
-              <a:latin typeface="Times New Roman" pitchFamily="18" charset="0"/>
-            </a:endParaRPr>
           </a:p>
         </p:txBody>
       </p:sp>
@@ -7029,7 +6985,7 @@
               </a:tabLst>
             </a:pPr>
             <a:r>
-              <a:rPr lang="en-GB" sz="2800" dirty="0" smtClean="0">
+              <a:rPr lang="en-GB" sz="2800" dirty="0">
                 <a:solidFill>
                   <a:srgbClr val="000000"/>
                 </a:solidFill>
@@ -7038,7 +6994,7 @@
               <a:t>Besides being eigenvalues of some </a:t>
             </a:r>
             <a:r>
-              <a:rPr lang="en-GB" sz="2800" dirty="0" err="1" smtClean="0">
+              <a:rPr lang="en-GB" sz="2800" dirty="0" err="1">
                 <a:solidFill>
                   <a:srgbClr val="000000"/>
                 </a:solidFill>
@@ -7047,7 +7003,7 @@
               <a:t>eigen</a:t>
             </a:r>
             <a:r>
-              <a:rPr lang="en-GB" sz="2800" dirty="0" smtClean="0">
+              <a:rPr lang="en-GB" sz="2800" dirty="0">
                 <a:solidFill>
                   <a:srgbClr val="000000"/>
                 </a:solidFill>
@@ -7056,7 +7012,7 @@
               <a:t>-system, observables are </a:t>
             </a:r>
             <a:r>
-              <a:rPr lang="en-GB" sz="2800" i="1" u="sng" dirty="0" smtClean="0">
+              <a:rPr lang="en-GB" sz="2800" i="1" u="sng" dirty="0">
                 <a:solidFill>
                   <a:srgbClr val="000000"/>
                 </a:solidFill>
@@ -7065,7 +7021,7 @@
               <a:t>also</a:t>
             </a:r>
             <a:r>
-              <a:rPr lang="en-GB" sz="2800" dirty="0" smtClean="0">
+              <a:rPr lang="en-GB" sz="2800" dirty="0">
                 <a:solidFill>
                   <a:srgbClr val="000000"/>
                 </a:solidFill>
@@ -7074,7 +7030,7 @@
               <a:t> </a:t>
             </a:r>
             <a:r>
-              <a:rPr lang="en-GB" sz="2800" b="1" dirty="0" smtClean="0">
+              <a:rPr lang="en-GB" sz="2800" b="1" dirty="0">
                 <a:solidFill>
                   <a:srgbClr val="000000"/>
                 </a:solidFill>
@@ -7106,40 +7062,22 @@
               </a:tabLst>
             </a:pPr>
             <a:r>
-              <a:rPr lang="en-GB" sz="2800" dirty="0" smtClean="0">
+              <a:rPr lang="en-GB" sz="2800" dirty="0">
                 <a:solidFill>
                   <a:srgbClr val="000000"/>
                 </a:solidFill>
                 <a:latin typeface="Times New Roman" pitchFamily="18" charset="0"/>
               </a:rPr>
-              <a:t>Generalization </a:t>
-            </a:r>
-            <a:r>
-              <a:rPr lang="en-GB" sz="2800" dirty="0">
+              <a:t>Generalization of </a:t>
+            </a:r>
+            <a:r>
+              <a:rPr lang="en-GB" sz="2800" b="1" dirty="0">
                 <a:solidFill>
                   <a:srgbClr val="000000"/>
                 </a:solidFill>
                 <a:latin typeface="Times New Roman" pitchFamily="18" charset="0"/>
               </a:rPr>
-              <a:t>of </a:t>
-            </a:r>
-            <a:r>
-              <a:rPr lang="en-GB" sz="2800" b="1" dirty="0">
-                <a:solidFill>
-                  <a:srgbClr val="000000"/>
-                </a:solidFill>
-                <a:latin typeface="Times New Roman" pitchFamily="18" charset="0"/>
-              </a:rPr>
-              <a:t>average value of observables for quantum </a:t>
-            </a:r>
-            <a:r>
-              <a:rPr lang="en-GB" sz="2800" b="1" dirty="0" smtClean="0">
-                <a:solidFill>
-                  <a:srgbClr val="000000"/>
-                </a:solidFill>
-                <a:latin typeface="Times New Roman" pitchFamily="18" charset="0"/>
-              </a:rPr>
-              <a:t>mechanics:</a:t>
+              <a:t>average value of observables for quantum mechanics:</a:t>
             </a:r>
             <a:endParaRPr lang="en-US" sz="2800" b="1" dirty="0"/>
           </a:p>
@@ -7198,7 +7136,7 @@
               </a:tabLst>
             </a:pPr>
             <a:r>
-              <a:rPr lang="en-GB" sz="3200" dirty="0" smtClean="0">
+              <a:rPr lang="en-GB" sz="3200" dirty="0">
                 <a:solidFill>
                   <a:srgbClr val="000000"/>
                 </a:solidFill>
@@ -7243,13 +7181,6 @@
   <p:clrMapOvr>
     <a:masterClrMapping/>
   </p:clrMapOvr>
-  <p:timing>
-    <p:tnLst>
-      <p:par>
-        <p:cTn xmlns:p14="http://schemas.microsoft.com/office/powerpoint/2010/main" id="1" dur="indefinite" restart="never" nodeType="tmRoot"/>
-      </p:par>
-    </p:tnLst>
-  </p:timing>
 </p:sld>
 </file>
 
@@ -7353,7 +7284,7 @@
               </a:tabLst>
             </a:pPr>
             <a:r>
-              <a:rPr lang="en-GB" sz="4000" dirty="0" smtClean="0">
+              <a:rPr lang="en-GB" sz="4000" dirty="0">
                 <a:solidFill>
                   <a:srgbClr val="000000"/>
                 </a:solidFill>
@@ -7361,12 +7292,6 @@
               </a:rPr>
               <a:t>The Fundamental Rules of Our Game</a:t>
             </a:r>
-            <a:endParaRPr lang="en-GB" sz="4000" dirty="0">
-              <a:solidFill>
-                <a:srgbClr val="000000"/>
-              </a:solidFill>
-              <a:latin typeface="Times New Roman" pitchFamily="18" charset="0"/>
-            </a:endParaRPr>
           </a:p>
         </p:txBody>
       </p:sp>
@@ -7423,7 +7348,7 @@
               </a:tabLst>
             </a:pPr>
             <a:r>
-              <a:rPr lang="en-GB" sz="3200" dirty="0" smtClean="0">
+              <a:rPr lang="en-GB" sz="3200" dirty="0">
                 <a:solidFill>
                   <a:srgbClr val="000000"/>
                 </a:solidFill>
@@ -7457,7 +7382,7 @@
                 <a:tab pos="10488613" algn="l"/>
               </a:tabLst>
             </a:pPr>
-            <a:endParaRPr lang="en-GB" sz="3200" dirty="0" smtClean="0">
+            <a:endParaRPr lang="en-GB" sz="3200" dirty="0">
               <a:solidFill>
                 <a:srgbClr val="000000"/>
               </a:solidFill>
@@ -7466,53 +7391,6 @@
           </a:p>
         </p:txBody>
       </p:sp>
-      <p:pic>
-        <p:nvPicPr>
-          <p:cNvPr id="2" name="Picture 1"/>
-          <p:cNvPicPr>
-            <a:picLocks noChangeAspect="1"/>
-          </p:cNvPicPr>
-          <p:nvPr/>
-        </p:nvPicPr>
-        <p:blipFill>
-          <a:blip r:embed="rId3"/>
-          <a:stretch>
-            <a:fillRect/>
-          </a:stretch>
-        </p:blipFill>
-        <p:spPr>
-          <a:xfrm>
-            <a:off x="2520950" y="2000250"/>
-            <a:ext cx="3657600" cy="965200"/>
-          </a:xfrm>
-          <a:prstGeom prst="rect">
-            <a:avLst/>
-          </a:prstGeom>
-        </p:spPr>
-      </p:pic>
-      <p:pic>
-        <p:nvPicPr>
-          <p:cNvPr id="9" name="Picture 8"/>
-          <p:cNvPicPr>
-            <a:picLocks noChangeAspect="1"/>
-          </p:cNvPicPr>
-          <p:nvPr/>
-        </p:nvPicPr>
-        <p:blipFill rotWithShape="1">
-          <a:blip r:embed="rId4"/>
-          <a:srcRect r="80623"/>
-          <a:stretch/>
-        </p:blipFill>
-        <p:spPr>
-          <a:xfrm>
-            <a:off x="4032250" y="2972739"/>
-            <a:ext cx="454025" cy="985188"/>
-          </a:xfrm>
-          <a:prstGeom prst="rect">
-            <a:avLst/>
-          </a:prstGeom>
-        </p:spPr>
-      </p:pic>
       <p:pic>
         <p:nvPicPr>
           <p:cNvPr id="12" name="Picture 11"/>
@@ -7522,13 +7400,13 @@
           <p:nvPr/>
         </p:nvPicPr>
         <p:blipFill rotWithShape="1">
-          <a:blip r:embed="rId5"/>
+          <a:blip r:embed="rId3"/>
           <a:srcRect r="75966" b="6344"/>
           <a:stretch/>
         </p:blipFill>
         <p:spPr>
           <a:xfrm>
-            <a:off x="4000499" y="4376407"/>
+            <a:off x="4000499" y="5638048"/>
             <a:ext cx="454026" cy="645783"/>
           </a:xfrm>
           <a:prstGeom prst="rect">
@@ -7546,8 +7424,8 @@
         </p:nvSpPr>
         <p:spPr bwMode="auto">
           <a:xfrm>
-            <a:off x="222250" y="3181349"/>
-            <a:ext cx="8686800" cy="469901"/>
+            <a:off x="256118" y="3666046"/>
+            <a:ext cx="6491923" cy="469901"/>
           </a:xfrm>
           <a:prstGeom prst="rect">
             <a:avLst/>
@@ -7589,31 +7467,13 @@
               </a:tabLst>
             </a:pPr>
             <a:r>
-              <a:rPr lang="en-GB" sz="2800" dirty="0" smtClean="0">
+              <a:rPr lang="en-GB" sz="2800" dirty="0">
                 <a:solidFill>
                   <a:srgbClr val="000000"/>
                 </a:solidFill>
                 <a:latin typeface="Times New Roman" pitchFamily="18" charset="0"/>
               </a:rPr>
-              <a:t>Is it an </a:t>
-            </a:r>
-            <a:r>
-              <a:rPr lang="en-GB" sz="2800" dirty="0" err="1" smtClean="0">
-                <a:solidFill>
-                  <a:srgbClr val="000000"/>
-                </a:solidFill>
-                <a:latin typeface="Times New Roman" pitchFamily="18" charset="0"/>
-              </a:rPr>
-              <a:t>eigenfunction</a:t>
-            </a:r>
-            <a:r>
-              <a:rPr lang="en-GB" sz="2800" dirty="0" smtClean="0">
-                <a:solidFill>
-                  <a:srgbClr val="000000"/>
-                </a:solidFill>
-                <a:latin typeface="Times New Roman" pitchFamily="18" charset="0"/>
-              </a:rPr>
-              <a:t> of      ? </a:t>
+              <a:t>Is it an eigenfunction of                       ? </a:t>
             </a:r>
           </a:p>
         </p:txBody>
@@ -7628,7 +7488,7 @@
         </p:nvSpPr>
         <p:spPr bwMode="auto">
           <a:xfrm>
-            <a:off x="215900" y="3857624"/>
+            <a:off x="215900" y="4702576"/>
             <a:ext cx="8686800" cy="469901"/>
           </a:xfrm>
           <a:prstGeom prst="rect">
@@ -7671,7 +7531,7 @@
               </a:tabLst>
             </a:pPr>
             <a:r>
-              <a:rPr lang="en-GB" sz="2800" dirty="0" smtClean="0">
+              <a:rPr lang="en-GB" sz="2800" dirty="0">
                 <a:solidFill>
                   <a:srgbClr val="000000"/>
                 </a:solidFill>
@@ -7680,7 +7540,7 @@
               <a:t>Is it an </a:t>
             </a:r>
             <a:r>
-              <a:rPr lang="en-GB" sz="2800" dirty="0" err="1" smtClean="0">
+              <a:rPr lang="en-GB" sz="2800" dirty="0" err="1">
                 <a:solidFill>
                   <a:srgbClr val="000000"/>
                 </a:solidFill>
@@ -7689,7 +7549,7 @@
               <a:t>eigenfunction</a:t>
             </a:r>
             <a:r>
-              <a:rPr lang="en-GB" sz="2800" dirty="0" smtClean="0">
+              <a:rPr lang="en-GB" sz="2800" dirty="0">
                 <a:solidFill>
                   <a:srgbClr val="000000"/>
                 </a:solidFill>
@@ -7710,7 +7570,7 @@
         </p:nvSpPr>
         <p:spPr bwMode="auto">
           <a:xfrm>
-            <a:off x="209550" y="4533899"/>
+            <a:off x="209550" y="5795540"/>
             <a:ext cx="8686800" cy="469901"/>
           </a:xfrm>
           <a:prstGeom prst="rect">
@@ -7753,7 +7613,7 @@
               </a:tabLst>
             </a:pPr>
             <a:r>
-              <a:rPr lang="en-GB" sz="2800" dirty="0" smtClean="0">
+              <a:rPr lang="en-GB" sz="2800" dirty="0">
                 <a:solidFill>
                   <a:srgbClr val="000000"/>
                 </a:solidFill>
@@ -7762,7 +7622,7 @@
               <a:t>Is it an </a:t>
             </a:r>
             <a:r>
-              <a:rPr lang="en-GB" sz="2800" dirty="0" err="1" smtClean="0">
+              <a:rPr lang="en-GB" sz="2800" dirty="0" err="1">
                 <a:solidFill>
                   <a:srgbClr val="000000"/>
                 </a:solidFill>
@@ -7771,134 +7631,86 @@
               <a:t>eigenfunction</a:t>
             </a:r>
             <a:r>
-              <a:rPr lang="en-GB" sz="2800" dirty="0" smtClean="0">
+              <a:rPr lang="en-GB" sz="2800" dirty="0">
                 <a:solidFill>
                   <a:srgbClr val="000000"/>
                 </a:solidFill>
                 <a:latin typeface="Times New Roman" pitchFamily="18" charset="0"/>
               </a:rPr>
               <a:t> of      ? </a:t>
-            </a:r>
-          </a:p>
-        </p:txBody>
-      </p:sp>
-      <p:sp>
-        <p:nvSpPr>
-          <p:cNvPr id="20" name="Rectangle 5"/>
-          <p:cNvSpPr>
-            <a:spLocks noChangeArrowheads="1"/>
-          </p:cNvSpPr>
-          <p:nvPr/>
-        </p:nvSpPr>
-        <p:spPr bwMode="auto">
-          <a:xfrm>
-            <a:off x="241300" y="5121274"/>
-            <a:ext cx="8686800" cy="469901"/>
-          </a:xfrm>
-          <a:prstGeom prst="rect">
-            <a:avLst/>
-          </a:prstGeom>
-          <a:noFill/>
-          <a:ln w="9525">
-            <a:noFill/>
-            <a:round/>
-            <a:headEnd/>
-            <a:tailEnd/>
-          </a:ln>
-        </p:spPr>
-        <p:txBody>
-          <a:bodyPr lIns="0" tIns="0" rIns="0" bIns="0"/>
-          <a:lstStyle/>
-          <a:p>
-            <a:pPr marL="430213" indent="-323850">
-              <a:lnSpc>
-                <a:spcPct val="100000"/>
-              </a:lnSpc>
-              <a:spcBef>
-                <a:spcPts val="800"/>
-              </a:spcBef>
-              <a:buFont typeface="Times New Roman" pitchFamily="18" charset="0"/>
-              <a:buChar char="•"/>
-              <a:tabLst>
-                <a:tab pos="430213" algn="l"/>
-                <a:tab pos="1344613" algn="l"/>
-                <a:tab pos="2259013" algn="l"/>
-                <a:tab pos="3173413" algn="l"/>
-                <a:tab pos="4087813" algn="l"/>
-                <a:tab pos="5002213" algn="l"/>
-                <a:tab pos="5916613" algn="l"/>
-                <a:tab pos="6831013" algn="l"/>
-                <a:tab pos="7745413" algn="l"/>
-                <a:tab pos="8659813" algn="l"/>
-                <a:tab pos="9574213" algn="l"/>
-                <a:tab pos="10488613" algn="l"/>
-              </a:tabLst>
-            </a:pPr>
-            <a:r>
-              <a:rPr lang="en-GB" sz="2800" dirty="0" smtClean="0">
-                <a:solidFill>
-                  <a:srgbClr val="000000"/>
-                </a:solidFill>
-                <a:latin typeface="Times New Roman" pitchFamily="18" charset="0"/>
-              </a:rPr>
-              <a:t>What is the average value of position? </a:t>
-            </a:r>
-          </a:p>
-          <a:p>
-            <a:pPr marL="887413" lvl="1" indent="-323850">
-              <a:spcBef>
-                <a:spcPts val="800"/>
-              </a:spcBef>
-              <a:buFont typeface="Times New Roman" pitchFamily="18" charset="0"/>
-              <a:buChar char="•"/>
-              <a:tabLst>
-                <a:tab pos="430213" algn="l"/>
-                <a:tab pos="1344613" algn="l"/>
-                <a:tab pos="2259013" algn="l"/>
-                <a:tab pos="3173413" algn="l"/>
-                <a:tab pos="4087813" algn="l"/>
-                <a:tab pos="5002213" algn="l"/>
-                <a:tab pos="5916613" algn="l"/>
-                <a:tab pos="6831013" algn="l"/>
-                <a:tab pos="7745413" algn="l"/>
-                <a:tab pos="8659813" algn="l"/>
-                <a:tab pos="9574213" algn="l"/>
-                <a:tab pos="10488613" algn="l"/>
-              </a:tabLst>
-            </a:pPr>
-            <a:r>
-              <a:rPr lang="en-GB" sz="2800" dirty="0" smtClean="0">
-                <a:solidFill>
-                  <a:srgbClr val="000000"/>
-                </a:solidFill>
-                <a:latin typeface="Times New Roman" pitchFamily="18" charset="0"/>
-              </a:rPr>
-              <a:t>You </a:t>
-            </a:r>
-            <a:r>
-              <a:rPr lang="en-GB" sz="2800" dirty="0">
-                <a:solidFill>
-                  <a:srgbClr val="000000"/>
-                </a:solidFill>
-                <a:latin typeface="Times New Roman" pitchFamily="18" charset="0"/>
-              </a:rPr>
-              <a:t>n</a:t>
-            </a:r>
-            <a:r>
-              <a:rPr lang="en-GB" sz="2800" dirty="0" smtClean="0">
-                <a:solidFill>
-                  <a:srgbClr val="000000"/>
-                </a:solidFill>
-                <a:latin typeface="Times New Roman" pitchFamily="18" charset="0"/>
-              </a:rPr>
-              <a:t>eed: </a:t>
             </a:r>
           </a:p>
         </p:txBody>
       </p:sp>
       <p:pic>
         <p:nvPicPr>
-          <p:cNvPr id="3" name="Picture 2"/>
+          <p:cNvPr id="7" name="Picture 6">
+            <a:extLst>
+              <a:ext uri="{FF2B5EF4-FFF2-40B4-BE49-F238E27FC236}">
+                <a16:creationId xmlns:a16="http://schemas.microsoft.com/office/drawing/2014/main" id="{575EE50B-92C3-18B5-836C-0BC638E27CD0}"/>
+              </a:ext>
+            </a:extLst>
+          </p:cNvPr>
+          <p:cNvPicPr>
+            <a:picLocks noChangeAspect="1"/>
+          </p:cNvPicPr>
+          <p:nvPr/>
+        </p:nvPicPr>
+        <p:blipFill>
+          <a:blip r:embed="rId4"/>
+          <a:stretch>
+            <a:fillRect/>
+          </a:stretch>
+        </p:blipFill>
+        <p:spPr>
+          <a:xfrm>
+            <a:off x="2562225" y="2181189"/>
+            <a:ext cx="3626947" cy="773749"/>
+          </a:xfrm>
+          <a:prstGeom prst="rect">
+            <a:avLst/>
+          </a:prstGeom>
+        </p:spPr>
+      </p:pic>
+      <p:pic>
+        <p:nvPicPr>
+          <p:cNvPr id="8" name="Picture 7">
+            <a:extLst>
+              <a:ext uri="{FF2B5EF4-FFF2-40B4-BE49-F238E27FC236}">
+                <a16:creationId xmlns:a16="http://schemas.microsoft.com/office/drawing/2014/main" id="{E260B09F-E313-08D0-A258-B2DB5861508C}"/>
+              </a:ext>
+            </a:extLst>
+          </p:cNvPr>
+          <p:cNvPicPr>
+            <a:picLocks noChangeAspect="1"/>
+          </p:cNvPicPr>
+          <p:nvPr/>
+        </p:nvPicPr>
+        <p:blipFill>
+          <a:blip r:embed="rId5"/>
+          <a:stretch>
+            <a:fillRect/>
+          </a:stretch>
+        </p:blipFill>
+        <p:spPr>
+          <a:xfrm>
+            <a:off x="4233666" y="3559996"/>
+            <a:ext cx="1782958" cy="648348"/>
+          </a:xfrm>
+          <a:prstGeom prst="rect">
+            <a:avLst/>
+          </a:prstGeom>
+        </p:spPr>
+      </p:pic>
+      <p:pic>
+        <p:nvPicPr>
+          <p:cNvPr id="11" name="Picture 10">
+            <a:extLst>
+              <a:ext uri="{FF2B5EF4-FFF2-40B4-BE49-F238E27FC236}">
+                <a16:creationId xmlns:a16="http://schemas.microsoft.com/office/drawing/2014/main" id="{3AA3CD6F-50F4-4E41-2146-EA64ABFFA79A}"/>
+              </a:ext>
+            </a:extLst>
+          </p:cNvPr>
           <p:cNvPicPr>
             <a:picLocks noChangeAspect="1"/>
           </p:cNvPicPr>
@@ -7912,31 +7724,8 @@
         </p:blipFill>
         <p:spPr>
           <a:xfrm>
-            <a:off x="2562225" y="5589478"/>
-            <a:ext cx="3152775" cy="1141522"/>
-          </a:xfrm>
-          <a:prstGeom prst="rect">
-            <a:avLst/>
-          </a:prstGeom>
-        </p:spPr>
-      </p:pic>
-      <p:pic>
-        <p:nvPicPr>
-          <p:cNvPr id="6" name="Picture 5"/>
-          <p:cNvPicPr>
-            <a:picLocks noChangeAspect="1"/>
-          </p:cNvPicPr>
-          <p:nvPr/>
-        </p:nvPicPr>
-        <p:blipFill rotWithShape="1">
-          <a:blip r:embed="rId7"/>
-          <a:srcRect/>
-          <a:stretch/>
-        </p:blipFill>
-        <p:spPr>
-          <a:xfrm>
-            <a:off x="4146549" y="3592801"/>
-            <a:ext cx="1870075" cy="966355"/>
+            <a:off x="4227512" y="4669441"/>
+            <a:ext cx="1613223" cy="579507"/>
           </a:xfrm>
           <a:prstGeom prst="rect">
             <a:avLst/>
@@ -7953,13 +7742,6 @@
   <p:clrMapOvr>
     <a:masterClrMapping/>
   </p:clrMapOvr>
-  <p:timing>
-    <p:tnLst>
-      <p:par>
-        <p:cTn xmlns:p14="http://schemas.microsoft.com/office/powerpoint/2010/main" id="1" dur="indefinite" restart="never" nodeType="tmRoot"/>
-      </p:par>
-    </p:tnLst>
-  </p:timing>
 </p:sld>
 </file>
 
@@ -8063,20 +7845,14 @@
               </a:tabLst>
             </a:pPr>
             <a:r>
-              <a:rPr lang="en-GB" sz="4000" dirty="0" smtClean="0">
+              <a:rPr lang="en-GB" sz="4000" dirty="0">
                 <a:solidFill>
                   <a:srgbClr val="000000"/>
                 </a:solidFill>
                 <a:latin typeface="Times New Roman" pitchFamily="18" charset="0"/>
               </a:rPr>
-              <a:t>Uncertainty</a:t>
-            </a:r>
-            <a:endParaRPr lang="en-GB" sz="4000" dirty="0">
-              <a:solidFill>
-                <a:srgbClr val="000000"/>
-              </a:solidFill>
-              <a:latin typeface="Times New Roman" pitchFamily="18" charset="0"/>
-            </a:endParaRPr>
+              <a:t>The Fundamental Rules of Our Game</a:t>
+            </a:r>
           </a:p>
         </p:txBody>
       </p:sp>
@@ -8133,911 +7909,15 @@
               </a:tabLst>
             </a:pPr>
             <a:r>
-              <a:rPr lang="en-GB" sz="3200" dirty="0" smtClean="0">
+              <a:rPr lang="en-GB" sz="3200" dirty="0">
                 <a:solidFill>
                   <a:srgbClr val="000000"/>
                 </a:solidFill>
                 <a:latin typeface="Times New Roman" pitchFamily="18" charset="0"/>
               </a:rPr>
-              <a:t>We can find average values for </a:t>
-            </a:r>
-            <a:r>
-              <a:rPr lang="en-GB" sz="3200" i="1" dirty="0" smtClean="0">
-                <a:solidFill>
-                  <a:srgbClr val="000000"/>
-                </a:solidFill>
-                <a:latin typeface="Times New Roman" pitchFamily="18" charset="0"/>
-              </a:rPr>
-              <a:t>any</a:t>
-            </a:r>
-            <a:r>
-              <a:rPr lang="en-GB" sz="3200" dirty="0" smtClean="0">
-                <a:solidFill>
-                  <a:srgbClr val="000000"/>
-                </a:solidFill>
-                <a:latin typeface="Times New Roman" pitchFamily="18" charset="0"/>
-              </a:rPr>
-              <a:t> operator</a:t>
-            </a:r>
-          </a:p>
-          <a:p>
-            <a:pPr marL="887413" lvl="1" indent="-323850">
-              <a:spcBef>
-                <a:spcPts val="800"/>
-              </a:spcBef>
-              <a:buFont typeface="Times New Roman" pitchFamily="18" charset="0"/>
-              <a:buChar char="•"/>
-              <a:tabLst>
-                <a:tab pos="430213" algn="l"/>
-                <a:tab pos="1344613" algn="l"/>
-                <a:tab pos="2259013" algn="l"/>
-                <a:tab pos="3173413" algn="l"/>
-                <a:tab pos="4087813" algn="l"/>
-                <a:tab pos="5002213" algn="l"/>
-                <a:tab pos="5916613" algn="l"/>
-                <a:tab pos="6831013" algn="l"/>
-                <a:tab pos="7745413" algn="l"/>
-                <a:tab pos="8659813" algn="l"/>
-                <a:tab pos="9574213" algn="l"/>
-                <a:tab pos="10488613" algn="l"/>
-              </a:tabLst>
-            </a:pPr>
-            <a:r>
-              <a:rPr lang="en-GB" sz="2800" dirty="0" smtClean="0">
-                <a:solidFill>
-                  <a:srgbClr val="000000"/>
-                </a:solidFill>
-                <a:latin typeface="Times New Roman" pitchFamily="18" charset="0"/>
-              </a:rPr>
-              <a:t>This includes products of operators:</a:t>
-            </a:r>
-          </a:p>
-          <a:p>
-            <a:pPr marL="106363">
-              <a:lnSpc>
-                <a:spcPct val="100000"/>
-              </a:lnSpc>
-              <a:spcBef>
-                <a:spcPts val="800"/>
-              </a:spcBef>
-              <a:tabLst>
-                <a:tab pos="430213" algn="l"/>
-                <a:tab pos="1344613" algn="l"/>
-                <a:tab pos="2259013" algn="l"/>
-                <a:tab pos="3173413" algn="l"/>
-                <a:tab pos="4087813" algn="l"/>
-                <a:tab pos="5002213" algn="l"/>
-                <a:tab pos="5916613" algn="l"/>
-                <a:tab pos="6831013" algn="l"/>
-                <a:tab pos="7745413" algn="l"/>
-                <a:tab pos="8659813" algn="l"/>
-                <a:tab pos="9574213" algn="l"/>
-                <a:tab pos="10488613" algn="l"/>
-              </a:tabLst>
-            </a:pPr>
-            <a:endParaRPr lang="en-GB" sz="3200" dirty="0" smtClean="0">
-              <a:solidFill>
-                <a:srgbClr val="000000"/>
-              </a:solidFill>
-              <a:latin typeface="Times New Roman" pitchFamily="18" charset="0"/>
-            </a:endParaRPr>
-          </a:p>
-        </p:txBody>
-      </p:sp>
-      <p:pic>
-        <p:nvPicPr>
-          <p:cNvPr id="7" name="Picture 6"/>
-          <p:cNvPicPr>
-            <a:picLocks noChangeAspect="1"/>
-          </p:cNvPicPr>
-          <p:nvPr/>
-        </p:nvPicPr>
-        <p:blipFill rotWithShape="1">
-          <a:blip r:embed="rId3"/>
-          <a:srcRect r="75072"/>
-          <a:stretch/>
-        </p:blipFill>
-        <p:spPr>
-          <a:xfrm>
-            <a:off x="177800" y="4035425"/>
-            <a:ext cx="2187575" cy="1549400"/>
-          </a:xfrm>
-          <a:prstGeom prst="rect">
-            <a:avLst/>
-          </a:prstGeom>
-        </p:spPr>
-      </p:pic>
-      <p:sp>
-        <p:nvSpPr>
-          <p:cNvPr id="8" name="Rectangle 7"/>
-          <p:cNvSpPr/>
-          <p:nvPr/>
-        </p:nvSpPr>
-        <p:spPr>
-          <a:xfrm>
-            <a:off x="246063" y="2222668"/>
-            <a:ext cx="928334" cy="646331"/>
-          </a:xfrm>
-          <a:prstGeom prst="rect">
-            <a:avLst/>
-          </a:prstGeom>
-        </p:spPr>
-        <p:txBody>
-          <a:bodyPr wrap="none">
-            <a:spAutoFit/>
-          </a:bodyPr>
-          <a:lstStyle/>
-          <a:p>
-            <a:r>
-              <a:rPr lang="en-GB" sz="3600" dirty="0" smtClean="0">
-                <a:solidFill>
-                  <a:srgbClr val="000000"/>
-                </a:solidFill>
-                <a:latin typeface="Times New Roman" pitchFamily="18" charset="0"/>
-              </a:rPr>
-              <a:t>E.g.</a:t>
-            </a:r>
-            <a:endParaRPr lang="en-US" sz="3600" dirty="0"/>
-          </a:p>
-        </p:txBody>
-      </p:sp>
-      <p:pic>
-        <p:nvPicPr>
-          <p:cNvPr id="11" name="Picture 10"/>
-          <p:cNvPicPr>
-            <a:picLocks noChangeAspect="1"/>
-          </p:cNvPicPr>
-          <p:nvPr/>
-        </p:nvPicPr>
-        <p:blipFill rotWithShape="1">
-          <a:blip r:embed="rId4"/>
-          <a:srcRect r="72879"/>
-          <a:stretch/>
-        </p:blipFill>
-        <p:spPr>
-          <a:xfrm>
-            <a:off x="3149600" y="2733675"/>
-            <a:ext cx="771525" cy="914400"/>
-          </a:xfrm>
-          <a:prstGeom prst="rect">
-            <a:avLst/>
-          </a:prstGeom>
-        </p:spPr>
-      </p:pic>
-      <p:pic>
-        <p:nvPicPr>
-          <p:cNvPr id="21" name="Picture 20"/>
-          <p:cNvPicPr>
-            <a:picLocks noChangeAspect="1"/>
-          </p:cNvPicPr>
-          <p:nvPr/>
-        </p:nvPicPr>
-        <p:blipFill rotWithShape="1">
-          <a:blip r:embed="rId4"/>
-          <a:srcRect l="27120" r="39398"/>
-          <a:stretch/>
-        </p:blipFill>
-        <p:spPr>
-          <a:xfrm>
-            <a:off x="3921125" y="2733675"/>
-            <a:ext cx="952500" cy="914400"/>
-          </a:xfrm>
-          <a:prstGeom prst="rect">
-            <a:avLst/>
-          </a:prstGeom>
-        </p:spPr>
-      </p:pic>
-      <p:pic>
-        <p:nvPicPr>
-          <p:cNvPr id="22" name="Picture 21"/>
-          <p:cNvPicPr>
-            <a:picLocks noChangeAspect="1"/>
-          </p:cNvPicPr>
-          <p:nvPr/>
-        </p:nvPicPr>
-        <p:blipFill rotWithShape="1">
-          <a:blip r:embed="rId4"/>
-          <a:srcRect l="60603" b="-14236"/>
-          <a:stretch/>
-        </p:blipFill>
-        <p:spPr>
-          <a:xfrm>
-            <a:off x="4873624" y="2733674"/>
-            <a:ext cx="1120775" cy="1044575"/>
-          </a:xfrm>
-          <a:prstGeom prst="rect">
-            <a:avLst/>
-          </a:prstGeom>
-        </p:spPr>
-      </p:pic>
-      <p:pic>
-        <p:nvPicPr>
-          <p:cNvPr id="23" name="Picture 22"/>
-          <p:cNvPicPr>
-            <a:picLocks noChangeAspect="1"/>
-          </p:cNvPicPr>
-          <p:nvPr/>
-        </p:nvPicPr>
-        <p:blipFill rotWithShape="1">
-          <a:blip r:embed="rId3"/>
-          <a:srcRect l="24927" r="28039"/>
-          <a:stretch/>
-        </p:blipFill>
-        <p:spPr>
-          <a:xfrm>
-            <a:off x="2365374" y="4035425"/>
-            <a:ext cx="4127501" cy="1549400"/>
-          </a:xfrm>
-          <a:prstGeom prst="rect">
-            <a:avLst/>
-          </a:prstGeom>
-        </p:spPr>
-      </p:pic>
-      <p:pic>
-        <p:nvPicPr>
-          <p:cNvPr id="24" name="Picture 23"/>
-          <p:cNvPicPr>
-            <a:picLocks noChangeAspect="1"/>
-          </p:cNvPicPr>
-          <p:nvPr/>
-        </p:nvPicPr>
-        <p:blipFill rotWithShape="1">
-          <a:blip r:embed="rId3"/>
-          <a:srcRect l="71961"/>
-          <a:stretch/>
-        </p:blipFill>
-        <p:spPr>
-          <a:xfrm>
-            <a:off x="6492874" y="4035425"/>
-            <a:ext cx="2460625" cy="1549400"/>
-          </a:xfrm>
-          <a:prstGeom prst="rect">
-            <a:avLst/>
-          </a:prstGeom>
-        </p:spPr>
-      </p:pic>
-    </p:spTree>
-    <p:extLst>
-      <p:ext uri="{BB962C8B-B14F-4D97-AF65-F5344CB8AC3E}">
-        <p14:creationId xmlns:p14="http://schemas.microsoft.com/office/powerpoint/2010/main" val="3611088654"/>
-      </p:ext>
-    </p:extLst>
-  </p:cSld>
-  <p:clrMapOvr>
-    <a:masterClrMapping/>
-  </p:clrMapOvr>
-  <p:timing>
-    <p:tnLst>
-      <p:par>
-        <p:cTn xmlns:p14="http://schemas.microsoft.com/office/powerpoint/2010/main" id="1" dur="indefinite" restart="never" nodeType="tmRoot">
-          <p:childTnLst>
-            <p:seq concurrent="1" nextAc="seek">
-              <p:cTn id="2" dur="indefinite" nodeType="mainSeq">
-                <p:childTnLst>
-                  <p:par>
-                    <p:cTn id="3" fill="hold">
-                      <p:stCondLst>
-                        <p:cond delay="indefinite"/>
-                      </p:stCondLst>
-                      <p:childTnLst>
-                        <p:par>
-                          <p:cTn id="4" fill="hold">
-                            <p:stCondLst>
-                              <p:cond delay="0"/>
-                            </p:stCondLst>
-                            <p:childTnLst>
-                              <p:par>
-                                <p:cTn id="5" presetID="2" presetClass="entr" presetSubtype="2" fill="hold" nodeType="clickEffect">
-                                  <p:stCondLst>
-                                    <p:cond delay="0"/>
-                                  </p:stCondLst>
-                                  <p:childTnLst>
-                                    <p:set>
-                                      <p:cBhvr>
-                                        <p:cTn id="6" dur="1" fill="hold">
-                                          <p:stCondLst>
-                                            <p:cond delay="0"/>
-                                          </p:stCondLst>
-                                        </p:cTn>
-                                        <p:tgtEl>
-                                          <p:spTgt spid="21"/>
-                                        </p:tgtEl>
-                                        <p:attrNameLst>
-                                          <p:attrName>style.visibility</p:attrName>
-                                        </p:attrNameLst>
-                                      </p:cBhvr>
-                                      <p:to>
-                                        <p:strVal val="visible"/>
-                                      </p:to>
-                                    </p:set>
-                                    <p:anim calcmode="lin" valueType="num">
-                                      <p:cBhvr additive="base">
-                                        <p:cTn id="7" dur="500" fill="hold"/>
-                                        <p:tgtEl>
-                                          <p:spTgt spid="21"/>
-                                        </p:tgtEl>
-                                        <p:attrNameLst>
-                                          <p:attrName>ppt_x</p:attrName>
-                                        </p:attrNameLst>
-                                      </p:cBhvr>
-                                      <p:tavLst>
-                                        <p:tav tm="0">
-                                          <p:val>
-                                            <p:strVal val="1+#ppt_w/2"/>
-                                          </p:val>
-                                        </p:tav>
-                                        <p:tav tm="100000">
-                                          <p:val>
-                                            <p:strVal val="#ppt_x"/>
-                                          </p:val>
-                                        </p:tav>
-                                      </p:tavLst>
-                                    </p:anim>
-                                    <p:anim calcmode="lin" valueType="num">
-                                      <p:cBhvr additive="base">
-                                        <p:cTn id="8" dur="500" fill="hold"/>
-                                        <p:tgtEl>
-                                          <p:spTgt spid="21"/>
-                                        </p:tgtEl>
-                                        <p:attrNameLst>
-                                          <p:attrName>ppt_y</p:attrName>
-                                        </p:attrNameLst>
-                                      </p:cBhvr>
-                                      <p:tavLst>
-                                        <p:tav tm="0">
-                                          <p:val>
-                                            <p:strVal val="#ppt_y"/>
-                                          </p:val>
-                                        </p:tav>
-                                        <p:tav tm="100000">
-                                          <p:val>
-                                            <p:strVal val="#ppt_y"/>
-                                          </p:val>
-                                        </p:tav>
-                                      </p:tavLst>
-                                    </p:anim>
-                                  </p:childTnLst>
-                                </p:cTn>
-                              </p:par>
-                            </p:childTnLst>
-                          </p:cTn>
-                        </p:par>
-                      </p:childTnLst>
-                    </p:cTn>
-                  </p:par>
-                  <p:par>
-                    <p:cTn id="9" fill="hold">
-                      <p:stCondLst>
-                        <p:cond delay="indefinite"/>
-                      </p:stCondLst>
-                      <p:childTnLst>
-                        <p:par>
-                          <p:cTn id="10" fill="hold">
-                            <p:stCondLst>
-                              <p:cond delay="0"/>
-                            </p:stCondLst>
-                            <p:childTnLst>
-                              <p:par>
-                                <p:cTn id="11" presetID="2" presetClass="entr" presetSubtype="2" fill="hold" nodeType="clickEffect">
-                                  <p:stCondLst>
-                                    <p:cond delay="0"/>
-                                  </p:stCondLst>
-                                  <p:childTnLst>
-                                    <p:set>
-                                      <p:cBhvr>
-                                        <p:cTn id="12" dur="1" fill="hold">
-                                          <p:stCondLst>
-                                            <p:cond delay="0"/>
-                                          </p:stCondLst>
-                                        </p:cTn>
-                                        <p:tgtEl>
-                                          <p:spTgt spid="22"/>
-                                        </p:tgtEl>
-                                        <p:attrNameLst>
-                                          <p:attrName>style.visibility</p:attrName>
-                                        </p:attrNameLst>
-                                      </p:cBhvr>
-                                      <p:to>
-                                        <p:strVal val="visible"/>
-                                      </p:to>
-                                    </p:set>
-                                    <p:anim calcmode="lin" valueType="num">
-                                      <p:cBhvr additive="base">
-                                        <p:cTn id="13" dur="500" fill="hold"/>
-                                        <p:tgtEl>
-                                          <p:spTgt spid="22"/>
-                                        </p:tgtEl>
-                                        <p:attrNameLst>
-                                          <p:attrName>ppt_x</p:attrName>
-                                        </p:attrNameLst>
-                                      </p:cBhvr>
-                                      <p:tavLst>
-                                        <p:tav tm="0">
-                                          <p:val>
-                                            <p:strVal val="1+#ppt_w/2"/>
-                                          </p:val>
-                                        </p:tav>
-                                        <p:tav tm="100000">
-                                          <p:val>
-                                            <p:strVal val="#ppt_x"/>
-                                          </p:val>
-                                        </p:tav>
-                                      </p:tavLst>
-                                    </p:anim>
-                                    <p:anim calcmode="lin" valueType="num">
-                                      <p:cBhvr additive="base">
-                                        <p:cTn id="14" dur="500" fill="hold"/>
-                                        <p:tgtEl>
-                                          <p:spTgt spid="22"/>
-                                        </p:tgtEl>
-                                        <p:attrNameLst>
-                                          <p:attrName>ppt_y</p:attrName>
-                                        </p:attrNameLst>
-                                      </p:cBhvr>
-                                      <p:tavLst>
-                                        <p:tav tm="0">
-                                          <p:val>
-                                            <p:strVal val="#ppt_y"/>
-                                          </p:val>
-                                        </p:tav>
-                                        <p:tav tm="100000">
-                                          <p:val>
-                                            <p:strVal val="#ppt_y"/>
-                                          </p:val>
-                                        </p:tav>
-                                      </p:tavLst>
-                                    </p:anim>
-                                  </p:childTnLst>
-                                </p:cTn>
-                              </p:par>
-                            </p:childTnLst>
-                          </p:cTn>
-                        </p:par>
-                      </p:childTnLst>
-                    </p:cTn>
-                  </p:par>
-                  <p:par>
-                    <p:cTn id="15" fill="hold">
-                      <p:stCondLst>
-                        <p:cond delay="indefinite"/>
-                      </p:stCondLst>
-                      <p:childTnLst>
-                        <p:par>
-                          <p:cTn id="16" fill="hold">
-                            <p:stCondLst>
-                              <p:cond delay="0"/>
-                            </p:stCondLst>
-                            <p:childTnLst>
-                              <p:par>
-                                <p:cTn id="17" presetID="2" presetClass="entr" presetSubtype="4" fill="hold" nodeType="clickEffect">
-                                  <p:stCondLst>
-                                    <p:cond delay="0"/>
-                                  </p:stCondLst>
-                                  <p:childTnLst>
-                                    <p:set>
-                                      <p:cBhvr>
-                                        <p:cTn id="18" dur="1" fill="hold">
-                                          <p:stCondLst>
-                                            <p:cond delay="0"/>
-                                          </p:stCondLst>
-                                        </p:cTn>
-                                        <p:tgtEl>
-                                          <p:spTgt spid="7"/>
-                                        </p:tgtEl>
-                                        <p:attrNameLst>
-                                          <p:attrName>style.visibility</p:attrName>
-                                        </p:attrNameLst>
-                                      </p:cBhvr>
-                                      <p:to>
-                                        <p:strVal val="visible"/>
-                                      </p:to>
-                                    </p:set>
-                                    <p:anim calcmode="lin" valueType="num">
-                                      <p:cBhvr additive="base">
-                                        <p:cTn id="19" dur="500" fill="hold"/>
-                                        <p:tgtEl>
-                                          <p:spTgt spid="7"/>
-                                        </p:tgtEl>
-                                        <p:attrNameLst>
-                                          <p:attrName>ppt_x</p:attrName>
-                                        </p:attrNameLst>
-                                      </p:cBhvr>
-                                      <p:tavLst>
-                                        <p:tav tm="0">
-                                          <p:val>
-                                            <p:strVal val="#ppt_x"/>
-                                          </p:val>
-                                        </p:tav>
-                                        <p:tav tm="100000">
-                                          <p:val>
-                                            <p:strVal val="#ppt_x"/>
-                                          </p:val>
-                                        </p:tav>
-                                      </p:tavLst>
-                                    </p:anim>
-                                    <p:anim calcmode="lin" valueType="num">
-                                      <p:cBhvr additive="base">
-                                        <p:cTn id="20" dur="500" fill="hold"/>
-                                        <p:tgtEl>
-                                          <p:spTgt spid="7"/>
-                                        </p:tgtEl>
-                                        <p:attrNameLst>
-                                          <p:attrName>ppt_y</p:attrName>
-                                        </p:attrNameLst>
-                                      </p:cBhvr>
-                                      <p:tavLst>
-                                        <p:tav tm="0">
-                                          <p:val>
-                                            <p:strVal val="1+#ppt_h/2"/>
-                                          </p:val>
-                                        </p:tav>
-                                        <p:tav tm="100000">
-                                          <p:val>
-                                            <p:strVal val="#ppt_y"/>
-                                          </p:val>
-                                        </p:tav>
-                                      </p:tavLst>
-                                    </p:anim>
-                                  </p:childTnLst>
-                                </p:cTn>
-                              </p:par>
-                            </p:childTnLst>
-                          </p:cTn>
-                        </p:par>
-                      </p:childTnLst>
-                    </p:cTn>
-                  </p:par>
-                  <p:par>
-                    <p:cTn id="21" fill="hold">
-                      <p:stCondLst>
-                        <p:cond delay="indefinite"/>
-                      </p:stCondLst>
-                      <p:childTnLst>
-                        <p:par>
-                          <p:cTn id="22" fill="hold">
-                            <p:stCondLst>
-                              <p:cond delay="0"/>
-                            </p:stCondLst>
-                            <p:childTnLst>
-                              <p:par>
-                                <p:cTn id="23" presetID="2" presetClass="entr" presetSubtype="2" fill="hold" nodeType="clickEffect">
-                                  <p:stCondLst>
-                                    <p:cond delay="0"/>
-                                  </p:stCondLst>
-                                  <p:childTnLst>
-                                    <p:set>
-                                      <p:cBhvr>
-                                        <p:cTn id="24" dur="1" fill="hold">
-                                          <p:stCondLst>
-                                            <p:cond delay="0"/>
-                                          </p:stCondLst>
-                                        </p:cTn>
-                                        <p:tgtEl>
-                                          <p:spTgt spid="23"/>
-                                        </p:tgtEl>
-                                        <p:attrNameLst>
-                                          <p:attrName>style.visibility</p:attrName>
-                                        </p:attrNameLst>
-                                      </p:cBhvr>
-                                      <p:to>
-                                        <p:strVal val="visible"/>
-                                      </p:to>
-                                    </p:set>
-                                    <p:anim calcmode="lin" valueType="num">
-                                      <p:cBhvr additive="base">
-                                        <p:cTn id="25" dur="500" fill="hold"/>
-                                        <p:tgtEl>
-                                          <p:spTgt spid="23"/>
-                                        </p:tgtEl>
-                                        <p:attrNameLst>
-                                          <p:attrName>ppt_x</p:attrName>
-                                        </p:attrNameLst>
-                                      </p:cBhvr>
-                                      <p:tavLst>
-                                        <p:tav tm="0">
-                                          <p:val>
-                                            <p:strVal val="1+#ppt_w/2"/>
-                                          </p:val>
-                                        </p:tav>
-                                        <p:tav tm="100000">
-                                          <p:val>
-                                            <p:strVal val="#ppt_x"/>
-                                          </p:val>
-                                        </p:tav>
-                                      </p:tavLst>
-                                    </p:anim>
-                                    <p:anim calcmode="lin" valueType="num">
-                                      <p:cBhvr additive="base">
-                                        <p:cTn id="26" dur="500" fill="hold"/>
-                                        <p:tgtEl>
-                                          <p:spTgt spid="23"/>
-                                        </p:tgtEl>
-                                        <p:attrNameLst>
-                                          <p:attrName>ppt_y</p:attrName>
-                                        </p:attrNameLst>
-                                      </p:cBhvr>
-                                      <p:tavLst>
-                                        <p:tav tm="0">
-                                          <p:val>
-                                            <p:strVal val="#ppt_y"/>
-                                          </p:val>
-                                        </p:tav>
-                                        <p:tav tm="100000">
-                                          <p:val>
-                                            <p:strVal val="#ppt_y"/>
-                                          </p:val>
-                                        </p:tav>
-                                      </p:tavLst>
-                                    </p:anim>
-                                  </p:childTnLst>
-                                </p:cTn>
-                              </p:par>
-                            </p:childTnLst>
-                          </p:cTn>
-                        </p:par>
-                      </p:childTnLst>
-                    </p:cTn>
-                  </p:par>
-                  <p:par>
-                    <p:cTn id="27" fill="hold">
-                      <p:stCondLst>
-                        <p:cond delay="indefinite"/>
-                      </p:stCondLst>
-                      <p:childTnLst>
-                        <p:par>
-                          <p:cTn id="28" fill="hold">
-                            <p:stCondLst>
-                              <p:cond delay="0"/>
-                            </p:stCondLst>
-                            <p:childTnLst>
-                              <p:par>
-                                <p:cTn id="29" presetID="2" presetClass="entr" presetSubtype="2" fill="hold" nodeType="clickEffect">
-                                  <p:stCondLst>
-                                    <p:cond delay="0"/>
-                                  </p:stCondLst>
-                                  <p:childTnLst>
-                                    <p:set>
-                                      <p:cBhvr>
-                                        <p:cTn id="30" dur="1" fill="hold">
-                                          <p:stCondLst>
-                                            <p:cond delay="0"/>
-                                          </p:stCondLst>
-                                        </p:cTn>
-                                        <p:tgtEl>
-                                          <p:spTgt spid="24"/>
-                                        </p:tgtEl>
-                                        <p:attrNameLst>
-                                          <p:attrName>style.visibility</p:attrName>
-                                        </p:attrNameLst>
-                                      </p:cBhvr>
-                                      <p:to>
-                                        <p:strVal val="visible"/>
-                                      </p:to>
-                                    </p:set>
-                                    <p:anim calcmode="lin" valueType="num">
-                                      <p:cBhvr additive="base">
-                                        <p:cTn id="31" dur="500" fill="hold"/>
-                                        <p:tgtEl>
-                                          <p:spTgt spid="24"/>
-                                        </p:tgtEl>
-                                        <p:attrNameLst>
-                                          <p:attrName>ppt_x</p:attrName>
-                                        </p:attrNameLst>
-                                      </p:cBhvr>
-                                      <p:tavLst>
-                                        <p:tav tm="0">
-                                          <p:val>
-                                            <p:strVal val="1+#ppt_w/2"/>
-                                          </p:val>
-                                        </p:tav>
-                                        <p:tav tm="100000">
-                                          <p:val>
-                                            <p:strVal val="#ppt_x"/>
-                                          </p:val>
-                                        </p:tav>
-                                      </p:tavLst>
-                                    </p:anim>
-                                    <p:anim calcmode="lin" valueType="num">
-                                      <p:cBhvr additive="base">
-                                        <p:cTn id="32" dur="500" fill="hold"/>
-                                        <p:tgtEl>
-                                          <p:spTgt spid="24"/>
-                                        </p:tgtEl>
-                                        <p:attrNameLst>
-                                          <p:attrName>ppt_y</p:attrName>
-                                        </p:attrNameLst>
-                                      </p:cBhvr>
-                                      <p:tavLst>
-                                        <p:tav tm="0">
-                                          <p:val>
-                                            <p:strVal val="#ppt_y"/>
-                                          </p:val>
-                                        </p:tav>
-                                        <p:tav tm="100000">
-                                          <p:val>
-                                            <p:strVal val="#ppt_y"/>
-                                          </p:val>
-                                        </p:tav>
-                                      </p:tavLst>
-                                    </p:anim>
-                                  </p:childTnLst>
-                                </p:cTn>
-                              </p:par>
-                            </p:childTnLst>
-                          </p:cTn>
-                        </p:par>
-                      </p:childTnLst>
-                    </p:cTn>
-                  </p:par>
-                </p:childTnLst>
-              </p:cTn>
-              <p:prevCondLst>
-                <p:cond evt="onPrev" delay="0">
-                  <p:tgtEl>
-                    <p:sldTgt/>
-                  </p:tgtEl>
-                </p:cond>
-              </p:prevCondLst>
-              <p:nextCondLst>
-                <p:cond evt="onNext" delay="0">
-                  <p:tgtEl>
-                    <p:sldTgt/>
-                  </p:tgtEl>
-                </p:cond>
-              </p:nextCondLst>
-            </p:seq>
-          </p:childTnLst>
-        </p:cTn>
-      </p:par>
-    </p:tnLst>
-  </p:timing>
-</p:sld>
-</file>
-
-<file path=ppt/slides/slide17.xml><?xml version="1.0" encoding="utf-8"?>
-<p:sld xmlns:a="http://schemas.openxmlformats.org/drawingml/2006/main" xmlns:r="http://schemas.openxmlformats.org/officeDocument/2006/relationships" xmlns:p="http://schemas.openxmlformats.org/presentationml/2006/main">
-  <p:cSld>
-    <p:spTree>
-      <p:nvGrpSpPr>
-        <p:cNvPr id="1" name=""/>
-        <p:cNvGrpSpPr/>
-        <p:nvPr/>
-      </p:nvGrpSpPr>
-      <p:grpSpPr>
-        <a:xfrm>
-          <a:off x="0" y="0"/>
-          <a:ext cx="0" cy="0"/>
-          <a:chOff x="0" y="0"/>
-          <a:chExt cx="0" cy="0"/>
-        </a:xfrm>
-      </p:grpSpPr>
-      <p:pic>
-        <p:nvPicPr>
-          <p:cNvPr id="4" name="Picture 2"/>
-          <p:cNvPicPr>
-            <a:picLocks noChangeAspect="1" noChangeArrowheads="1"/>
-          </p:cNvPicPr>
-          <p:nvPr/>
-        </p:nvPicPr>
-        <p:blipFill>
-          <a:blip r:embed="rId2" cstate="print"/>
-          <a:srcRect/>
-          <a:stretch>
-            <a:fillRect/>
-          </a:stretch>
-        </p:blipFill>
-        <p:spPr bwMode="auto">
-          <a:xfrm>
-            <a:off x="484188" y="76200"/>
-            <a:ext cx="8202612" cy="239712"/>
-          </a:xfrm>
-          <a:prstGeom prst="rect">
-            <a:avLst/>
-          </a:prstGeom>
-          <a:noFill/>
-          <a:ln w="9525">
-            <a:noFill/>
-            <a:round/>
-            <a:headEnd/>
-            <a:tailEnd/>
-          </a:ln>
-        </p:spPr>
-      </p:pic>
-      <p:sp>
-        <p:nvSpPr>
-          <p:cNvPr id="5" name="Rectangle 4"/>
-          <p:cNvSpPr>
-            <a:spLocks noChangeArrowheads="1"/>
-          </p:cNvSpPr>
-          <p:nvPr/>
-        </p:nvSpPr>
-        <p:spPr bwMode="auto">
-          <a:xfrm>
-            <a:off x="103718" y="116417"/>
-            <a:ext cx="8991601" cy="1127125"/>
-          </a:xfrm>
-          <a:prstGeom prst="rect">
-            <a:avLst/>
-          </a:prstGeom>
-          <a:noFill/>
-          <a:ln w="9525">
-            <a:noFill/>
-            <a:round/>
-            <a:headEnd/>
-            <a:tailEnd/>
-          </a:ln>
-        </p:spPr>
-        <p:txBody>
-          <a:bodyPr lIns="0" tIns="0" rIns="0" bIns="0" anchor="ctr"/>
-          <a:lstStyle/>
-          <a:p>
-            <a:pPr algn="ctr">
-              <a:buClr>
-                <a:srgbClr val="000000"/>
-              </a:buClr>
-              <a:buSzPct val="100000"/>
-              <a:buFont typeface="Times New Roman" pitchFamily="18" charset="0"/>
-              <a:buNone/>
-              <a:tabLst>
-                <a:tab pos="0" algn="l"/>
-                <a:tab pos="914400" algn="l"/>
-                <a:tab pos="1828800" algn="l"/>
-                <a:tab pos="2743200" algn="l"/>
-                <a:tab pos="3657600" algn="l"/>
-                <a:tab pos="4572000" algn="l"/>
-                <a:tab pos="5486400" algn="l"/>
-                <a:tab pos="6400800" algn="l"/>
-                <a:tab pos="7315200" algn="l"/>
-                <a:tab pos="8229600" algn="l"/>
-                <a:tab pos="9144000" algn="l"/>
-                <a:tab pos="10058400" algn="l"/>
-              </a:tabLst>
-            </a:pPr>
-            <a:r>
-              <a:rPr lang="en-GB" sz="4000" dirty="0" smtClean="0">
-                <a:solidFill>
-                  <a:srgbClr val="000000"/>
-                </a:solidFill>
-                <a:latin typeface="Times New Roman" pitchFamily="18" charset="0"/>
-              </a:rPr>
-              <a:t>Uncertainty</a:t>
-            </a:r>
-            <a:endParaRPr lang="en-GB" sz="4000" dirty="0">
-              <a:solidFill>
-                <a:srgbClr val="000000"/>
-              </a:solidFill>
-              <a:latin typeface="Times New Roman" pitchFamily="18" charset="0"/>
-            </a:endParaRPr>
-          </a:p>
-        </p:txBody>
-      </p:sp>
-      <p:sp>
-        <p:nvSpPr>
-          <p:cNvPr id="10" name="Rectangle 5"/>
-          <p:cNvSpPr>
-            <a:spLocks noChangeArrowheads="1"/>
-          </p:cNvSpPr>
-          <p:nvPr/>
-        </p:nvSpPr>
-        <p:spPr bwMode="auto">
-          <a:xfrm>
-            <a:off x="228600" y="1060449"/>
-            <a:ext cx="8686800" cy="622301"/>
-          </a:xfrm>
-          <a:prstGeom prst="rect">
-            <a:avLst/>
-          </a:prstGeom>
-          <a:noFill/>
-          <a:ln w="9525">
-            <a:noFill/>
-            <a:round/>
-            <a:headEnd/>
-            <a:tailEnd/>
-          </a:ln>
-        </p:spPr>
-        <p:txBody>
-          <a:bodyPr lIns="0" tIns="0" rIns="0" bIns="0"/>
-          <a:lstStyle/>
+              <a:t>Say we have a physical system with a wave function:</a:t>
+            </a:r>
+          </a:p>
           <a:p>
             <a:pPr marL="430213" indent="-323850">
               <a:lnSpc>
@@ -9063,42 +7943,52 @@
                 <a:tab pos="10488613" algn="l"/>
               </a:tabLst>
             </a:pPr>
-            <a:r>
-              <a:rPr lang="en-GB" sz="3200" dirty="0" smtClean="0">
-                <a:solidFill>
-                  <a:srgbClr val="000000"/>
-                </a:solidFill>
-                <a:latin typeface="Times New Roman" pitchFamily="18" charset="0"/>
-              </a:rPr>
-              <a:t>We can find average values for </a:t>
-            </a:r>
-            <a:r>
-              <a:rPr lang="en-GB" sz="3200" i="1" dirty="0" smtClean="0">
-                <a:solidFill>
-                  <a:srgbClr val="000000"/>
-                </a:solidFill>
-                <a:latin typeface="Times New Roman" pitchFamily="18" charset="0"/>
-              </a:rPr>
-              <a:t>any</a:t>
-            </a:r>
-            <a:r>
-              <a:rPr lang="en-GB" sz="3200" dirty="0" smtClean="0">
-                <a:solidFill>
-                  <a:srgbClr val="000000"/>
-                </a:solidFill>
-                <a:latin typeface="Times New Roman" pitchFamily="18" charset="0"/>
-              </a:rPr>
-              <a:t> operator</a:t>
-            </a:r>
-          </a:p>
-          <a:p>
-            <a:pPr marL="106363">
+            <a:endParaRPr lang="en-GB" sz="3200" dirty="0">
+              <a:solidFill>
+                <a:srgbClr val="000000"/>
+              </a:solidFill>
+              <a:latin typeface="Times New Roman" pitchFamily="18" charset="0"/>
+            </a:endParaRPr>
+          </a:p>
+        </p:txBody>
+      </p:sp>
+      <p:sp>
+        <p:nvSpPr>
+          <p:cNvPr id="20" name="Rectangle 5"/>
+          <p:cNvSpPr>
+            <a:spLocks noChangeArrowheads="1"/>
+          </p:cNvSpPr>
+          <p:nvPr/>
+        </p:nvSpPr>
+        <p:spPr bwMode="auto">
+          <a:xfrm>
+            <a:off x="103718" y="3055407"/>
+            <a:ext cx="8686800" cy="469901"/>
+          </a:xfrm>
+          <a:prstGeom prst="rect">
+            <a:avLst/>
+          </a:prstGeom>
+          <a:noFill/>
+          <a:ln w="9525">
+            <a:noFill/>
+            <a:round/>
+            <a:headEnd/>
+            <a:tailEnd/>
+          </a:ln>
+        </p:spPr>
+        <p:txBody>
+          <a:bodyPr lIns="0" tIns="0" rIns="0" bIns="0"/>
+          <a:lstStyle/>
+          <a:p>
+            <a:pPr marL="430213" indent="-323850">
               <a:lnSpc>
                 <a:spcPct val="100000"/>
               </a:lnSpc>
               <a:spcBef>
                 <a:spcPts val="800"/>
               </a:spcBef>
+              <a:buFont typeface="Times New Roman" pitchFamily="18" charset="0"/>
+              <a:buChar char="•"/>
               <a:tabLst>
                 <a:tab pos="430213" algn="l"/>
                 <a:tab pos="1344613" algn="l"/>
@@ -9114,18 +8004,53 @@
                 <a:tab pos="10488613" algn="l"/>
               </a:tabLst>
             </a:pPr>
-            <a:endParaRPr lang="en-GB" sz="3200" dirty="0" smtClean="0">
-              <a:solidFill>
-                <a:srgbClr val="000000"/>
-              </a:solidFill>
-              <a:latin typeface="Times New Roman" pitchFamily="18" charset="0"/>
-            </a:endParaRPr>
+            <a:r>
+              <a:rPr lang="en-GB" sz="2800" dirty="0">
+                <a:solidFill>
+                  <a:srgbClr val="000000"/>
+                </a:solidFill>
+                <a:latin typeface="Times New Roman" pitchFamily="18" charset="0"/>
+              </a:rPr>
+              <a:t>What is the average value of position for an object defined by this system? </a:t>
+            </a:r>
+          </a:p>
+          <a:p>
+            <a:pPr marL="887413" lvl="1" indent="-323850">
+              <a:spcBef>
+                <a:spcPts val="800"/>
+              </a:spcBef>
+              <a:buFont typeface="Times New Roman" pitchFamily="18" charset="0"/>
+              <a:buChar char="•"/>
+              <a:tabLst>
+                <a:tab pos="430213" algn="l"/>
+                <a:tab pos="1344613" algn="l"/>
+                <a:tab pos="2259013" algn="l"/>
+                <a:tab pos="3173413" algn="l"/>
+                <a:tab pos="4087813" algn="l"/>
+                <a:tab pos="5002213" algn="l"/>
+                <a:tab pos="5916613" algn="l"/>
+                <a:tab pos="6831013" algn="l"/>
+                <a:tab pos="7745413" algn="l"/>
+                <a:tab pos="8659813" algn="l"/>
+                <a:tab pos="9574213" algn="l"/>
+                <a:tab pos="10488613" algn="l"/>
+              </a:tabLst>
+            </a:pPr>
+            <a:r>
+              <a:rPr lang="en-GB" sz="2800" dirty="0">
+                <a:solidFill>
+                  <a:srgbClr val="000000"/>
+                </a:solidFill>
+                <a:latin typeface="Times New Roman" pitchFamily="18" charset="0"/>
+              </a:rPr>
+              <a:t>To work it out completely you’ll need the integral: </a:t>
+            </a:r>
           </a:p>
         </p:txBody>
       </p:sp>
       <p:pic>
         <p:nvPicPr>
-          <p:cNvPr id="2" name="Picture 1"/>
+          <p:cNvPr id="3" name="Picture 2"/>
           <p:cNvPicPr>
             <a:picLocks noChangeAspect="1"/>
           </p:cNvPicPr>
@@ -9139,144 +8064,38 @@
         </p:blipFill>
         <p:spPr>
           <a:xfrm>
-            <a:off x="2308225" y="2225675"/>
-            <a:ext cx="5384800" cy="1917700"/>
+            <a:off x="2562225" y="4656029"/>
+            <a:ext cx="3152775" cy="1141522"/>
           </a:xfrm>
           <a:prstGeom prst="rect">
             <a:avLst/>
           </a:prstGeom>
         </p:spPr>
       </p:pic>
-      <p:sp>
-        <p:nvSpPr>
-          <p:cNvPr id="3" name="Rectangle 2"/>
-          <p:cNvSpPr/>
-          <p:nvPr/>
-        </p:nvSpPr>
-        <p:spPr>
-          <a:xfrm>
-            <a:off x="345168" y="1805315"/>
-            <a:ext cx="5481864" cy="523220"/>
-          </a:xfrm>
-          <a:prstGeom prst="rect">
-            <a:avLst/>
-          </a:prstGeom>
-        </p:spPr>
-        <p:txBody>
-          <a:bodyPr wrap="none">
-            <a:spAutoFit/>
-          </a:bodyPr>
-          <a:lstStyle/>
-          <a:p>
-            <a:r>
-              <a:rPr lang="en-GB" sz="2800" dirty="0" smtClean="0">
-                <a:solidFill>
-                  <a:srgbClr val="000000"/>
-                </a:solidFill>
-                <a:latin typeface="Times New Roman" pitchFamily="18" charset="0"/>
-              </a:rPr>
-              <a:t>Average value of </a:t>
-            </a:r>
-            <a:r>
-              <a:rPr lang="en-GB" sz="2800" i="1" dirty="0" smtClean="0">
-                <a:solidFill>
-                  <a:srgbClr val="000000"/>
-                </a:solidFill>
-                <a:latin typeface="Times New Roman" pitchFamily="18" charset="0"/>
-              </a:rPr>
-              <a:t>A</a:t>
-            </a:r>
-            <a:r>
-              <a:rPr lang="en-GB" sz="2800" dirty="0" smtClean="0">
-                <a:solidFill>
-                  <a:srgbClr val="000000"/>
-                </a:solidFill>
-                <a:latin typeface="Times New Roman" pitchFamily="18" charset="0"/>
-              </a:rPr>
-              <a:t>-squared operator</a:t>
-            </a:r>
-            <a:endParaRPr lang="en-US" sz="2800" dirty="0"/>
-          </a:p>
-        </p:txBody>
-      </p:sp>
-      <p:sp>
-        <p:nvSpPr>
-          <p:cNvPr id="14" name="Rectangle 13"/>
-          <p:cNvSpPr/>
-          <p:nvPr/>
-        </p:nvSpPr>
-        <p:spPr>
-          <a:xfrm>
-            <a:off x="276225" y="4211965"/>
-            <a:ext cx="5507287" cy="523220"/>
-          </a:xfrm>
-          <a:prstGeom prst="rect">
-            <a:avLst/>
-          </a:prstGeom>
-        </p:spPr>
-        <p:txBody>
-          <a:bodyPr wrap="none">
-            <a:spAutoFit/>
-          </a:bodyPr>
-          <a:lstStyle/>
-          <a:p>
-            <a:r>
-              <a:rPr lang="en-GB" sz="2800" dirty="0" smtClean="0">
-                <a:solidFill>
-                  <a:srgbClr val="000000"/>
-                </a:solidFill>
-                <a:latin typeface="Times New Roman" pitchFamily="18" charset="0"/>
-              </a:rPr>
-              <a:t>Average value of </a:t>
-            </a:r>
-            <a:r>
-              <a:rPr lang="en-GB" sz="2800" i="1" dirty="0" smtClean="0">
-                <a:solidFill>
-                  <a:srgbClr val="000000"/>
-                </a:solidFill>
-                <a:latin typeface="Times New Roman" pitchFamily="18" charset="0"/>
-              </a:rPr>
-              <a:t>A</a:t>
-            </a:r>
-            <a:r>
-              <a:rPr lang="en-GB" sz="2800" dirty="0">
-                <a:solidFill>
-                  <a:srgbClr val="000000"/>
-                </a:solidFill>
-                <a:latin typeface="Times New Roman" pitchFamily="18" charset="0"/>
-              </a:rPr>
-              <a:t> </a:t>
-            </a:r>
-            <a:r>
-              <a:rPr lang="en-GB" sz="2800" dirty="0" smtClean="0">
-                <a:solidFill>
-                  <a:srgbClr val="000000"/>
-                </a:solidFill>
-                <a:latin typeface="Times New Roman" pitchFamily="18" charset="0"/>
-              </a:rPr>
-              <a:t>operator, squared</a:t>
-            </a:r>
-            <a:endParaRPr lang="en-US" sz="2800" dirty="0"/>
-          </a:p>
-        </p:txBody>
-      </p:sp>
       <p:pic>
         <p:nvPicPr>
-          <p:cNvPr id="6" name="Picture 5"/>
+          <p:cNvPr id="7" name="Picture 6">
+            <a:extLst>
+              <a:ext uri="{FF2B5EF4-FFF2-40B4-BE49-F238E27FC236}">
+                <a16:creationId xmlns:a16="http://schemas.microsoft.com/office/drawing/2014/main" id="{575EE50B-92C3-18B5-836C-0BC638E27CD0}"/>
+              </a:ext>
+            </a:extLst>
+          </p:cNvPr>
           <p:cNvPicPr>
             <a:picLocks noChangeAspect="1"/>
           </p:cNvPicPr>
           <p:nvPr/>
         </p:nvPicPr>
-        <p:blipFill rotWithShape="1">
+        <p:blipFill>
           <a:blip r:embed="rId4"/>
-          <a:srcRect t="7006" b="6456"/>
-          <a:stretch/>
+          <a:stretch>
+            <a:fillRect/>
+          </a:stretch>
         </p:blipFill>
         <p:spPr>
           <a:xfrm>
-            <a:off x="2244725" y="4778374"/>
-            <a:ext cx="6019800" cy="2000251"/>
+            <a:off x="2562225" y="1972844"/>
+            <a:ext cx="3626947" cy="773749"/>
           </a:xfrm>
           <a:prstGeom prst="rect">
             <a:avLst/>
@@ -9286,20 +8105,81 @@
     </p:spTree>
     <p:extLst>
       <p:ext uri="{BB962C8B-B14F-4D97-AF65-F5344CB8AC3E}">
-        <p14:creationId xmlns:p14="http://schemas.microsoft.com/office/powerpoint/2010/main" val="391129558"/>
+        <p14:creationId xmlns:p14="http://schemas.microsoft.com/office/powerpoint/2010/main" val="1649118135"/>
       </p:ext>
     </p:extLst>
   </p:cSld>
   <p:clrMapOvr>
     <a:masterClrMapping/>
   </p:clrMapOvr>
-  <p:timing>
-    <p:tnLst>
-      <p:par>
-        <p:cTn xmlns:p14="http://schemas.microsoft.com/office/powerpoint/2010/main" id="1" dur="indefinite" restart="never" nodeType="tmRoot"/>
-      </p:par>
-    </p:tnLst>
-  </p:timing>
+</p:sld>
+</file>
+
+<file path=ppt/slides/slide17.xml><?xml version="1.0" encoding="utf-8"?>
+<p:sld xmlns:a="http://schemas.openxmlformats.org/drawingml/2006/main" xmlns:r="http://schemas.openxmlformats.org/officeDocument/2006/relationships" xmlns:p="http://schemas.openxmlformats.org/presentationml/2006/main">
+  <p:cSld>
+    <p:spTree>
+      <p:nvGrpSpPr>
+        <p:cNvPr id="1" name=""/>
+        <p:cNvGrpSpPr/>
+        <p:nvPr/>
+      </p:nvGrpSpPr>
+      <p:grpSpPr>
+        <a:xfrm>
+          <a:off x="0" y="0"/>
+          <a:ext cx="0" cy="0"/>
+          <a:chOff x="0" y="0"/>
+          <a:chExt cx="0" cy="0"/>
+        </a:xfrm>
+      </p:grpSpPr>
+      <p:pic>
+        <p:nvPicPr>
+          <p:cNvPr id="4" name="Picture 2">
+            <a:extLst>
+              <a:ext uri="{FF2B5EF4-FFF2-40B4-BE49-F238E27FC236}">
+                <a16:creationId xmlns:a16="http://schemas.microsoft.com/office/drawing/2014/main" id="{4C06EA71-92A1-5793-A927-00D9A47A9BB6}"/>
+              </a:ext>
+            </a:extLst>
+          </p:cNvPr>
+          <p:cNvPicPr>
+            <a:picLocks noChangeAspect="1" noChangeArrowheads="1"/>
+          </p:cNvPicPr>
+          <p:nvPr/>
+        </p:nvPicPr>
+        <p:blipFill>
+          <a:blip r:embed="rId2" cstate="print"/>
+          <a:srcRect/>
+          <a:stretch>
+            <a:fillRect/>
+          </a:stretch>
+        </p:blipFill>
+        <p:spPr bwMode="auto">
+          <a:xfrm>
+            <a:off x="484188" y="76200"/>
+            <a:ext cx="8202612" cy="239712"/>
+          </a:xfrm>
+          <a:prstGeom prst="rect">
+            <a:avLst/>
+          </a:prstGeom>
+          <a:noFill/>
+          <a:ln w="9525">
+            <a:noFill/>
+            <a:round/>
+            <a:headEnd/>
+            <a:tailEnd/>
+          </a:ln>
+        </p:spPr>
+      </p:pic>
+    </p:spTree>
+    <p:extLst>
+      <p:ext uri="{BB962C8B-B14F-4D97-AF65-F5344CB8AC3E}">
+        <p14:creationId xmlns:p14="http://schemas.microsoft.com/office/powerpoint/2010/main" val="3442557538"/>
+      </p:ext>
+    </p:extLst>
+  </p:cSld>
+  <p:clrMapOvr>
+    <a:masterClrMapping/>
+  </p:clrMapOvr>
 </p:sld>
 </file>
 
@@ -9403,7 +8283,7 @@
               </a:tabLst>
             </a:pPr>
             <a:r>
-              <a:rPr lang="en-GB" sz="4000" dirty="0" smtClean="0">
+              <a:rPr lang="en-GB" sz="4000" dirty="0">
                 <a:solidFill>
                   <a:srgbClr val="000000"/>
                 </a:solidFill>
@@ -9411,12 +8291,6 @@
               </a:rPr>
               <a:t>Uncertainty</a:t>
             </a:r>
-            <a:endParaRPr lang="en-GB" sz="4000" dirty="0">
-              <a:solidFill>
-                <a:srgbClr val="000000"/>
-              </a:solidFill>
-              <a:latin typeface="Times New Roman" pitchFamily="18" charset="0"/>
-            </a:endParaRPr>
           </a:p>
         </p:txBody>
       </p:sp>
@@ -9431,7 +8305,7 @@
         <p:spPr bwMode="auto">
           <a:xfrm>
             <a:off x="228600" y="1060449"/>
-            <a:ext cx="8686800" cy="1082676"/>
+            <a:ext cx="8686800" cy="1050926"/>
           </a:xfrm>
           <a:prstGeom prst="rect">
             <a:avLst/>
@@ -9473,49 +8347,63 @@
               </a:tabLst>
             </a:pPr>
             <a:r>
-              <a:rPr lang="en-GB" sz="3200" dirty="0" smtClean="0">
+              <a:rPr lang="en-GB" sz="3200" dirty="0">
                 <a:solidFill>
                   <a:srgbClr val="000000"/>
                 </a:solidFill>
                 <a:latin typeface="Times New Roman" pitchFamily="18" charset="0"/>
               </a:rPr>
-              <a:t>The </a:t>
-            </a:r>
-            <a:r>
-              <a:rPr lang="en-GB" sz="3200" b="1" dirty="0" smtClean="0">
+              <a:t>We can find average values for </a:t>
+            </a:r>
+            <a:r>
+              <a:rPr lang="en-GB" sz="3200" i="1" dirty="0">
                 <a:solidFill>
                   <a:srgbClr val="000000"/>
                 </a:solidFill>
                 <a:latin typeface="Times New Roman" pitchFamily="18" charset="0"/>
               </a:rPr>
-              <a:t>standard deviation</a:t>
-            </a:r>
-            <a:r>
-              <a:rPr lang="en-GB" sz="3200" dirty="0" smtClean="0">
+              <a:t>any</a:t>
+            </a:r>
+            <a:r>
+              <a:rPr lang="en-GB" sz="3200" dirty="0">
                 <a:solidFill>
                   <a:srgbClr val="000000"/>
                 </a:solidFill>
                 <a:latin typeface="Times New Roman" pitchFamily="18" charset="0"/>
               </a:rPr>
-              <a:t> (</a:t>
-            </a:r>
-            <a:r>
-              <a:rPr lang="en-GB" sz="3200" b="1" dirty="0" smtClean="0">
+              <a:t> operator</a:t>
+            </a:r>
+          </a:p>
+          <a:p>
+            <a:pPr marL="887413" lvl="1" indent="-323850">
+              <a:spcBef>
+                <a:spcPts val="800"/>
+              </a:spcBef>
+              <a:buFont typeface="Times New Roman" pitchFamily="18" charset="0"/>
+              <a:buChar char="•"/>
+              <a:tabLst>
+                <a:tab pos="430213" algn="l"/>
+                <a:tab pos="1344613" algn="l"/>
+                <a:tab pos="2259013" algn="l"/>
+                <a:tab pos="3173413" algn="l"/>
+                <a:tab pos="4087813" algn="l"/>
+                <a:tab pos="5002213" algn="l"/>
+                <a:tab pos="5916613" algn="l"/>
+                <a:tab pos="6831013" algn="l"/>
+                <a:tab pos="7745413" algn="l"/>
+                <a:tab pos="8659813" algn="l"/>
+                <a:tab pos="9574213" algn="l"/>
+                <a:tab pos="10488613" algn="l"/>
+              </a:tabLst>
+            </a:pPr>
+            <a:r>
+              <a:rPr lang="en-GB" sz="2800" dirty="0">
                 <a:solidFill>
                   <a:srgbClr val="000000"/>
                 </a:solidFill>
                 <a:latin typeface="Times New Roman" pitchFamily="18" charset="0"/>
               </a:rPr>
-              <a:t>spread</a:t>
-            </a:r>
-            <a:r>
-              <a:rPr lang="en-GB" sz="3200" dirty="0" smtClean="0">
-                <a:solidFill>
-                  <a:srgbClr val="000000"/>
-                </a:solidFill>
-                <a:latin typeface="Times New Roman" pitchFamily="18" charset="0"/>
-              </a:rPr>
-              <a:t>) in the values we’d measure is:</a:t>
+              <a:t>This includes products of operators:</a:t>
             </a:r>
           </a:p>
           <a:p>
@@ -9541,156 +8429,7 @@
                 <a:tab pos="10488613" algn="l"/>
               </a:tabLst>
             </a:pPr>
-            <a:endParaRPr lang="en-GB" sz="3200" dirty="0" smtClean="0">
-              <a:solidFill>
-                <a:srgbClr val="000000"/>
-              </a:solidFill>
-              <a:latin typeface="Times New Roman" pitchFamily="18" charset="0"/>
-            </a:endParaRPr>
-          </a:p>
-        </p:txBody>
-      </p:sp>
-      <p:sp>
-        <p:nvSpPr>
-          <p:cNvPr id="9" name="Rectangle 5"/>
-          <p:cNvSpPr>
-            <a:spLocks noChangeArrowheads="1"/>
-          </p:cNvSpPr>
-          <p:nvPr/>
-        </p:nvSpPr>
-        <p:spPr bwMode="auto">
-          <a:xfrm>
-            <a:off x="228600" y="4221691"/>
-            <a:ext cx="8686800" cy="2636309"/>
-          </a:xfrm>
-          <a:prstGeom prst="rect">
-            <a:avLst/>
-          </a:prstGeom>
-          <a:noFill/>
-          <a:ln w="9525">
-            <a:noFill/>
-            <a:round/>
-            <a:headEnd/>
-            <a:tailEnd/>
-          </a:ln>
-        </p:spPr>
-        <p:txBody>
-          <a:bodyPr lIns="0" tIns="0" rIns="0" bIns="0"/>
-          <a:lstStyle/>
-          <a:p>
-            <a:pPr marL="430213" indent="-323850">
-              <a:lnSpc>
-                <a:spcPct val="100000"/>
-              </a:lnSpc>
-              <a:spcBef>
-                <a:spcPts val="800"/>
-              </a:spcBef>
-              <a:buFont typeface="Times New Roman" pitchFamily="18" charset="0"/>
-              <a:buChar char="•"/>
-              <a:tabLst>
-                <a:tab pos="430213" algn="l"/>
-                <a:tab pos="1344613" algn="l"/>
-                <a:tab pos="2259013" algn="l"/>
-                <a:tab pos="3173413" algn="l"/>
-                <a:tab pos="4087813" algn="l"/>
-                <a:tab pos="5002213" algn="l"/>
-                <a:tab pos="5916613" algn="l"/>
-                <a:tab pos="6831013" algn="l"/>
-                <a:tab pos="7745413" algn="l"/>
-                <a:tab pos="8659813" algn="l"/>
-                <a:tab pos="9574213" algn="l"/>
-                <a:tab pos="10488613" algn="l"/>
-              </a:tabLst>
-            </a:pPr>
-            <a:r>
-              <a:rPr lang="en-GB" sz="3200" dirty="0" smtClean="0">
-                <a:solidFill>
-                  <a:srgbClr val="000000"/>
-                </a:solidFill>
-                <a:latin typeface="Times New Roman" pitchFamily="18" charset="0"/>
-              </a:rPr>
-              <a:t>In physics, we call standard deviation: </a:t>
-            </a:r>
-            <a:r>
-              <a:rPr lang="en-GB" sz="3200" b="1" u="sng" dirty="0" smtClean="0">
-                <a:solidFill>
-                  <a:srgbClr val="000000"/>
-                </a:solidFill>
-                <a:latin typeface="Times New Roman" pitchFamily="18" charset="0"/>
-              </a:rPr>
-              <a:t>uncertainty</a:t>
-            </a:r>
-          </a:p>
-          <a:p>
-            <a:pPr marL="887413" lvl="1" indent="-323850">
-              <a:spcBef>
-                <a:spcPts val="800"/>
-              </a:spcBef>
-              <a:buFont typeface="Times New Roman" pitchFamily="18" charset="0"/>
-              <a:buChar char="•"/>
-              <a:tabLst>
-                <a:tab pos="430213" algn="l"/>
-                <a:tab pos="1344613" algn="l"/>
-                <a:tab pos="2259013" algn="l"/>
-                <a:tab pos="3173413" algn="l"/>
-                <a:tab pos="4087813" algn="l"/>
-                <a:tab pos="5002213" algn="l"/>
-                <a:tab pos="5916613" algn="l"/>
-                <a:tab pos="6831013" algn="l"/>
-                <a:tab pos="7745413" algn="l"/>
-                <a:tab pos="8659813" algn="l"/>
-                <a:tab pos="9574213" algn="l"/>
-                <a:tab pos="10488613" algn="l"/>
-              </a:tabLst>
-            </a:pPr>
-            <a:r>
-              <a:rPr lang="en-GB" sz="2800" dirty="0" smtClean="0">
-                <a:solidFill>
-                  <a:srgbClr val="000000"/>
-                </a:solidFill>
-                <a:latin typeface="Times New Roman" pitchFamily="18" charset="0"/>
-              </a:rPr>
-              <a:t>Statisticians are still arguing with each other about the definition of uncertainty…</a:t>
-            </a:r>
             <a:endParaRPr lang="en-GB" sz="3200" dirty="0">
-              <a:solidFill>
-                <a:srgbClr val="000000"/>
-              </a:solidFill>
-              <a:latin typeface="Times New Roman" pitchFamily="18" charset="0"/>
-            </a:endParaRPr>
-          </a:p>
-          <a:p>
-            <a:pPr marL="1344613" lvl="2" indent="-323850">
-              <a:spcBef>
-                <a:spcPts val="800"/>
-              </a:spcBef>
-              <a:buFont typeface="Times New Roman" pitchFamily="18" charset="0"/>
-              <a:buChar char="•"/>
-              <a:tabLst>
-                <a:tab pos="430213" algn="l"/>
-                <a:tab pos="1344613" algn="l"/>
-                <a:tab pos="2259013" algn="l"/>
-                <a:tab pos="3173413" algn="l"/>
-                <a:tab pos="4087813" algn="l"/>
-                <a:tab pos="5002213" algn="l"/>
-                <a:tab pos="5916613" algn="l"/>
-                <a:tab pos="6831013" algn="l"/>
-                <a:tab pos="7745413" algn="l"/>
-                <a:tab pos="8659813" algn="l"/>
-                <a:tab pos="9574213" algn="l"/>
-                <a:tab pos="10488613" algn="l"/>
-              </a:tabLst>
-            </a:pPr>
-            <a:r>
-              <a:rPr lang="en-GB" sz="2800" dirty="0" smtClean="0">
-                <a:solidFill>
-                  <a:srgbClr val="000000"/>
-                </a:solidFill>
-                <a:latin typeface="Times New Roman" pitchFamily="18" charset="0"/>
-              </a:rPr>
-              <a:t>Reality is that there are alternative definitions.</a:t>
-            </a:r>
-            <a:endParaRPr lang="en-GB" sz="2400" dirty="0" smtClean="0">
               <a:solidFill>
                 <a:srgbClr val="000000"/>
               </a:solidFill>
@@ -9707,16 +8446,164 @@
           </p:cNvPicPr>
           <p:nvPr/>
         </p:nvPicPr>
-        <p:blipFill>
+        <p:blipFill rotWithShape="1">
           <a:blip r:embed="rId3"/>
-          <a:stretch>
-            <a:fillRect/>
-          </a:stretch>
+          <a:srcRect r="75072"/>
+          <a:stretch/>
         </p:blipFill>
         <p:spPr>
           <a:xfrm>
-            <a:off x="1816100" y="2533650"/>
-            <a:ext cx="5511800" cy="1219200"/>
+            <a:off x="177800" y="4035425"/>
+            <a:ext cx="2187575" cy="1549400"/>
+          </a:xfrm>
+          <a:prstGeom prst="rect">
+            <a:avLst/>
+          </a:prstGeom>
+        </p:spPr>
+      </p:pic>
+      <p:sp>
+        <p:nvSpPr>
+          <p:cNvPr id="8" name="Rectangle 7"/>
+          <p:cNvSpPr/>
+          <p:nvPr/>
+        </p:nvSpPr>
+        <p:spPr>
+          <a:xfrm>
+            <a:off x="246063" y="2222668"/>
+            <a:ext cx="928334" cy="646331"/>
+          </a:xfrm>
+          <a:prstGeom prst="rect">
+            <a:avLst/>
+          </a:prstGeom>
+        </p:spPr>
+        <p:txBody>
+          <a:bodyPr wrap="none">
+            <a:spAutoFit/>
+          </a:bodyPr>
+          <a:lstStyle/>
+          <a:p>
+            <a:r>
+              <a:rPr lang="en-GB" sz="3600" dirty="0">
+                <a:solidFill>
+                  <a:srgbClr val="000000"/>
+                </a:solidFill>
+                <a:latin typeface="Times New Roman" pitchFamily="18" charset="0"/>
+              </a:rPr>
+              <a:t>E.g.</a:t>
+            </a:r>
+            <a:endParaRPr lang="en-US" sz="3600" dirty="0"/>
+          </a:p>
+        </p:txBody>
+      </p:sp>
+      <p:pic>
+        <p:nvPicPr>
+          <p:cNvPr id="11" name="Picture 10"/>
+          <p:cNvPicPr>
+            <a:picLocks noChangeAspect="1"/>
+          </p:cNvPicPr>
+          <p:nvPr/>
+        </p:nvPicPr>
+        <p:blipFill rotWithShape="1">
+          <a:blip r:embed="rId4"/>
+          <a:srcRect r="72879"/>
+          <a:stretch/>
+        </p:blipFill>
+        <p:spPr>
+          <a:xfrm>
+            <a:off x="3149600" y="2733675"/>
+            <a:ext cx="771525" cy="914400"/>
+          </a:xfrm>
+          <a:prstGeom prst="rect">
+            <a:avLst/>
+          </a:prstGeom>
+        </p:spPr>
+      </p:pic>
+      <p:pic>
+        <p:nvPicPr>
+          <p:cNvPr id="21" name="Picture 20"/>
+          <p:cNvPicPr>
+            <a:picLocks noChangeAspect="1"/>
+          </p:cNvPicPr>
+          <p:nvPr/>
+        </p:nvPicPr>
+        <p:blipFill rotWithShape="1">
+          <a:blip r:embed="rId4"/>
+          <a:srcRect l="27120" r="39398"/>
+          <a:stretch/>
+        </p:blipFill>
+        <p:spPr>
+          <a:xfrm>
+            <a:off x="3921125" y="2733675"/>
+            <a:ext cx="952500" cy="914400"/>
+          </a:xfrm>
+          <a:prstGeom prst="rect">
+            <a:avLst/>
+          </a:prstGeom>
+        </p:spPr>
+      </p:pic>
+      <p:pic>
+        <p:nvPicPr>
+          <p:cNvPr id="22" name="Picture 21"/>
+          <p:cNvPicPr>
+            <a:picLocks noChangeAspect="1"/>
+          </p:cNvPicPr>
+          <p:nvPr/>
+        </p:nvPicPr>
+        <p:blipFill rotWithShape="1">
+          <a:blip r:embed="rId4"/>
+          <a:srcRect l="60603" b="-14236"/>
+          <a:stretch/>
+        </p:blipFill>
+        <p:spPr>
+          <a:xfrm>
+            <a:off x="4873624" y="2733674"/>
+            <a:ext cx="1120775" cy="1044575"/>
+          </a:xfrm>
+          <a:prstGeom prst="rect">
+            <a:avLst/>
+          </a:prstGeom>
+        </p:spPr>
+      </p:pic>
+      <p:pic>
+        <p:nvPicPr>
+          <p:cNvPr id="23" name="Picture 22"/>
+          <p:cNvPicPr>
+            <a:picLocks noChangeAspect="1"/>
+          </p:cNvPicPr>
+          <p:nvPr/>
+        </p:nvPicPr>
+        <p:blipFill rotWithShape="1">
+          <a:blip r:embed="rId3"/>
+          <a:srcRect l="24927" r="28039"/>
+          <a:stretch/>
+        </p:blipFill>
+        <p:spPr>
+          <a:xfrm>
+            <a:off x="2365374" y="4035425"/>
+            <a:ext cx="4127501" cy="1549400"/>
+          </a:xfrm>
+          <a:prstGeom prst="rect">
+            <a:avLst/>
+          </a:prstGeom>
+        </p:spPr>
+      </p:pic>
+      <p:pic>
+        <p:nvPicPr>
+          <p:cNvPr id="24" name="Picture 23"/>
+          <p:cNvPicPr>
+            <a:picLocks noChangeAspect="1"/>
+          </p:cNvPicPr>
+          <p:nvPr/>
+        </p:nvPicPr>
+        <p:blipFill rotWithShape="1">
+          <a:blip r:embed="rId3"/>
+          <a:srcRect l="71961"/>
+          <a:stretch/>
+        </p:blipFill>
+        <p:spPr>
+          <a:xfrm>
+            <a:off x="6492874" y="4035425"/>
+            <a:ext cx="2460625" cy="1549400"/>
           </a:xfrm>
           <a:prstGeom prst="rect">
             <a:avLst/>
@@ -9726,7 +8613,7 @@
     </p:spTree>
     <p:extLst>
       <p:ext uri="{BB962C8B-B14F-4D97-AF65-F5344CB8AC3E}">
-        <p14:creationId xmlns:p14="http://schemas.microsoft.com/office/powerpoint/2010/main" val="435410625"/>
+        <p14:creationId xmlns:p14="http://schemas.microsoft.com/office/powerpoint/2010/main" val="3611088654"/>
       </p:ext>
     </p:extLst>
   </p:cSld>
@@ -9736,7 +8623,7 @@
   <p:timing>
     <p:tnLst>
       <p:par>
-        <p:cTn xmlns:p14="http://schemas.microsoft.com/office/powerpoint/2010/main" id="1" dur="indefinite" restart="never" nodeType="tmRoot">
+        <p:cTn id="1" dur="indefinite" restart="never" nodeType="tmRoot">
           <p:childTnLst>
             <p:seq concurrent="1" nextAc="seek">
               <p:cTn id="2" dur="indefinite" nodeType="mainSeq">
@@ -9754,7 +8641,7 @@
                             </p:stCondLst>
                             <p:childTnLst>
                               <p:par>
-                                <p:cTn id="5" presetID="2" presetClass="entr" presetSubtype="4" fill="hold" grpId="0" nodeType="clickEffect">
+                                <p:cTn id="5" presetID="2" presetClass="entr" presetSubtype="2" fill="hold" nodeType="clickEffect">
                                   <p:stCondLst>
                                     <p:cond delay="0"/>
                                   </p:stCondLst>
@@ -9767,7 +8654,7 @@
                                           </p:stCondLst>
                                         </p:cTn>
                                         <p:tgtEl>
-                                          <p:spTgt spid="9"/>
+                                          <p:spTgt spid="21"/>
                                         </p:tgtEl>
                                         <p:attrNameLst>
                                           <p:attrName>style.visibility</p:attrName>
@@ -9781,7 +8668,7 @@
                                       <p:cBhvr additive="base">
                                         <p:cTn id="7" dur="500" fill="hold"/>
                                         <p:tgtEl>
-                                          <p:spTgt spid="9"/>
+                                          <p:spTgt spid="21"/>
                                         </p:tgtEl>
                                         <p:attrNameLst>
                                           <p:attrName>ppt_x</p:attrName>
@@ -9790,7 +8677,7 @@
                                       <p:tavLst>
                                         <p:tav tm="0">
                                           <p:val>
-                                            <p:strVal val="#ppt_x"/>
+                                            <p:strVal val="1+#ppt_w/2"/>
                                           </p:val>
                                         </p:tav>
                                         <p:tav tm="100000">
@@ -9804,7 +8691,7 @@
                                       <p:cBhvr additive="base">
                                         <p:cTn id="8" dur="500" fill="hold"/>
                                         <p:tgtEl>
-                                          <p:spTgt spid="9"/>
+                                          <p:spTgt spid="21"/>
                                         </p:tgtEl>
                                         <p:attrNameLst>
                                           <p:attrName>ppt_y</p:attrName>
@@ -9813,7 +8700,371 @@
                                       <p:tavLst>
                                         <p:tav tm="0">
                                           <p:val>
+                                            <p:strVal val="#ppt_y"/>
+                                          </p:val>
+                                        </p:tav>
+                                        <p:tav tm="100000">
+                                          <p:val>
+                                            <p:strVal val="#ppt_y"/>
+                                          </p:val>
+                                        </p:tav>
+                                      </p:tavLst>
+                                    </p:anim>
+                                  </p:childTnLst>
+                                </p:cTn>
+                              </p:par>
+                            </p:childTnLst>
+                          </p:cTn>
+                        </p:par>
+                      </p:childTnLst>
+                    </p:cTn>
+                  </p:par>
+                  <p:par>
+                    <p:cTn id="9" fill="hold">
+                      <p:stCondLst>
+                        <p:cond delay="indefinite"/>
+                      </p:stCondLst>
+                      <p:childTnLst>
+                        <p:par>
+                          <p:cTn id="10" fill="hold">
+                            <p:stCondLst>
+                              <p:cond delay="0"/>
+                            </p:stCondLst>
+                            <p:childTnLst>
+                              <p:par>
+                                <p:cTn id="11" presetID="2" presetClass="entr" presetSubtype="2" fill="hold" nodeType="clickEffect">
+                                  <p:stCondLst>
+                                    <p:cond delay="0"/>
+                                  </p:stCondLst>
+                                  <p:childTnLst>
+                                    <p:set>
+                                      <p:cBhvr>
+                                        <p:cTn id="12" dur="1" fill="hold">
+                                          <p:stCondLst>
+                                            <p:cond delay="0"/>
+                                          </p:stCondLst>
+                                        </p:cTn>
+                                        <p:tgtEl>
+                                          <p:spTgt spid="22"/>
+                                        </p:tgtEl>
+                                        <p:attrNameLst>
+                                          <p:attrName>style.visibility</p:attrName>
+                                        </p:attrNameLst>
+                                      </p:cBhvr>
+                                      <p:to>
+                                        <p:strVal val="visible"/>
+                                      </p:to>
+                                    </p:set>
+                                    <p:anim calcmode="lin" valueType="num">
+                                      <p:cBhvr additive="base">
+                                        <p:cTn id="13" dur="500" fill="hold"/>
+                                        <p:tgtEl>
+                                          <p:spTgt spid="22"/>
+                                        </p:tgtEl>
+                                        <p:attrNameLst>
+                                          <p:attrName>ppt_x</p:attrName>
+                                        </p:attrNameLst>
+                                      </p:cBhvr>
+                                      <p:tavLst>
+                                        <p:tav tm="0">
+                                          <p:val>
+                                            <p:strVal val="1+#ppt_w/2"/>
+                                          </p:val>
+                                        </p:tav>
+                                        <p:tav tm="100000">
+                                          <p:val>
+                                            <p:strVal val="#ppt_x"/>
+                                          </p:val>
+                                        </p:tav>
+                                      </p:tavLst>
+                                    </p:anim>
+                                    <p:anim calcmode="lin" valueType="num">
+                                      <p:cBhvr additive="base">
+                                        <p:cTn id="14" dur="500" fill="hold"/>
+                                        <p:tgtEl>
+                                          <p:spTgt spid="22"/>
+                                        </p:tgtEl>
+                                        <p:attrNameLst>
+                                          <p:attrName>ppt_y</p:attrName>
+                                        </p:attrNameLst>
+                                      </p:cBhvr>
+                                      <p:tavLst>
+                                        <p:tav tm="0">
+                                          <p:val>
+                                            <p:strVal val="#ppt_y"/>
+                                          </p:val>
+                                        </p:tav>
+                                        <p:tav tm="100000">
+                                          <p:val>
+                                            <p:strVal val="#ppt_y"/>
+                                          </p:val>
+                                        </p:tav>
+                                      </p:tavLst>
+                                    </p:anim>
+                                  </p:childTnLst>
+                                </p:cTn>
+                              </p:par>
+                            </p:childTnLst>
+                          </p:cTn>
+                        </p:par>
+                      </p:childTnLst>
+                    </p:cTn>
+                  </p:par>
+                  <p:par>
+                    <p:cTn id="15" fill="hold">
+                      <p:stCondLst>
+                        <p:cond delay="indefinite"/>
+                      </p:stCondLst>
+                      <p:childTnLst>
+                        <p:par>
+                          <p:cTn id="16" fill="hold">
+                            <p:stCondLst>
+                              <p:cond delay="0"/>
+                            </p:stCondLst>
+                            <p:childTnLst>
+                              <p:par>
+                                <p:cTn id="17" presetID="2" presetClass="entr" presetSubtype="4" fill="hold" nodeType="clickEffect">
+                                  <p:stCondLst>
+                                    <p:cond delay="0"/>
+                                  </p:stCondLst>
+                                  <p:childTnLst>
+                                    <p:set>
+                                      <p:cBhvr>
+                                        <p:cTn id="18" dur="1" fill="hold">
+                                          <p:stCondLst>
+                                            <p:cond delay="0"/>
+                                          </p:stCondLst>
+                                        </p:cTn>
+                                        <p:tgtEl>
+                                          <p:spTgt spid="7"/>
+                                        </p:tgtEl>
+                                        <p:attrNameLst>
+                                          <p:attrName>style.visibility</p:attrName>
+                                        </p:attrNameLst>
+                                      </p:cBhvr>
+                                      <p:to>
+                                        <p:strVal val="visible"/>
+                                      </p:to>
+                                    </p:set>
+                                    <p:anim calcmode="lin" valueType="num">
+                                      <p:cBhvr additive="base">
+                                        <p:cTn id="19" dur="500" fill="hold"/>
+                                        <p:tgtEl>
+                                          <p:spTgt spid="7"/>
+                                        </p:tgtEl>
+                                        <p:attrNameLst>
+                                          <p:attrName>ppt_x</p:attrName>
+                                        </p:attrNameLst>
+                                      </p:cBhvr>
+                                      <p:tavLst>
+                                        <p:tav tm="0">
+                                          <p:val>
+                                            <p:strVal val="#ppt_x"/>
+                                          </p:val>
+                                        </p:tav>
+                                        <p:tav tm="100000">
+                                          <p:val>
+                                            <p:strVal val="#ppt_x"/>
+                                          </p:val>
+                                        </p:tav>
+                                      </p:tavLst>
+                                    </p:anim>
+                                    <p:anim calcmode="lin" valueType="num">
+                                      <p:cBhvr additive="base">
+                                        <p:cTn id="20" dur="500" fill="hold"/>
+                                        <p:tgtEl>
+                                          <p:spTgt spid="7"/>
+                                        </p:tgtEl>
+                                        <p:attrNameLst>
+                                          <p:attrName>ppt_y</p:attrName>
+                                        </p:attrNameLst>
+                                      </p:cBhvr>
+                                      <p:tavLst>
+                                        <p:tav tm="0">
+                                          <p:val>
                                             <p:strVal val="1+#ppt_h/2"/>
+                                          </p:val>
+                                        </p:tav>
+                                        <p:tav tm="100000">
+                                          <p:val>
+                                            <p:strVal val="#ppt_y"/>
+                                          </p:val>
+                                        </p:tav>
+                                      </p:tavLst>
+                                    </p:anim>
+                                  </p:childTnLst>
+                                </p:cTn>
+                              </p:par>
+                            </p:childTnLst>
+                          </p:cTn>
+                        </p:par>
+                      </p:childTnLst>
+                    </p:cTn>
+                  </p:par>
+                  <p:par>
+                    <p:cTn id="21" fill="hold">
+                      <p:stCondLst>
+                        <p:cond delay="indefinite"/>
+                      </p:stCondLst>
+                      <p:childTnLst>
+                        <p:par>
+                          <p:cTn id="22" fill="hold">
+                            <p:stCondLst>
+                              <p:cond delay="0"/>
+                            </p:stCondLst>
+                            <p:childTnLst>
+                              <p:par>
+                                <p:cTn id="23" presetID="2" presetClass="entr" presetSubtype="2" fill="hold" nodeType="clickEffect">
+                                  <p:stCondLst>
+                                    <p:cond delay="0"/>
+                                  </p:stCondLst>
+                                  <p:childTnLst>
+                                    <p:set>
+                                      <p:cBhvr>
+                                        <p:cTn id="24" dur="1" fill="hold">
+                                          <p:stCondLst>
+                                            <p:cond delay="0"/>
+                                          </p:stCondLst>
+                                        </p:cTn>
+                                        <p:tgtEl>
+                                          <p:spTgt spid="23"/>
+                                        </p:tgtEl>
+                                        <p:attrNameLst>
+                                          <p:attrName>style.visibility</p:attrName>
+                                        </p:attrNameLst>
+                                      </p:cBhvr>
+                                      <p:to>
+                                        <p:strVal val="visible"/>
+                                      </p:to>
+                                    </p:set>
+                                    <p:anim calcmode="lin" valueType="num">
+                                      <p:cBhvr additive="base">
+                                        <p:cTn id="25" dur="500" fill="hold"/>
+                                        <p:tgtEl>
+                                          <p:spTgt spid="23"/>
+                                        </p:tgtEl>
+                                        <p:attrNameLst>
+                                          <p:attrName>ppt_x</p:attrName>
+                                        </p:attrNameLst>
+                                      </p:cBhvr>
+                                      <p:tavLst>
+                                        <p:tav tm="0">
+                                          <p:val>
+                                            <p:strVal val="1+#ppt_w/2"/>
+                                          </p:val>
+                                        </p:tav>
+                                        <p:tav tm="100000">
+                                          <p:val>
+                                            <p:strVal val="#ppt_x"/>
+                                          </p:val>
+                                        </p:tav>
+                                      </p:tavLst>
+                                    </p:anim>
+                                    <p:anim calcmode="lin" valueType="num">
+                                      <p:cBhvr additive="base">
+                                        <p:cTn id="26" dur="500" fill="hold"/>
+                                        <p:tgtEl>
+                                          <p:spTgt spid="23"/>
+                                        </p:tgtEl>
+                                        <p:attrNameLst>
+                                          <p:attrName>ppt_y</p:attrName>
+                                        </p:attrNameLst>
+                                      </p:cBhvr>
+                                      <p:tavLst>
+                                        <p:tav tm="0">
+                                          <p:val>
+                                            <p:strVal val="#ppt_y"/>
+                                          </p:val>
+                                        </p:tav>
+                                        <p:tav tm="100000">
+                                          <p:val>
+                                            <p:strVal val="#ppt_y"/>
+                                          </p:val>
+                                        </p:tav>
+                                      </p:tavLst>
+                                    </p:anim>
+                                  </p:childTnLst>
+                                </p:cTn>
+                              </p:par>
+                            </p:childTnLst>
+                          </p:cTn>
+                        </p:par>
+                      </p:childTnLst>
+                    </p:cTn>
+                  </p:par>
+                  <p:par>
+                    <p:cTn id="27" fill="hold">
+                      <p:stCondLst>
+                        <p:cond delay="indefinite"/>
+                      </p:stCondLst>
+                      <p:childTnLst>
+                        <p:par>
+                          <p:cTn id="28" fill="hold">
+                            <p:stCondLst>
+                              <p:cond delay="0"/>
+                            </p:stCondLst>
+                            <p:childTnLst>
+                              <p:par>
+                                <p:cTn id="29" presetID="2" presetClass="entr" presetSubtype="2" fill="hold" nodeType="clickEffect">
+                                  <p:stCondLst>
+                                    <p:cond delay="0"/>
+                                  </p:stCondLst>
+                                  <p:childTnLst>
+                                    <p:set>
+                                      <p:cBhvr>
+                                        <p:cTn id="30" dur="1" fill="hold">
+                                          <p:stCondLst>
+                                            <p:cond delay="0"/>
+                                          </p:stCondLst>
+                                        </p:cTn>
+                                        <p:tgtEl>
+                                          <p:spTgt spid="24"/>
+                                        </p:tgtEl>
+                                        <p:attrNameLst>
+                                          <p:attrName>style.visibility</p:attrName>
+                                        </p:attrNameLst>
+                                      </p:cBhvr>
+                                      <p:to>
+                                        <p:strVal val="visible"/>
+                                      </p:to>
+                                    </p:set>
+                                    <p:anim calcmode="lin" valueType="num">
+                                      <p:cBhvr additive="base">
+                                        <p:cTn id="31" dur="500" fill="hold"/>
+                                        <p:tgtEl>
+                                          <p:spTgt spid="24"/>
+                                        </p:tgtEl>
+                                        <p:attrNameLst>
+                                          <p:attrName>ppt_x</p:attrName>
+                                        </p:attrNameLst>
+                                      </p:cBhvr>
+                                      <p:tavLst>
+                                        <p:tav tm="0">
+                                          <p:val>
+                                            <p:strVal val="1+#ppt_w/2"/>
+                                          </p:val>
+                                        </p:tav>
+                                        <p:tav tm="100000">
+                                          <p:val>
+                                            <p:strVal val="#ppt_x"/>
+                                          </p:val>
+                                        </p:tav>
+                                      </p:tavLst>
+                                    </p:anim>
+                                    <p:anim calcmode="lin" valueType="num">
+                                      <p:cBhvr additive="base">
+                                        <p:cTn id="32" dur="500" fill="hold"/>
+                                        <p:tgtEl>
+                                          <p:spTgt spid="24"/>
+                                        </p:tgtEl>
+                                        <p:attrNameLst>
+                                          <p:attrName>ppt_y</p:attrName>
+                                        </p:attrNameLst>
+                                      </p:cBhvr>
+                                      <p:tavLst>
+                                        <p:tav tm="0">
+                                          <p:val>
+                                            <p:strVal val="#ppt_y"/>
                                           </p:val>
                                         </p:tav>
                                         <p:tav tm="100000">
@@ -9853,9 +9104,6 @@
         </p:cTn>
       </p:par>
     </p:tnLst>
-    <p:bldLst>
-      <p:bldP spid="9" grpId="0"/>
-    </p:bldLst>
   </p:timing>
 </p:sld>
 </file>
@@ -9960,7 +9208,7 @@
               </a:tabLst>
             </a:pPr>
             <a:r>
-              <a:rPr lang="en-GB" sz="4000" dirty="0" smtClean="0">
+              <a:rPr lang="en-GB" sz="4000" dirty="0">
                 <a:solidFill>
                   <a:srgbClr val="000000"/>
                 </a:solidFill>
@@ -9968,12 +9216,6 @@
               </a:rPr>
               <a:t>Uncertainty</a:t>
             </a:r>
-            <a:endParaRPr lang="en-GB" sz="4000" dirty="0">
-              <a:solidFill>
-                <a:srgbClr val="000000"/>
-              </a:solidFill>
-              <a:latin typeface="Times New Roman" pitchFamily="18" charset="0"/>
-            </a:endParaRPr>
           </a:p>
         </p:txBody>
       </p:sp>
@@ -9988,7 +9230,7 @@
         <p:spPr bwMode="auto">
           <a:xfrm>
             <a:off x="228600" y="1060449"/>
-            <a:ext cx="8686800" cy="1082676"/>
+            <a:ext cx="8686800" cy="622301"/>
           </a:xfrm>
           <a:prstGeom prst="rect">
             <a:avLst/>
@@ -10030,31 +9272,31 @@
               </a:tabLst>
             </a:pPr>
             <a:r>
-              <a:rPr lang="en-GB" sz="3200" dirty="0" smtClean="0">
+              <a:rPr lang="en-GB" sz="3200" dirty="0">
                 <a:solidFill>
                   <a:srgbClr val="000000"/>
                 </a:solidFill>
                 <a:latin typeface="Times New Roman" pitchFamily="18" charset="0"/>
               </a:rPr>
-              <a:t>In statistics you learn about an alternative measure of spread, </a:t>
-            </a:r>
-            <a:r>
-              <a:rPr lang="en-GB" sz="3200" b="1" dirty="0" smtClean="0">
+              <a:t>We can find average values for </a:t>
+            </a:r>
+            <a:r>
+              <a:rPr lang="en-GB" sz="3200" i="1" dirty="0">
                 <a:solidFill>
                   <a:srgbClr val="000000"/>
                 </a:solidFill>
                 <a:latin typeface="Times New Roman" pitchFamily="18" charset="0"/>
               </a:rPr>
-              <a:t>variance</a:t>
-            </a:r>
-            <a:r>
-              <a:rPr lang="en-GB" sz="3200" dirty="0" smtClean="0">
+              <a:t>any</a:t>
+            </a:r>
+            <a:r>
+              <a:rPr lang="en-GB" sz="3200" dirty="0">
                 <a:solidFill>
                   <a:srgbClr val="000000"/>
                 </a:solidFill>
                 <a:latin typeface="Times New Roman" pitchFamily="18" charset="0"/>
               </a:rPr>
-              <a:t>:</a:t>
+              <a:t> operator</a:t>
             </a:r>
           </a:p>
           <a:p>
@@ -10080,107 +9322,7 @@
                 <a:tab pos="10488613" algn="l"/>
               </a:tabLst>
             </a:pPr>
-            <a:endParaRPr lang="en-GB" sz="3200" dirty="0" smtClean="0">
-              <a:solidFill>
-                <a:srgbClr val="000000"/>
-              </a:solidFill>
-              <a:latin typeface="Times New Roman" pitchFamily="18" charset="0"/>
-            </a:endParaRPr>
-          </a:p>
-        </p:txBody>
-      </p:sp>
-      <p:sp>
-        <p:nvSpPr>
-          <p:cNvPr id="9" name="Rectangle 5"/>
-          <p:cNvSpPr>
-            <a:spLocks noChangeArrowheads="1"/>
-          </p:cNvSpPr>
-          <p:nvPr/>
-        </p:nvSpPr>
-        <p:spPr bwMode="auto">
-          <a:xfrm>
-            <a:off x="228600" y="4729692"/>
-            <a:ext cx="8686800" cy="1556808"/>
-          </a:xfrm>
-          <a:prstGeom prst="rect">
-            <a:avLst/>
-          </a:prstGeom>
-          <a:noFill/>
-          <a:ln w="9525">
-            <a:noFill/>
-            <a:round/>
-            <a:headEnd/>
-            <a:tailEnd/>
-          </a:ln>
-        </p:spPr>
-        <p:txBody>
-          <a:bodyPr lIns="0" tIns="0" rIns="0" bIns="0"/>
-          <a:lstStyle/>
-          <a:p>
-            <a:pPr marL="430213" indent="-323850">
-              <a:lnSpc>
-                <a:spcPct val="100000"/>
-              </a:lnSpc>
-              <a:spcBef>
-                <a:spcPts val="800"/>
-              </a:spcBef>
-              <a:buFont typeface="Times New Roman" pitchFamily="18" charset="0"/>
-              <a:buChar char="•"/>
-              <a:tabLst>
-                <a:tab pos="430213" algn="l"/>
-                <a:tab pos="1344613" algn="l"/>
-                <a:tab pos="2259013" algn="l"/>
-                <a:tab pos="3173413" algn="l"/>
-                <a:tab pos="4087813" algn="l"/>
-                <a:tab pos="5002213" algn="l"/>
-                <a:tab pos="5916613" algn="l"/>
-                <a:tab pos="6831013" algn="l"/>
-                <a:tab pos="7745413" algn="l"/>
-                <a:tab pos="8659813" algn="l"/>
-                <a:tab pos="9574213" algn="l"/>
-                <a:tab pos="10488613" algn="l"/>
-              </a:tabLst>
-            </a:pPr>
-            <a:r>
-              <a:rPr lang="en-GB" sz="3200" dirty="0" smtClean="0">
-                <a:solidFill>
-                  <a:srgbClr val="000000"/>
-                </a:solidFill>
-                <a:latin typeface="Times New Roman" pitchFamily="18" charset="0"/>
-              </a:rPr>
-              <a:t>Both definitions of standard deviation and variance are identical to what you learned in statistics.</a:t>
-            </a:r>
-            <a:endParaRPr lang="en-GB" sz="3200" b="1" u="sng" dirty="0" smtClean="0">
-              <a:solidFill>
-                <a:srgbClr val="000000"/>
-              </a:solidFill>
-              <a:latin typeface="Times New Roman" pitchFamily="18" charset="0"/>
-            </a:endParaRPr>
-          </a:p>
-          <a:p>
-            <a:pPr marL="106363">
-              <a:lnSpc>
-                <a:spcPct val="100000"/>
-              </a:lnSpc>
-              <a:spcBef>
-                <a:spcPts val="800"/>
-              </a:spcBef>
-              <a:tabLst>
-                <a:tab pos="430213" algn="l"/>
-                <a:tab pos="1344613" algn="l"/>
-                <a:tab pos="2259013" algn="l"/>
-                <a:tab pos="3173413" algn="l"/>
-                <a:tab pos="4087813" algn="l"/>
-                <a:tab pos="5002213" algn="l"/>
-                <a:tab pos="5916613" algn="l"/>
-                <a:tab pos="6831013" algn="l"/>
-                <a:tab pos="7745413" algn="l"/>
-                <a:tab pos="8659813" algn="l"/>
-                <a:tab pos="9574213" algn="l"/>
-                <a:tab pos="10488613" algn="l"/>
-              </a:tabLst>
-            </a:pPr>
-            <a:endParaRPr lang="en-GB" sz="3200" dirty="0" smtClean="0">
+            <a:endParaRPr lang="en-GB" sz="3200" dirty="0">
               <a:solidFill>
                 <a:srgbClr val="000000"/>
               </a:solidFill>
@@ -10205,8 +9347,135 @@
         </p:blipFill>
         <p:spPr>
           <a:xfrm>
-            <a:off x="2019300" y="2971800"/>
-            <a:ext cx="5105400" cy="914400"/>
+            <a:off x="2308225" y="2225675"/>
+            <a:ext cx="5384800" cy="1917700"/>
+          </a:xfrm>
+          <a:prstGeom prst="rect">
+            <a:avLst/>
+          </a:prstGeom>
+        </p:spPr>
+      </p:pic>
+      <p:sp>
+        <p:nvSpPr>
+          <p:cNvPr id="3" name="Rectangle 2"/>
+          <p:cNvSpPr/>
+          <p:nvPr/>
+        </p:nvSpPr>
+        <p:spPr>
+          <a:xfrm>
+            <a:off x="345168" y="1805315"/>
+            <a:ext cx="5481864" cy="523220"/>
+          </a:xfrm>
+          <a:prstGeom prst="rect">
+            <a:avLst/>
+          </a:prstGeom>
+        </p:spPr>
+        <p:txBody>
+          <a:bodyPr wrap="none">
+            <a:spAutoFit/>
+          </a:bodyPr>
+          <a:lstStyle/>
+          <a:p>
+            <a:r>
+              <a:rPr lang="en-GB" sz="2800" dirty="0">
+                <a:solidFill>
+                  <a:srgbClr val="000000"/>
+                </a:solidFill>
+                <a:latin typeface="Times New Roman" pitchFamily="18" charset="0"/>
+              </a:rPr>
+              <a:t>Average value of </a:t>
+            </a:r>
+            <a:r>
+              <a:rPr lang="en-GB" sz="2800" i="1" dirty="0">
+                <a:solidFill>
+                  <a:srgbClr val="000000"/>
+                </a:solidFill>
+                <a:latin typeface="Times New Roman" pitchFamily="18" charset="0"/>
+              </a:rPr>
+              <a:t>A</a:t>
+            </a:r>
+            <a:r>
+              <a:rPr lang="en-GB" sz="2800" dirty="0">
+                <a:solidFill>
+                  <a:srgbClr val="000000"/>
+                </a:solidFill>
+                <a:latin typeface="Times New Roman" pitchFamily="18" charset="0"/>
+              </a:rPr>
+              <a:t>-squared operator</a:t>
+            </a:r>
+            <a:endParaRPr lang="en-US" sz="2800" dirty="0"/>
+          </a:p>
+        </p:txBody>
+      </p:sp>
+      <p:sp>
+        <p:nvSpPr>
+          <p:cNvPr id="14" name="Rectangle 13"/>
+          <p:cNvSpPr/>
+          <p:nvPr/>
+        </p:nvSpPr>
+        <p:spPr>
+          <a:xfrm>
+            <a:off x="276225" y="4211965"/>
+            <a:ext cx="5507287" cy="523220"/>
+          </a:xfrm>
+          <a:prstGeom prst="rect">
+            <a:avLst/>
+          </a:prstGeom>
+        </p:spPr>
+        <p:txBody>
+          <a:bodyPr wrap="none">
+            <a:spAutoFit/>
+          </a:bodyPr>
+          <a:lstStyle/>
+          <a:p>
+            <a:r>
+              <a:rPr lang="en-GB" sz="2800" dirty="0">
+                <a:solidFill>
+                  <a:srgbClr val="000000"/>
+                </a:solidFill>
+                <a:latin typeface="Times New Roman" pitchFamily="18" charset="0"/>
+              </a:rPr>
+              <a:t>Average value of </a:t>
+            </a:r>
+            <a:r>
+              <a:rPr lang="en-GB" sz="2800" i="1" dirty="0">
+                <a:solidFill>
+                  <a:srgbClr val="000000"/>
+                </a:solidFill>
+                <a:latin typeface="Times New Roman" pitchFamily="18" charset="0"/>
+              </a:rPr>
+              <a:t>A</a:t>
+            </a:r>
+            <a:r>
+              <a:rPr lang="en-GB" sz="2800" dirty="0">
+                <a:solidFill>
+                  <a:srgbClr val="000000"/>
+                </a:solidFill>
+                <a:latin typeface="Times New Roman" pitchFamily="18" charset="0"/>
+              </a:rPr>
+              <a:t> operator, squared</a:t>
+            </a:r>
+            <a:endParaRPr lang="en-US" sz="2800" dirty="0"/>
+          </a:p>
+        </p:txBody>
+      </p:sp>
+      <p:pic>
+        <p:nvPicPr>
+          <p:cNvPr id="6" name="Picture 5"/>
+          <p:cNvPicPr>
+            <a:picLocks noChangeAspect="1"/>
+          </p:cNvPicPr>
+          <p:nvPr/>
+        </p:nvPicPr>
+        <p:blipFill rotWithShape="1">
+          <a:blip r:embed="rId4"/>
+          <a:srcRect t="7006" b="6456"/>
+          <a:stretch/>
+        </p:blipFill>
+        <p:spPr>
+          <a:xfrm>
+            <a:off x="2244725" y="4778374"/>
+            <a:ext cx="6019800" cy="2000251"/>
           </a:xfrm>
           <a:prstGeom prst="rect">
             <a:avLst/>
@@ -10216,137 +9485,13 @@
     </p:spTree>
     <p:extLst>
       <p:ext uri="{BB962C8B-B14F-4D97-AF65-F5344CB8AC3E}">
-        <p14:creationId xmlns:p14="http://schemas.microsoft.com/office/powerpoint/2010/main" val="608787513"/>
+        <p14:creationId xmlns:p14="http://schemas.microsoft.com/office/powerpoint/2010/main" val="391129558"/>
       </p:ext>
     </p:extLst>
   </p:cSld>
   <p:clrMapOvr>
     <a:masterClrMapping/>
   </p:clrMapOvr>
-  <p:timing>
-    <p:tnLst>
-      <p:par>
-        <p:cTn xmlns:p14="http://schemas.microsoft.com/office/powerpoint/2010/main" id="1" dur="indefinite" restart="never" nodeType="tmRoot">
-          <p:childTnLst>
-            <p:seq concurrent="1" nextAc="seek">
-              <p:cTn id="2" dur="indefinite" nodeType="mainSeq">
-                <p:childTnLst>
-                  <p:par>
-                    <p:cTn id="3" fill="hold">
-                      <p:stCondLst>
-                        <p:cond delay="indefinite"/>
-                      </p:stCondLst>
-                      <p:childTnLst>
-                        <p:par>
-                          <p:cTn id="4" fill="hold">
-                            <p:stCondLst>
-                              <p:cond delay="0"/>
-                            </p:stCondLst>
-                            <p:childTnLst>
-                              <p:par>
-                                <p:cTn id="5" presetID="2" presetClass="entr" presetSubtype="4" fill="hold" grpId="0" nodeType="clickEffect">
-                                  <p:stCondLst>
-                                    <p:cond delay="0"/>
-                                  </p:stCondLst>
-                                  <p:childTnLst>
-                                    <p:set>
-                                      <p:cBhvr>
-                                        <p:cTn id="6" dur="1" fill="hold">
-                                          <p:stCondLst>
-                                            <p:cond delay="0"/>
-                                          </p:stCondLst>
-                                        </p:cTn>
-                                        <p:tgtEl>
-                                          <p:spTgt spid="9"/>
-                                        </p:tgtEl>
-                                        <p:attrNameLst>
-                                          <p:attrName>style.visibility</p:attrName>
-                                        </p:attrNameLst>
-                                      </p:cBhvr>
-                                      <p:to>
-                                        <p:strVal val="visible"/>
-                                      </p:to>
-                                    </p:set>
-                                    <p:anim calcmode="lin" valueType="num">
-                                      <p:cBhvr additive="base">
-                                        <p:cTn id="7" dur="500" fill="hold"/>
-                                        <p:tgtEl>
-                                          <p:spTgt spid="9"/>
-                                        </p:tgtEl>
-                                        <p:attrNameLst>
-                                          <p:attrName>ppt_x</p:attrName>
-                                        </p:attrNameLst>
-                                      </p:cBhvr>
-                                      <p:tavLst>
-                                        <p:tav tm="0">
-                                          <p:val>
-                                            <p:strVal val="#ppt_x"/>
-                                          </p:val>
-                                        </p:tav>
-                                        <p:tav tm="100000">
-                                          <p:val>
-                                            <p:strVal val="#ppt_x"/>
-                                          </p:val>
-                                        </p:tav>
-                                      </p:tavLst>
-                                    </p:anim>
-                                    <p:anim calcmode="lin" valueType="num">
-                                      <p:cBhvr additive="base">
-                                        <p:cTn id="8" dur="500" fill="hold"/>
-                                        <p:tgtEl>
-                                          <p:spTgt spid="9"/>
-                                        </p:tgtEl>
-                                        <p:attrNameLst>
-                                          <p:attrName>ppt_y</p:attrName>
-                                        </p:attrNameLst>
-                                      </p:cBhvr>
-                                      <p:tavLst>
-                                        <p:tav tm="0">
-                                          <p:val>
-                                            <p:strVal val="1+#ppt_h/2"/>
-                                          </p:val>
-                                        </p:tav>
-                                        <p:tav tm="100000">
-                                          <p:val>
-                                            <p:strVal val="#ppt_y"/>
-                                          </p:val>
-                                        </p:tav>
-                                      </p:tavLst>
-                                    </p:anim>
-                                  </p:childTnLst>
-                                </p:cTn>
-                              </p:par>
-                            </p:childTnLst>
-                          </p:cTn>
-                        </p:par>
-                      </p:childTnLst>
-                    </p:cTn>
-                  </p:par>
-                </p:childTnLst>
-              </p:cTn>
-              <p:prevCondLst>
-                <p:cond evt="onPrev" delay="0">
-                  <p:tgtEl>
-                    <p:sldTgt/>
-                  </p:tgtEl>
-                </p:cond>
-              </p:prevCondLst>
-              <p:nextCondLst>
-                <p:cond evt="onNext" delay="0">
-                  <p:tgtEl>
-                    <p:sldTgt/>
-                  </p:tgtEl>
-                </p:cond>
-              </p:nextCondLst>
-            </p:seq>
-          </p:childTnLst>
-        </p:cTn>
-      </p:par>
-    </p:tnLst>
-    <p:bldLst>
-      <p:bldP spid="9" grpId="0"/>
-    </p:bldLst>
-  </p:timing>
 </p:sld>
 </file>
 
@@ -10450,7 +9595,7 @@
               </a:tabLst>
             </a:pPr>
             <a:r>
-              <a:rPr lang="en-GB" sz="4000" dirty="0" smtClean="0">
+              <a:rPr lang="en-GB" sz="4000" dirty="0">
                 <a:solidFill>
                   <a:srgbClr val="000000"/>
                 </a:solidFill>
@@ -10458,12 +9603,6 @@
               </a:rPr>
               <a:t>The Fundamental Rules of Our Game</a:t>
             </a:r>
-            <a:endParaRPr lang="en-GB" sz="4000" dirty="0">
-              <a:solidFill>
-                <a:srgbClr val="000000"/>
-              </a:solidFill>
-              <a:latin typeface="Times New Roman" pitchFamily="18" charset="0"/>
-            </a:endParaRPr>
           </a:p>
         </p:txBody>
       </p:sp>
@@ -10520,7 +9659,7 @@
               </a:tabLst>
             </a:pPr>
             <a:r>
-              <a:rPr lang="en-GB" sz="3200" dirty="0" smtClean="0">
+              <a:rPr lang="en-GB" sz="3200" dirty="0">
                 <a:solidFill>
                   <a:srgbClr val="000000"/>
                 </a:solidFill>
@@ -10529,7 +9668,7 @@
               <a:t>Any measurement we can make with an experiment corresponds to a mathematical “</a:t>
             </a:r>
             <a:r>
-              <a:rPr lang="en-GB" sz="3200" b="1" dirty="0" smtClean="0">
+              <a:rPr lang="en-GB" sz="3200" b="1" dirty="0">
                 <a:solidFill>
                   <a:srgbClr val="000000"/>
                 </a:solidFill>
@@ -10538,7 +9677,7 @@
               <a:t>operator</a:t>
             </a:r>
             <a:r>
-              <a:rPr lang="en-GB" sz="3200" dirty="0" smtClean="0">
+              <a:rPr lang="en-GB" sz="3200" dirty="0">
                 <a:solidFill>
                   <a:srgbClr val="000000"/>
                 </a:solidFill>
@@ -10570,7 +9709,7 @@
               </a:tabLst>
             </a:pPr>
             <a:r>
-              <a:rPr lang="en-GB" sz="2800" b="1" dirty="0" smtClean="0">
+              <a:rPr lang="en-GB" sz="2800" b="1" dirty="0">
                 <a:solidFill>
                   <a:srgbClr val="000000"/>
                 </a:solidFill>
@@ -10579,7 +9718,7 @@
               <a:t>Operator</a:t>
             </a:r>
             <a:r>
-              <a:rPr lang="en-GB" sz="2800" dirty="0" smtClean="0">
+              <a:rPr lang="en-GB" sz="2800" dirty="0">
                 <a:solidFill>
                   <a:srgbClr val="000000"/>
                 </a:solidFill>
@@ -10588,7 +9727,7 @@
               <a:t>: A mathematical machine that “</a:t>
             </a:r>
             <a:r>
-              <a:rPr lang="en-GB" sz="2800" i="1" u="sng" dirty="0" smtClean="0">
+              <a:rPr lang="en-GB" sz="2800" i="1" u="sng" dirty="0">
                 <a:solidFill>
                   <a:srgbClr val="000000"/>
                 </a:solidFill>
@@ -10597,7 +9736,7 @@
               <a:t>acts on</a:t>
             </a:r>
             <a:r>
-              <a:rPr lang="en-GB" sz="2800" dirty="0" smtClean="0">
+              <a:rPr lang="en-GB" sz="2800" dirty="0">
                 <a:solidFill>
                   <a:srgbClr val="000000"/>
                 </a:solidFill>
@@ -10735,7 +9874,7 @@
           <a:p>
             <a:pPr algn="ctr"/>
             <a:r>
-              <a:rPr lang="en-GB" dirty="0" smtClean="0">
+              <a:rPr lang="en-GB" dirty="0">
                 <a:solidFill>
                   <a:srgbClr val="000000"/>
                 </a:solidFill>
@@ -10747,7 +9886,7 @@
           <a:p>
             <a:pPr algn="ctr"/>
             <a:r>
-              <a:rPr lang="en-GB" dirty="0" smtClean="0">
+              <a:rPr lang="en-GB" dirty="0">
                 <a:solidFill>
                   <a:srgbClr val="000000"/>
                 </a:solidFill>
@@ -10815,7 +9954,7 @@
           <a:p>
             <a:pPr algn="ctr"/>
             <a:r>
-              <a:rPr lang="en-GB" dirty="0" smtClean="0">
+              <a:rPr lang="en-GB" dirty="0">
                 <a:solidFill>
                   <a:srgbClr val="000000"/>
                 </a:solidFill>
@@ -10824,7 +9963,7 @@
               <a:t>We say </a:t>
             </a:r>
             <a:r>
-              <a:rPr lang="en-GB" i="1" dirty="0" smtClean="0">
+              <a:rPr lang="en-GB" i="1" dirty="0">
                 <a:solidFill>
                   <a:srgbClr val="000000"/>
                 </a:solidFill>
@@ -10833,7 +9972,7 @@
               <a:t>A-hat</a:t>
             </a:r>
             <a:r>
-              <a:rPr lang="en-GB" dirty="0" smtClean="0">
+              <a:rPr lang="en-GB" dirty="0">
                 <a:solidFill>
                   <a:srgbClr val="000000"/>
                 </a:solidFill>
@@ -10842,7 +9981,7 @@
               <a:t> “acts on” </a:t>
             </a:r>
             <a:r>
-              <a:rPr lang="en-GB" i="1" dirty="0" smtClean="0">
+              <a:rPr lang="en-GB" i="1" dirty="0">
                 <a:solidFill>
                   <a:srgbClr val="000000"/>
                 </a:solidFill>
@@ -10943,7 +10082,7 @@
           <a:p>
             <a:pPr algn="ctr"/>
             <a:r>
-              <a:rPr lang="en-GB" dirty="0" smtClean="0">
+              <a:rPr lang="en-GB" dirty="0">
                 <a:solidFill>
                   <a:srgbClr val="000000"/>
                 </a:solidFill>
@@ -10952,7 +10091,7 @@
               <a:t>And produces a new function </a:t>
             </a:r>
             <a:r>
-              <a:rPr lang="en-GB" i="1" dirty="0" smtClean="0">
+              <a:rPr lang="en-GB" i="1" dirty="0">
                 <a:solidFill>
                   <a:srgbClr val="000000"/>
                 </a:solidFill>
@@ -10977,7 +10116,7 @@
   <p:timing>
     <p:tnLst>
       <p:par>
-        <p:cTn xmlns:p14="http://schemas.microsoft.com/office/powerpoint/2010/main" id="1" dur="indefinite" restart="never" nodeType="tmRoot">
+        <p:cTn id="1" dur="indefinite" restart="never" nodeType="tmRoot">
           <p:childTnLst>
             <p:seq concurrent="1" nextAc="seek">
               <p:cTn id="2" dur="indefinite" nodeType="mainSeq">
@@ -11896,7 +11035,7 @@
               </a:tabLst>
             </a:pPr>
             <a:r>
-              <a:rPr lang="en-GB" sz="4000" dirty="0" smtClean="0">
+              <a:rPr lang="en-GB" sz="4000" dirty="0">
                 <a:solidFill>
                   <a:srgbClr val="000000"/>
                 </a:solidFill>
@@ -11904,12 +11043,6 @@
               </a:rPr>
               <a:t>Uncertainty</a:t>
             </a:r>
-            <a:endParaRPr lang="en-GB" sz="4000" dirty="0">
-              <a:solidFill>
-                <a:srgbClr val="000000"/>
-              </a:solidFill>
-              <a:latin typeface="Times New Roman" pitchFamily="18" charset="0"/>
-            </a:endParaRPr>
           </a:p>
         </p:txBody>
       </p:sp>
@@ -11923,8 +11056,8 @@
         </p:nvSpPr>
         <p:spPr bwMode="auto">
           <a:xfrm>
-            <a:off x="228600" y="1060448"/>
-            <a:ext cx="8686800" cy="3019427"/>
+            <a:off x="228600" y="1060449"/>
+            <a:ext cx="8686800" cy="1082676"/>
           </a:xfrm>
           <a:prstGeom prst="rect">
             <a:avLst/>
@@ -11966,54 +11099,49 @@
               </a:tabLst>
             </a:pPr>
             <a:r>
-              <a:rPr lang="en-GB" sz="3200" dirty="0" smtClean="0">
+              <a:rPr lang="en-GB" sz="3200" dirty="0">
                 <a:solidFill>
                   <a:srgbClr val="000000"/>
                 </a:solidFill>
                 <a:latin typeface="Times New Roman" pitchFamily="18" charset="0"/>
               </a:rPr>
-              <a:t>Uncertainty holds a special status in quantum mechanics</a:t>
-            </a:r>
-          </a:p>
-          <a:p>
-            <a:pPr marL="887413" lvl="1" indent="-323850">
-              <a:spcBef>
-                <a:spcPts val="800"/>
-              </a:spcBef>
-              <a:buFont typeface="Times New Roman" pitchFamily="18" charset="0"/>
-              <a:buChar char="•"/>
-              <a:tabLst>
-                <a:tab pos="430213" algn="l"/>
-                <a:tab pos="1344613" algn="l"/>
-                <a:tab pos="2259013" algn="l"/>
-                <a:tab pos="3173413" algn="l"/>
-                <a:tab pos="4087813" algn="l"/>
-                <a:tab pos="5002213" algn="l"/>
-                <a:tab pos="5916613" algn="l"/>
-                <a:tab pos="6831013" algn="l"/>
-                <a:tab pos="7745413" algn="l"/>
-                <a:tab pos="8659813" algn="l"/>
-                <a:tab pos="9574213" algn="l"/>
-                <a:tab pos="10488613" algn="l"/>
-              </a:tabLst>
-            </a:pPr>
-            <a:r>
-              <a:rPr lang="en-GB" sz="2800" b="1" u="sng" dirty="0" smtClean="0">
+              <a:t>The </a:t>
+            </a:r>
+            <a:r>
+              <a:rPr lang="en-GB" sz="3200" b="1" dirty="0">
                 <a:solidFill>
                   <a:srgbClr val="000000"/>
                 </a:solidFill>
                 <a:latin typeface="Times New Roman" pitchFamily="18" charset="0"/>
               </a:rPr>
-              <a:t>Heisenberg uncertainty relation</a:t>
-            </a:r>
-            <a:r>
-              <a:rPr lang="en-GB" sz="2800" dirty="0" smtClean="0">
+              <a:t>standard deviation</a:t>
+            </a:r>
+            <a:r>
+              <a:rPr lang="en-GB" sz="3200" dirty="0">
                 <a:solidFill>
                   <a:srgbClr val="000000"/>
                 </a:solidFill>
                 <a:latin typeface="Times New Roman" pitchFamily="18" charset="0"/>
               </a:rPr>
-              <a:t>: It is impossible to simultaneously measure “conjugate” observables to arbitrarily small precision.</a:t>
+              <a:t> (</a:t>
+            </a:r>
+            <a:r>
+              <a:rPr lang="en-GB" sz="3200" b="1" dirty="0">
+                <a:solidFill>
+                  <a:srgbClr val="000000"/>
+                </a:solidFill>
+                <a:latin typeface="Times New Roman" pitchFamily="18" charset="0"/>
+              </a:rPr>
+              <a:t>spread</a:t>
+            </a:r>
+            <a:r>
+              <a:rPr lang="en-GB" sz="3200" dirty="0">
+                <a:solidFill>
+                  <a:srgbClr val="000000"/>
+                </a:solidFill>
+                <a:latin typeface="Times New Roman" pitchFamily="18" charset="0"/>
+              </a:rPr>
+              <a:t>) in the values we’d measure is:</a:t>
             </a:r>
           </a:p>
           <a:p>
@@ -12039,7 +11167,1047 @@
                 <a:tab pos="10488613" algn="l"/>
               </a:tabLst>
             </a:pPr>
-            <a:endParaRPr lang="en-GB" sz="2800" dirty="0" smtClean="0">
+            <a:endParaRPr lang="en-GB" sz="3200" dirty="0">
+              <a:solidFill>
+                <a:srgbClr val="000000"/>
+              </a:solidFill>
+              <a:latin typeface="Times New Roman" pitchFamily="18" charset="0"/>
+            </a:endParaRPr>
+          </a:p>
+        </p:txBody>
+      </p:sp>
+      <p:sp>
+        <p:nvSpPr>
+          <p:cNvPr id="9" name="Rectangle 5"/>
+          <p:cNvSpPr>
+            <a:spLocks noChangeArrowheads="1"/>
+          </p:cNvSpPr>
+          <p:nvPr/>
+        </p:nvSpPr>
+        <p:spPr bwMode="auto">
+          <a:xfrm>
+            <a:off x="228600" y="4221691"/>
+            <a:ext cx="8686800" cy="2636309"/>
+          </a:xfrm>
+          <a:prstGeom prst="rect">
+            <a:avLst/>
+          </a:prstGeom>
+          <a:noFill/>
+          <a:ln w="9525">
+            <a:noFill/>
+            <a:round/>
+            <a:headEnd/>
+            <a:tailEnd/>
+          </a:ln>
+        </p:spPr>
+        <p:txBody>
+          <a:bodyPr lIns="0" tIns="0" rIns="0" bIns="0"/>
+          <a:lstStyle/>
+          <a:p>
+            <a:pPr marL="430213" indent="-323850">
+              <a:lnSpc>
+                <a:spcPct val="100000"/>
+              </a:lnSpc>
+              <a:spcBef>
+                <a:spcPts val="800"/>
+              </a:spcBef>
+              <a:buFont typeface="Times New Roman" pitchFamily="18" charset="0"/>
+              <a:buChar char="•"/>
+              <a:tabLst>
+                <a:tab pos="430213" algn="l"/>
+                <a:tab pos="1344613" algn="l"/>
+                <a:tab pos="2259013" algn="l"/>
+                <a:tab pos="3173413" algn="l"/>
+                <a:tab pos="4087813" algn="l"/>
+                <a:tab pos="5002213" algn="l"/>
+                <a:tab pos="5916613" algn="l"/>
+                <a:tab pos="6831013" algn="l"/>
+                <a:tab pos="7745413" algn="l"/>
+                <a:tab pos="8659813" algn="l"/>
+                <a:tab pos="9574213" algn="l"/>
+                <a:tab pos="10488613" algn="l"/>
+              </a:tabLst>
+            </a:pPr>
+            <a:r>
+              <a:rPr lang="en-GB" sz="3200" dirty="0">
+                <a:solidFill>
+                  <a:srgbClr val="000000"/>
+                </a:solidFill>
+                <a:latin typeface="Times New Roman" pitchFamily="18" charset="0"/>
+              </a:rPr>
+              <a:t>In physics, we call standard deviation: </a:t>
+            </a:r>
+            <a:r>
+              <a:rPr lang="en-GB" sz="3200" b="1" u="sng" dirty="0">
+                <a:solidFill>
+                  <a:srgbClr val="000000"/>
+                </a:solidFill>
+                <a:latin typeface="Times New Roman" pitchFamily="18" charset="0"/>
+              </a:rPr>
+              <a:t>uncertainty</a:t>
+            </a:r>
+          </a:p>
+          <a:p>
+            <a:pPr marL="887413" lvl="1" indent="-323850">
+              <a:spcBef>
+                <a:spcPts val="800"/>
+              </a:spcBef>
+              <a:buFont typeface="Times New Roman" pitchFamily="18" charset="0"/>
+              <a:buChar char="•"/>
+              <a:tabLst>
+                <a:tab pos="430213" algn="l"/>
+                <a:tab pos="1344613" algn="l"/>
+                <a:tab pos="2259013" algn="l"/>
+                <a:tab pos="3173413" algn="l"/>
+                <a:tab pos="4087813" algn="l"/>
+                <a:tab pos="5002213" algn="l"/>
+                <a:tab pos="5916613" algn="l"/>
+                <a:tab pos="6831013" algn="l"/>
+                <a:tab pos="7745413" algn="l"/>
+                <a:tab pos="8659813" algn="l"/>
+                <a:tab pos="9574213" algn="l"/>
+                <a:tab pos="10488613" algn="l"/>
+              </a:tabLst>
+            </a:pPr>
+            <a:r>
+              <a:rPr lang="en-GB" sz="2800" dirty="0">
+                <a:solidFill>
+                  <a:srgbClr val="000000"/>
+                </a:solidFill>
+                <a:latin typeface="Times New Roman" pitchFamily="18" charset="0"/>
+              </a:rPr>
+              <a:t>Statisticians are still arguing with each other about the definition of uncertainty…</a:t>
+            </a:r>
+            <a:endParaRPr lang="en-GB" sz="3200" dirty="0">
+              <a:solidFill>
+                <a:srgbClr val="000000"/>
+              </a:solidFill>
+              <a:latin typeface="Times New Roman" pitchFamily="18" charset="0"/>
+            </a:endParaRPr>
+          </a:p>
+          <a:p>
+            <a:pPr marL="1344613" lvl="2" indent="-323850">
+              <a:spcBef>
+                <a:spcPts val="800"/>
+              </a:spcBef>
+              <a:buFont typeface="Times New Roman" pitchFamily="18" charset="0"/>
+              <a:buChar char="•"/>
+              <a:tabLst>
+                <a:tab pos="430213" algn="l"/>
+                <a:tab pos="1344613" algn="l"/>
+                <a:tab pos="2259013" algn="l"/>
+                <a:tab pos="3173413" algn="l"/>
+                <a:tab pos="4087813" algn="l"/>
+                <a:tab pos="5002213" algn="l"/>
+                <a:tab pos="5916613" algn="l"/>
+                <a:tab pos="6831013" algn="l"/>
+                <a:tab pos="7745413" algn="l"/>
+                <a:tab pos="8659813" algn="l"/>
+                <a:tab pos="9574213" algn="l"/>
+                <a:tab pos="10488613" algn="l"/>
+              </a:tabLst>
+            </a:pPr>
+            <a:r>
+              <a:rPr lang="en-GB" sz="2800" dirty="0">
+                <a:solidFill>
+                  <a:srgbClr val="000000"/>
+                </a:solidFill>
+                <a:latin typeface="Times New Roman" pitchFamily="18" charset="0"/>
+              </a:rPr>
+              <a:t>Reality is that there are alternative definitions.</a:t>
+            </a:r>
+            <a:endParaRPr lang="en-GB" sz="2400" dirty="0">
+              <a:solidFill>
+                <a:srgbClr val="000000"/>
+              </a:solidFill>
+              <a:latin typeface="Times New Roman" pitchFamily="18" charset="0"/>
+            </a:endParaRPr>
+          </a:p>
+        </p:txBody>
+      </p:sp>
+      <p:pic>
+        <p:nvPicPr>
+          <p:cNvPr id="7" name="Picture 6"/>
+          <p:cNvPicPr>
+            <a:picLocks noChangeAspect="1"/>
+          </p:cNvPicPr>
+          <p:nvPr/>
+        </p:nvPicPr>
+        <p:blipFill>
+          <a:blip r:embed="rId3"/>
+          <a:stretch>
+            <a:fillRect/>
+          </a:stretch>
+        </p:blipFill>
+        <p:spPr>
+          <a:xfrm>
+            <a:off x="1816100" y="2533650"/>
+            <a:ext cx="5511800" cy="1219200"/>
+          </a:xfrm>
+          <a:prstGeom prst="rect">
+            <a:avLst/>
+          </a:prstGeom>
+        </p:spPr>
+      </p:pic>
+    </p:spTree>
+    <p:extLst>
+      <p:ext uri="{BB962C8B-B14F-4D97-AF65-F5344CB8AC3E}">
+        <p14:creationId xmlns:p14="http://schemas.microsoft.com/office/powerpoint/2010/main" val="435410625"/>
+      </p:ext>
+    </p:extLst>
+  </p:cSld>
+  <p:clrMapOvr>
+    <a:masterClrMapping/>
+  </p:clrMapOvr>
+  <p:timing>
+    <p:tnLst>
+      <p:par>
+        <p:cTn id="1" dur="indefinite" restart="never" nodeType="tmRoot">
+          <p:childTnLst>
+            <p:seq concurrent="1" nextAc="seek">
+              <p:cTn id="2" dur="indefinite" nodeType="mainSeq">
+                <p:childTnLst>
+                  <p:par>
+                    <p:cTn id="3" fill="hold">
+                      <p:stCondLst>
+                        <p:cond delay="indefinite"/>
+                      </p:stCondLst>
+                      <p:childTnLst>
+                        <p:par>
+                          <p:cTn id="4" fill="hold">
+                            <p:stCondLst>
+                              <p:cond delay="0"/>
+                            </p:stCondLst>
+                            <p:childTnLst>
+                              <p:par>
+                                <p:cTn id="5" presetID="2" presetClass="entr" presetSubtype="4" fill="hold" grpId="0" nodeType="clickEffect">
+                                  <p:stCondLst>
+                                    <p:cond delay="0"/>
+                                  </p:stCondLst>
+                                  <p:childTnLst>
+                                    <p:set>
+                                      <p:cBhvr>
+                                        <p:cTn id="6" dur="1" fill="hold">
+                                          <p:stCondLst>
+                                            <p:cond delay="0"/>
+                                          </p:stCondLst>
+                                        </p:cTn>
+                                        <p:tgtEl>
+                                          <p:spTgt spid="9"/>
+                                        </p:tgtEl>
+                                        <p:attrNameLst>
+                                          <p:attrName>style.visibility</p:attrName>
+                                        </p:attrNameLst>
+                                      </p:cBhvr>
+                                      <p:to>
+                                        <p:strVal val="visible"/>
+                                      </p:to>
+                                    </p:set>
+                                    <p:anim calcmode="lin" valueType="num">
+                                      <p:cBhvr additive="base">
+                                        <p:cTn id="7" dur="500" fill="hold"/>
+                                        <p:tgtEl>
+                                          <p:spTgt spid="9"/>
+                                        </p:tgtEl>
+                                        <p:attrNameLst>
+                                          <p:attrName>ppt_x</p:attrName>
+                                        </p:attrNameLst>
+                                      </p:cBhvr>
+                                      <p:tavLst>
+                                        <p:tav tm="0">
+                                          <p:val>
+                                            <p:strVal val="#ppt_x"/>
+                                          </p:val>
+                                        </p:tav>
+                                        <p:tav tm="100000">
+                                          <p:val>
+                                            <p:strVal val="#ppt_x"/>
+                                          </p:val>
+                                        </p:tav>
+                                      </p:tavLst>
+                                    </p:anim>
+                                    <p:anim calcmode="lin" valueType="num">
+                                      <p:cBhvr additive="base">
+                                        <p:cTn id="8" dur="500" fill="hold"/>
+                                        <p:tgtEl>
+                                          <p:spTgt spid="9"/>
+                                        </p:tgtEl>
+                                        <p:attrNameLst>
+                                          <p:attrName>ppt_y</p:attrName>
+                                        </p:attrNameLst>
+                                      </p:cBhvr>
+                                      <p:tavLst>
+                                        <p:tav tm="0">
+                                          <p:val>
+                                            <p:strVal val="1+#ppt_h/2"/>
+                                          </p:val>
+                                        </p:tav>
+                                        <p:tav tm="100000">
+                                          <p:val>
+                                            <p:strVal val="#ppt_y"/>
+                                          </p:val>
+                                        </p:tav>
+                                      </p:tavLst>
+                                    </p:anim>
+                                  </p:childTnLst>
+                                </p:cTn>
+                              </p:par>
+                            </p:childTnLst>
+                          </p:cTn>
+                        </p:par>
+                      </p:childTnLst>
+                    </p:cTn>
+                  </p:par>
+                </p:childTnLst>
+              </p:cTn>
+              <p:prevCondLst>
+                <p:cond evt="onPrev" delay="0">
+                  <p:tgtEl>
+                    <p:sldTgt/>
+                  </p:tgtEl>
+                </p:cond>
+              </p:prevCondLst>
+              <p:nextCondLst>
+                <p:cond evt="onNext" delay="0">
+                  <p:tgtEl>
+                    <p:sldTgt/>
+                  </p:tgtEl>
+                </p:cond>
+              </p:nextCondLst>
+            </p:seq>
+          </p:childTnLst>
+        </p:cTn>
+      </p:par>
+    </p:tnLst>
+    <p:bldLst>
+      <p:bldP spid="9" grpId="0"/>
+    </p:bldLst>
+  </p:timing>
+</p:sld>
+</file>
+
+<file path=ppt/slides/slide21.xml><?xml version="1.0" encoding="utf-8"?>
+<p:sld xmlns:a="http://schemas.openxmlformats.org/drawingml/2006/main" xmlns:r="http://schemas.openxmlformats.org/officeDocument/2006/relationships" xmlns:p="http://schemas.openxmlformats.org/presentationml/2006/main">
+  <p:cSld>
+    <p:spTree>
+      <p:nvGrpSpPr>
+        <p:cNvPr id="1" name=""/>
+        <p:cNvGrpSpPr/>
+        <p:nvPr/>
+      </p:nvGrpSpPr>
+      <p:grpSpPr>
+        <a:xfrm>
+          <a:off x="0" y="0"/>
+          <a:ext cx="0" cy="0"/>
+          <a:chOff x="0" y="0"/>
+          <a:chExt cx="0" cy="0"/>
+        </a:xfrm>
+      </p:grpSpPr>
+      <p:pic>
+        <p:nvPicPr>
+          <p:cNvPr id="4" name="Picture 2"/>
+          <p:cNvPicPr>
+            <a:picLocks noChangeAspect="1" noChangeArrowheads="1"/>
+          </p:cNvPicPr>
+          <p:nvPr/>
+        </p:nvPicPr>
+        <p:blipFill>
+          <a:blip r:embed="rId2" cstate="print"/>
+          <a:srcRect/>
+          <a:stretch>
+            <a:fillRect/>
+          </a:stretch>
+        </p:blipFill>
+        <p:spPr bwMode="auto">
+          <a:xfrm>
+            <a:off x="484188" y="76200"/>
+            <a:ext cx="8202612" cy="239712"/>
+          </a:xfrm>
+          <a:prstGeom prst="rect">
+            <a:avLst/>
+          </a:prstGeom>
+          <a:noFill/>
+          <a:ln w="9525">
+            <a:noFill/>
+            <a:round/>
+            <a:headEnd/>
+            <a:tailEnd/>
+          </a:ln>
+        </p:spPr>
+      </p:pic>
+      <p:sp>
+        <p:nvSpPr>
+          <p:cNvPr id="5" name="Rectangle 4"/>
+          <p:cNvSpPr>
+            <a:spLocks noChangeArrowheads="1"/>
+          </p:cNvSpPr>
+          <p:nvPr/>
+        </p:nvSpPr>
+        <p:spPr bwMode="auto">
+          <a:xfrm>
+            <a:off x="103718" y="116417"/>
+            <a:ext cx="8991601" cy="1127125"/>
+          </a:xfrm>
+          <a:prstGeom prst="rect">
+            <a:avLst/>
+          </a:prstGeom>
+          <a:noFill/>
+          <a:ln w="9525">
+            <a:noFill/>
+            <a:round/>
+            <a:headEnd/>
+            <a:tailEnd/>
+          </a:ln>
+        </p:spPr>
+        <p:txBody>
+          <a:bodyPr lIns="0" tIns="0" rIns="0" bIns="0" anchor="ctr"/>
+          <a:lstStyle/>
+          <a:p>
+            <a:pPr algn="ctr">
+              <a:buClr>
+                <a:srgbClr val="000000"/>
+              </a:buClr>
+              <a:buSzPct val="100000"/>
+              <a:buFont typeface="Times New Roman" pitchFamily="18" charset="0"/>
+              <a:buNone/>
+              <a:tabLst>
+                <a:tab pos="0" algn="l"/>
+                <a:tab pos="914400" algn="l"/>
+                <a:tab pos="1828800" algn="l"/>
+                <a:tab pos="2743200" algn="l"/>
+                <a:tab pos="3657600" algn="l"/>
+                <a:tab pos="4572000" algn="l"/>
+                <a:tab pos="5486400" algn="l"/>
+                <a:tab pos="6400800" algn="l"/>
+                <a:tab pos="7315200" algn="l"/>
+                <a:tab pos="8229600" algn="l"/>
+                <a:tab pos="9144000" algn="l"/>
+                <a:tab pos="10058400" algn="l"/>
+              </a:tabLst>
+            </a:pPr>
+            <a:r>
+              <a:rPr lang="en-GB" sz="4000" dirty="0">
+                <a:solidFill>
+                  <a:srgbClr val="000000"/>
+                </a:solidFill>
+                <a:latin typeface="Times New Roman" pitchFamily="18" charset="0"/>
+              </a:rPr>
+              <a:t>Uncertainty</a:t>
+            </a:r>
+          </a:p>
+        </p:txBody>
+      </p:sp>
+      <p:sp>
+        <p:nvSpPr>
+          <p:cNvPr id="10" name="Rectangle 5"/>
+          <p:cNvSpPr>
+            <a:spLocks noChangeArrowheads="1"/>
+          </p:cNvSpPr>
+          <p:nvPr/>
+        </p:nvSpPr>
+        <p:spPr bwMode="auto">
+          <a:xfrm>
+            <a:off x="228600" y="1060449"/>
+            <a:ext cx="8686800" cy="1082676"/>
+          </a:xfrm>
+          <a:prstGeom prst="rect">
+            <a:avLst/>
+          </a:prstGeom>
+          <a:noFill/>
+          <a:ln w="9525">
+            <a:noFill/>
+            <a:round/>
+            <a:headEnd/>
+            <a:tailEnd/>
+          </a:ln>
+        </p:spPr>
+        <p:txBody>
+          <a:bodyPr lIns="0" tIns="0" rIns="0" bIns="0"/>
+          <a:lstStyle/>
+          <a:p>
+            <a:pPr marL="430213" indent="-323850">
+              <a:lnSpc>
+                <a:spcPct val="100000"/>
+              </a:lnSpc>
+              <a:spcBef>
+                <a:spcPts val="800"/>
+              </a:spcBef>
+              <a:buFont typeface="Times New Roman" pitchFamily="18" charset="0"/>
+              <a:buChar char="•"/>
+              <a:tabLst>
+                <a:tab pos="430213" algn="l"/>
+                <a:tab pos="1344613" algn="l"/>
+                <a:tab pos="2259013" algn="l"/>
+                <a:tab pos="3173413" algn="l"/>
+                <a:tab pos="4087813" algn="l"/>
+                <a:tab pos="5002213" algn="l"/>
+                <a:tab pos="5916613" algn="l"/>
+                <a:tab pos="6831013" algn="l"/>
+                <a:tab pos="7745413" algn="l"/>
+                <a:tab pos="8659813" algn="l"/>
+                <a:tab pos="9574213" algn="l"/>
+                <a:tab pos="10488613" algn="l"/>
+              </a:tabLst>
+            </a:pPr>
+            <a:r>
+              <a:rPr lang="en-GB" sz="3200" dirty="0">
+                <a:solidFill>
+                  <a:srgbClr val="000000"/>
+                </a:solidFill>
+                <a:latin typeface="Times New Roman" pitchFamily="18" charset="0"/>
+              </a:rPr>
+              <a:t>In statistics you learn about an alternative measure of spread, </a:t>
+            </a:r>
+            <a:r>
+              <a:rPr lang="en-GB" sz="3200" b="1" dirty="0">
+                <a:solidFill>
+                  <a:srgbClr val="000000"/>
+                </a:solidFill>
+                <a:latin typeface="Times New Roman" pitchFamily="18" charset="0"/>
+              </a:rPr>
+              <a:t>variance</a:t>
+            </a:r>
+            <a:r>
+              <a:rPr lang="en-GB" sz="3200" dirty="0">
+                <a:solidFill>
+                  <a:srgbClr val="000000"/>
+                </a:solidFill>
+                <a:latin typeface="Times New Roman" pitchFamily="18" charset="0"/>
+              </a:rPr>
+              <a:t>:</a:t>
+            </a:r>
+          </a:p>
+          <a:p>
+            <a:pPr marL="106363">
+              <a:lnSpc>
+                <a:spcPct val="100000"/>
+              </a:lnSpc>
+              <a:spcBef>
+                <a:spcPts val="800"/>
+              </a:spcBef>
+              <a:tabLst>
+                <a:tab pos="430213" algn="l"/>
+                <a:tab pos="1344613" algn="l"/>
+                <a:tab pos="2259013" algn="l"/>
+                <a:tab pos="3173413" algn="l"/>
+                <a:tab pos="4087813" algn="l"/>
+                <a:tab pos="5002213" algn="l"/>
+                <a:tab pos="5916613" algn="l"/>
+                <a:tab pos="6831013" algn="l"/>
+                <a:tab pos="7745413" algn="l"/>
+                <a:tab pos="8659813" algn="l"/>
+                <a:tab pos="9574213" algn="l"/>
+                <a:tab pos="10488613" algn="l"/>
+              </a:tabLst>
+            </a:pPr>
+            <a:endParaRPr lang="en-GB" sz="3200" dirty="0">
+              <a:solidFill>
+                <a:srgbClr val="000000"/>
+              </a:solidFill>
+              <a:latin typeface="Times New Roman" pitchFamily="18" charset="0"/>
+            </a:endParaRPr>
+          </a:p>
+        </p:txBody>
+      </p:sp>
+      <p:sp>
+        <p:nvSpPr>
+          <p:cNvPr id="9" name="Rectangle 5"/>
+          <p:cNvSpPr>
+            <a:spLocks noChangeArrowheads="1"/>
+          </p:cNvSpPr>
+          <p:nvPr/>
+        </p:nvSpPr>
+        <p:spPr bwMode="auto">
+          <a:xfrm>
+            <a:off x="228600" y="4729692"/>
+            <a:ext cx="8686800" cy="1556808"/>
+          </a:xfrm>
+          <a:prstGeom prst="rect">
+            <a:avLst/>
+          </a:prstGeom>
+          <a:noFill/>
+          <a:ln w="9525">
+            <a:noFill/>
+            <a:round/>
+            <a:headEnd/>
+            <a:tailEnd/>
+          </a:ln>
+        </p:spPr>
+        <p:txBody>
+          <a:bodyPr lIns="0" tIns="0" rIns="0" bIns="0"/>
+          <a:lstStyle/>
+          <a:p>
+            <a:pPr marL="430213" indent="-323850">
+              <a:lnSpc>
+                <a:spcPct val="100000"/>
+              </a:lnSpc>
+              <a:spcBef>
+                <a:spcPts val="800"/>
+              </a:spcBef>
+              <a:buFont typeface="Times New Roman" pitchFamily="18" charset="0"/>
+              <a:buChar char="•"/>
+              <a:tabLst>
+                <a:tab pos="430213" algn="l"/>
+                <a:tab pos="1344613" algn="l"/>
+                <a:tab pos="2259013" algn="l"/>
+                <a:tab pos="3173413" algn="l"/>
+                <a:tab pos="4087813" algn="l"/>
+                <a:tab pos="5002213" algn="l"/>
+                <a:tab pos="5916613" algn="l"/>
+                <a:tab pos="6831013" algn="l"/>
+                <a:tab pos="7745413" algn="l"/>
+                <a:tab pos="8659813" algn="l"/>
+                <a:tab pos="9574213" algn="l"/>
+                <a:tab pos="10488613" algn="l"/>
+              </a:tabLst>
+            </a:pPr>
+            <a:r>
+              <a:rPr lang="en-GB" sz="3200" dirty="0">
+                <a:solidFill>
+                  <a:srgbClr val="000000"/>
+                </a:solidFill>
+                <a:latin typeface="Times New Roman" pitchFamily="18" charset="0"/>
+              </a:rPr>
+              <a:t>Both definitions of standard deviation and variance are identical to what you learned in statistics.</a:t>
+            </a:r>
+            <a:endParaRPr lang="en-GB" sz="3200" b="1" u="sng" dirty="0">
+              <a:solidFill>
+                <a:srgbClr val="000000"/>
+              </a:solidFill>
+              <a:latin typeface="Times New Roman" pitchFamily="18" charset="0"/>
+            </a:endParaRPr>
+          </a:p>
+          <a:p>
+            <a:pPr marL="106363">
+              <a:lnSpc>
+                <a:spcPct val="100000"/>
+              </a:lnSpc>
+              <a:spcBef>
+                <a:spcPts val="800"/>
+              </a:spcBef>
+              <a:tabLst>
+                <a:tab pos="430213" algn="l"/>
+                <a:tab pos="1344613" algn="l"/>
+                <a:tab pos="2259013" algn="l"/>
+                <a:tab pos="3173413" algn="l"/>
+                <a:tab pos="4087813" algn="l"/>
+                <a:tab pos="5002213" algn="l"/>
+                <a:tab pos="5916613" algn="l"/>
+                <a:tab pos="6831013" algn="l"/>
+                <a:tab pos="7745413" algn="l"/>
+                <a:tab pos="8659813" algn="l"/>
+                <a:tab pos="9574213" algn="l"/>
+                <a:tab pos="10488613" algn="l"/>
+              </a:tabLst>
+            </a:pPr>
+            <a:endParaRPr lang="en-GB" sz="3200" dirty="0">
+              <a:solidFill>
+                <a:srgbClr val="000000"/>
+              </a:solidFill>
+              <a:latin typeface="Times New Roman" pitchFamily="18" charset="0"/>
+            </a:endParaRPr>
+          </a:p>
+        </p:txBody>
+      </p:sp>
+      <p:pic>
+        <p:nvPicPr>
+          <p:cNvPr id="2" name="Picture 1"/>
+          <p:cNvPicPr>
+            <a:picLocks noChangeAspect="1"/>
+          </p:cNvPicPr>
+          <p:nvPr/>
+        </p:nvPicPr>
+        <p:blipFill>
+          <a:blip r:embed="rId3"/>
+          <a:stretch>
+            <a:fillRect/>
+          </a:stretch>
+        </p:blipFill>
+        <p:spPr>
+          <a:xfrm>
+            <a:off x="2019300" y="2971800"/>
+            <a:ext cx="5105400" cy="914400"/>
+          </a:xfrm>
+          <a:prstGeom prst="rect">
+            <a:avLst/>
+          </a:prstGeom>
+        </p:spPr>
+      </p:pic>
+    </p:spTree>
+    <p:extLst>
+      <p:ext uri="{BB962C8B-B14F-4D97-AF65-F5344CB8AC3E}">
+        <p14:creationId xmlns:p14="http://schemas.microsoft.com/office/powerpoint/2010/main" val="608787513"/>
+      </p:ext>
+    </p:extLst>
+  </p:cSld>
+  <p:clrMapOvr>
+    <a:masterClrMapping/>
+  </p:clrMapOvr>
+  <p:timing>
+    <p:tnLst>
+      <p:par>
+        <p:cTn id="1" dur="indefinite" restart="never" nodeType="tmRoot">
+          <p:childTnLst>
+            <p:seq concurrent="1" nextAc="seek">
+              <p:cTn id="2" dur="indefinite" nodeType="mainSeq">
+                <p:childTnLst>
+                  <p:par>
+                    <p:cTn id="3" fill="hold">
+                      <p:stCondLst>
+                        <p:cond delay="indefinite"/>
+                      </p:stCondLst>
+                      <p:childTnLst>
+                        <p:par>
+                          <p:cTn id="4" fill="hold">
+                            <p:stCondLst>
+                              <p:cond delay="0"/>
+                            </p:stCondLst>
+                            <p:childTnLst>
+                              <p:par>
+                                <p:cTn id="5" presetID="2" presetClass="entr" presetSubtype="4" fill="hold" grpId="0" nodeType="clickEffect">
+                                  <p:stCondLst>
+                                    <p:cond delay="0"/>
+                                  </p:stCondLst>
+                                  <p:childTnLst>
+                                    <p:set>
+                                      <p:cBhvr>
+                                        <p:cTn id="6" dur="1" fill="hold">
+                                          <p:stCondLst>
+                                            <p:cond delay="0"/>
+                                          </p:stCondLst>
+                                        </p:cTn>
+                                        <p:tgtEl>
+                                          <p:spTgt spid="9"/>
+                                        </p:tgtEl>
+                                        <p:attrNameLst>
+                                          <p:attrName>style.visibility</p:attrName>
+                                        </p:attrNameLst>
+                                      </p:cBhvr>
+                                      <p:to>
+                                        <p:strVal val="visible"/>
+                                      </p:to>
+                                    </p:set>
+                                    <p:anim calcmode="lin" valueType="num">
+                                      <p:cBhvr additive="base">
+                                        <p:cTn id="7" dur="500" fill="hold"/>
+                                        <p:tgtEl>
+                                          <p:spTgt spid="9"/>
+                                        </p:tgtEl>
+                                        <p:attrNameLst>
+                                          <p:attrName>ppt_x</p:attrName>
+                                        </p:attrNameLst>
+                                      </p:cBhvr>
+                                      <p:tavLst>
+                                        <p:tav tm="0">
+                                          <p:val>
+                                            <p:strVal val="#ppt_x"/>
+                                          </p:val>
+                                        </p:tav>
+                                        <p:tav tm="100000">
+                                          <p:val>
+                                            <p:strVal val="#ppt_x"/>
+                                          </p:val>
+                                        </p:tav>
+                                      </p:tavLst>
+                                    </p:anim>
+                                    <p:anim calcmode="lin" valueType="num">
+                                      <p:cBhvr additive="base">
+                                        <p:cTn id="8" dur="500" fill="hold"/>
+                                        <p:tgtEl>
+                                          <p:spTgt spid="9"/>
+                                        </p:tgtEl>
+                                        <p:attrNameLst>
+                                          <p:attrName>ppt_y</p:attrName>
+                                        </p:attrNameLst>
+                                      </p:cBhvr>
+                                      <p:tavLst>
+                                        <p:tav tm="0">
+                                          <p:val>
+                                            <p:strVal val="1+#ppt_h/2"/>
+                                          </p:val>
+                                        </p:tav>
+                                        <p:tav tm="100000">
+                                          <p:val>
+                                            <p:strVal val="#ppt_y"/>
+                                          </p:val>
+                                        </p:tav>
+                                      </p:tavLst>
+                                    </p:anim>
+                                  </p:childTnLst>
+                                </p:cTn>
+                              </p:par>
+                            </p:childTnLst>
+                          </p:cTn>
+                        </p:par>
+                      </p:childTnLst>
+                    </p:cTn>
+                  </p:par>
+                </p:childTnLst>
+              </p:cTn>
+              <p:prevCondLst>
+                <p:cond evt="onPrev" delay="0">
+                  <p:tgtEl>
+                    <p:sldTgt/>
+                  </p:tgtEl>
+                </p:cond>
+              </p:prevCondLst>
+              <p:nextCondLst>
+                <p:cond evt="onNext" delay="0">
+                  <p:tgtEl>
+                    <p:sldTgt/>
+                  </p:tgtEl>
+                </p:cond>
+              </p:nextCondLst>
+            </p:seq>
+          </p:childTnLst>
+        </p:cTn>
+      </p:par>
+    </p:tnLst>
+    <p:bldLst>
+      <p:bldP spid="9" grpId="0"/>
+    </p:bldLst>
+  </p:timing>
+</p:sld>
+</file>
+
+<file path=ppt/slides/slide22.xml><?xml version="1.0" encoding="utf-8"?>
+<p:sld xmlns:a="http://schemas.openxmlformats.org/drawingml/2006/main" xmlns:r="http://schemas.openxmlformats.org/officeDocument/2006/relationships" xmlns:p="http://schemas.openxmlformats.org/presentationml/2006/main">
+  <p:cSld>
+    <p:spTree>
+      <p:nvGrpSpPr>
+        <p:cNvPr id="1" name=""/>
+        <p:cNvGrpSpPr/>
+        <p:nvPr/>
+      </p:nvGrpSpPr>
+      <p:grpSpPr>
+        <a:xfrm>
+          <a:off x="0" y="0"/>
+          <a:ext cx="0" cy="0"/>
+          <a:chOff x="0" y="0"/>
+          <a:chExt cx="0" cy="0"/>
+        </a:xfrm>
+      </p:grpSpPr>
+      <p:pic>
+        <p:nvPicPr>
+          <p:cNvPr id="4" name="Picture 2"/>
+          <p:cNvPicPr>
+            <a:picLocks noChangeAspect="1" noChangeArrowheads="1"/>
+          </p:cNvPicPr>
+          <p:nvPr/>
+        </p:nvPicPr>
+        <p:blipFill>
+          <a:blip r:embed="rId2" cstate="print"/>
+          <a:srcRect/>
+          <a:stretch>
+            <a:fillRect/>
+          </a:stretch>
+        </p:blipFill>
+        <p:spPr bwMode="auto">
+          <a:xfrm>
+            <a:off x="484188" y="76200"/>
+            <a:ext cx="8202612" cy="239712"/>
+          </a:xfrm>
+          <a:prstGeom prst="rect">
+            <a:avLst/>
+          </a:prstGeom>
+          <a:noFill/>
+          <a:ln w="9525">
+            <a:noFill/>
+            <a:round/>
+            <a:headEnd/>
+            <a:tailEnd/>
+          </a:ln>
+        </p:spPr>
+      </p:pic>
+      <p:sp>
+        <p:nvSpPr>
+          <p:cNvPr id="5" name="Rectangle 4"/>
+          <p:cNvSpPr>
+            <a:spLocks noChangeArrowheads="1"/>
+          </p:cNvSpPr>
+          <p:nvPr/>
+        </p:nvSpPr>
+        <p:spPr bwMode="auto">
+          <a:xfrm>
+            <a:off x="103718" y="116417"/>
+            <a:ext cx="8991601" cy="1127125"/>
+          </a:xfrm>
+          <a:prstGeom prst="rect">
+            <a:avLst/>
+          </a:prstGeom>
+          <a:noFill/>
+          <a:ln w="9525">
+            <a:noFill/>
+            <a:round/>
+            <a:headEnd/>
+            <a:tailEnd/>
+          </a:ln>
+        </p:spPr>
+        <p:txBody>
+          <a:bodyPr lIns="0" tIns="0" rIns="0" bIns="0" anchor="ctr"/>
+          <a:lstStyle/>
+          <a:p>
+            <a:pPr algn="ctr">
+              <a:buClr>
+                <a:srgbClr val="000000"/>
+              </a:buClr>
+              <a:buSzPct val="100000"/>
+              <a:buFont typeface="Times New Roman" pitchFamily="18" charset="0"/>
+              <a:buNone/>
+              <a:tabLst>
+                <a:tab pos="0" algn="l"/>
+                <a:tab pos="914400" algn="l"/>
+                <a:tab pos="1828800" algn="l"/>
+                <a:tab pos="2743200" algn="l"/>
+                <a:tab pos="3657600" algn="l"/>
+                <a:tab pos="4572000" algn="l"/>
+                <a:tab pos="5486400" algn="l"/>
+                <a:tab pos="6400800" algn="l"/>
+                <a:tab pos="7315200" algn="l"/>
+                <a:tab pos="8229600" algn="l"/>
+                <a:tab pos="9144000" algn="l"/>
+                <a:tab pos="10058400" algn="l"/>
+              </a:tabLst>
+            </a:pPr>
+            <a:r>
+              <a:rPr lang="en-GB" sz="4000" dirty="0">
+                <a:solidFill>
+                  <a:srgbClr val="000000"/>
+                </a:solidFill>
+                <a:latin typeface="Times New Roman" pitchFamily="18" charset="0"/>
+              </a:rPr>
+              <a:t>Uncertainty</a:t>
+            </a:r>
+          </a:p>
+        </p:txBody>
+      </p:sp>
+      <p:sp>
+        <p:nvSpPr>
+          <p:cNvPr id="10" name="Rectangle 5"/>
+          <p:cNvSpPr>
+            <a:spLocks noChangeArrowheads="1"/>
+          </p:cNvSpPr>
+          <p:nvPr/>
+        </p:nvSpPr>
+        <p:spPr bwMode="auto">
+          <a:xfrm>
+            <a:off x="228600" y="1060448"/>
+            <a:ext cx="8686800" cy="3019427"/>
+          </a:xfrm>
+          <a:prstGeom prst="rect">
+            <a:avLst/>
+          </a:prstGeom>
+          <a:noFill/>
+          <a:ln w="9525">
+            <a:noFill/>
+            <a:round/>
+            <a:headEnd/>
+            <a:tailEnd/>
+          </a:ln>
+        </p:spPr>
+        <p:txBody>
+          <a:bodyPr lIns="0" tIns="0" rIns="0" bIns="0"/>
+          <a:lstStyle/>
+          <a:p>
+            <a:pPr marL="430213" indent="-323850">
+              <a:lnSpc>
+                <a:spcPct val="100000"/>
+              </a:lnSpc>
+              <a:spcBef>
+                <a:spcPts val="800"/>
+              </a:spcBef>
+              <a:buFont typeface="Times New Roman" pitchFamily="18" charset="0"/>
+              <a:buChar char="•"/>
+              <a:tabLst>
+                <a:tab pos="430213" algn="l"/>
+                <a:tab pos="1344613" algn="l"/>
+                <a:tab pos="2259013" algn="l"/>
+                <a:tab pos="3173413" algn="l"/>
+                <a:tab pos="4087813" algn="l"/>
+                <a:tab pos="5002213" algn="l"/>
+                <a:tab pos="5916613" algn="l"/>
+                <a:tab pos="6831013" algn="l"/>
+                <a:tab pos="7745413" algn="l"/>
+                <a:tab pos="8659813" algn="l"/>
+                <a:tab pos="9574213" algn="l"/>
+                <a:tab pos="10488613" algn="l"/>
+              </a:tabLst>
+            </a:pPr>
+            <a:r>
+              <a:rPr lang="en-GB" sz="3200" dirty="0">
+                <a:solidFill>
+                  <a:srgbClr val="000000"/>
+                </a:solidFill>
+                <a:latin typeface="Times New Roman" pitchFamily="18" charset="0"/>
+              </a:rPr>
+              <a:t>Uncertainty holds a special status in quantum mechanics</a:t>
+            </a:r>
+          </a:p>
+          <a:p>
+            <a:pPr marL="887413" lvl="1" indent="-323850">
+              <a:spcBef>
+                <a:spcPts val="800"/>
+              </a:spcBef>
+              <a:buFont typeface="Times New Roman" pitchFamily="18" charset="0"/>
+              <a:buChar char="•"/>
+              <a:tabLst>
+                <a:tab pos="430213" algn="l"/>
+                <a:tab pos="1344613" algn="l"/>
+                <a:tab pos="2259013" algn="l"/>
+                <a:tab pos="3173413" algn="l"/>
+                <a:tab pos="4087813" algn="l"/>
+                <a:tab pos="5002213" algn="l"/>
+                <a:tab pos="5916613" algn="l"/>
+                <a:tab pos="6831013" algn="l"/>
+                <a:tab pos="7745413" algn="l"/>
+                <a:tab pos="8659813" algn="l"/>
+                <a:tab pos="9574213" algn="l"/>
+                <a:tab pos="10488613" algn="l"/>
+              </a:tabLst>
+            </a:pPr>
+            <a:r>
+              <a:rPr lang="en-GB" sz="2800" b="1" u="sng" dirty="0">
+                <a:solidFill>
+                  <a:srgbClr val="000000"/>
+                </a:solidFill>
+                <a:latin typeface="Times New Roman" pitchFamily="18" charset="0"/>
+              </a:rPr>
+              <a:t>Heisenberg uncertainty relation</a:t>
+            </a:r>
+            <a:r>
+              <a:rPr lang="en-GB" sz="2800" dirty="0">
+                <a:solidFill>
+                  <a:srgbClr val="000000"/>
+                </a:solidFill>
+                <a:latin typeface="Times New Roman" pitchFamily="18" charset="0"/>
+              </a:rPr>
+              <a:t>: It is impossible to simultaneously measure “conjugate” observables to arbitrarily small precision.</a:t>
+            </a:r>
+          </a:p>
+          <a:p>
+            <a:pPr marL="106363">
+              <a:lnSpc>
+                <a:spcPct val="100000"/>
+              </a:lnSpc>
+              <a:spcBef>
+                <a:spcPts val="800"/>
+              </a:spcBef>
+              <a:tabLst>
+                <a:tab pos="430213" algn="l"/>
+                <a:tab pos="1344613" algn="l"/>
+                <a:tab pos="2259013" algn="l"/>
+                <a:tab pos="3173413" algn="l"/>
+                <a:tab pos="4087813" algn="l"/>
+                <a:tab pos="5002213" algn="l"/>
+                <a:tab pos="5916613" algn="l"/>
+                <a:tab pos="6831013" algn="l"/>
+                <a:tab pos="7745413" algn="l"/>
+                <a:tab pos="8659813" algn="l"/>
+                <a:tab pos="9574213" algn="l"/>
+                <a:tab pos="10488613" algn="l"/>
+              </a:tabLst>
+            </a:pPr>
+            <a:endParaRPr lang="en-GB" sz="2800" dirty="0">
               <a:solidFill>
                 <a:srgbClr val="000000"/>
               </a:solidFill>
@@ -12138,43 +12306,32 @@
                 <a:latin typeface="Times New Roman"/>
                 <a:cs typeface="Times New Roman"/>
               </a:rPr>
-              <a:t>=</a:t>
-            </a:r>
-            <a:r>
-              <a:rPr lang="en-US" sz="2800" dirty="0" smtClean="0">
+              <a:t>= 0, Observables are independent</a:t>
+            </a:r>
+          </a:p>
+          <a:p>
+            <a:pPr algn="ctr"/>
+            <a:r>
+              <a:rPr lang="en-US" sz="2000" dirty="0">
                 <a:latin typeface="Times New Roman"/>
                 <a:cs typeface="Times New Roman"/>
               </a:rPr>
-              <a:t> 0, Observables are independent</a:t>
-            </a:r>
-          </a:p>
-          <a:p>
-            <a:pPr algn="ctr"/>
-            <a:r>
-              <a:rPr lang="en-US" sz="2000" dirty="0" smtClean="0">
+              <a:t>(their </a:t>
+            </a:r>
+            <a:r>
+              <a:rPr lang="en-US" sz="2000" i="1" u="sng" dirty="0">
                 <a:latin typeface="Times New Roman"/>
                 <a:cs typeface="Times New Roman"/>
               </a:rPr>
-              <a:t>(their </a:t>
-            </a:r>
-            <a:r>
-              <a:rPr lang="en-US" sz="2000" i="1" u="sng" dirty="0" smtClean="0">
+              <a:t>operators commute</a:t>
+            </a:r>
+            <a:r>
+              <a:rPr lang="en-US" sz="2000" dirty="0">
                 <a:latin typeface="Times New Roman"/>
                 <a:cs typeface="Times New Roman"/>
               </a:rPr>
-              <a:t>operators commute</a:t>
-            </a:r>
-            <a:r>
-              <a:rPr lang="en-US" sz="2000" dirty="0" smtClean="0">
-                <a:latin typeface="Times New Roman"/>
-                <a:cs typeface="Times New Roman"/>
-              </a:rPr>
               <a:t>)</a:t>
             </a:r>
-            <a:endParaRPr lang="en-US" sz="2000" dirty="0">
-              <a:latin typeface="Times New Roman"/>
-              <a:cs typeface="Times New Roman"/>
-            </a:endParaRPr>
           </a:p>
         </p:txBody>
       </p:sp>
@@ -12202,7 +12359,7 @@
           <a:p>
             <a:pPr algn="ctr"/>
             <a:r>
-              <a:rPr lang="en-US" sz="2800" dirty="0" smtClean="0">
+              <a:rPr lang="en-US" sz="2800" dirty="0">
                 <a:latin typeface="Times New Roman"/>
                 <a:cs typeface="Times New Roman"/>
               </a:rPr>
@@ -12223,26 +12380,15 @@
                 <a:latin typeface="Times New Roman"/>
                 <a:cs typeface="Times New Roman"/>
               </a:rPr>
-              <a:t>operators </a:t>
-            </a:r>
-            <a:r>
-              <a:rPr lang="en-US" sz="2000" i="1" u="sng" dirty="0" smtClean="0">
+              <a:t>operators do not commute</a:t>
+            </a:r>
+            <a:r>
+              <a:rPr lang="en-US" sz="2000" dirty="0">
                 <a:latin typeface="Times New Roman"/>
                 <a:cs typeface="Times New Roman"/>
               </a:rPr>
-              <a:t>do not commute</a:t>
-            </a:r>
-            <a:r>
-              <a:rPr lang="en-US" sz="2000" dirty="0" smtClean="0">
-                <a:latin typeface="Times New Roman"/>
-                <a:cs typeface="Times New Roman"/>
-              </a:rPr>
               <a:t>)</a:t>
             </a:r>
-            <a:endParaRPr lang="en-US" sz="2000" dirty="0">
-              <a:latin typeface="Times New Roman"/>
-              <a:cs typeface="Times New Roman"/>
-            </a:endParaRPr>
           </a:p>
         </p:txBody>
       </p:sp>
@@ -12268,7 +12414,7 @@
           <a:lstStyle/>
           <a:p>
             <a:r>
-              <a:rPr lang="en-GB" sz="2400" dirty="0" err="1" smtClean="0">
+              <a:rPr lang="en-GB" sz="2400" dirty="0" err="1">
                 <a:solidFill>
                   <a:srgbClr val="000000"/>
                 </a:solidFill>
@@ -12372,7 +12518,7 @@
   <p:timing>
     <p:tnLst>
       <p:par>
-        <p:cTn xmlns:p14="http://schemas.microsoft.com/office/powerpoint/2010/main" id="1" dur="indefinite" restart="never" nodeType="tmRoot">
+        <p:cTn id="1" dur="indefinite" restart="never" nodeType="tmRoot">
           <p:childTnLst>
             <p:seq concurrent="1" nextAc="seek">
               <p:cTn id="2" dur="indefinite" nodeType="mainSeq">
@@ -13009,7 +13155,7 @@
 </p:sld>
 </file>
 
-<file path=ppt/slides/slide21.xml><?xml version="1.0" encoding="utf-8"?>
+<file path=ppt/slides/slide23.xml><?xml version="1.0" encoding="utf-8"?>
 <p:sld xmlns:a="http://schemas.openxmlformats.org/drawingml/2006/main" xmlns:r="http://schemas.openxmlformats.org/officeDocument/2006/relationships" xmlns:p="http://schemas.openxmlformats.org/presentationml/2006/main">
   <p:cSld>
     <p:spTree>
@@ -13109,7 +13255,7 @@
               </a:tabLst>
             </a:pPr>
             <a:r>
-              <a:rPr lang="en-GB" sz="4000" dirty="0" smtClean="0">
+              <a:rPr lang="en-GB" sz="4000" dirty="0">
                 <a:solidFill>
                   <a:srgbClr val="000000"/>
                 </a:solidFill>
@@ -13117,12 +13263,6 @@
               </a:rPr>
               <a:t>Uncertainty</a:t>
             </a:r>
-            <a:endParaRPr lang="en-GB" sz="4000" dirty="0">
-              <a:solidFill>
-                <a:srgbClr val="000000"/>
-              </a:solidFill>
-              <a:latin typeface="Times New Roman" pitchFamily="18" charset="0"/>
-            </a:endParaRPr>
           </a:p>
         </p:txBody>
       </p:sp>
@@ -13179,7 +13319,7 @@
               </a:tabLst>
             </a:pPr>
             <a:r>
-              <a:rPr lang="en-GB" sz="3200" dirty="0" smtClean="0">
+              <a:rPr lang="en-GB" sz="3200" dirty="0">
                 <a:solidFill>
                   <a:srgbClr val="000000"/>
                 </a:solidFill>
@@ -13211,7 +13351,7 @@
               </a:tabLst>
             </a:pPr>
             <a:r>
-              <a:rPr lang="en-GB" sz="2800" b="1" u="sng" dirty="0" smtClean="0">
+              <a:rPr lang="en-GB" sz="2800" b="1" u="sng" dirty="0">
                 <a:solidFill>
                   <a:srgbClr val="000000"/>
                 </a:solidFill>
@@ -13220,7 +13360,7 @@
               <a:t>Heisenberg uncertainty relation for position and momentum</a:t>
             </a:r>
             <a:r>
-              <a:rPr lang="en-GB" sz="2800" dirty="0" smtClean="0">
+              <a:rPr lang="en-GB" sz="2800" dirty="0">
                 <a:solidFill>
                   <a:srgbClr val="000000"/>
                 </a:solidFill>
@@ -13228,12 +13368,6 @@
               </a:rPr>
               <a:t>: </a:t>
             </a:r>
-            <a:endParaRPr lang="en-GB" sz="2800" dirty="0" smtClean="0">
-              <a:solidFill>
-                <a:srgbClr val="000000"/>
-              </a:solidFill>
-              <a:latin typeface="Times New Roman" pitchFamily="18" charset="0"/>
-            </a:endParaRPr>
           </a:p>
           <a:p>
             <a:pPr marL="1344613" lvl="2" indent="-323850">
@@ -13257,7 +13391,7 @@
                 <a:tab pos="10488613" algn="l"/>
               </a:tabLst>
             </a:pPr>
-            <a:endParaRPr lang="en-GB" sz="2400" dirty="0" smtClean="0">
+            <a:endParaRPr lang="en-GB" sz="2400" dirty="0">
               <a:solidFill>
                 <a:srgbClr val="000000"/>
               </a:solidFill>
@@ -13287,22 +13421,13 @@
               </a:tabLst>
             </a:pPr>
             <a:r>
-              <a:rPr lang="en-GB" sz="2400" dirty="0" smtClean="0">
+              <a:rPr lang="en-GB" sz="2400" dirty="0">
                 <a:solidFill>
                   <a:srgbClr val="000000"/>
                 </a:solidFill>
                 <a:latin typeface="Times New Roman" pitchFamily="18" charset="0"/>
               </a:rPr>
-              <a:t>It </a:t>
-            </a:r>
-            <a:r>
-              <a:rPr lang="en-GB" sz="2400" dirty="0" smtClean="0">
-                <a:solidFill>
-                  <a:srgbClr val="000000"/>
-                </a:solidFill>
-                <a:latin typeface="Times New Roman" pitchFamily="18" charset="0"/>
-              </a:rPr>
-              <a:t>is impossible to simultaneously measure position and momentum to arbitrarily small precision.</a:t>
+              <a:t>It is impossible to simultaneously measure position and momentum to arbitrarily small precision.</a:t>
             </a:r>
           </a:p>
           <a:p>
@@ -13328,7 +13453,7 @@
                 <a:tab pos="10488613" algn="l"/>
               </a:tabLst>
             </a:pPr>
-            <a:endParaRPr lang="en-GB" sz="2400" dirty="0" smtClean="0">
+            <a:endParaRPr lang="en-GB" sz="2400" dirty="0">
               <a:solidFill>
                 <a:srgbClr val="000000"/>
               </a:solidFill>
@@ -13387,7 +13512,7 @@
               </a:tabLst>
             </a:pPr>
             <a:r>
-              <a:rPr lang="en-GB" sz="2400" dirty="0" smtClean="0">
+              <a:rPr lang="en-GB" sz="2400" dirty="0">
                 <a:solidFill>
                   <a:srgbClr val="000000"/>
                 </a:solidFill>
@@ -13459,7 +13584,7 @@
   <p:timing>
     <p:tnLst>
       <p:par>
-        <p:cTn xmlns:p14="http://schemas.microsoft.com/office/powerpoint/2010/main" id="1" dur="indefinite" restart="never" nodeType="tmRoot">
+        <p:cTn id="1" dur="indefinite" restart="never" nodeType="tmRoot">
           <p:childTnLst>
             <p:seq concurrent="1" nextAc="seek">
               <p:cTn id="2" dur="indefinite" nodeType="mainSeq">
@@ -13656,7 +13781,7 @@
 </p:sld>
 </file>
 
-<file path=ppt/slides/slide22.xml><?xml version="1.0" encoding="utf-8"?>
+<file path=ppt/slides/slide24.xml><?xml version="1.0" encoding="utf-8"?>
 <p:sld xmlns:a="http://schemas.openxmlformats.org/drawingml/2006/main" xmlns:r="http://schemas.openxmlformats.org/officeDocument/2006/relationships" xmlns:p="http://schemas.openxmlformats.org/presentationml/2006/main">
   <p:cSld>
     <p:spTree>
@@ -13756,7 +13881,7 @@
               </a:tabLst>
             </a:pPr>
             <a:r>
-              <a:rPr lang="en-GB" sz="4000" dirty="0" smtClean="0">
+              <a:rPr lang="en-GB" sz="4000" dirty="0">
                 <a:solidFill>
                   <a:srgbClr val="000000"/>
                 </a:solidFill>
@@ -13764,12 +13889,6 @@
               </a:rPr>
               <a:t>Uncertainty</a:t>
             </a:r>
-            <a:endParaRPr lang="en-GB" sz="4000" dirty="0">
-              <a:solidFill>
-                <a:srgbClr val="000000"/>
-              </a:solidFill>
-              <a:latin typeface="Times New Roman" pitchFamily="18" charset="0"/>
-            </a:endParaRPr>
           </a:p>
         </p:txBody>
       </p:sp>
@@ -13826,7 +13945,7 @@
               </a:tabLst>
             </a:pPr>
             <a:r>
-              <a:rPr lang="en-GB" sz="2400" dirty="0" smtClean="0">
+              <a:rPr lang="en-GB" sz="2400" dirty="0">
                 <a:solidFill>
                   <a:srgbClr val="000000"/>
                 </a:solidFill>
@@ -13835,7 +13954,7 @@
               <a:t>If the uncertainty in one of the conjugate observations is known from experiment, the </a:t>
             </a:r>
             <a:r>
-              <a:rPr lang="en-GB" sz="2400" i="1" u="sng" dirty="0" smtClean="0">
+              <a:rPr lang="en-GB" sz="2400" i="1" u="sng" dirty="0">
                 <a:solidFill>
                   <a:srgbClr val="000000"/>
                 </a:solidFill>
@@ -13844,7 +13963,7 @@
               <a:t>minimum uncertainty</a:t>
             </a:r>
             <a:r>
-              <a:rPr lang="en-GB" sz="2400" dirty="0" smtClean="0">
+              <a:rPr lang="en-GB" sz="2400" dirty="0">
                 <a:solidFill>
                   <a:srgbClr val="000000"/>
                 </a:solidFill>
@@ -14003,16 +14122,12 @@
           <a:lstStyle/>
           <a:p>
             <a:r>
-              <a:rPr lang="en-US" sz="2800" dirty="0" smtClean="0">
+              <a:rPr lang="en-US" sz="2800" dirty="0">
                 <a:latin typeface="Times New Roman"/>
                 <a:cs typeface="Times New Roman"/>
               </a:rPr>
               <a:t>Swap out for an = sign</a:t>
             </a:r>
-            <a:endParaRPr lang="en-US" sz="2800" dirty="0">
-              <a:latin typeface="Times New Roman"/>
-              <a:cs typeface="Times New Roman"/>
-            </a:endParaRPr>
           </a:p>
         </p:txBody>
       </p:sp>
@@ -14029,7 +14144,7 @@
   <p:timing>
     <p:tnLst>
       <p:par>
-        <p:cTn xmlns:p14="http://schemas.microsoft.com/office/powerpoint/2010/main" id="1" dur="indefinite" restart="never" nodeType="tmRoot">
+        <p:cTn id="1" dur="indefinite" restart="never" nodeType="tmRoot">
           <p:childTnLst>
             <p:seq concurrent="1" nextAc="seek">
               <p:cTn id="2" dur="indefinite" nodeType="mainSeq">
@@ -14390,7 +14505,7 @@
 </p:sld>
 </file>
 
-<file path=ppt/slides/slide23.xml><?xml version="1.0" encoding="utf-8"?>
+<file path=ppt/slides/slide25.xml><?xml version="1.0" encoding="utf-8"?>
 <p:sld xmlns:a="http://schemas.openxmlformats.org/drawingml/2006/main" xmlns:r="http://schemas.openxmlformats.org/officeDocument/2006/relationships" xmlns:p="http://schemas.openxmlformats.org/presentationml/2006/main">
   <p:cSld>
     <p:spTree>
@@ -14490,7 +14605,7 @@
               </a:tabLst>
             </a:pPr>
             <a:r>
-              <a:rPr lang="en-GB" sz="4000" dirty="0" smtClean="0">
+              <a:rPr lang="en-GB" sz="4000" dirty="0">
                 <a:solidFill>
                   <a:srgbClr val="000000"/>
                 </a:solidFill>
@@ -14498,12 +14613,6 @@
               </a:rPr>
               <a:t>Uncertainty</a:t>
             </a:r>
-            <a:endParaRPr lang="en-GB" sz="4000" dirty="0">
-              <a:solidFill>
-                <a:srgbClr val="000000"/>
-              </a:solidFill>
-              <a:latin typeface="Times New Roman" pitchFamily="18" charset="0"/>
-            </a:endParaRPr>
           </a:p>
         </p:txBody>
       </p:sp>
@@ -14560,7 +14669,7 @@
               </a:tabLst>
             </a:pPr>
             <a:r>
-              <a:rPr lang="en-GB" sz="2400" dirty="0" smtClean="0">
+              <a:rPr lang="en-GB" sz="2400" dirty="0">
                 <a:solidFill>
                   <a:srgbClr val="000000"/>
                 </a:solidFill>
@@ -14569,7 +14678,7 @@
               <a:t>If the uncertainty in one of the conjugate observations is known from experiment, the </a:t>
             </a:r>
             <a:r>
-              <a:rPr lang="en-GB" sz="2400" i="1" u="sng" dirty="0" smtClean="0">
+              <a:rPr lang="en-GB" sz="2400" i="1" u="sng" dirty="0">
                 <a:solidFill>
                   <a:srgbClr val="000000"/>
                 </a:solidFill>
@@ -14578,7 +14687,7 @@
               <a:t>minimum uncertainty</a:t>
             </a:r>
             <a:r>
-              <a:rPr lang="en-GB" sz="2400" dirty="0" smtClean="0">
+              <a:rPr lang="en-GB" sz="2400" dirty="0">
                 <a:solidFill>
                   <a:srgbClr val="000000"/>
                 </a:solidFill>
@@ -14782,16 +14891,12 @@
           <a:lstStyle/>
           <a:p>
             <a:r>
-              <a:rPr lang="en-US" sz="2800" dirty="0" smtClean="0">
+              <a:rPr lang="en-US" sz="2800" dirty="0">
                 <a:latin typeface="Times New Roman"/>
                 <a:cs typeface="Times New Roman"/>
               </a:rPr>
               <a:t>Experimentally, determine uncertainty in one of the observables</a:t>
             </a:r>
-            <a:endParaRPr lang="en-US" sz="2800" dirty="0">
-              <a:latin typeface="Times New Roman"/>
-              <a:cs typeface="Times New Roman"/>
-            </a:endParaRPr>
           </a:p>
         </p:txBody>
       </p:sp>
@@ -14818,16 +14923,12 @@
           <a:lstStyle/>
           <a:p>
             <a:r>
-              <a:rPr lang="en-US" sz="2800" dirty="0" smtClean="0">
+              <a:rPr lang="en-US" sz="2800" dirty="0">
                 <a:latin typeface="Times New Roman"/>
                 <a:cs typeface="Times New Roman"/>
               </a:rPr>
               <a:t>Solve for minimum uncertainty in the other</a:t>
             </a:r>
-            <a:endParaRPr lang="en-US" sz="2800" dirty="0">
-              <a:latin typeface="Times New Roman"/>
-              <a:cs typeface="Times New Roman"/>
-            </a:endParaRPr>
           </a:p>
         </p:txBody>
       </p:sp>
@@ -14886,7 +14987,7 @@
           <a:lstStyle/>
           <a:p>
             <a:r>
-              <a:rPr lang="en-US" sz="2000" dirty="0" smtClean="0">
+              <a:rPr lang="en-US" sz="2000" dirty="0">
                 <a:latin typeface="Times New Roman"/>
                 <a:cs typeface="Times New Roman"/>
               </a:rPr>
@@ -14955,7 +15056,7 @@
   <p:timing>
     <p:tnLst>
       <p:par>
-        <p:cTn xmlns:p14="http://schemas.microsoft.com/office/powerpoint/2010/main" id="1" dur="indefinite" restart="never" nodeType="tmRoot">
+        <p:cTn id="1" dur="indefinite" restart="never" nodeType="tmRoot">
           <p:childTnLst>
             <p:seq concurrent="1" nextAc="seek">
               <p:cTn id="2" dur="indefinite" nodeType="mainSeq">
@@ -15391,7 +15492,7 @@
 </p:sld>
 </file>
 
-<file path=ppt/slides/slide24.xml><?xml version="1.0" encoding="utf-8"?>
+<file path=ppt/slides/slide26.xml><?xml version="1.0" encoding="utf-8"?>
 <p:sld xmlns:a="http://schemas.openxmlformats.org/drawingml/2006/main" xmlns:r="http://schemas.openxmlformats.org/officeDocument/2006/relationships" xmlns:p="http://schemas.openxmlformats.org/presentationml/2006/main">
   <p:cSld>
     <p:spTree>
@@ -15491,7 +15592,7 @@
               </a:tabLst>
             </a:pPr>
             <a:r>
-              <a:rPr lang="en-GB" sz="4000" dirty="0" smtClean="0">
+              <a:rPr lang="en-GB" sz="4000" dirty="0">
                 <a:solidFill>
                   <a:srgbClr val="000000"/>
                 </a:solidFill>
@@ -15499,12 +15600,6 @@
               </a:rPr>
               <a:t>Uncertainty</a:t>
             </a:r>
-            <a:endParaRPr lang="en-GB" sz="4000" dirty="0">
-              <a:solidFill>
-                <a:srgbClr val="000000"/>
-              </a:solidFill>
-              <a:latin typeface="Times New Roman" pitchFamily="18" charset="0"/>
-            </a:endParaRPr>
           </a:p>
         </p:txBody>
       </p:sp>
@@ -15561,7 +15656,7 @@
               </a:tabLst>
             </a:pPr>
             <a:r>
-              <a:rPr lang="en-GB" sz="2400" dirty="0" smtClean="0">
+              <a:rPr lang="en-GB" sz="2400" dirty="0">
                 <a:solidFill>
                   <a:srgbClr val="000000"/>
                 </a:solidFill>
@@ -15570,7 +15665,7 @@
               <a:t>Compute the </a:t>
             </a:r>
             <a:r>
-              <a:rPr lang="en-GB" sz="2400" i="1" u="sng" dirty="0" smtClean="0">
+              <a:rPr lang="en-GB" sz="2400" i="1" u="sng" dirty="0">
                 <a:solidFill>
                   <a:srgbClr val="000000"/>
                 </a:solidFill>
@@ -15579,7 +15674,7 @@
               <a:t>minimum uncertainty</a:t>
             </a:r>
             <a:r>
-              <a:rPr lang="en-GB" sz="2400" dirty="0" smtClean="0">
+              <a:rPr lang="en-GB" sz="2400" dirty="0">
                 <a:solidFill>
                   <a:srgbClr val="000000"/>
                 </a:solidFill>
@@ -15588,7 +15683,7 @@
               <a:t> with which the position of an e- may be measured if the standard deviation in the measurement of its speed is found to be ± 6 </a:t>
             </a:r>
             <a:r>
-              <a:rPr lang="en-GB" sz="2400" dirty="0" smtClean="0">
+              <a:rPr lang="en-GB" sz="2400" dirty="0">
                 <a:solidFill>
                   <a:srgbClr val="000000"/>
                 </a:solidFill>
@@ -15598,7 +15693,7 @@
               <a:t>m</a:t>
             </a:r>
             <a:r>
-              <a:rPr lang="en-GB" sz="2400" dirty="0" smtClean="0">
+              <a:rPr lang="en-GB" sz="2400" dirty="0">
                 <a:solidFill>
                   <a:srgbClr val="000000"/>
                 </a:solidFill>
@@ -15609,6 +15704,325 @@
           </a:p>
         </p:txBody>
       </p:sp>
+      <p:sp>
+        <p:nvSpPr>
+          <p:cNvPr id="2" name="Rectangle 1">
+            <a:extLst>
+              <a:ext uri="{FF2B5EF4-FFF2-40B4-BE49-F238E27FC236}">
+                <a16:creationId xmlns:a16="http://schemas.microsoft.com/office/drawing/2014/main" id="{10A43399-F429-5103-A932-69C59403F68F}"/>
+              </a:ext>
+            </a:extLst>
+          </p:cNvPr>
+          <p:cNvSpPr/>
+          <p:nvPr/>
+        </p:nvSpPr>
+        <p:spPr>
+          <a:xfrm>
+            <a:off x="584134" y="3651700"/>
+            <a:ext cx="8002719" cy="1815882"/>
+          </a:xfrm>
+          <a:prstGeom prst="rect">
+            <a:avLst/>
+          </a:prstGeom>
+          <a:solidFill>
+            <a:srgbClr val="000C78"/>
+          </a:solidFill>
+        </p:spPr>
+        <p:txBody>
+          <a:bodyPr wrap="square">
+            <a:spAutoFit/>
+          </a:bodyPr>
+          <a:lstStyle/>
+          <a:p>
+            <a:r>
+              <a:rPr lang="en-US" sz="1600" dirty="0">
+                <a:solidFill>
+                  <a:schemeClr val="bg1"/>
+                </a:solidFill>
+                <a:latin typeface="Courier"/>
+                <a:cs typeface="Courier"/>
+              </a:rPr>
+              <a:t>library(che302r)</a:t>
+            </a:r>
+          </a:p>
+          <a:p>
+            <a:endParaRPr lang="en-US" sz="1600" dirty="0">
+              <a:solidFill>
+                <a:schemeClr val="bg1"/>
+              </a:solidFill>
+              <a:latin typeface="Courier"/>
+              <a:cs typeface="Courier"/>
+            </a:endParaRPr>
+          </a:p>
+          <a:p>
+            <a:r>
+              <a:rPr lang="en-US" sz="1600" dirty="0" err="1">
+                <a:solidFill>
+                  <a:schemeClr val="bg1"/>
+                </a:solidFill>
+                <a:latin typeface="Courier"/>
+                <a:cs typeface="Courier"/>
+              </a:rPr>
+              <a:t>m.electron</a:t>
+            </a:r>
+            <a:r>
+              <a:rPr lang="en-US" sz="1600" dirty="0">
+                <a:solidFill>
+                  <a:schemeClr val="bg1"/>
+                </a:solidFill>
+                <a:latin typeface="Courier"/>
+                <a:cs typeface="Courier"/>
+              </a:rPr>
+              <a:t> &lt;- 9.109384e-31</a:t>
+            </a:r>
+          </a:p>
+          <a:p>
+            <a:r>
+              <a:rPr lang="en-US" sz="1600" dirty="0" err="1">
+                <a:solidFill>
+                  <a:schemeClr val="bg1"/>
+                </a:solidFill>
+                <a:latin typeface="Courier"/>
+                <a:cs typeface="Courier"/>
+              </a:rPr>
+              <a:t>Dv</a:t>
+            </a:r>
+            <a:r>
+              <a:rPr lang="en-US" sz="1600" dirty="0">
+                <a:solidFill>
+                  <a:schemeClr val="bg1"/>
+                </a:solidFill>
+                <a:latin typeface="Courier"/>
+                <a:cs typeface="Courier"/>
+              </a:rPr>
+              <a:t>         &lt;- 6e-6            </a:t>
+            </a:r>
+            <a:r>
+              <a:rPr lang="en-US" sz="1600" dirty="0">
+                <a:solidFill>
+                  <a:srgbClr val="FFFF00"/>
+                </a:solidFill>
+                <a:latin typeface="Courier"/>
+                <a:cs typeface="Courier"/>
+              </a:rPr>
+              <a:t># uncertainty in speed</a:t>
+            </a:r>
+          </a:p>
+          <a:p>
+            <a:endParaRPr lang="en-US" sz="1600" dirty="0">
+              <a:solidFill>
+                <a:schemeClr val="bg1"/>
+              </a:solidFill>
+              <a:latin typeface="Courier"/>
+              <a:cs typeface="Courier"/>
+            </a:endParaRPr>
+          </a:p>
+          <a:p>
+            <a:r>
+              <a:rPr lang="en-US" sz="1600" dirty="0" err="1">
+                <a:solidFill>
+                  <a:schemeClr val="bg1"/>
+                </a:solidFill>
+                <a:latin typeface="Courier"/>
+                <a:cs typeface="Courier"/>
+              </a:rPr>
+              <a:t>Dx.min</a:t>
+            </a:r>
+            <a:r>
+              <a:rPr lang="en-US" sz="1600" dirty="0">
+                <a:solidFill>
+                  <a:schemeClr val="bg1"/>
+                </a:solidFill>
+                <a:latin typeface="Courier"/>
+                <a:cs typeface="Courier"/>
+              </a:rPr>
+              <a:t> &lt;- </a:t>
+            </a:r>
+            <a:r>
+              <a:rPr lang="en-US" sz="1600" dirty="0" err="1">
+                <a:solidFill>
+                  <a:schemeClr val="bg1"/>
+                </a:solidFill>
+                <a:latin typeface="Courier"/>
+                <a:cs typeface="Courier"/>
+              </a:rPr>
+              <a:t>hb</a:t>
+            </a:r>
+            <a:r>
+              <a:rPr lang="en-US" sz="1600" dirty="0">
+                <a:solidFill>
+                  <a:schemeClr val="bg1"/>
+                </a:solidFill>
+                <a:latin typeface="Courier"/>
+                <a:cs typeface="Courier"/>
+              </a:rPr>
+              <a:t>/(2*</a:t>
+            </a:r>
+            <a:r>
+              <a:rPr lang="en-US" sz="1600" dirty="0" err="1">
+                <a:solidFill>
+                  <a:schemeClr val="bg1"/>
+                </a:solidFill>
+                <a:latin typeface="Courier"/>
+                <a:cs typeface="Courier"/>
+              </a:rPr>
+              <a:t>m.electron</a:t>
+            </a:r>
+            <a:r>
+              <a:rPr lang="en-US" sz="1600" dirty="0">
+                <a:solidFill>
+                  <a:schemeClr val="bg1"/>
+                </a:solidFill>
+                <a:latin typeface="Courier"/>
+                <a:cs typeface="Courier"/>
+              </a:rPr>
+              <a:t>*</a:t>
+            </a:r>
+            <a:r>
+              <a:rPr lang="en-US" sz="1600" dirty="0" err="1">
+                <a:solidFill>
+                  <a:schemeClr val="bg1"/>
+                </a:solidFill>
+                <a:latin typeface="Courier"/>
+                <a:cs typeface="Courier"/>
+              </a:rPr>
+              <a:t>Dv</a:t>
+            </a:r>
+            <a:r>
+              <a:rPr lang="en-US" sz="1600" dirty="0">
+                <a:solidFill>
+                  <a:schemeClr val="bg1"/>
+                </a:solidFill>
+                <a:latin typeface="Courier"/>
+                <a:cs typeface="Courier"/>
+              </a:rPr>
+              <a:t>)</a:t>
+            </a:r>
+          </a:p>
+          <a:p>
+            <a:r>
+              <a:rPr lang="en-US" sz="1600" dirty="0" err="1">
+                <a:solidFill>
+                  <a:schemeClr val="bg1"/>
+                </a:solidFill>
+                <a:latin typeface="Courier"/>
+                <a:cs typeface="Courier"/>
+              </a:rPr>
+              <a:t>Dx.min</a:t>
+            </a:r>
+            <a:r>
+              <a:rPr lang="en-US" sz="1600" dirty="0">
+                <a:solidFill>
+                  <a:schemeClr val="bg1"/>
+                </a:solidFill>
+                <a:latin typeface="Courier"/>
+                <a:cs typeface="Courier"/>
+              </a:rPr>
+              <a:t>                        </a:t>
+            </a:r>
+            <a:r>
+              <a:rPr lang="en-US" sz="1600" dirty="0">
+                <a:solidFill>
+                  <a:srgbClr val="FFFF00"/>
+                </a:solidFill>
+                <a:latin typeface="Courier"/>
+                <a:cs typeface="Courier"/>
+              </a:rPr>
+              <a:t># minimum uncertainty in position</a:t>
+            </a:r>
+          </a:p>
+        </p:txBody>
+      </p:sp>
+      <p:pic>
+        <p:nvPicPr>
+          <p:cNvPr id="3" name="Picture 2">
+            <a:extLst>
+              <a:ext uri="{FF2B5EF4-FFF2-40B4-BE49-F238E27FC236}">
+                <a16:creationId xmlns:a16="http://schemas.microsoft.com/office/drawing/2014/main" id="{BA1DCB8A-702B-1E70-E1C9-58F2E623332E}"/>
+              </a:ext>
+            </a:extLst>
+          </p:cNvPr>
+          <p:cNvPicPr>
+            <a:picLocks noChangeAspect="1"/>
+          </p:cNvPicPr>
+          <p:nvPr/>
+        </p:nvPicPr>
+        <p:blipFill>
+          <a:blip r:embed="rId3"/>
+          <a:stretch>
+            <a:fillRect/>
+          </a:stretch>
+        </p:blipFill>
+        <p:spPr>
+          <a:xfrm>
+            <a:off x="2463367" y="2457772"/>
+            <a:ext cx="1970299" cy="744537"/>
+          </a:xfrm>
+          <a:prstGeom prst="rect">
+            <a:avLst/>
+          </a:prstGeom>
+        </p:spPr>
+      </p:pic>
+      <p:pic>
+        <p:nvPicPr>
+          <p:cNvPr id="6" name="Picture 5">
+            <a:extLst>
+              <a:ext uri="{FF2B5EF4-FFF2-40B4-BE49-F238E27FC236}">
+                <a16:creationId xmlns:a16="http://schemas.microsoft.com/office/drawing/2014/main" id="{6209B341-8A6A-3B93-A610-3C42B757DE4D}"/>
+              </a:ext>
+            </a:extLst>
+          </p:cNvPr>
+          <p:cNvPicPr>
+            <a:picLocks noChangeAspect="1"/>
+          </p:cNvPicPr>
+          <p:nvPr/>
+        </p:nvPicPr>
+        <p:blipFill>
+          <a:blip r:embed="rId4"/>
+          <a:stretch>
+            <a:fillRect/>
+          </a:stretch>
+        </p:blipFill>
+        <p:spPr>
+          <a:xfrm>
+            <a:off x="4599517" y="2456767"/>
+            <a:ext cx="1598032" cy="726378"/>
+          </a:xfrm>
+          <a:prstGeom prst="rect">
+            <a:avLst/>
+          </a:prstGeom>
+        </p:spPr>
+      </p:pic>
+      <p:pic>
+        <p:nvPicPr>
+          <p:cNvPr id="7" name="Picture 6">
+            <a:extLst>
+              <a:ext uri="{FF2B5EF4-FFF2-40B4-BE49-F238E27FC236}">
+                <a16:creationId xmlns:a16="http://schemas.microsoft.com/office/drawing/2014/main" id="{0BEFBAEB-B180-1DCF-85F2-381932F93337}"/>
+              </a:ext>
+            </a:extLst>
+          </p:cNvPr>
+          <p:cNvPicPr>
+            <a:picLocks noChangeAspect="1"/>
+          </p:cNvPicPr>
+          <p:nvPr/>
+        </p:nvPicPr>
+        <p:blipFill>
+          <a:blip r:embed="rId5"/>
+          <a:stretch>
+            <a:fillRect/>
+          </a:stretch>
+        </p:blipFill>
+        <p:spPr>
+          <a:xfrm>
+            <a:off x="3550935" y="5818786"/>
+            <a:ext cx="1473877" cy="744536"/>
+          </a:xfrm>
+          <a:prstGeom prst="rect">
+            <a:avLst/>
+          </a:prstGeom>
+        </p:spPr>
+      </p:pic>
     </p:spTree>
     <p:extLst>
       <p:ext uri="{BB962C8B-B14F-4D97-AF65-F5344CB8AC3E}">
@@ -15622,9 +16036,381 @@
   <p:timing>
     <p:tnLst>
       <p:par>
-        <p:cTn xmlns:p14="http://schemas.microsoft.com/office/powerpoint/2010/main" id="1" dur="indefinite" restart="never" nodeType="tmRoot"/>
+        <p:cTn id="1" dur="indefinite" restart="never" nodeType="tmRoot">
+          <p:childTnLst>
+            <p:seq concurrent="1" nextAc="seek">
+              <p:cTn id="2" dur="indefinite" nodeType="mainSeq">
+                <p:childTnLst>
+                  <p:par>
+                    <p:cTn id="3" fill="hold">
+                      <p:stCondLst>
+                        <p:cond delay="indefinite"/>
+                      </p:stCondLst>
+                      <p:childTnLst>
+                        <p:par>
+                          <p:cTn id="4" fill="hold">
+                            <p:stCondLst>
+                              <p:cond delay="0"/>
+                            </p:stCondLst>
+                            <p:childTnLst>
+                              <p:par>
+                                <p:cTn id="5" presetID="2" presetClass="entr" presetSubtype="4" fill="hold" nodeType="clickEffect">
+                                  <p:stCondLst>
+                                    <p:cond delay="0"/>
+                                  </p:stCondLst>
+                                  <p:childTnLst>
+                                    <p:set>
+                                      <p:cBhvr>
+                                        <p:cTn id="6" dur="1" fill="hold">
+                                          <p:stCondLst>
+                                            <p:cond delay="0"/>
+                                          </p:stCondLst>
+                                        </p:cTn>
+                                        <p:tgtEl>
+                                          <p:spTgt spid="3"/>
+                                        </p:tgtEl>
+                                        <p:attrNameLst>
+                                          <p:attrName>style.visibility</p:attrName>
+                                        </p:attrNameLst>
+                                      </p:cBhvr>
+                                      <p:to>
+                                        <p:strVal val="visible"/>
+                                      </p:to>
+                                    </p:set>
+                                    <p:anim calcmode="lin" valueType="num">
+                                      <p:cBhvr additive="base">
+                                        <p:cTn id="7" dur="500" fill="hold"/>
+                                        <p:tgtEl>
+                                          <p:spTgt spid="3"/>
+                                        </p:tgtEl>
+                                        <p:attrNameLst>
+                                          <p:attrName>ppt_x</p:attrName>
+                                        </p:attrNameLst>
+                                      </p:cBhvr>
+                                      <p:tavLst>
+                                        <p:tav tm="0">
+                                          <p:val>
+                                            <p:strVal val="#ppt_x"/>
+                                          </p:val>
+                                        </p:tav>
+                                        <p:tav tm="100000">
+                                          <p:val>
+                                            <p:strVal val="#ppt_x"/>
+                                          </p:val>
+                                        </p:tav>
+                                      </p:tavLst>
+                                    </p:anim>
+                                    <p:anim calcmode="lin" valueType="num">
+                                      <p:cBhvr additive="base">
+                                        <p:cTn id="8" dur="500" fill="hold"/>
+                                        <p:tgtEl>
+                                          <p:spTgt spid="3"/>
+                                        </p:tgtEl>
+                                        <p:attrNameLst>
+                                          <p:attrName>ppt_y</p:attrName>
+                                        </p:attrNameLst>
+                                      </p:cBhvr>
+                                      <p:tavLst>
+                                        <p:tav tm="0">
+                                          <p:val>
+                                            <p:strVal val="1+#ppt_h/2"/>
+                                          </p:val>
+                                        </p:tav>
+                                        <p:tav tm="100000">
+                                          <p:val>
+                                            <p:strVal val="#ppt_y"/>
+                                          </p:val>
+                                        </p:tav>
+                                      </p:tavLst>
+                                    </p:anim>
+                                  </p:childTnLst>
+                                </p:cTn>
+                              </p:par>
+                            </p:childTnLst>
+                          </p:cTn>
+                        </p:par>
+                      </p:childTnLst>
+                    </p:cTn>
+                  </p:par>
+                  <p:par>
+                    <p:cTn id="9" fill="hold">
+                      <p:stCondLst>
+                        <p:cond delay="indefinite"/>
+                      </p:stCondLst>
+                      <p:childTnLst>
+                        <p:par>
+                          <p:cTn id="10" fill="hold">
+                            <p:stCondLst>
+                              <p:cond delay="0"/>
+                            </p:stCondLst>
+                            <p:childTnLst>
+                              <p:par>
+                                <p:cTn id="11" presetID="2" presetClass="entr" presetSubtype="4" fill="hold" nodeType="clickEffect">
+                                  <p:stCondLst>
+                                    <p:cond delay="0"/>
+                                  </p:stCondLst>
+                                  <p:childTnLst>
+                                    <p:set>
+                                      <p:cBhvr>
+                                        <p:cTn id="12" dur="1" fill="hold">
+                                          <p:stCondLst>
+                                            <p:cond delay="0"/>
+                                          </p:stCondLst>
+                                        </p:cTn>
+                                        <p:tgtEl>
+                                          <p:spTgt spid="6"/>
+                                        </p:tgtEl>
+                                        <p:attrNameLst>
+                                          <p:attrName>style.visibility</p:attrName>
+                                        </p:attrNameLst>
+                                      </p:cBhvr>
+                                      <p:to>
+                                        <p:strVal val="visible"/>
+                                      </p:to>
+                                    </p:set>
+                                    <p:anim calcmode="lin" valueType="num">
+                                      <p:cBhvr additive="base">
+                                        <p:cTn id="13" dur="500" fill="hold"/>
+                                        <p:tgtEl>
+                                          <p:spTgt spid="6"/>
+                                        </p:tgtEl>
+                                        <p:attrNameLst>
+                                          <p:attrName>ppt_x</p:attrName>
+                                        </p:attrNameLst>
+                                      </p:cBhvr>
+                                      <p:tavLst>
+                                        <p:tav tm="0">
+                                          <p:val>
+                                            <p:strVal val="#ppt_x"/>
+                                          </p:val>
+                                        </p:tav>
+                                        <p:tav tm="100000">
+                                          <p:val>
+                                            <p:strVal val="#ppt_x"/>
+                                          </p:val>
+                                        </p:tav>
+                                      </p:tavLst>
+                                    </p:anim>
+                                    <p:anim calcmode="lin" valueType="num">
+                                      <p:cBhvr additive="base">
+                                        <p:cTn id="14" dur="500" fill="hold"/>
+                                        <p:tgtEl>
+                                          <p:spTgt spid="6"/>
+                                        </p:tgtEl>
+                                        <p:attrNameLst>
+                                          <p:attrName>ppt_y</p:attrName>
+                                        </p:attrNameLst>
+                                      </p:cBhvr>
+                                      <p:tavLst>
+                                        <p:tav tm="0">
+                                          <p:val>
+                                            <p:strVal val="1+#ppt_h/2"/>
+                                          </p:val>
+                                        </p:tav>
+                                        <p:tav tm="100000">
+                                          <p:val>
+                                            <p:strVal val="#ppt_y"/>
+                                          </p:val>
+                                        </p:tav>
+                                      </p:tavLst>
+                                    </p:anim>
+                                  </p:childTnLst>
+                                </p:cTn>
+                              </p:par>
+                            </p:childTnLst>
+                          </p:cTn>
+                        </p:par>
+                      </p:childTnLst>
+                    </p:cTn>
+                  </p:par>
+                  <p:par>
+                    <p:cTn id="15" fill="hold">
+                      <p:stCondLst>
+                        <p:cond delay="indefinite"/>
+                      </p:stCondLst>
+                      <p:childTnLst>
+                        <p:par>
+                          <p:cTn id="16" fill="hold">
+                            <p:stCondLst>
+                              <p:cond delay="0"/>
+                            </p:stCondLst>
+                            <p:childTnLst>
+                              <p:par>
+                                <p:cTn id="17" presetID="2" presetClass="entr" presetSubtype="4" fill="hold" grpId="0" nodeType="clickEffect">
+                                  <p:stCondLst>
+                                    <p:cond delay="0"/>
+                                  </p:stCondLst>
+                                  <p:childTnLst>
+                                    <p:set>
+                                      <p:cBhvr>
+                                        <p:cTn id="18" dur="1" fill="hold">
+                                          <p:stCondLst>
+                                            <p:cond delay="0"/>
+                                          </p:stCondLst>
+                                        </p:cTn>
+                                        <p:tgtEl>
+                                          <p:spTgt spid="2"/>
+                                        </p:tgtEl>
+                                        <p:attrNameLst>
+                                          <p:attrName>style.visibility</p:attrName>
+                                        </p:attrNameLst>
+                                      </p:cBhvr>
+                                      <p:to>
+                                        <p:strVal val="visible"/>
+                                      </p:to>
+                                    </p:set>
+                                    <p:anim calcmode="lin" valueType="num">
+                                      <p:cBhvr additive="base">
+                                        <p:cTn id="19" dur="500" fill="hold"/>
+                                        <p:tgtEl>
+                                          <p:spTgt spid="2"/>
+                                        </p:tgtEl>
+                                        <p:attrNameLst>
+                                          <p:attrName>ppt_x</p:attrName>
+                                        </p:attrNameLst>
+                                      </p:cBhvr>
+                                      <p:tavLst>
+                                        <p:tav tm="0">
+                                          <p:val>
+                                            <p:strVal val="#ppt_x"/>
+                                          </p:val>
+                                        </p:tav>
+                                        <p:tav tm="100000">
+                                          <p:val>
+                                            <p:strVal val="#ppt_x"/>
+                                          </p:val>
+                                        </p:tav>
+                                      </p:tavLst>
+                                    </p:anim>
+                                    <p:anim calcmode="lin" valueType="num">
+                                      <p:cBhvr additive="base">
+                                        <p:cTn id="20" dur="500" fill="hold"/>
+                                        <p:tgtEl>
+                                          <p:spTgt spid="2"/>
+                                        </p:tgtEl>
+                                        <p:attrNameLst>
+                                          <p:attrName>ppt_y</p:attrName>
+                                        </p:attrNameLst>
+                                      </p:cBhvr>
+                                      <p:tavLst>
+                                        <p:tav tm="0">
+                                          <p:val>
+                                            <p:strVal val="1+#ppt_h/2"/>
+                                          </p:val>
+                                        </p:tav>
+                                        <p:tav tm="100000">
+                                          <p:val>
+                                            <p:strVal val="#ppt_y"/>
+                                          </p:val>
+                                        </p:tav>
+                                      </p:tavLst>
+                                    </p:anim>
+                                  </p:childTnLst>
+                                </p:cTn>
+                              </p:par>
+                              <p:par>
+                                <p:cTn id="21" presetID="2" presetClass="entr" presetSubtype="4" fill="hold" nodeType="withEffect">
+                                  <p:stCondLst>
+                                    <p:cond delay="0"/>
+                                  </p:stCondLst>
+                                  <p:childTnLst>
+                                    <p:set>
+                                      <p:cBhvr>
+                                        <p:cTn id="22" dur="1" fill="hold">
+                                          <p:stCondLst>
+                                            <p:cond delay="0"/>
+                                          </p:stCondLst>
+                                        </p:cTn>
+                                        <p:tgtEl>
+                                          <p:spTgt spid="7"/>
+                                        </p:tgtEl>
+                                        <p:attrNameLst>
+                                          <p:attrName>style.visibility</p:attrName>
+                                        </p:attrNameLst>
+                                      </p:cBhvr>
+                                      <p:to>
+                                        <p:strVal val="visible"/>
+                                      </p:to>
+                                    </p:set>
+                                    <p:anim calcmode="lin" valueType="num">
+                                      <p:cBhvr additive="base">
+                                        <p:cTn id="23" dur="500" fill="hold"/>
+                                        <p:tgtEl>
+                                          <p:spTgt spid="7"/>
+                                        </p:tgtEl>
+                                        <p:attrNameLst>
+                                          <p:attrName>ppt_x</p:attrName>
+                                        </p:attrNameLst>
+                                      </p:cBhvr>
+                                      <p:tavLst>
+                                        <p:tav tm="0">
+                                          <p:val>
+                                            <p:strVal val="#ppt_x"/>
+                                          </p:val>
+                                        </p:tav>
+                                        <p:tav tm="100000">
+                                          <p:val>
+                                            <p:strVal val="#ppt_x"/>
+                                          </p:val>
+                                        </p:tav>
+                                      </p:tavLst>
+                                    </p:anim>
+                                    <p:anim calcmode="lin" valueType="num">
+                                      <p:cBhvr additive="base">
+                                        <p:cTn id="24" dur="500" fill="hold"/>
+                                        <p:tgtEl>
+                                          <p:spTgt spid="7"/>
+                                        </p:tgtEl>
+                                        <p:attrNameLst>
+                                          <p:attrName>ppt_y</p:attrName>
+                                        </p:attrNameLst>
+                                      </p:cBhvr>
+                                      <p:tavLst>
+                                        <p:tav tm="0">
+                                          <p:val>
+                                            <p:strVal val="1+#ppt_h/2"/>
+                                          </p:val>
+                                        </p:tav>
+                                        <p:tav tm="100000">
+                                          <p:val>
+                                            <p:strVal val="#ppt_y"/>
+                                          </p:val>
+                                        </p:tav>
+                                      </p:tavLst>
+                                    </p:anim>
+                                  </p:childTnLst>
+                                </p:cTn>
+                              </p:par>
+                            </p:childTnLst>
+                          </p:cTn>
+                        </p:par>
+                      </p:childTnLst>
+                    </p:cTn>
+                  </p:par>
+                </p:childTnLst>
+              </p:cTn>
+              <p:prevCondLst>
+                <p:cond evt="onPrev" delay="0">
+                  <p:tgtEl>
+                    <p:sldTgt/>
+                  </p:tgtEl>
+                </p:cond>
+              </p:prevCondLst>
+              <p:nextCondLst>
+                <p:cond evt="onNext" delay="0">
+                  <p:tgtEl>
+                    <p:sldTgt/>
+                  </p:tgtEl>
+                </p:cond>
+              </p:nextCondLst>
+            </p:seq>
+          </p:childTnLst>
+        </p:cTn>
       </p:par>
     </p:tnLst>
+    <p:bldLst>
+      <p:bldP spid="2" grpId="0" animBg="1"/>
+    </p:bldLst>
   </p:timing>
 </p:sld>
 </file>
@@ -15729,7 +16515,7 @@
               </a:tabLst>
             </a:pPr>
             <a:r>
-              <a:rPr lang="en-GB" sz="4000" dirty="0" smtClean="0">
+              <a:rPr lang="en-GB" sz="4000" dirty="0">
                 <a:solidFill>
                   <a:srgbClr val="000000"/>
                 </a:solidFill>
@@ -15737,12 +16523,6 @@
               </a:rPr>
               <a:t>The Fundamental Rules of Our Game</a:t>
             </a:r>
-            <a:endParaRPr lang="en-GB" sz="4000" dirty="0">
-              <a:solidFill>
-                <a:srgbClr val="000000"/>
-              </a:solidFill>
-              <a:latin typeface="Times New Roman" pitchFamily="18" charset="0"/>
-            </a:endParaRPr>
           </a:p>
         </p:txBody>
       </p:sp>
@@ -15799,7 +16579,7 @@
               </a:tabLst>
             </a:pPr>
             <a:r>
-              <a:rPr lang="en-GB" sz="3200" dirty="0" smtClean="0">
+              <a:rPr lang="en-GB" sz="3200" dirty="0">
                 <a:solidFill>
                   <a:srgbClr val="000000"/>
                 </a:solidFill>
@@ -15832,7 +16612,7 @@
           <a:lstStyle/>
           <a:p>
             <a:r>
-              <a:rPr lang="en-GB" sz="2400" dirty="0" smtClean="0">
+              <a:rPr lang="en-GB" sz="2400" dirty="0">
                 <a:solidFill>
                   <a:srgbClr val="000000"/>
                 </a:solidFill>
@@ -15866,7 +16646,7 @@
           <a:lstStyle/>
           <a:p>
             <a:r>
-              <a:rPr lang="en-GB" sz="2400" dirty="0" smtClean="0">
+              <a:rPr lang="en-GB" sz="2400" dirty="0">
                 <a:solidFill>
                   <a:srgbClr val="000000"/>
                 </a:solidFill>
@@ -15900,7 +16680,7 @@
           <a:lstStyle/>
           <a:p>
             <a:r>
-              <a:rPr lang="en-GB" sz="2400" dirty="0" smtClean="0">
+              <a:rPr lang="en-GB" sz="2400" dirty="0">
                 <a:solidFill>
                   <a:srgbClr val="000000"/>
                 </a:solidFill>
@@ -15934,7 +16714,7 @@
           <a:lstStyle/>
           <a:p>
             <a:r>
-              <a:rPr lang="en-GB" sz="2400" dirty="0" smtClean="0">
+              <a:rPr lang="en-GB" sz="2400" dirty="0">
                 <a:solidFill>
                   <a:srgbClr val="000000"/>
                 </a:solidFill>
@@ -16051,7 +16831,7 @@
   <p:timing>
     <p:tnLst>
       <p:par>
-        <p:cTn xmlns:p14="http://schemas.microsoft.com/office/powerpoint/2010/main" id="1" dur="indefinite" restart="never" nodeType="tmRoot">
+        <p:cTn id="1" dur="indefinite" restart="never" nodeType="tmRoot">
           <p:childTnLst>
             <p:seq concurrent="1" nextAc="seek">
               <p:cTn id="2" dur="indefinite" nodeType="mainSeq">
@@ -16843,7 +17623,7 @@
               </a:tabLst>
             </a:pPr>
             <a:r>
-              <a:rPr lang="en-GB" sz="4000" dirty="0" smtClean="0">
+              <a:rPr lang="en-GB" sz="4000" dirty="0">
                 <a:solidFill>
                   <a:srgbClr val="000000"/>
                 </a:solidFill>
@@ -16851,12 +17631,6 @@
               </a:rPr>
               <a:t>The Fundamental Rules of Our Game</a:t>
             </a:r>
-            <a:endParaRPr lang="en-GB" sz="4000" dirty="0">
-              <a:solidFill>
-                <a:srgbClr val="000000"/>
-              </a:solidFill>
-              <a:latin typeface="Times New Roman" pitchFamily="18" charset="0"/>
-            </a:endParaRPr>
           </a:p>
         </p:txBody>
       </p:sp>
@@ -16913,7 +17687,7 @@
               </a:tabLst>
             </a:pPr>
             <a:r>
-              <a:rPr lang="en-GB" sz="3200" dirty="0" smtClean="0">
+              <a:rPr lang="en-GB" sz="3200" dirty="0">
                 <a:solidFill>
                   <a:srgbClr val="000000"/>
                 </a:solidFill>
@@ -16922,7 +17696,7 @@
               <a:t>Operators in quantum mechanics are “</a:t>
             </a:r>
             <a:r>
-              <a:rPr lang="en-GB" sz="3200" b="1" dirty="0" smtClean="0">
+              <a:rPr lang="en-GB" sz="3200" b="1" dirty="0">
                 <a:solidFill>
                   <a:srgbClr val="000000"/>
                 </a:solidFill>
@@ -16931,7 +17705,7 @@
               <a:t>linear</a:t>
             </a:r>
             <a:r>
-              <a:rPr lang="en-GB" sz="3200" dirty="0" smtClean="0">
+              <a:rPr lang="en-GB" sz="3200" dirty="0">
                 <a:solidFill>
                   <a:srgbClr val="000000"/>
                 </a:solidFill>
@@ -17132,16 +17906,12 @@
             <a:lstStyle/>
             <a:p>
               <a:r>
-                <a:rPr lang="en-US" sz="2400" dirty="0" smtClean="0">
+                <a:rPr lang="en-US" sz="2400" dirty="0">
                   <a:latin typeface="Times New Roman"/>
                   <a:cs typeface="Times New Roman"/>
                 </a:rPr>
                 <a:t>Operators are distributive</a:t>
               </a:r>
-              <a:endParaRPr lang="en-US" sz="2400" dirty="0">
-                <a:latin typeface="Times New Roman"/>
-                <a:cs typeface="Times New Roman"/>
-              </a:endParaRPr>
             </a:p>
           </p:txBody>
         </p:sp>
@@ -17249,16 +18019,12 @@
             <a:lstStyle/>
             <a:p>
               <a:r>
-                <a:rPr lang="en-US" sz="2400" dirty="0" smtClean="0">
+                <a:rPr lang="en-US" sz="2400" dirty="0">
                   <a:latin typeface="Times New Roman"/>
                   <a:cs typeface="Times New Roman"/>
                 </a:rPr>
                 <a:t>Constants can be pulled out</a:t>
               </a:r>
-              <a:endParaRPr lang="en-US" sz="2400" dirty="0">
-                <a:latin typeface="Times New Roman"/>
-                <a:cs typeface="Times New Roman"/>
-              </a:endParaRPr>
             </a:p>
           </p:txBody>
         </p:sp>
@@ -17380,7 +18146,7 @@
   <p:timing>
     <p:tnLst>
       <p:par>
-        <p:cTn xmlns:p14="http://schemas.microsoft.com/office/powerpoint/2010/main" id="1" dur="indefinite" restart="never" nodeType="tmRoot">
+        <p:cTn id="1" dur="indefinite" restart="never" nodeType="tmRoot">
           <p:childTnLst>
             <p:seq concurrent="1" nextAc="seek">
               <p:cTn id="2" dur="indefinite" nodeType="mainSeq">
@@ -18047,7 +18813,7 @@
               </a:tabLst>
             </a:pPr>
             <a:r>
-              <a:rPr lang="en-GB" sz="4000" dirty="0" smtClean="0">
+              <a:rPr lang="en-GB" sz="4000" dirty="0">
                 <a:solidFill>
                   <a:srgbClr val="000000"/>
                 </a:solidFill>
@@ -18055,12 +18821,6 @@
               </a:rPr>
               <a:t>The Fundamental Rules of Our Game</a:t>
             </a:r>
-            <a:endParaRPr lang="en-GB" sz="4000" dirty="0">
-              <a:solidFill>
-                <a:srgbClr val="000000"/>
-              </a:solidFill>
-              <a:latin typeface="Times New Roman" pitchFamily="18" charset="0"/>
-            </a:endParaRPr>
           </a:p>
         </p:txBody>
       </p:sp>
@@ -18117,7 +18877,7 @@
               </a:tabLst>
             </a:pPr>
             <a:r>
-              <a:rPr lang="en-GB" sz="3200" dirty="0" smtClean="0">
+              <a:rPr lang="en-GB" sz="3200" dirty="0">
                 <a:solidFill>
                   <a:srgbClr val="000000"/>
                 </a:solidFill>
@@ -18174,7 +18934,7 @@
           <a:lstStyle/>
           <a:p>
             <a:r>
-              <a:rPr lang="en-GB" sz="3200" dirty="0" smtClean="0">
+              <a:rPr lang="en-GB" sz="3200" dirty="0">
                 <a:solidFill>
                   <a:srgbClr val="000000"/>
                 </a:solidFill>
@@ -18208,7 +18968,7 @@
           <a:lstStyle/>
           <a:p>
             <a:r>
-              <a:rPr lang="en-GB" sz="3200" dirty="0" smtClean="0">
+              <a:rPr lang="en-GB" sz="3200" dirty="0">
                 <a:solidFill>
                   <a:srgbClr val="000000"/>
                 </a:solidFill>
@@ -18248,16 +19008,7 @@
                 </a:solidFill>
                 <a:latin typeface="Times New Roman" pitchFamily="18" charset="0"/>
               </a:rPr>
-              <a:t>c</a:t>
-            </a:r>
-            <a:r>
-              <a:rPr lang="en-GB" sz="3200" dirty="0" smtClean="0">
-                <a:solidFill>
-                  <a:srgbClr val="000000"/>
-                </a:solidFill>
-                <a:latin typeface="Times New Roman" pitchFamily="18" charset="0"/>
-              </a:rPr>
-              <a:t>.</a:t>
+              <a:t>c.</a:t>
             </a:r>
             <a:endParaRPr lang="en-US" sz="3200" dirty="0"/>
           </a:p>
@@ -18291,16 +19042,7 @@
                 </a:solidFill>
                 <a:latin typeface="Times New Roman" pitchFamily="18" charset="0"/>
               </a:rPr>
-              <a:t>d</a:t>
-            </a:r>
-            <a:r>
-              <a:rPr lang="en-GB" sz="3200" dirty="0" smtClean="0">
-                <a:solidFill>
-                  <a:srgbClr val="000000"/>
-                </a:solidFill>
-                <a:latin typeface="Times New Roman" pitchFamily="18" charset="0"/>
-              </a:rPr>
-              <a:t>.</a:t>
+              <a:t>d.</a:t>
             </a:r>
             <a:endParaRPr lang="en-US" sz="3200" dirty="0"/>
           </a:p>
@@ -18316,13 +19058,6 @@
   <p:clrMapOvr>
     <a:masterClrMapping/>
   </p:clrMapOvr>
-  <p:timing>
-    <p:tnLst>
-      <p:par>
-        <p:cTn xmlns:p14="http://schemas.microsoft.com/office/powerpoint/2010/main" id="1" dur="indefinite" restart="never" nodeType="tmRoot"/>
-      </p:par>
-    </p:tnLst>
-  </p:timing>
 </p:sld>
 </file>
 
@@ -18426,7 +19161,7 @@
               </a:tabLst>
             </a:pPr>
             <a:r>
-              <a:rPr lang="en-GB" sz="4000" dirty="0" smtClean="0">
+              <a:rPr lang="en-GB" sz="4000" dirty="0">
                 <a:solidFill>
                   <a:srgbClr val="000000"/>
                 </a:solidFill>
@@ -18434,12 +19169,6 @@
               </a:rPr>
               <a:t>The Fundamental Rules of Our Game</a:t>
             </a:r>
-            <a:endParaRPr lang="en-GB" sz="4000" dirty="0">
-              <a:solidFill>
-                <a:srgbClr val="000000"/>
-              </a:solidFill>
-              <a:latin typeface="Times New Roman" pitchFamily="18" charset="0"/>
-            </a:endParaRPr>
           </a:p>
         </p:txBody>
       </p:sp>
@@ -18496,31 +19225,13 @@
               </a:tabLst>
             </a:pPr>
             <a:r>
-              <a:rPr lang="en-GB" sz="3200" dirty="0" smtClean="0">
+              <a:rPr lang="en-GB" sz="3200" dirty="0">
                 <a:solidFill>
                   <a:srgbClr val="000000"/>
                 </a:solidFill>
                 <a:latin typeface="Times New Roman" pitchFamily="18" charset="0"/>
               </a:rPr>
-              <a:t>Eigen-system:</a:t>
-            </a:r>
-            <a:r>
-              <a:rPr lang="en-GB" sz="3200" dirty="0">
-                <a:solidFill>
-                  <a:srgbClr val="000000"/>
-                </a:solidFill>
-                <a:latin typeface="Times New Roman" pitchFamily="18" charset="0"/>
-              </a:rPr>
-              <a:t> </a:t>
-            </a:r>
-            <a:r>
-              <a:rPr lang="en-GB" sz="3200" dirty="0" smtClean="0">
-                <a:solidFill>
-                  <a:srgbClr val="000000"/>
-                </a:solidFill>
-                <a:latin typeface="Times New Roman" pitchFamily="18" charset="0"/>
-              </a:rPr>
-              <a:t>When an operator acts on a function and produces the same function multiplied by a constant:</a:t>
+              <a:t>Eigen-system: When an operator acts on a function and produces the same function multiplied by a constant:</a:t>
             </a:r>
           </a:p>
         </p:txBody>
@@ -18729,37 +19440,33 @@
           <a:lstStyle/>
           <a:p>
             <a:r>
-              <a:rPr lang="en-US" sz="3200" dirty="0" smtClean="0">
+              <a:rPr lang="en-US" sz="3200" dirty="0">
                 <a:latin typeface="Times New Roman"/>
                 <a:cs typeface="Times New Roman"/>
               </a:rPr>
               <a:t>Act </a:t>
             </a:r>
             <a:r>
-              <a:rPr lang="en-US" sz="3200" i="1" dirty="0" smtClean="0">
+              <a:rPr lang="en-US" sz="3200" i="1" dirty="0">
                 <a:latin typeface="Times New Roman"/>
                 <a:cs typeface="Times New Roman"/>
               </a:rPr>
               <a:t>A</a:t>
             </a:r>
             <a:r>
-              <a:rPr lang="en-US" sz="3200" dirty="0" smtClean="0">
+              <a:rPr lang="en-US" sz="3200" dirty="0">
                 <a:latin typeface="Times New Roman"/>
                 <a:cs typeface="Times New Roman"/>
               </a:rPr>
               <a:t> on </a:t>
             </a:r>
             <a:r>
-              <a:rPr lang="en-US" sz="3200" i="1" dirty="0" smtClean="0">
+              <a:rPr lang="en-US" sz="3200" i="1" dirty="0">
                 <a:latin typeface="Times New Roman"/>
                 <a:cs typeface="Times New Roman"/>
               </a:rPr>
               <a:t>f</a:t>
             </a:r>
-            <a:endParaRPr lang="en-US" sz="3200" i="1" dirty="0">
-              <a:latin typeface="Times New Roman"/>
-              <a:cs typeface="Times New Roman"/>
-            </a:endParaRPr>
           </a:p>
         </p:txBody>
       </p:sp>
@@ -18786,30 +19493,26 @@
           <a:lstStyle/>
           <a:p>
             <a:r>
-              <a:rPr lang="en-US" sz="3200" dirty="0" smtClean="0">
+              <a:rPr lang="en-US" sz="3200" dirty="0">
                 <a:latin typeface="Times New Roman"/>
                 <a:cs typeface="Times New Roman"/>
               </a:rPr>
               <a:t>Get </a:t>
             </a:r>
             <a:r>
-              <a:rPr lang="en-US" sz="3200" i="1" dirty="0" smtClean="0">
+              <a:rPr lang="en-US" sz="3200" i="1" dirty="0">
                 <a:latin typeface="Times New Roman"/>
                 <a:cs typeface="Times New Roman"/>
               </a:rPr>
               <a:t>f </a:t>
             </a:r>
             <a:r>
-              <a:rPr lang="en-US" sz="3200" dirty="0" smtClean="0">
+              <a:rPr lang="en-US" sz="3200" dirty="0">
                 <a:latin typeface="Times New Roman"/>
                 <a:cs typeface="Times New Roman"/>
               </a:rPr>
               <a:t>back</a:t>
             </a:r>
-            <a:endParaRPr lang="en-US" sz="3200" dirty="0">
-              <a:latin typeface="Times New Roman"/>
-              <a:cs typeface="Times New Roman"/>
-            </a:endParaRPr>
           </a:p>
         </p:txBody>
       </p:sp>
@@ -18869,16 +19572,12 @@
           <a:lstStyle/>
           <a:p>
             <a:r>
-              <a:rPr lang="en-US" sz="3200" dirty="0" smtClean="0">
+              <a:rPr lang="en-US" sz="3200" dirty="0">
                 <a:latin typeface="Times New Roman"/>
                 <a:cs typeface="Times New Roman"/>
               </a:rPr>
               <a:t>Multiplied by a constant</a:t>
             </a:r>
-            <a:endParaRPr lang="en-US" sz="3200" dirty="0">
-              <a:latin typeface="Times New Roman"/>
-              <a:cs typeface="Times New Roman"/>
-            </a:endParaRPr>
           </a:p>
         </p:txBody>
       </p:sp>
@@ -18945,37 +19644,33 @@
               <a:t>f</a:t>
             </a:r>
             <a:r>
-              <a:rPr lang="en-US" sz="2800" dirty="0" smtClean="0">
+              <a:rPr lang="en-US" sz="2800" dirty="0">
                 <a:latin typeface="Times New Roman"/>
                 <a:cs typeface="Times New Roman"/>
               </a:rPr>
               <a:t> is an </a:t>
             </a:r>
             <a:r>
-              <a:rPr lang="en-US" sz="2800" b="1" dirty="0" err="1" smtClean="0">
+              <a:rPr lang="en-US" sz="2800" b="1" dirty="0" err="1">
                 <a:latin typeface="Times New Roman"/>
                 <a:cs typeface="Times New Roman"/>
               </a:rPr>
               <a:t>eigenfunction</a:t>
             </a:r>
             <a:r>
-              <a:rPr lang="en-US" sz="2800" dirty="0" smtClean="0">
+              <a:rPr lang="en-US" sz="2800" dirty="0">
                 <a:latin typeface="Times New Roman"/>
                 <a:cs typeface="Times New Roman"/>
               </a:rPr>
               <a:t> or </a:t>
             </a:r>
             <a:r>
-              <a:rPr lang="en-US" sz="2800" b="1" dirty="0" smtClean="0">
+              <a:rPr lang="en-US" sz="2800" b="1" dirty="0">
                 <a:latin typeface="Times New Roman"/>
                 <a:cs typeface="Times New Roman"/>
               </a:rPr>
               <a:t>eigenvector</a:t>
             </a:r>
-            <a:endParaRPr lang="en-US" sz="2800" b="1" dirty="0">
-              <a:latin typeface="Times New Roman"/>
-              <a:cs typeface="Times New Roman"/>
-            </a:endParaRPr>
           </a:p>
         </p:txBody>
       </p:sp>
@@ -19002,37 +19697,33 @@
           <a:lstStyle/>
           <a:p>
             <a:r>
-              <a:rPr lang="en-US" sz="2800" i="1" dirty="0" smtClean="0">
+              <a:rPr lang="en-US" sz="2800" i="1" dirty="0">
                 <a:latin typeface="Times New Roman"/>
                 <a:cs typeface="Times New Roman"/>
               </a:rPr>
               <a:t>a</a:t>
             </a:r>
             <a:r>
-              <a:rPr lang="en-US" sz="2800" dirty="0" smtClean="0">
+              <a:rPr lang="en-US" sz="2800" dirty="0">
                 <a:latin typeface="Times New Roman"/>
                 <a:cs typeface="Times New Roman"/>
               </a:rPr>
               <a:t> is an </a:t>
             </a:r>
             <a:r>
-              <a:rPr lang="en-US" sz="2800" b="1" dirty="0" smtClean="0">
+              <a:rPr lang="en-US" sz="2800" b="1" dirty="0">
                 <a:latin typeface="Times New Roman"/>
                 <a:cs typeface="Times New Roman"/>
               </a:rPr>
               <a:t>eigenvalue</a:t>
             </a:r>
             <a:r>
-              <a:rPr lang="en-US" sz="2800" dirty="0" smtClean="0">
+              <a:rPr lang="en-US" sz="2800" dirty="0">
                 <a:latin typeface="Times New Roman"/>
                 <a:cs typeface="Times New Roman"/>
               </a:rPr>
               <a:t> (a constant!)</a:t>
             </a:r>
-            <a:endParaRPr lang="en-US" sz="2800" dirty="0">
-              <a:latin typeface="Times New Roman"/>
-              <a:cs typeface="Times New Roman"/>
-            </a:endParaRPr>
           </a:p>
         </p:txBody>
       </p:sp>
@@ -19049,7 +19740,7 @@
   <p:timing>
     <p:tnLst>
       <p:par>
-        <p:cTn xmlns:p14="http://schemas.microsoft.com/office/powerpoint/2010/main" id="1" dur="indefinite" restart="never" nodeType="tmRoot">
+        <p:cTn id="1" dur="indefinite" restart="never" nodeType="tmRoot">
           <p:childTnLst>
             <p:seq concurrent="1" nextAc="seek">
               <p:cTn id="2" dur="indefinite" nodeType="mainSeq">
@@ -20225,7 +20916,7 @@
               </a:tabLst>
             </a:pPr>
             <a:r>
-              <a:rPr lang="en-GB" sz="4000" dirty="0" smtClean="0">
+              <a:rPr lang="en-GB" sz="4000" dirty="0">
                 <a:solidFill>
                   <a:srgbClr val="000000"/>
                 </a:solidFill>
@@ -20233,12 +20924,6 @@
               </a:rPr>
               <a:t>The Fundamental Rules of Our Game</a:t>
             </a:r>
-            <a:endParaRPr lang="en-GB" sz="4000" dirty="0">
-              <a:solidFill>
-                <a:srgbClr val="000000"/>
-              </a:solidFill>
-              <a:latin typeface="Times New Roman" pitchFamily="18" charset="0"/>
-            </a:endParaRPr>
           </a:p>
         </p:txBody>
       </p:sp>
@@ -20295,7 +20980,7 @@
               </a:tabLst>
             </a:pPr>
             <a:r>
-              <a:rPr lang="en-GB" sz="3200" dirty="0" smtClean="0">
+              <a:rPr lang="en-GB" sz="3200" dirty="0">
                 <a:solidFill>
                   <a:srgbClr val="000000"/>
                 </a:solidFill>
@@ -20304,7 +20989,7 @@
               <a:t>Are these </a:t>
             </a:r>
             <a:r>
-              <a:rPr lang="en-GB" sz="3200" dirty="0" err="1" smtClean="0">
+              <a:rPr lang="en-GB" sz="3200" dirty="0" err="1">
                 <a:solidFill>
                   <a:srgbClr val="000000"/>
                 </a:solidFill>
@@ -20313,7 +20998,7 @@
               <a:t>eigen</a:t>
             </a:r>
             <a:r>
-              <a:rPr lang="en-GB" sz="3200" dirty="0" smtClean="0">
+              <a:rPr lang="en-GB" sz="3200" dirty="0">
                 <a:solidFill>
                   <a:srgbClr val="000000"/>
                 </a:solidFill>
@@ -20322,7 +21007,7 @@
               <a:t>-systems? If so, what are the </a:t>
             </a:r>
             <a:r>
-              <a:rPr lang="en-GB" sz="3200" dirty="0" err="1" smtClean="0">
+              <a:rPr lang="en-GB" sz="3200" dirty="0" err="1">
                 <a:solidFill>
                   <a:srgbClr val="000000"/>
                 </a:solidFill>
@@ -20331,7 +21016,7 @@
               <a:t>eigenfunctions</a:t>
             </a:r>
             <a:r>
-              <a:rPr lang="en-GB" sz="3200" dirty="0" smtClean="0">
+              <a:rPr lang="en-GB" sz="3200" dirty="0">
                 <a:solidFill>
                   <a:srgbClr val="000000"/>
                 </a:solidFill>
@@ -20400,13 +21085,6 @@
   <p:clrMapOvr>
     <a:masterClrMapping/>
   </p:clrMapOvr>
-  <p:timing>
-    <p:tnLst>
-      <p:par>
-        <p:cTn xmlns:p14="http://schemas.microsoft.com/office/powerpoint/2010/main" id="1" dur="indefinite" restart="never" nodeType="tmRoot"/>
-      </p:par>
-    </p:tnLst>
-  </p:timing>
 </p:sld>
 </file>
 
@@ -20510,7 +21188,7 @@
               </a:tabLst>
             </a:pPr>
             <a:r>
-              <a:rPr lang="en-GB" sz="4000" dirty="0" smtClean="0">
+              <a:rPr lang="en-GB" sz="4000" dirty="0">
                 <a:solidFill>
                   <a:srgbClr val="000000"/>
                 </a:solidFill>
@@ -20518,12 +21196,6 @@
               </a:rPr>
               <a:t>The Fundamental Rules of Our Game</a:t>
             </a:r>
-            <a:endParaRPr lang="en-GB" sz="4000" dirty="0">
-              <a:solidFill>
-                <a:srgbClr val="000000"/>
-              </a:solidFill>
-              <a:latin typeface="Times New Roman" pitchFamily="18" charset="0"/>
-            </a:endParaRPr>
           </a:p>
         </p:txBody>
       </p:sp>
@@ -20580,7 +21252,7 @@
               </a:tabLst>
             </a:pPr>
             <a:r>
-              <a:rPr lang="en-GB" sz="3200" dirty="0" smtClean="0">
+              <a:rPr lang="en-GB" sz="3200" dirty="0">
                 <a:solidFill>
                   <a:srgbClr val="000000"/>
                 </a:solidFill>
@@ -20612,7 +21284,7 @@
               </a:tabLst>
             </a:pPr>
             <a:r>
-              <a:rPr lang="en-GB" sz="2800" dirty="0" smtClean="0">
+              <a:rPr lang="en-GB" sz="2800" dirty="0">
                 <a:solidFill>
                   <a:srgbClr val="000000"/>
                 </a:solidFill>
@@ -20644,7 +21316,7 @@
               </a:tabLst>
             </a:pPr>
             <a:r>
-              <a:rPr lang="en-GB" sz="2400" b="1" dirty="0" smtClean="0">
+              <a:rPr lang="en-GB" sz="2400" b="1" dirty="0">
                 <a:solidFill>
                   <a:srgbClr val="000000"/>
                 </a:solidFill>
@@ -20653,7 +21325,7 @@
               <a:t>Energy</a:t>
             </a:r>
             <a:r>
-              <a:rPr lang="en-GB" sz="2400" dirty="0" smtClean="0">
+              <a:rPr lang="en-GB" sz="2400" dirty="0">
                 <a:solidFill>
                   <a:srgbClr val="000000"/>
                 </a:solidFill>
@@ -20661,35 +21333,6 @@
               </a:rPr>
               <a:t> (Kinetic, Potential and Total)</a:t>
             </a:r>
-          </a:p>
-          <a:p>
-            <a:pPr marL="1535113" lvl="2" indent="-514350">
-              <a:spcBef>
-                <a:spcPts val="800"/>
-              </a:spcBef>
-              <a:buFont typeface="Arial"/>
-              <a:buChar char="•"/>
-              <a:tabLst>
-                <a:tab pos="430213" algn="l"/>
-                <a:tab pos="1344613" algn="l"/>
-                <a:tab pos="2259013" algn="l"/>
-                <a:tab pos="3173413" algn="l"/>
-                <a:tab pos="4087813" algn="l"/>
-                <a:tab pos="5002213" algn="l"/>
-                <a:tab pos="5916613" algn="l"/>
-                <a:tab pos="6831013" algn="l"/>
-                <a:tab pos="7745413" algn="l"/>
-                <a:tab pos="8659813" algn="l"/>
-                <a:tab pos="9574213" algn="l"/>
-                <a:tab pos="10488613" algn="l"/>
-              </a:tabLst>
-            </a:pPr>
-            <a:endParaRPr lang="en-GB" sz="2400" dirty="0" smtClean="0">
-              <a:solidFill>
-                <a:srgbClr val="000000"/>
-              </a:solidFill>
-              <a:latin typeface="Times New Roman" pitchFamily="18" charset="0"/>
-            </a:endParaRPr>
           </a:p>
           <a:p>
             <a:pPr marL="1535113" lvl="2" indent="-514350">
@@ -20742,7 +21385,7 @@
                 <a:tab pos="10488613" algn="l"/>
               </a:tabLst>
             </a:pPr>
-            <a:endParaRPr lang="en-GB" sz="2400" dirty="0" smtClean="0">
+            <a:endParaRPr lang="en-GB" sz="2400" dirty="0">
               <a:solidFill>
                 <a:srgbClr val="000000"/>
               </a:solidFill>
@@ -20771,15 +21414,6 @@
                 <a:tab pos="10488613" algn="l"/>
               </a:tabLst>
             </a:pPr>
-            <a:r>
-              <a:rPr lang="en-GB" sz="2400" b="1" dirty="0" smtClean="0">
-                <a:solidFill>
-                  <a:srgbClr val="000000"/>
-                </a:solidFill>
-                <a:latin typeface="Times New Roman" pitchFamily="18" charset="0"/>
-              </a:rPr>
-              <a:t>Position</a:t>
-            </a:r>
             <a:endParaRPr lang="en-GB" sz="2400" dirty="0">
               <a:solidFill>
                 <a:srgbClr val="000000"/>
@@ -20809,7 +21443,16 @@
                 <a:tab pos="10488613" algn="l"/>
               </a:tabLst>
             </a:pPr>
-            <a:endParaRPr lang="en-GB" sz="2400" dirty="0" smtClean="0">
+            <a:r>
+              <a:rPr lang="en-GB" sz="2400" b="1" dirty="0">
+                <a:solidFill>
+                  <a:srgbClr val="000000"/>
+                </a:solidFill>
+                <a:latin typeface="Times New Roman" pitchFamily="18" charset="0"/>
+              </a:rPr>
+              <a:t>Position</a:t>
+            </a:r>
+            <a:endParaRPr lang="en-GB" sz="2400" dirty="0">
               <a:solidFill>
                 <a:srgbClr val="000000"/>
               </a:solidFill>
@@ -20838,8 +21481,37 @@
                 <a:tab pos="10488613" algn="l"/>
               </a:tabLst>
             </a:pPr>
-            <a:r>
-              <a:rPr lang="en-GB" sz="2400" b="1" dirty="0" smtClean="0">
+            <a:endParaRPr lang="en-GB" sz="2400" dirty="0">
+              <a:solidFill>
+                <a:srgbClr val="000000"/>
+              </a:solidFill>
+              <a:latin typeface="Times New Roman" pitchFamily="18" charset="0"/>
+            </a:endParaRPr>
+          </a:p>
+          <a:p>
+            <a:pPr marL="1535113" lvl="2" indent="-514350">
+              <a:spcBef>
+                <a:spcPts val="800"/>
+              </a:spcBef>
+              <a:buFont typeface="Arial"/>
+              <a:buChar char="•"/>
+              <a:tabLst>
+                <a:tab pos="430213" algn="l"/>
+                <a:tab pos="1344613" algn="l"/>
+                <a:tab pos="2259013" algn="l"/>
+                <a:tab pos="3173413" algn="l"/>
+                <a:tab pos="4087813" algn="l"/>
+                <a:tab pos="5002213" algn="l"/>
+                <a:tab pos="5916613" algn="l"/>
+                <a:tab pos="6831013" algn="l"/>
+                <a:tab pos="7745413" algn="l"/>
+                <a:tab pos="8659813" algn="l"/>
+                <a:tab pos="9574213" algn="l"/>
+                <a:tab pos="10488613" algn="l"/>
+              </a:tabLst>
+            </a:pPr>
+            <a:r>
+              <a:rPr lang="en-GB" sz="2400" b="1" dirty="0">
                 <a:solidFill>
                   <a:srgbClr val="000000"/>
                 </a:solidFill>
@@ -21042,7 +21714,7 @@
           <a:lstStyle/>
           <a:p>
             <a:r>
-              <a:rPr lang="en-GB" dirty="0" smtClean="0">
+              <a:rPr lang="en-GB" dirty="0">
                 <a:solidFill>
                   <a:srgbClr val="000000"/>
                 </a:solidFill>
@@ -21051,7 +21723,7 @@
               <a:t>The</a:t>
             </a:r>
             <a:r>
-              <a:rPr lang="en-GB" b="1" dirty="0" smtClean="0">
+              <a:rPr lang="en-GB" b="1" dirty="0">
                 <a:solidFill>
                   <a:srgbClr val="000000"/>
                 </a:solidFill>
@@ -21060,7 +21732,7 @@
               <a:t> Hamiltonian</a:t>
             </a:r>
             <a:r>
-              <a:rPr lang="en-GB" dirty="0" smtClean="0">
+              <a:rPr lang="en-GB" dirty="0">
                 <a:solidFill>
                   <a:srgbClr val="000000"/>
                 </a:solidFill>
@@ -21156,7 +21828,7 @@
   <p:timing>
     <p:tnLst>
       <p:par>
-        <p:cTn xmlns:p14="http://schemas.microsoft.com/office/powerpoint/2010/main" id="1" dur="indefinite" restart="never" nodeType="tmRoot">
+        <p:cTn id="1" dur="indefinite" restart="never" nodeType="tmRoot">
           <p:childTnLst>
             <p:seq concurrent="1" nextAc="seek">
               <p:cTn id="2" dur="indefinite" nodeType="mainSeq">
@@ -22073,7 +22745,7 @@
               </a:tabLst>
             </a:pPr>
             <a:r>
-              <a:rPr lang="en-GB" sz="4000" dirty="0" smtClean="0">
+              <a:rPr lang="en-GB" sz="4000" dirty="0">
                 <a:solidFill>
                   <a:srgbClr val="000000"/>
                 </a:solidFill>
@@ -22081,12 +22753,6 @@
               </a:rPr>
               <a:t>The Fundamental Rules of Our Game</a:t>
             </a:r>
-            <a:endParaRPr lang="en-GB" sz="4000" dirty="0">
-              <a:solidFill>
-                <a:srgbClr val="000000"/>
-              </a:solidFill>
-              <a:latin typeface="Times New Roman" pitchFamily="18" charset="0"/>
-            </a:endParaRPr>
           </a:p>
         </p:txBody>
       </p:sp>
@@ -22140,7 +22806,7 @@
               </a:tabLst>
             </a:pPr>
             <a:r>
-              <a:rPr lang="en-GB" sz="2800" dirty="0" smtClean="0">
+              <a:rPr lang="en-GB" sz="2800" dirty="0">
                 <a:solidFill>
                   <a:srgbClr val="000000"/>
                 </a:solidFill>
@@ -22149,7 +22815,7 @@
               <a:t>All that can be known about a physical system (</a:t>
             </a:r>
             <a:r>
-              <a:rPr lang="en-GB" sz="2800" i="1" dirty="0" smtClean="0">
+              <a:rPr lang="en-GB" sz="2800" i="1" dirty="0">
                 <a:solidFill>
                   <a:srgbClr val="000000"/>
                 </a:solidFill>
@@ -22158,7 +22824,7 @@
               <a:t>i.e.</a:t>
             </a:r>
             <a:r>
-              <a:rPr lang="en-GB" sz="2800" dirty="0" smtClean="0">
+              <a:rPr lang="en-GB" sz="2800" dirty="0">
                 <a:solidFill>
                   <a:srgbClr val="000000"/>
                 </a:solidFill>
@@ -22167,7 +22833,7 @@
               <a:t> its </a:t>
             </a:r>
             <a:r>
-              <a:rPr lang="en-GB" sz="2800" b="1" dirty="0" smtClean="0">
+              <a:rPr lang="en-GB" sz="2800" b="1" dirty="0">
                 <a:solidFill>
                   <a:srgbClr val="000000"/>
                 </a:solidFill>
@@ -22176,7 +22842,7 @@
               <a:t>state</a:t>
             </a:r>
             <a:r>
-              <a:rPr lang="en-GB" sz="2800" dirty="0" smtClean="0">
+              <a:rPr lang="en-GB" sz="2800" dirty="0">
                 <a:solidFill>
                   <a:srgbClr val="000000"/>
                 </a:solidFill>
@@ -22185,7 +22851,7 @@
               <a:t>) is encoded in its </a:t>
             </a:r>
             <a:r>
-              <a:rPr lang="en-GB" sz="2800" b="1" dirty="0" smtClean="0">
+              <a:rPr lang="en-GB" sz="2800" b="1" dirty="0">
                 <a:solidFill>
                   <a:srgbClr val="000000"/>
                 </a:solidFill>
@@ -22249,7 +22915,7 @@
               </a:tabLst>
             </a:pPr>
             <a:r>
-              <a:rPr lang="en-GB" sz="3200" dirty="0" smtClean="0">
+              <a:rPr lang="en-GB" sz="3200" dirty="0">
                 <a:solidFill>
                   <a:srgbClr val="000000"/>
                 </a:solidFill>
@@ -22310,7 +22976,7 @@
               </a:tabLst>
             </a:pPr>
             <a:r>
-              <a:rPr lang="en-GB" sz="2800" b="1" i="1" u="sng" dirty="0" smtClean="0">
+              <a:rPr lang="en-GB" sz="2800" b="1" i="1" u="sng" dirty="0">
                 <a:solidFill>
                   <a:srgbClr val="000000"/>
                 </a:solidFill>
@@ -22319,7 +22985,7 @@
               <a:t>Wave functions</a:t>
             </a:r>
             <a:r>
-              <a:rPr lang="en-GB" sz="2800" dirty="0" smtClean="0">
+              <a:rPr lang="en-GB" sz="2800" dirty="0">
                 <a:solidFill>
                   <a:srgbClr val="000000"/>
                 </a:solidFill>
@@ -22328,7 +22994,7 @@
               <a:t>, </a:t>
             </a:r>
             <a:r>
-              <a:rPr lang="en-GB" sz="2800" i="1" dirty="0" smtClean="0">
+              <a:rPr lang="en-GB" sz="2800" i="1" dirty="0">
                 <a:solidFill>
                   <a:srgbClr val="000000"/>
                 </a:solidFill>
@@ -22338,7 +23004,7 @@
               <a:t>y</a:t>
             </a:r>
             <a:r>
-              <a:rPr lang="en-GB" sz="2800" dirty="0" smtClean="0">
+              <a:rPr lang="en-GB" sz="2800" dirty="0">
                 <a:solidFill>
                   <a:srgbClr val="000000"/>
                 </a:solidFill>
@@ -22347,7 +23013,7 @@
               <a:t>(x) are also called </a:t>
             </a:r>
             <a:r>
-              <a:rPr lang="en-GB" sz="2800" b="1" i="1" u="sng" dirty="0" smtClean="0">
+              <a:rPr lang="en-GB" sz="2800" b="1" i="1" u="sng" dirty="0">
                 <a:solidFill>
                   <a:srgbClr val="000000"/>
                 </a:solidFill>
@@ -22408,7 +23074,7 @@
               </a:tabLst>
             </a:pPr>
             <a:r>
-              <a:rPr lang="en-GB" sz="2800" i="1" dirty="0" smtClean="0">
+              <a:rPr lang="en-GB" sz="2800" i="1" dirty="0">
                 <a:solidFill>
                   <a:srgbClr val="000000"/>
                 </a:solidFill>
@@ -22418,7 +23084,7 @@
               <a:t>y</a:t>
             </a:r>
             <a:r>
-              <a:rPr lang="en-GB" sz="2800" i="1" dirty="0" smtClean="0">
+              <a:rPr lang="en-GB" sz="2800" i="1" dirty="0">
                 <a:solidFill>
                   <a:srgbClr val="000000"/>
                 </a:solidFill>
@@ -22427,7 +23093,7 @@
               </a:rPr>
               <a:t> is not a physical entity!!</a:t>
             </a:r>
-            <a:endParaRPr lang="en-GB" sz="2800" dirty="0" smtClean="0">
+            <a:endParaRPr lang="en-GB" sz="2800" dirty="0">
               <a:solidFill>
                 <a:srgbClr val="000000"/>
               </a:solidFill>
@@ -22487,7 +23153,7 @@
               </a:tabLst>
             </a:pPr>
             <a:r>
-              <a:rPr lang="en-GB" sz="2800" i="1" dirty="0" smtClean="0">
+              <a:rPr lang="en-GB" sz="2800" i="1" dirty="0">
                 <a:solidFill>
                   <a:srgbClr val="000000"/>
                 </a:solidFill>
@@ -22497,7 +23163,7 @@
               <a:t>y</a:t>
             </a:r>
             <a:r>
-              <a:rPr lang="en-GB" sz="2800" baseline="30000" dirty="0" smtClean="0">
+              <a:rPr lang="en-GB" sz="2800" baseline="30000" dirty="0">
                 <a:solidFill>
                   <a:srgbClr val="000000"/>
                 </a:solidFill>
@@ -22507,7 +23173,7 @@
               <a:t>2</a:t>
             </a:r>
             <a:r>
-              <a:rPr lang="en-GB" sz="2800" dirty="0" smtClean="0">
+              <a:rPr lang="en-GB" sz="2800" dirty="0">
                 <a:solidFill>
                   <a:srgbClr val="000000"/>
                 </a:solidFill>
@@ -22517,7 +23183,7 @@
               <a:t> </a:t>
             </a:r>
             <a:r>
-              <a:rPr lang="en-GB" sz="2800" i="1" dirty="0" smtClean="0">
+              <a:rPr lang="en-GB" sz="2800" i="1" dirty="0">
                 <a:solidFill>
                   <a:srgbClr val="000000"/>
                 </a:solidFill>
@@ -22527,7 +23193,7 @@
               <a:t>dx</a:t>
             </a:r>
             <a:r>
-              <a:rPr lang="en-GB" sz="2800" dirty="0" smtClean="0">
+              <a:rPr lang="en-GB" sz="2800" dirty="0">
                 <a:solidFill>
                   <a:srgbClr val="000000"/>
                 </a:solidFill>
@@ -22537,7 +23203,7 @@
               <a:t> represents “a little bit” of </a:t>
             </a:r>
             <a:r>
-              <a:rPr lang="en-GB" sz="2800" b="1" dirty="0" smtClean="0">
+              <a:rPr lang="en-GB" sz="2800" b="1" dirty="0">
                 <a:solidFill>
                   <a:srgbClr val="000000"/>
                 </a:solidFill>
@@ -22571,7 +23237,7 @@
           <a:lstStyle/>
           <a:p>
             <a:r>
-              <a:rPr lang="en-GB" sz="2800" i="1" dirty="0" smtClean="0">
+              <a:rPr lang="en-GB" sz="2800" i="1" dirty="0">
                 <a:solidFill>
                   <a:srgbClr val="000000"/>
                 </a:solidFill>
@@ -22581,7 +23247,7 @@
               <a:t>y</a:t>
             </a:r>
             <a:r>
-              <a:rPr lang="en-GB" sz="2800" i="1" baseline="30000" dirty="0" smtClean="0">
+              <a:rPr lang="en-GB" sz="2800" i="1" baseline="30000" dirty="0">
                 <a:solidFill>
                   <a:srgbClr val="000000"/>
                 </a:solidFill>
@@ -22591,7 +23257,7 @@
               <a:t>2</a:t>
             </a:r>
             <a:r>
-              <a:rPr lang="en-GB" sz="2800" dirty="0" smtClean="0">
+              <a:rPr lang="en-GB" sz="2800" dirty="0">
                 <a:solidFill>
                   <a:srgbClr val="000000"/>
                 </a:solidFill>
@@ -22601,7 +23267,7 @@
               <a:t> = |</a:t>
             </a:r>
             <a:r>
-              <a:rPr lang="en-GB" sz="2800" i="1" dirty="0" smtClean="0">
+              <a:rPr lang="en-GB" sz="2800" i="1" dirty="0">
                 <a:solidFill>
                   <a:srgbClr val="000000"/>
                 </a:solidFill>
@@ -22611,7 +23277,7 @@
               <a:t>y</a:t>
             </a:r>
             <a:r>
-              <a:rPr lang="en-GB" sz="2800" dirty="0" smtClean="0">
+              <a:rPr lang="en-GB" sz="2800" dirty="0">
                 <a:solidFill>
                   <a:srgbClr val="000000"/>
                 </a:solidFill>
@@ -22621,7 +23287,7 @@
               <a:t>|</a:t>
             </a:r>
             <a:r>
-              <a:rPr lang="en-GB" sz="2800" baseline="30000" dirty="0" smtClean="0">
+              <a:rPr lang="en-GB" sz="2800" baseline="30000" dirty="0">
                 <a:solidFill>
                   <a:srgbClr val="000000"/>
                 </a:solidFill>
@@ -22631,7 +23297,7 @@
               <a:t>2 =</a:t>
             </a:r>
             <a:r>
-              <a:rPr lang="en-GB" sz="2800" i="1" dirty="0" smtClean="0">
+              <a:rPr lang="en-GB" sz="2800" i="1" dirty="0">
                 <a:solidFill>
                   <a:srgbClr val="000000"/>
                 </a:solidFill>
@@ -22641,7 +23307,7 @@
               <a:t>y</a:t>
             </a:r>
             <a:r>
-              <a:rPr lang="en-GB" sz="2800" baseline="30000" dirty="0" smtClean="0">
+              <a:rPr lang="en-GB" sz="2800" baseline="30000" dirty="0">
                 <a:solidFill>
                   <a:srgbClr val="000000"/>
                 </a:solidFill>
@@ -22651,7 +23317,7 @@
               <a:t>*</a:t>
             </a:r>
             <a:r>
-              <a:rPr lang="en-GB" sz="2800" i="1" dirty="0" smtClean="0">
+              <a:rPr lang="en-GB" sz="2800" i="1" dirty="0">
                 <a:solidFill>
                   <a:srgbClr val="000000"/>
                 </a:solidFill>
@@ -22760,7 +23426,7 @@
               </a:tabLst>
             </a:pPr>
             <a:r>
-              <a:rPr lang="en-GB" sz="2800" dirty="0" smtClean="0">
+              <a:rPr lang="en-GB" sz="2800" dirty="0">
                 <a:solidFill>
                   <a:srgbClr val="000000"/>
                 </a:solidFill>
@@ -22770,7 +23436,7 @@
               <a:t>This </a:t>
             </a:r>
             <a:r>
-              <a:rPr lang="en-GB" sz="2800" b="1" i="1" u="sng" dirty="0" smtClean="0">
+              <a:rPr lang="en-GB" sz="2800" b="1" i="1" u="sng" dirty="0">
                 <a:solidFill>
                   <a:srgbClr val="000000"/>
                 </a:solidFill>
@@ -22780,7 +23446,7 @@
               <a:t>is</a:t>
             </a:r>
             <a:r>
-              <a:rPr lang="en-GB" sz="2800" dirty="0" smtClean="0">
+              <a:rPr lang="en-GB" sz="2800" dirty="0">
                 <a:solidFill>
                   <a:srgbClr val="000000"/>
                 </a:solidFill>
@@ -22790,7 +23456,7 @@
               <a:t> physical, </a:t>
             </a:r>
             <a:r>
-              <a:rPr lang="en-GB" sz="2800" i="1" dirty="0" smtClean="0">
+              <a:rPr lang="en-GB" sz="2800" i="1" dirty="0">
                 <a:solidFill>
                   <a:srgbClr val="000000"/>
                 </a:solidFill>
@@ -22800,7 +23466,7 @@
               <a:t>i.e.</a:t>
             </a:r>
             <a:r>
-              <a:rPr lang="en-GB" sz="2800" dirty="0" smtClean="0">
+              <a:rPr lang="en-GB" sz="2800" dirty="0">
                 <a:solidFill>
                   <a:srgbClr val="000000"/>
                 </a:solidFill>
@@ -22809,13 +23475,6 @@
               </a:rPr>
               <a:t> we can measure it</a:t>
             </a:r>
-            <a:endParaRPr lang="en-GB" sz="2800" dirty="0">
-              <a:solidFill>
-                <a:srgbClr val="000000"/>
-              </a:solidFill>
-              <a:latin typeface="Times New Roman"/>
-              <a:cs typeface="Times New Roman"/>
-            </a:endParaRPr>
           </a:p>
         </p:txBody>
       </p:sp>
@@ -22832,7 +23491,7 @@
   <p:timing>
     <p:tnLst>
       <p:par>
-        <p:cTn xmlns:p14="http://schemas.microsoft.com/office/powerpoint/2010/main" id="1" dur="indefinite" restart="never" nodeType="tmRoot">
+        <p:cTn id="1" dur="indefinite" restart="never" nodeType="tmRoot">
           <p:childTnLst>
             <p:seq concurrent="1" nextAc="seek">
               <p:cTn id="2" dur="indefinite" nodeType="mainSeq">

--- a/Notes/4_postulates.pptx
+++ b/Notes/4_postulates.pptx
@@ -5,7 +5,7 @@
     <p:sldMasterId id="2147483648" r:id="rId1"/>
   </p:sldMasterIdLst>
   <p:notesMasterIdLst>
-    <p:notesMasterId r:id="rId28"/>
+    <p:notesMasterId r:id="rId29"/>
   </p:notesMasterIdLst>
   <p:sldIdLst>
     <p:sldId id="278" r:id="rId2"/>
@@ -23,17 +23,18 @@
     <p:sldId id="291" r:id="rId14"/>
     <p:sldId id="292" r:id="rId15"/>
     <p:sldId id="293" r:id="rId16"/>
-    <p:sldId id="304" r:id="rId17"/>
-    <p:sldId id="303" r:id="rId18"/>
-    <p:sldId id="294" r:id="rId19"/>
-    <p:sldId id="295" r:id="rId20"/>
-    <p:sldId id="296" r:id="rId21"/>
-    <p:sldId id="297" r:id="rId22"/>
-    <p:sldId id="298" r:id="rId23"/>
-    <p:sldId id="299" r:id="rId24"/>
-    <p:sldId id="300" r:id="rId25"/>
-    <p:sldId id="301" r:id="rId26"/>
-    <p:sldId id="302" r:id="rId27"/>
+    <p:sldId id="303" r:id="rId17"/>
+    <p:sldId id="304" r:id="rId18"/>
+    <p:sldId id="305" r:id="rId19"/>
+    <p:sldId id="294" r:id="rId20"/>
+    <p:sldId id="295" r:id="rId21"/>
+    <p:sldId id="296" r:id="rId22"/>
+    <p:sldId id="297" r:id="rId23"/>
+    <p:sldId id="298" r:id="rId24"/>
+    <p:sldId id="299" r:id="rId25"/>
+    <p:sldId id="300" r:id="rId26"/>
+    <p:sldId id="301" r:id="rId27"/>
+    <p:sldId id="302" r:id="rId28"/>
   </p:sldIdLst>
   <p:sldSz cx="9144000" cy="6858000" type="screen4x3"/>
   <p:notesSz cx="6858000" cy="9144000"/>
@@ -233,7 +234,7 @@
           <a:p>
             <a:fld id="{47B5508F-B9DA-3A4B-92BF-6A4138802024}" type="datetimeFigureOut">
               <a:rPr lang="en-US" smtClean="0"/>
-              <a:t>9/18/23</a:t>
+              <a:t>9/9/24</a:t>
             </a:fld>
             <a:endParaRPr lang="en-US"/>
           </a:p>
@@ -767,7 +768,7 @@
             <a:fld id="{B2F2B4BC-311C-574E-AB1F-5BCC7E00BDAB}" type="datetimeFigureOut">
               <a:rPr lang="en-US" smtClean="0"/>
               <a:pPr/>
-              <a:t>9/18/23</a:t>
+              <a:t>9/9/24</a:t>
             </a:fld>
             <a:endParaRPr lang="en-US"/>
           </a:p>
@@ -932,7 +933,7 @@
             <a:fld id="{B2F2B4BC-311C-574E-AB1F-5BCC7E00BDAB}" type="datetimeFigureOut">
               <a:rPr lang="en-US" smtClean="0"/>
               <a:pPr/>
-              <a:t>9/18/23</a:t>
+              <a:t>9/9/24</a:t>
             </a:fld>
             <a:endParaRPr lang="en-US"/>
           </a:p>
@@ -1107,7 +1108,7 @@
             <a:fld id="{B2F2B4BC-311C-574E-AB1F-5BCC7E00BDAB}" type="datetimeFigureOut">
               <a:rPr lang="en-US" smtClean="0"/>
               <a:pPr/>
-              <a:t>9/18/23</a:t>
+              <a:t>9/9/24</a:t>
             </a:fld>
             <a:endParaRPr lang="en-US"/>
           </a:p>
@@ -1272,7 +1273,7 @@
             <a:fld id="{B2F2B4BC-311C-574E-AB1F-5BCC7E00BDAB}" type="datetimeFigureOut">
               <a:rPr lang="en-US" smtClean="0"/>
               <a:pPr/>
-              <a:t>9/18/23</a:t>
+              <a:t>9/9/24</a:t>
             </a:fld>
             <a:endParaRPr lang="en-US"/>
           </a:p>
@@ -1514,7 +1515,7 @@
             <a:fld id="{B2F2B4BC-311C-574E-AB1F-5BCC7E00BDAB}" type="datetimeFigureOut">
               <a:rPr lang="en-US" smtClean="0"/>
               <a:pPr/>
-              <a:t>9/18/23</a:t>
+              <a:t>9/9/24</a:t>
             </a:fld>
             <a:endParaRPr lang="en-US"/>
           </a:p>
@@ -1796,7 +1797,7 @@
             <a:fld id="{B2F2B4BC-311C-574E-AB1F-5BCC7E00BDAB}" type="datetimeFigureOut">
               <a:rPr lang="en-US" smtClean="0"/>
               <a:pPr/>
-              <a:t>9/18/23</a:t>
+              <a:t>9/9/24</a:t>
             </a:fld>
             <a:endParaRPr lang="en-US"/>
           </a:p>
@@ -2212,7 +2213,7 @@
             <a:fld id="{B2F2B4BC-311C-574E-AB1F-5BCC7E00BDAB}" type="datetimeFigureOut">
               <a:rPr lang="en-US" smtClean="0"/>
               <a:pPr/>
-              <a:t>9/18/23</a:t>
+              <a:t>9/9/24</a:t>
             </a:fld>
             <a:endParaRPr lang="en-US"/>
           </a:p>
@@ -2326,7 +2327,7 @@
             <a:fld id="{B2F2B4BC-311C-574E-AB1F-5BCC7E00BDAB}" type="datetimeFigureOut">
               <a:rPr lang="en-US" smtClean="0"/>
               <a:pPr/>
-              <a:t>9/18/23</a:t>
+              <a:t>9/9/24</a:t>
             </a:fld>
             <a:endParaRPr lang="en-US"/>
           </a:p>
@@ -2418,7 +2419,7 @@
             <a:fld id="{B2F2B4BC-311C-574E-AB1F-5BCC7E00BDAB}" type="datetimeFigureOut">
               <a:rPr lang="en-US" smtClean="0"/>
               <a:pPr/>
-              <a:t>9/18/23</a:t>
+              <a:t>9/9/24</a:t>
             </a:fld>
             <a:endParaRPr lang="en-US"/>
           </a:p>
@@ -2690,7 +2691,7 @@
             <a:fld id="{B2F2B4BC-311C-574E-AB1F-5BCC7E00BDAB}" type="datetimeFigureOut">
               <a:rPr lang="en-US" smtClean="0"/>
               <a:pPr/>
-              <a:t>9/18/23</a:t>
+              <a:t>9/9/24</a:t>
             </a:fld>
             <a:endParaRPr lang="en-US"/>
           </a:p>
@@ -2939,7 +2940,7 @@
             <a:fld id="{B2F2B4BC-311C-574E-AB1F-5BCC7E00BDAB}" type="datetimeFigureOut">
               <a:rPr lang="en-US" smtClean="0"/>
               <a:pPr/>
-              <a:t>9/18/23</a:t>
+              <a:t>9/9/24</a:t>
             </a:fld>
             <a:endParaRPr lang="en-US"/>
           </a:p>
@@ -3147,7 +3148,7 @@
             <a:fld id="{B2F2B4BC-311C-574E-AB1F-5BCC7E00BDAB}" type="datetimeFigureOut">
               <a:rPr lang="en-US" smtClean="0"/>
               <a:pPr/>
-              <a:t>9/18/23</a:t>
+              <a:t>9/9/24</a:t>
             </a:fld>
             <a:endParaRPr lang="en-US"/>
           </a:p>
@@ -3686,7 +3687,7 @@
                       <a:noFill/>
                       <a:extLst>
                         <a:ext uri="{909E8E84-426E-40dd-AFC4-6F175D3DCCD1}">
-                          <a14:hiddenFill xmlns="" xmlns:a14="http://schemas.microsoft.com/office/drawing/2010/main">
+                          <a14:hiddenFill xmlns:a14="http://schemas.microsoft.com/office/drawing/2010/main" xmlns="">
                             <a:blipFill dpi="0" rotWithShape="0">
                               <a:blip/>
                               <a:srcRect/>
@@ -7764,6 +7765,2903 @@
       </p:grpSpPr>
       <p:pic>
         <p:nvPicPr>
+          <p:cNvPr id="4" name="Picture 2">
+            <a:extLst>
+              <a:ext uri="{FF2B5EF4-FFF2-40B4-BE49-F238E27FC236}">
+                <a16:creationId xmlns:a16="http://schemas.microsoft.com/office/drawing/2014/main" id="{4C06EA71-92A1-5793-A927-00D9A47A9BB6}"/>
+              </a:ext>
+            </a:extLst>
+          </p:cNvPr>
+          <p:cNvPicPr>
+            <a:picLocks noChangeAspect="1" noChangeArrowheads="1"/>
+          </p:cNvPicPr>
+          <p:nvPr/>
+        </p:nvPicPr>
+        <p:blipFill>
+          <a:blip r:embed="rId2" cstate="print"/>
+          <a:srcRect/>
+          <a:stretch>
+            <a:fillRect/>
+          </a:stretch>
+        </p:blipFill>
+        <p:spPr bwMode="auto">
+          <a:xfrm>
+            <a:off x="484188" y="76200"/>
+            <a:ext cx="8202612" cy="239712"/>
+          </a:xfrm>
+          <a:prstGeom prst="rect">
+            <a:avLst/>
+          </a:prstGeom>
+          <a:noFill/>
+          <a:ln w="9525">
+            <a:noFill/>
+            <a:round/>
+            <a:headEnd/>
+            <a:tailEnd/>
+          </a:ln>
+        </p:spPr>
+      </p:pic>
+      <p:sp>
+        <p:nvSpPr>
+          <p:cNvPr id="2" name="TextBox 1">
+            <a:extLst>
+              <a:ext uri="{FF2B5EF4-FFF2-40B4-BE49-F238E27FC236}">
+                <a16:creationId xmlns:a16="http://schemas.microsoft.com/office/drawing/2014/main" id="{035294D2-A0E9-AB56-3B42-199B51B38332}"/>
+              </a:ext>
+            </a:extLst>
+          </p:cNvPr>
+          <p:cNvSpPr txBox="1"/>
+          <p:nvPr/>
+        </p:nvSpPr>
+        <p:spPr>
+          <a:xfrm>
+            <a:off x="1647342" y="1449897"/>
+            <a:ext cx="6900558" cy="1477328"/>
+          </a:xfrm>
+          <a:prstGeom prst="rect">
+            <a:avLst/>
+          </a:prstGeom>
+          <a:solidFill>
+            <a:schemeClr val="accent1">
+              <a:lumMod val="20000"/>
+              <a:lumOff val="80000"/>
+            </a:schemeClr>
+          </a:solidFill>
+        </p:spPr>
+        <p:txBody>
+          <a:bodyPr wrap="square" rtlCol="0">
+            <a:spAutoFit/>
+          </a:bodyPr>
+          <a:lstStyle/>
+          <a:p>
+            <a:r>
+              <a:rPr lang="en-US" b="1" dirty="0">
+                <a:latin typeface="Courier" pitchFamily="2" charset="0"/>
+              </a:rPr>
+              <a:t>f = ((m w)/(Pi </a:t>
+            </a:r>
+            <a:r>
+              <a:rPr lang="en-US" b="1" dirty="0" err="1">
+                <a:latin typeface="Courier" pitchFamily="2" charset="0"/>
+              </a:rPr>
+              <a:t>hb</a:t>
+            </a:r>
+            <a:r>
+              <a:rPr lang="en-US" b="1" dirty="0">
+                <a:latin typeface="Courier" pitchFamily="2" charset="0"/>
+              </a:rPr>
+              <a:t>))^(1/4) Exp[-(m w x^2)/(2 </a:t>
+            </a:r>
+            <a:r>
+              <a:rPr lang="en-US" b="1" dirty="0" err="1">
+                <a:latin typeface="Courier" pitchFamily="2" charset="0"/>
+              </a:rPr>
+              <a:t>hb</a:t>
+            </a:r>
+            <a:r>
+              <a:rPr lang="en-US" b="1" dirty="0">
+                <a:latin typeface="Courier" pitchFamily="2" charset="0"/>
+              </a:rPr>
+              <a:t>)];</a:t>
+            </a:r>
+          </a:p>
+          <a:p>
+            <a:endParaRPr lang="en-US" b="1" dirty="0">
+              <a:latin typeface="Courier" pitchFamily="2" charset="0"/>
+            </a:endParaRPr>
+          </a:p>
+          <a:p>
+            <a:r>
+              <a:rPr lang="en-US" b="1" dirty="0" err="1">
+                <a:latin typeface="Courier" pitchFamily="2" charset="0"/>
+              </a:rPr>
+              <a:t>Tf</a:t>
+            </a:r>
+            <a:r>
+              <a:rPr lang="en-US" b="1" dirty="0">
+                <a:latin typeface="Courier" pitchFamily="2" charset="0"/>
+              </a:rPr>
+              <a:t> = -hb^2/(2 m) D[f, {x, 2}];</a:t>
+            </a:r>
+          </a:p>
+          <a:p>
+            <a:endParaRPr lang="en-US" b="1" dirty="0">
+              <a:latin typeface="Courier" pitchFamily="2" charset="0"/>
+            </a:endParaRPr>
+          </a:p>
+          <a:p>
+            <a:r>
+              <a:rPr lang="en-US" b="1" dirty="0" err="1">
+                <a:latin typeface="Courier" pitchFamily="2" charset="0"/>
+              </a:rPr>
+              <a:t>Tf</a:t>
+            </a:r>
+            <a:r>
+              <a:rPr lang="en-US" b="1" dirty="0">
+                <a:latin typeface="Courier" pitchFamily="2" charset="0"/>
+              </a:rPr>
+              <a:t>/f // </a:t>
+            </a:r>
+            <a:r>
+              <a:rPr lang="en-US" b="1" dirty="0" err="1">
+                <a:latin typeface="Courier" pitchFamily="2" charset="0"/>
+              </a:rPr>
+              <a:t>FullSimplify</a:t>
+            </a:r>
+            <a:endParaRPr lang="en-US" b="1" dirty="0">
+              <a:latin typeface="Courier" pitchFamily="2" charset="0"/>
+            </a:endParaRPr>
+          </a:p>
+        </p:txBody>
+      </p:sp>
+      <p:pic>
+        <p:nvPicPr>
+          <p:cNvPr id="6" name="Picture 5">
+            <a:extLst>
+              <a:ext uri="{FF2B5EF4-FFF2-40B4-BE49-F238E27FC236}">
+                <a16:creationId xmlns:a16="http://schemas.microsoft.com/office/drawing/2014/main" id="{E3E88090-7200-33E5-167C-28B1D68E025E}"/>
+              </a:ext>
+            </a:extLst>
+          </p:cNvPr>
+          <p:cNvPicPr>
+            <a:picLocks noChangeAspect="1"/>
+          </p:cNvPicPr>
+          <p:nvPr/>
+        </p:nvPicPr>
+        <p:blipFill>
+          <a:blip r:embed="rId3"/>
+          <a:stretch>
+            <a:fillRect/>
+          </a:stretch>
+        </p:blipFill>
+        <p:spPr>
+          <a:xfrm>
+            <a:off x="606928" y="1449897"/>
+            <a:ext cx="660721" cy="291032"/>
+          </a:xfrm>
+          <a:prstGeom prst="rect">
+            <a:avLst/>
+          </a:prstGeom>
+        </p:spPr>
+      </p:pic>
+      <p:pic>
+        <p:nvPicPr>
+          <p:cNvPr id="7" name="Picture 6">
+            <a:extLst>
+              <a:ext uri="{FF2B5EF4-FFF2-40B4-BE49-F238E27FC236}">
+                <a16:creationId xmlns:a16="http://schemas.microsoft.com/office/drawing/2014/main" id="{4E1E3E86-1C74-5AD9-6FB6-1AB30B564638}"/>
+              </a:ext>
+            </a:extLst>
+          </p:cNvPr>
+          <p:cNvPicPr>
+            <a:picLocks noChangeAspect="1"/>
+          </p:cNvPicPr>
+          <p:nvPr/>
+        </p:nvPicPr>
+        <p:blipFill>
+          <a:blip r:embed="rId4"/>
+          <a:stretch>
+            <a:fillRect/>
+          </a:stretch>
+        </p:blipFill>
+        <p:spPr>
+          <a:xfrm>
+            <a:off x="671327" y="1966979"/>
+            <a:ext cx="436548" cy="291032"/>
+          </a:xfrm>
+          <a:prstGeom prst="rect">
+            <a:avLst/>
+          </a:prstGeom>
+        </p:spPr>
+      </p:pic>
+      <p:sp>
+        <p:nvSpPr>
+          <p:cNvPr id="8" name="TextBox 7">
+            <a:extLst>
+              <a:ext uri="{FF2B5EF4-FFF2-40B4-BE49-F238E27FC236}">
+                <a16:creationId xmlns:a16="http://schemas.microsoft.com/office/drawing/2014/main" id="{853AA75B-D97A-CCE2-6855-CA924D96FA86}"/>
+              </a:ext>
+            </a:extLst>
+          </p:cNvPr>
+          <p:cNvSpPr txBox="1"/>
+          <p:nvPr/>
+        </p:nvSpPr>
+        <p:spPr>
+          <a:xfrm>
+            <a:off x="-23153" y="3106975"/>
+            <a:ext cx="7117654" cy="369332"/>
+          </a:xfrm>
+          <a:prstGeom prst="rect">
+            <a:avLst/>
+          </a:prstGeom>
+          <a:noFill/>
+        </p:spPr>
+        <p:txBody>
+          <a:bodyPr wrap="none" rtlCol="0">
+            <a:spAutoFit/>
+          </a:bodyPr>
+          <a:lstStyle/>
+          <a:p>
+            <a:r>
+              <a:rPr lang="en-US" dirty="0">
+                <a:latin typeface="Times New Roman" panose="02020603050405020304" pitchFamily="18" charset="0"/>
+                <a:cs typeface="Times New Roman" panose="02020603050405020304" pitchFamily="18" charset="0"/>
+              </a:rPr>
+              <a:t>Divide </a:t>
+            </a:r>
+            <a:r>
+              <a:rPr lang="en-US" dirty="0">
+                <a:latin typeface="Symbol" pitchFamily="2" charset="2"/>
+                <a:cs typeface="Times New Roman" panose="02020603050405020304" pitchFamily="18" charset="0"/>
+              </a:rPr>
+              <a:t>y</a:t>
+            </a:r>
+            <a:r>
+              <a:rPr lang="en-US" baseline="-25000" dirty="0">
+                <a:latin typeface="Symbol" pitchFamily="2" charset="2"/>
+                <a:cs typeface="Times New Roman" panose="02020603050405020304" pitchFamily="18" charset="0"/>
+              </a:rPr>
+              <a:t>0</a:t>
+            </a:r>
+            <a:r>
+              <a:rPr lang="en-US" dirty="0">
+                <a:latin typeface="Times New Roman" panose="02020603050405020304" pitchFamily="18" charset="0"/>
+                <a:cs typeface="Times New Roman" panose="02020603050405020304" pitchFamily="18" charset="0"/>
+              </a:rPr>
+              <a:t> out from the result and see if you’re just left with just constants</a:t>
+            </a:r>
+          </a:p>
+        </p:txBody>
+      </p:sp>
+      <p:pic>
+        <p:nvPicPr>
+          <p:cNvPr id="9" name="Picture 8">
+            <a:extLst>
+              <a:ext uri="{FF2B5EF4-FFF2-40B4-BE49-F238E27FC236}">
+                <a16:creationId xmlns:a16="http://schemas.microsoft.com/office/drawing/2014/main" id="{2385C454-025C-0E79-7583-24926490CB9B}"/>
+              </a:ext>
+            </a:extLst>
+          </p:cNvPr>
+          <p:cNvPicPr>
+            <a:picLocks noChangeAspect="1"/>
+          </p:cNvPicPr>
+          <p:nvPr/>
+        </p:nvPicPr>
+        <p:blipFill>
+          <a:blip r:embed="rId5"/>
+          <a:stretch>
+            <a:fillRect/>
+          </a:stretch>
+        </p:blipFill>
+        <p:spPr>
+          <a:xfrm>
+            <a:off x="1030146" y="587104"/>
+            <a:ext cx="2363184" cy="504146"/>
+          </a:xfrm>
+          <a:prstGeom prst="rect">
+            <a:avLst/>
+          </a:prstGeom>
+        </p:spPr>
+      </p:pic>
+      <p:pic>
+        <p:nvPicPr>
+          <p:cNvPr id="10" name="Picture 9">
+            <a:extLst>
+              <a:ext uri="{FF2B5EF4-FFF2-40B4-BE49-F238E27FC236}">
+                <a16:creationId xmlns:a16="http://schemas.microsoft.com/office/drawing/2014/main" id="{1BEBFE94-7C20-8422-60F9-A9DFE2FED34F}"/>
+              </a:ext>
+            </a:extLst>
+          </p:cNvPr>
+          <p:cNvPicPr>
+            <a:picLocks noChangeAspect="1"/>
+          </p:cNvPicPr>
+          <p:nvPr/>
+        </p:nvPicPr>
+        <p:blipFill>
+          <a:blip r:embed="rId6"/>
+          <a:stretch>
+            <a:fillRect/>
+          </a:stretch>
+        </p:blipFill>
+        <p:spPr>
+          <a:xfrm>
+            <a:off x="4204975" y="634019"/>
+            <a:ext cx="1136987" cy="413450"/>
+          </a:xfrm>
+          <a:prstGeom prst="rect">
+            <a:avLst/>
+          </a:prstGeom>
+        </p:spPr>
+      </p:pic>
+      <p:pic>
+        <p:nvPicPr>
+          <p:cNvPr id="11" name="Picture 10">
+            <a:extLst>
+              <a:ext uri="{FF2B5EF4-FFF2-40B4-BE49-F238E27FC236}">
+                <a16:creationId xmlns:a16="http://schemas.microsoft.com/office/drawing/2014/main" id="{86C2D0C1-C510-466A-1A4D-9213BC769412}"/>
+              </a:ext>
+            </a:extLst>
+          </p:cNvPr>
+          <p:cNvPicPr>
+            <a:picLocks noChangeAspect="1"/>
+          </p:cNvPicPr>
+          <p:nvPr/>
+        </p:nvPicPr>
+        <p:blipFill>
+          <a:blip r:embed="rId7"/>
+          <a:stretch>
+            <a:fillRect/>
+          </a:stretch>
+        </p:blipFill>
+        <p:spPr>
+          <a:xfrm>
+            <a:off x="6498097" y="672529"/>
+            <a:ext cx="1108417" cy="398169"/>
+          </a:xfrm>
+          <a:prstGeom prst="rect">
+            <a:avLst/>
+          </a:prstGeom>
+        </p:spPr>
+      </p:pic>
+      <p:cxnSp>
+        <p:nvCxnSpPr>
+          <p:cNvPr id="13" name="Straight Arrow Connector 12">
+            <a:extLst>
+              <a:ext uri="{FF2B5EF4-FFF2-40B4-BE49-F238E27FC236}">
+                <a16:creationId xmlns:a16="http://schemas.microsoft.com/office/drawing/2014/main" id="{50B1B096-B4C2-8343-7575-0D7B2D3C959A}"/>
+              </a:ext>
+            </a:extLst>
+          </p:cNvPr>
+          <p:cNvCxnSpPr/>
+          <p:nvPr/>
+        </p:nvCxnSpPr>
+        <p:spPr>
+          <a:xfrm>
+            <a:off x="1331084" y="1595413"/>
+            <a:ext cx="281533" cy="0"/>
+          </a:xfrm>
+          <a:prstGeom prst="straightConnector1">
+            <a:avLst/>
+          </a:prstGeom>
+          <a:ln>
+            <a:tailEnd type="triangle"/>
+          </a:ln>
+        </p:spPr>
+        <p:style>
+          <a:lnRef idx="2">
+            <a:schemeClr val="accent1"/>
+          </a:lnRef>
+          <a:fillRef idx="0">
+            <a:schemeClr val="accent1"/>
+          </a:fillRef>
+          <a:effectRef idx="1">
+            <a:schemeClr val="accent1"/>
+          </a:effectRef>
+          <a:fontRef idx="minor">
+            <a:schemeClr val="tx1"/>
+          </a:fontRef>
+        </p:style>
+      </p:cxnSp>
+      <p:cxnSp>
+        <p:nvCxnSpPr>
+          <p:cNvPr id="14" name="Straight Arrow Connector 13">
+            <a:extLst>
+              <a:ext uri="{FF2B5EF4-FFF2-40B4-BE49-F238E27FC236}">
+                <a16:creationId xmlns:a16="http://schemas.microsoft.com/office/drawing/2014/main" id="{AD6D71B9-E809-12F6-5513-AAC22D247C2D}"/>
+              </a:ext>
+            </a:extLst>
+          </p:cNvPr>
+          <p:cNvCxnSpPr/>
+          <p:nvPr/>
+        </p:nvCxnSpPr>
+        <p:spPr>
+          <a:xfrm>
+            <a:off x="1321438" y="2164502"/>
+            <a:ext cx="281533" cy="0"/>
+          </a:xfrm>
+          <a:prstGeom prst="straightConnector1">
+            <a:avLst/>
+          </a:prstGeom>
+          <a:ln>
+            <a:tailEnd type="triangle"/>
+          </a:ln>
+        </p:spPr>
+        <p:style>
+          <a:lnRef idx="2">
+            <a:schemeClr val="accent1"/>
+          </a:lnRef>
+          <a:fillRef idx="0">
+            <a:schemeClr val="accent1"/>
+          </a:fillRef>
+          <a:effectRef idx="1">
+            <a:schemeClr val="accent1"/>
+          </a:effectRef>
+          <a:fontRef idx="minor">
+            <a:schemeClr val="tx1"/>
+          </a:fontRef>
+        </p:style>
+      </p:cxnSp>
+      <p:cxnSp>
+        <p:nvCxnSpPr>
+          <p:cNvPr id="15" name="Straight Arrow Connector 14">
+            <a:extLst>
+              <a:ext uri="{FF2B5EF4-FFF2-40B4-BE49-F238E27FC236}">
+                <a16:creationId xmlns:a16="http://schemas.microsoft.com/office/drawing/2014/main" id="{E5882340-048A-E52B-DCCC-98514F6065C9}"/>
+              </a:ext>
+            </a:extLst>
+          </p:cNvPr>
+          <p:cNvCxnSpPr>
+            <a:cxnSpLocks/>
+          </p:cNvCxnSpPr>
+          <p:nvPr/>
+        </p:nvCxnSpPr>
+        <p:spPr>
+          <a:xfrm flipV="1">
+            <a:off x="965121" y="2733591"/>
+            <a:ext cx="647496" cy="449445"/>
+          </a:xfrm>
+          <a:prstGeom prst="straightConnector1">
+            <a:avLst/>
+          </a:prstGeom>
+          <a:ln>
+            <a:tailEnd type="triangle"/>
+          </a:ln>
+        </p:spPr>
+        <p:style>
+          <a:lnRef idx="2">
+            <a:schemeClr val="accent1"/>
+          </a:lnRef>
+          <a:fillRef idx="0">
+            <a:schemeClr val="accent1"/>
+          </a:fillRef>
+          <a:effectRef idx="1">
+            <a:schemeClr val="accent1"/>
+          </a:effectRef>
+          <a:fontRef idx="minor">
+            <a:schemeClr val="tx1"/>
+          </a:fontRef>
+        </p:style>
+      </p:cxnSp>
+      <p:cxnSp>
+        <p:nvCxnSpPr>
+          <p:cNvPr id="17" name="Straight Arrow Connector 16">
+            <a:extLst>
+              <a:ext uri="{FF2B5EF4-FFF2-40B4-BE49-F238E27FC236}">
+                <a16:creationId xmlns:a16="http://schemas.microsoft.com/office/drawing/2014/main" id="{82F4EABC-B37D-51C8-2E59-C623F768BA49}"/>
+              </a:ext>
+            </a:extLst>
+          </p:cNvPr>
+          <p:cNvCxnSpPr>
+            <a:cxnSpLocks/>
+          </p:cNvCxnSpPr>
+          <p:nvPr/>
+        </p:nvCxnSpPr>
+        <p:spPr>
+          <a:xfrm>
+            <a:off x="1012335" y="3468210"/>
+            <a:ext cx="663824" cy="414103"/>
+          </a:xfrm>
+          <a:prstGeom prst="straightConnector1">
+            <a:avLst/>
+          </a:prstGeom>
+          <a:ln>
+            <a:tailEnd type="triangle"/>
+          </a:ln>
+        </p:spPr>
+        <p:style>
+          <a:lnRef idx="2">
+            <a:schemeClr val="accent1"/>
+          </a:lnRef>
+          <a:fillRef idx="0">
+            <a:schemeClr val="accent1"/>
+          </a:fillRef>
+          <a:effectRef idx="1">
+            <a:schemeClr val="accent1"/>
+          </a:effectRef>
+          <a:fontRef idx="minor">
+            <a:schemeClr val="tx1"/>
+          </a:fontRef>
+        </p:style>
+      </p:cxnSp>
+      <p:pic>
+        <p:nvPicPr>
+          <p:cNvPr id="19" name="Picture 18">
+            <a:extLst>
+              <a:ext uri="{FF2B5EF4-FFF2-40B4-BE49-F238E27FC236}">
+                <a16:creationId xmlns:a16="http://schemas.microsoft.com/office/drawing/2014/main" id="{DA4B1767-58A5-CC35-CDF7-54AE41EFB6EA}"/>
+              </a:ext>
+            </a:extLst>
+          </p:cNvPr>
+          <p:cNvPicPr>
+            <a:picLocks noChangeAspect="1"/>
+          </p:cNvPicPr>
+          <p:nvPr/>
+        </p:nvPicPr>
+        <p:blipFill>
+          <a:blip r:embed="rId8"/>
+          <a:stretch>
+            <a:fillRect/>
+          </a:stretch>
+        </p:blipFill>
+        <p:spPr>
+          <a:xfrm>
+            <a:off x="1743130" y="3425782"/>
+            <a:ext cx="3022600" cy="825500"/>
+          </a:xfrm>
+          <a:prstGeom prst="rect">
+            <a:avLst/>
+          </a:prstGeom>
+        </p:spPr>
+      </p:pic>
+      <p:sp>
+        <p:nvSpPr>
+          <p:cNvPr id="20" name="TextBox 19">
+            <a:extLst>
+              <a:ext uri="{FF2B5EF4-FFF2-40B4-BE49-F238E27FC236}">
+                <a16:creationId xmlns:a16="http://schemas.microsoft.com/office/drawing/2014/main" id="{939AE60B-4AD1-3EB0-2342-EA1B1B1C7CC3}"/>
+              </a:ext>
+            </a:extLst>
+          </p:cNvPr>
+          <p:cNvSpPr txBox="1"/>
+          <p:nvPr/>
+        </p:nvSpPr>
+        <p:spPr>
+          <a:xfrm>
+            <a:off x="1676159" y="4243548"/>
+            <a:ext cx="3405123" cy="923330"/>
+          </a:xfrm>
+          <a:prstGeom prst="rect">
+            <a:avLst/>
+          </a:prstGeom>
+          <a:solidFill>
+            <a:schemeClr val="accent1">
+              <a:lumMod val="20000"/>
+              <a:lumOff val="80000"/>
+            </a:schemeClr>
+          </a:solidFill>
+        </p:spPr>
+        <p:txBody>
+          <a:bodyPr wrap="square" rtlCol="0">
+            <a:spAutoFit/>
+          </a:bodyPr>
+          <a:lstStyle/>
+          <a:p>
+            <a:r>
+              <a:rPr lang="en-US" b="1" dirty="0" err="1">
+                <a:latin typeface="Courier" pitchFamily="2" charset="0"/>
+              </a:rPr>
+              <a:t>Vf</a:t>
+            </a:r>
+            <a:r>
+              <a:rPr lang="en-US" b="1" dirty="0">
+                <a:latin typeface="Courier" pitchFamily="2" charset="0"/>
+              </a:rPr>
+              <a:t> = (1/2 m w^2 x^2) f;</a:t>
+            </a:r>
+          </a:p>
+          <a:p>
+            <a:endParaRPr lang="en-US" b="1" dirty="0">
+              <a:latin typeface="Courier" pitchFamily="2" charset="0"/>
+            </a:endParaRPr>
+          </a:p>
+          <a:p>
+            <a:r>
+              <a:rPr lang="en-US" b="1" dirty="0" err="1">
+                <a:latin typeface="Courier" pitchFamily="2" charset="0"/>
+              </a:rPr>
+              <a:t>Vf</a:t>
+            </a:r>
+            <a:r>
+              <a:rPr lang="en-US" b="1" dirty="0">
+                <a:latin typeface="Courier" pitchFamily="2" charset="0"/>
+              </a:rPr>
+              <a:t>/f // </a:t>
+            </a:r>
+            <a:r>
+              <a:rPr lang="en-US" b="1" dirty="0" err="1">
+                <a:latin typeface="Courier" pitchFamily="2" charset="0"/>
+              </a:rPr>
+              <a:t>FullSimplify</a:t>
+            </a:r>
+            <a:endParaRPr lang="en-US" b="1" dirty="0">
+              <a:latin typeface="Courier" pitchFamily="2" charset="0"/>
+            </a:endParaRPr>
+          </a:p>
+        </p:txBody>
+      </p:sp>
+      <p:pic>
+        <p:nvPicPr>
+          <p:cNvPr id="21" name="Picture 20">
+            <a:extLst>
+              <a:ext uri="{FF2B5EF4-FFF2-40B4-BE49-F238E27FC236}">
+                <a16:creationId xmlns:a16="http://schemas.microsoft.com/office/drawing/2014/main" id="{F3E359AF-C213-60EF-FB41-76865518CC09}"/>
+              </a:ext>
+            </a:extLst>
+          </p:cNvPr>
+          <p:cNvPicPr>
+            <a:picLocks noChangeAspect="1"/>
+          </p:cNvPicPr>
+          <p:nvPr/>
+        </p:nvPicPr>
+        <p:blipFill>
+          <a:blip r:embed="rId9"/>
+          <a:stretch>
+            <a:fillRect/>
+          </a:stretch>
+        </p:blipFill>
+        <p:spPr>
+          <a:xfrm>
+            <a:off x="671327" y="4188368"/>
+            <a:ext cx="436548" cy="286485"/>
+          </a:xfrm>
+          <a:prstGeom prst="rect">
+            <a:avLst/>
+          </a:prstGeom>
+        </p:spPr>
+      </p:pic>
+      <p:cxnSp>
+        <p:nvCxnSpPr>
+          <p:cNvPr id="22" name="Straight Arrow Connector 21">
+            <a:extLst>
+              <a:ext uri="{FF2B5EF4-FFF2-40B4-BE49-F238E27FC236}">
+                <a16:creationId xmlns:a16="http://schemas.microsoft.com/office/drawing/2014/main" id="{499973D9-0DAE-3683-0DC0-8AE0495C89B7}"/>
+              </a:ext>
+            </a:extLst>
+          </p:cNvPr>
+          <p:cNvCxnSpPr/>
+          <p:nvPr/>
+        </p:nvCxnSpPr>
+        <p:spPr>
+          <a:xfrm>
+            <a:off x="1346516" y="4411917"/>
+            <a:ext cx="281533" cy="0"/>
+          </a:xfrm>
+          <a:prstGeom prst="straightConnector1">
+            <a:avLst/>
+          </a:prstGeom>
+          <a:ln>
+            <a:tailEnd type="triangle"/>
+          </a:ln>
+        </p:spPr>
+        <p:style>
+          <a:lnRef idx="2">
+            <a:schemeClr val="accent1"/>
+          </a:lnRef>
+          <a:fillRef idx="0">
+            <a:schemeClr val="accent1"/>
+          </a:fillRef>
+          <a:effectRef idx="1">
+            <a:schemeClr val="accent1"/>
+          </a:effectRef>
+          <a:fontRef idx="minor">
+            <a:schemeClr val="tx1"/>
+          </a:fontRef>
+        </p:style>
+      </p:cxnSp>
+      <p:cxnSp>
+        <p:nvCxnSpPr>
+          <p:cNvPr id="23" name="Straight Arrow Connector 22">
+            <a:extLst>
+              <a:ext uri="{FF2B5EF4-FFF2-40B4-BE49-F238E27FC236}">
+                <a16:creationId xmlns:a16="http://schemas.microsoft.com/office/drawing/2014/main" id="{8CF9270A-0744-8227-DFEF-C221FE83EC3A}"/>
+              </a:ext>
+            </a:extLst>
+          </p:cNvPr>
+          <p:cNvCxnSpPr>
+            <a:cxnSpLocks/>
+          </p:cNvCxnSpPr>
+          <p:nvPr/>
+        </p:nvCxnSpPr>
+        <p:spPr>
+          <a:xfrm>
+            <a:off x="1010439" y="3468210"/>
+            <a:ext cx="713830" cy="1415042"/>
+          </a:xfrm>
+          <a:prstGeom prst="straightConnector1">
+            <a:avLst/>
+          </a:prstGeom>
+          <a:ln>
+            <a:tailEnd type="triangle"/>
+          </a:ln>
+        </p:spPr>
+        <p:style>
+          <a:lnRef idx="2">
+            <a:schemeClr val="accent1"/>
+          </a:lnRef>
+          <a:fillRef idx="0">
+            <a:schemeClr val="accent1"/>
+          </a:fillRef>
+          <a:effectRef idx="1">
+            <a:schemeClr val="accent1"/>
+          </a:effectRef>
+          <a:fontRef idx="minor">
+            <a:schemeClr val="tx1"/>
+          </a:fontRef>
+        </p:style>
+      </p:cxnSp>
+      <p:pic>
+        <p:nvPicPr>
+          <p:cNvPr id="26" name="Picture 25">
+            <a:extLst>
+              <a:ext uri="{FF2B5EF4-FFF2-40B4-BE49-F238E27FC236}">
+                <a16:creationId xmlns:a16="http://schemas.microsoft.com/office/drawing/2014/main" id="{4C48BCB5-5B18-3F23-6457-371F75D9A295}"/>
+              </a:ext>
+            </a:extLst>
+          </p:cNvPr>
+          <p:cNvPicPr>
+            <a:picLocks noChangeAspect="1"/>
+          </p:cNvPicPr>
+          <p:nvPr/>
+        </p:nvPicPr>
+        <p:blipFill>
+          <a:blip r:embed="rId10"/>
+          <a:stretch>
+            <a:fillRect/>
+          </a:stretch>
+        </p:blipFill>
+        <p:spPr>
+          <a:xfrm>
+            <a:off x="5384814" y="4675546"/>
+            <a:ext cx="2082800" cy="622300"/>
+          </a:xfrm>
+          <a:prstGeom prst="rect">
+            <a:avLst/>
+          </a:prstGeom>
+        </p:spPr>
+      </p:pic>
+      <p:sp>
+        <p:nvSpPr>
+          <p:cNvPr id="27" name="TextBox 26">
+            <a:extLst>
+              <a:ext uri="{FF2B5EF4-FFF2-40B4-BE49-F238E27FC236}">
+                <a16:creationId xmlns:a16="http://schemas.microsoft.com/office/drawing/2014/main" id="{3216FCB4-C018-7828-2729-F2ADBC7F216B}"/>
+              </a:ext>
+            </a:extLst>
+          </p:cNvPr>
+          <p:cNvSpPr txBox="1"/>
+          <p:nvPr/>
+        </p:nvSpPr>
+        <p:spPr>
+          <a:xfrm>
+            <a:off x="1628049" y="5900815"/>
+            <a:ext cx="3137681" cy="646331"/>
+          </a:xfrm>
+          <a:prstGeom prst="rect">
+            <a:avLst/>
+          </a:prstGeom>
+          <a:solidFill>
+            <a:schemeClr val="accent1">
+              <a:lumMod val="20000"/>
+              <a:lumOff val="80000"/>
+            </a:schemeClr>
+          </a:solidFill>
+        </p:spPr>
+        <p:txBody>
+          <a:bodyPr wrap="square" rtlCol="0">
+            <a:spAutoFit/>
+          </a:bodyPr>
+          <a:lstStyle/>
+          <a:p>
+            <a:r>
+              <a:rPr lang="en-US" b="1" dirty="0">
+                <a:latin typeface="Courier" pitchFamily="2" charset="0"/>
+              </a:rPr>
+              <a:t>Hf = </a:t>
+            </a:r>
+            <a:r>
+              <a:rPr lang="en-US" b="1" dirty="0" err="1">
+                <a:latin typeface="Courier" pitchFamily="2" charset="0"/>
+              </a:rPr>
+              <a:t>Tf</a:t>
+            </a:r>
+            <a:r>
+              <a:rPr lang="en-US" b="1" dirty="0">
+                <a:latin typeface="Courier" pitchFamily="2" charset="0"/>
+              </a:rPr>
+              <a:t> + </a:t>
+            </a:r>
+            <a:r>
+              <a:rPr lang="en-US" b="1" dirty="0" err="1">
+                <a:latin typeface="Courier" pitchFamily="2" charset="0"/>
+              </a:rPr>
+              <a:t>Vf</a:t>
+            </a:r>
+            <a:r>
+              <a:rPr lang="en-US" b="1" dirty="0">
+                <a:latin typeface="Courier" pitchFamily="2" charset="0"/>
+              </a:rPr>
+              <a:t>;</a:t>
+            </a:r>
+          </a:p>
+          <a:p>
+            <a:r>
+              <a:rPr lang="en-US" b="1" dirty="0">
+                <a:latin typeface="Courier" pitchFamily="2" charset="0"/>
+              </a:rPr>
+              <a:t>Hf/f // </a:t>
+            </a:r>
+            <a:r>
+              <a:rPr lang="en-US" b="1" dirty="0" err="1">
+                <a:latin typeface="Courier" pitchFamily="2" charset="0"/>
+              </a:rPr>
+              <a:t>FullSimplify</a:t>
+            </a:r>
+            <a:endParaRPr lang="en-US" b="1" dirty="0">
+              <a:latin typeface="Courier" pitchFamily="2" charset="0"/>
+            </a:endParaRPr>
+          </a:p>
+        </p:txBody>
+      </p:sp>
+      <p:cxnSp>
+        <p:nvCxnSpPr>
+          <p:cNvPr id="28" name="Straight Arrow Connector 27">
+            <a:extLst>
+              <a:ext uri="{FF2B5EF4-FFF2-40B4-BE49-F238E27FC236}">
+                <a16:creationId xmlns:a16="http://schemas.microsoft.com/office/drawing/2014/main" id="{07FAC6EF-47AD-58EE-3069-A4EA1A390B20}"/>
+              </a:ext>
+            </a:extLst>
+          </p:cNvPr>
+          <p:cNvCxnSpPr>
+            <a:cxnSpLocks/>
+          </p:cNvCxnSpPr>
+          <p:nvPr/>
+        </p:nvCxnSpPr>
+        <p:spPr>
+          <a:xfrm>
+            <a:off x="4496775" y="6373729"/>
+            <a:ext cx="472485" cy="0"/>
+          </a:xfrm>
+          <a:prstGeom prst="straightConnector1">
+            <a:avLst/>
+          </a:prstGeom>
+          <a:ln>
+            <a:tailEnd type="triangle"/>
+          </a:ln>
+        </p:spPr>
+        <p:style>
+          <a:lnRef idx="2">
+            <a:schemeClr val="accent1"/>
+          </a:lnRef>
+          <a:fillRef idx="0">
+            <a:schemeClr val="accent1"/>
+          </a:fillRef>
+          <a:effectRef idx="1">
+            <a:schemeClr val="accent1"/>
+          </a:effectRef>
+          <a:fontRef idx="minor">
+            <a:schemeClr val="tx1"/>
+          </a:fontRef>
+        </p:style>
+      </p:cxnSp>
+      <p:pic>
+        <p:nvPicPr>
+          <p:cNvPr id="30" name="Picture 29">
+            <a:extLst>
+              <a:ext uri="{FF2B5EF4-FFF2-40B4-BE49-F238E27FC236}">
+                <a16:creationId xmlns:a16="http://schemas.microsoft.com/office/drawing/2014/main" id="{24BF3F03-A7FE-05D1-42E9-52D3AAC37602}"/>
+              </a:ext>
+            </a:extLst>
+          </p:cNvPr>
+          <p:cNvPicPr>
+            <a:picLocks noChangeAspect="1"/>
+          </p:cNvPicPr>
+          <p:nvPr/>
+        </p:nvPicPr>
+        <p:blipFill>
+          <a:blip r:embed="rId11"/>
+          <a:stretch>
+            <a:fillRect/>
+          </a:stretch>
+        </p:blipFill>
+        <p:spPr>
+          <a:xfrm>
+            <a:off x="4969260" y="6004703"/>
+            <a:ext cx="1549400" cy="622300"/>
+          </a:xfrm>
+          <a:prstGeom prst="rect">
+            <a:avLst/>
+          </a:prstGeom>
+        </p:spPr>
+      </p:pic>
+      <p:cxnSp>
+        <p:nvCxnSpPr>
+          <p:cNvPr id="31" name="Straight Arrow Connector 30">
+            <a:extLst>
+              <a:ext uri="{FF2B5EF4-FFF2-40B4-BE49-F238E27FC236}">
+                <a16:creationId xmlns:a16="http://schemas.microsoft.com/office/drawing/2014/main" id="{CFB78C8C-FFA5-D534-45B9-77E575B88F12}"/>
+              </a:ext>
+            </a:extLst>
+          </p:cNvPr>
+          <p:cNvCxnSpPr>
+            <a:cxnSpLocks/>
+          </p:cNvCxnSpPr>
+          <p:nvPr/>
+        </p:nvCxnSpPr>
+        <p:spPr>
+          <a:xfrm>
+            <a:off x="4604542" y="4986696"/>
+            <a:ext cx="729437" cy="0"/>
+          </a:xfrm>
+          <a:prstGeom prst="straightConnector1">
+            <a:avLst/>
+          </a:prstGeom>
+          <a:ln>
+            <a:tailEnd type="triangle"/>
+          </a:ln>
+        </p:spPr>
+        <p:style>
+          <a:lnRef idx="2">
+            <a:schemeClr val="accent1"/>
+          </a:lnRef>
+          <a:fillRef idx="0">
+            <a:schemeClr val="accent1"/>
+          </a:fillRef>
+          <a:effectRef idx="1">
+            <a:schemeClr val="accent1"/>
+          </a:effectRef>
+          <a:fontRef idx="minor">
+            <a:schemeClr val="tx1"/>
+          </a:fontRef>
+        </p:style>
+      </p:cxnSp>
+      <p:pic>
+        <p:nvPicPr>
+          <p:cNvPr id="32" name="Picture 31">
+            <a:extLst>
+              <a:ext uri="{FF2B5EF4-FFF2-40B4-BE49-F238E27FC236}">
+                <a16:creationId xmlns:a16="http://schemas.microsoft.com/office/drawing/2014/main" id="{E4FE2C00-3DFC-F49E-4FA2-3095CB3C7E0E}"/>
+              </a:ext>
+            </a:extLst>
+          </p:cNvPr>
+          <p:cNvPicPr>
+            <a:picLocks noChangeAspect="1"/>
+          </p:cNvPicPr>
+          <p:nvPr/>
+        </p:nvPicPr>
+        <p:blipFill>
+          <a:blip r:embed="rId12"/>
+          <a:stretch>
+            <a:fillRect/>
+          </a:stretch>
+        </p:blipFill>
+        <p:spPr>
+          <a:xfrm>
+            <a:off x="631906" y="5860236"/>
+            <a:ext cx="474679" cy="288935"/>
+          </a:xfrm>
+          <a:prstGeom prst="rect">
+            <a:avLst/>
+          </a:prstGeom>
+        </p:spPr>
+      </p:pic>
+      <p:cxnSp>
+        <p:nvCxnSpPr>
+          <p:cNvPr id="33" name="Straight Arrow Connector 32">
+            <a:extLst>
+              <a:ext uri="{FF2B5EF4-FFF2-40B4-BE49-F238E27FC236}">
+                <a16:creationId xmlns:a16="http://schemas.microsoft.com/office/drawing/2014/main" id="{5C08F73C-6320-63AA-8F87-1C65899C3D41}"/>
+              </a:ext>
+            </a:extLst>
+          </p:cNvPr>
+          <p:cNvCxnSpPr/>
+          <p:nvPr/>
+        </p:nvCxnSpPr>
+        <p:spPr>
+          <a:xfrm>
+            <a:off x="1302146" y="6069022"/>
+            <a:ext cx="281533" cy="0"/>
+          </a:xfrm>
+          <a:prstGeom prst="straightConnector1">
+            <a:avLst/>
+          </a:prstGeom>
+          <a:ln>
+            <a:tailEnd type="triangle"/>
+          </a:ln>
+        </p:spPr>
+        <p:style>
+          <a:lnRef idx="2">
+            <a:schemeClr val="accent1"/>
+          </a:lnRef>
+          <a:fillRef idx="0">
+            <a:schemeClr val="accent1"/>
+          </a:fillRef>
+          <a:effectRef idx="1">
+            <a:schemeClr val="accent1"/>
+          </a:effectRef>
+          <a:fontRef idx="minor">
+            <a:schemeClr val="tx1"/>
+          </a:fontRef>
+        </p:style>
+      </p:cxnSp>
+      <p:pic>
+        <p:nvPicPr>
+          <p:cNvPr id="35" name="Picture 34">
+            <a:extLst>
+              <a:ext uri="{FF2B5EF4-FFF2-40B4-BE49-F238E27FC236}">
+                <a16:creationId xmlns:a16="http://schemas.microsoft.com/office/drawing/2014/main" id="{7CC20EC9-61A3-7BB8-C3A3-551F6B61E676}"/>
+              </a:ext>
+            </a:extLst>
+          </p:cNvPr>
+          <p:cNvPicPr>
+            <a:picLocks noChangeAspect="1"/>
+          </p:cNvPicPr>
+          <p:nvPr/>
+        </p:nvPicPr>
+        <p:blipFill>
+          <a:blip r:embed="rId13"/>
+          <a:stretch>
+            <a:fillRect/>
+          </a:stretch>
+        </p:blipFill>
+        <p:spPr>
+          <a:xfrm>
+            <a:off x="7387971" y="5549182"/>
+            <a:ext cx="1703632" cy="617258"/>
+          </a:xfrm>
+          <a:prstGeom prst="rect">
+            <a:avLst/>
+          </a:prstGeom>
+        </p:spPr>
+      </p:pic>
+      <p:sp>
+        <p:nvSpPr>
+          <p:cNvPr id="36" name="TextBox 35">
+            <a:extLst>
+              <a:ext uri="{FF2B5EF4-FFF2-40B4-BE49-F238E27FC236}">
+                <a16:creationId xmlns:a16="http://schemas.microsoft.com/office/drawing/2014/main" id="{ADA7D46A-26E5-DFFC-B9CE-CF46DD273C5D}"/>
+              </a:ext>
+            </a:extLst>
+          </p:cNvPr>
+          <p:cNvSpPr txBox="1"/>
+          <p:nvPr/>
+        </p:nvSpPr>
+        <p:spPr>
+          <a:xfrm>
+            <a:off x="6724007" y="5608808"/>
+            <a:ext cx="630301" cy="492443"/>
+          </a:xfrm>
+          <a:prstGeom prst="rect">
+            <a:avLst/>
+          </a:prstGeom>
+          <a:noFill/>
+        </p:spPr>
+        <p:txBody>
+          <a:bodyPr wrap="none" rtlCol="0">
+            <a:spAutoFit/>
+          </a:bodyPr>
+          <a:lstStyle/>
+          <a:p>
+            <a:r>
+              <a:rPr lang="en-US" sz="2600" dirty="0">
+                <a:latin typeface="Times New Roman" panose="02020603050405020304" pitchFamily="18" charset="0"/>
+                <a:cs typeface="Times New Roman" panose="02020603050405020304" pitchFamily="18" charset="0"/>
+              </a:rPr>
+              <a:t>So:</a:t>
+            </a:r>
+          </a:p>
+        </p:txBody>
+      </p:sp>
+    </p:spTree>
+    <p:extLst>
+      <p:ext uri="{BB962C8B-B14F-4D97-AF65-F5344CB8AC3E}">
+        <p14:creationId xmlns:p14="http://schemas.microsoft.com/office/powerpoint/2010/main" val="3442557538"/>
+      </p:ext>
+    </p:extLst>
+  </p:cSld>
+  <p:clrMapOvr>
+    <a:masterClrMapping/>
+  </p:clrMapOvr>
+  <p:timing>
+    <p:tnLst>
+      <p:par>
+        <p:cTn id="1" dur="indefinite" restart="never" nodeType="tmRoot">
+          <p:childTnLst>
+            <p:seq concurrent="1" nextAc="seek">
+              <p:cTn id="2" dur="indefinite" nodeType="mainSeq">
+                <p:childTnLst>
+                  <p:par>
+                    <p:cTn id="3" fill="hold">
+                      <p:stCondLst>
+                        <p:cond delay="indefinite"/>
+                      </p:stCondLst>
+                      <p:childTnLst>
+                        <p:par>
+                          <p:cTn id="4" fill="hold">
+                            <p:stCondLst>
+                              <p:cond delay="0"/>
+                            </p:stCondLst>
+                            <p:childTnLst>
+                              <p:par>
+                                <p:cTn id="5" presetID="2" presetClass="entr" presetSubtype="4" fill="hold" grpId="0" nodeType="clickEffect">
+                                  <p:stCondLst>
+                                    <p:cond delay="0"/>
+                                  </p:stCondLst>
+                                  <p:childTnLst>
+                                    <p:set>
+                                      <p:cBhvr>
+                                        <p:cTn id="6" dur="1" fill="hold">
+                                          <p:stCondLst>
+                                            <p:cond delay="0"/>
+                                          </p:stCondLst>
+                                        </p:cTn>
+                                        <p:tgtEl>
+                                          <p:spTgt spid="2"/>
+                                        </p:tgtEl>
+                                        <p:attrNameLst>
+                                          <p:attrName>style.visibility</p:attrName>
+                                        </p:attrNameLst>
+                                      </p:cBhvr>
+                                      <p:to>
+                                        <p:strVal val="visible"/>
+                                      </p:to>
+                                    </p:set>
+                                    <p:anim calcmode="lin" valueType="num">
+                                      <p:cBhvr additive="base">
+                                        <p:cTn id="7" dur="500" fill="hold"/>
+                                        <p:tgtEl>
+                                          <p:spTgt spid="2"/>
+                                        </p:tgtEl>
+                                        <p:attrNameLst>
+                                          <p:attrName>ppt_x</p:attrName>
+                                        </p:attrNameLst>
+                                      </p:cBhvr>
+                                      <p:tavLst>
+                                        <p:tav tm="0">
+                                          <p:val>
+                                            <p:strVal val="#ppt_x"/>
+                                          </p:val>
+                                        </p:tav>
+                                        <p:tav tm="100000">
+                                          <p:val>
+                                            <p:strVal val="#ppt_x"/>
+                                          </p:val>
+                                        </p:tav>
+                                      </p:tavLst>
+                                    </p:anim>
+                                    <p:anim calcmode="lin" valueType="num">
+                                      <p:cBhvr additive="base">
+                                        <p:cTn id="8" dur="500" fill="hold"/>
+                                        <p:tgtEl>
+                                          <p:spTgt spid="2"/>
+                                        </p:tgtEl>
+                                        <p:attrNameLst>
+                                          <p:attrName>ppt_y</p:attrName>
+                                        </p:attrNameLst>
+                                      </p:cBhvr>
+                                      <p:tavLst>
+                                        <p:tav tm="0">
+                                          <p:val>
+                                            <p:strVal val="1+#ppt_h/2"/>
+                                          </p:val>
+                                        </p:tav>
+                                        <p:tav tm="100000">
+                                          <p:val>
+                                            <p:strVal val="#ppt_y"/>
+                                          </p:val>
+                                        </p:tav>
+                                      </p:tavLst>
+                                    </p:anim>
+                                  </p:childTnLst>
+                                </p:cTn>
+                              </p:par>
+                              <p:par>
+                                <p:cTn id="9" presetID="2" presetClass="entr" presetSubtype="4" fill="hold" nodeType="withEffect">
+                                  <p:stCondLst>
+                                    <p:cond delay="0"/>
+                                  </p:stCondLst>
+                                  <p:childTnLst>
+                                    <p:set>
+                                      <p:cBhvr>
+                                        <p:cTn id="10" dur="1" fill="hold">
+                                          <p:stCondLst>
+                                            <p:cond delay="0"/>
+                                          </p:stCondLst>
+                                        </p:cTn>
+                                        <p:tgtEl>
+                                          <p:spTgt spid="6"/>
+                                        </p:tgtEl>
+                                        <p:attrNameLst>
+                                          <p:attrName>style.visibility</p:attrName>
+                                        </p:attrNameLst>
+                                      </p:cBhvr>
+                                      <p:to>
+                                        <p:strVal val="visible"/>
+                                      </p:to>
+                                    </p:set>
+                                    <p:anim calcmode="lin" valueType="num">
+                                      <p:cBhvr additive="base">
+                                        <p:cTn id="11" dur="500" fill="hold"/>
+                                        <p:tgtEl>
+                                          <p:spTgt spid="6"/>
+                                        </p:tgtEl>
+                                        <p:attrNameLst>
+                                          <p:attrName>ppt_x</p:attrName>
+                                        </p:attrNameLst>
+                                      </p:cBhvr>
+                                      <p:tavLst>
+                                        <p:tav tm="0">
+                                          <p:val>
+                                            <p:strVal val="#ppt_x"/>
+                                          </p:val>
+                                        </p:tav>
+                                        <p:tav tm="100000">
+                                          <p:val>
+                                            <p:strVal val="#ppt_x"/>
+                                          </p:val>
+                                        </p:tav>
+                                      </p:tavLst>
+                                    </p:anim>
+                                    <p:anim calcmode="lin" valueType="num">
+                                      <p:cBhvr additive="base">
+                                        <p:cTn id="12" dur="500" fill="hold"/>
+                                        <p:tgtEl>
+                                          <p:spTgt spid="6"/>
+                                        </p:tgtEl>
+                                        <p:attrNameLst>
+                                          <p:attrName>ppt_y</p:attrName>
+                                        </p:attrNameLst>
+                                      </p:cBhvr>
+                                      <p:tavLst>
+                                        <p:tav tm="0">
+                                          <p:val>
+                                            <p:strVal val="1+#ppt_h/2"/>
+                                          </p:val>
+                                        </p:tav>
+                                        <p:tav tm="100000">
+                                          <p:val>
+                                            <p:strVal val="#ppt_y"/>
+                                          </p:val>
+                                        </p:tav>
+                                      </p:tavLst>
+                                    </p:anim>
+                                  </p:childTnLst>
+                                </p:cTn>
+                              </p:par>
+                              <p:par>
+                                <p:cTn id="13" presetID="2" presetClass="entr" presetSubtype="4" fill="hold" nodeType="withEffect">
+                                  <p:stCondLst>
+                                    <p:cond delay="0"/>
+                                  </p:stCondLst>
+                                  <p:childTnLst>
+                                    <p:set>
+                                      <p:cBhvr>
+                                        <p:cTn id="14" dur="1" fill="hold">
+                                          <p:stCondLst>
+                                            <p:cond delay="0"/>
+                                          </p:stCondLst>
+                                        </p:cTn>
+                                        <p:tgtEl>
+                                          <p:spTgt spid="7"/>
+                                        </p:tgtEl>
+                                        <p:attrNameLst>
+                                          <p:attrName>style.visibility</p:attrName>
+                                        </p:attrNameLst>
+                                      </p:cBhvr>
+                                      <p:to>
+                                        <p:strVal val="visible"/>
+                                      </p:to>
+                                    </p:set>
+                                    <p:anim calcmode="lin" valueType="num">
+                                      <p:cBhvr additive="base">
+                                        <p:cTn id="15" dur="500" fill="hold"/>
+                                        <p:tgtEl>
+                                          <p:spTgt spid="7"/>
+                                        </p:tgtEl>
+                                        <p:attrNameLst>
+                                          <p:attrName>ppt_x</p:attrName>
+                                        </p:attrNameLst>
+                                      </p:cBhvr>
+                                      <p:tavLst>
+                                        <p:tav tm="0">
+                                          <p:val>
+                                            <p:strVal val="#ppt_x"/>
+                                          </p:val>
+                                        </p:tav>
+                                        <p:tav tm="100000">
+                                          <p:val>
+                                            <p:strVal val="#ppt_x"/>
+                                          </p:val>
+                                        </p:tav>
+                                      </p:tavLst>
+                                    </p:anim>
+                                    <p:anim calcmode="lin" valueType="num">
+                                      <p:cBhvr additive="base">
+                                        <p:cTn id="16" dur="500" fill="hold"/>
+                                        <p:tgtEl>
+                                          <p:spTgt spid="7"/>
+                                        </p:tgtEl>
+                                        <p:attrNameLst>
+                                          <p:attrName>ppt_y</p:attrName>
+                                        </p:attrNameLst>
+                                      </p:cBhvr>
+                                      <p:tavLst>
+                                        <p:tav tm="0">
+                                          <p:val>
+                                            <p:strVal val="1+#ppt_h/2"/>
+                                          </p:val>
+                                        </p:tav>
+                                        <p:tav tm="100000">
+                                          <p:val>
+                                            <p:strVal val="#ppt_y"/>
+                                          </p:val>
+                                        </p:tav>
+                                      </p:tavLst>
+                                    </p:anim>
+                                  </p:childTnLst>
+                                </p:cTn>
+                              </p:par>
+                              <p:par>
+                                <p:cTn id="17" presetID="2" presetClass="entr" presetSubtype="4" fill="hold" nodeType="withEffect">
+                                  <p:stCondLst>
+                                    <p:cond delay="0"/>
+                                  </p:stCondLst>
+                                  <p:childTnLst>
+                                    <p:set>
+                                      <p:cBhvr>
+                                        <p:cTn id="18" dur="1" fill="hold">
+                                          <p:stCondLst>
+                                            <p:cond delay="0"/>
+                                          </p:stCondLst>
+                                        </p:cTn>
+                                        <p:tgtEl>
+                                          <p:spTgt spid="13"/>
+                                        </p:tgtEl>
+                                        <p:attrNameLst>
+                                          <p:attrName>style.visibility</p:attrName>
+                                        </p:attrNameLst>
+                                      </p:cBhvr>
+                                      <p:to>
+                                        <p:strVal val="visible"/>
+                                      </p:to>
+                                    </p:set>
+                                    <p:anim calcmode="lin" valueType="num">
+                                      <p:cBhvr additive="base">
+                                        <p:cTn id="19" dur="500" fill="hold"/>
+                                        <p:tgtEl>
+                                          <p:spTgt spid="13"/>
+                                        </p:tgtEl>
+                                        <p:attrNameLst>
+                                          <p:attrName>ppt_x</p:attrName>
+                                        </p:attrNameLst>
+                                      </p:cBhvr>
+                                      <p:tavLst>
+                                        <p:tav tm="0">
+                                          <p:val>
+                                            <p:strVal val="#ppt_x"/>
+                                          </p:val>
+                                        </p:tav>
+                                        <p:tav tm="100000">
+                                          <p:val>
+                                            <p:strVal val="#ppt_x"/>
+                                          </p:val>
+                                        </p:tav>
+                                      </p:tavLst>
+                                    </p:anim>
+                                    <p:anim calcmode="lin" valueType="num">
+                                      <p:cBhvr additive="base">
+                                        <p:cTn id="20" dur="500" fill="hold"/>
+                                        <p:tgtEl>
+                                          <p:spTgt spid="13"/>
+                                        </p:tgtEl>
+                                        <p:attrNameLst>
+                                          <p:attrName>ppt_y</p:attrName>
+                                        </p:attrNameLst>
+                                      </p:cBhvr>
+                                      <p:tavLst>
+                                        <p:tav tm="0">
+                                          <p:val>
+                                            <p:strVal val="1+#ppt_h/2"/>
+                                          </p:val>
+                                        </p:tav>
+                                        <p:tav tm="100000">
+                                          <p:val>
+                                            <p:strVal val="#ppt_y"/>
+                                          </p:val>
+                                        </p:tav>
+                                      </p:tavLst>
+                                    </p:anim>
+                                  </p:childTnLst>
+                                </p:cTn>
+                              </p:par>
+                              <p:par>
+                                <p:cTn id="21" presetID="2" presetClass="entr" presetSubtype="4" fill="hold" nodeType="withEffect">
+                                  <p:stCondLst>
+                                    <p:cond delay="0"/>
+                                  </p:stCondLst>
+                                  <p:childTnLst>
+                                    <p:set>
+                                      <p:cBhvr>
+                                        <p:cTn id="22" dur="1" fill="hold">
+                                          <p:stCondLst>
+                                            <p:cond delay="0"/>
+                                          </p:stCondLst>
+                                        </p:cTn>
+                                        <p:tgtEl>
+                                          <p:spTgt spid="14"/>
+                                        </p:tgtEl>
+                                        <p:attrNameLst>
+                                          <p:attrName>style.visibility</p:attrName>
+                                        </p:attrNameLst>
+                                      </p:cBhvr>
+                                      <p:to>
+                                        <p:strVal val="visible"/>
+                                      </p:to>
+                                    </p:set>
+                                    <p:anim calcmode="lin" valueType="num">
+                                      <p:cBhvr additive="base">
+                                        <p:cTn id="23" dur="500" fill="hold"/>
+                                        <p:tgtEl>
+                                          <p:spTgt spid="14"/>
+                                        </p:tgtEl>
+                                        <p:attrNameLst>
+                                          <p:attrName>ppt_x</p:attrName>
+                                        </p:attrNameLst>
+                                      </p:cBhvr>
+                                      <p:tavLst>
+                                        <p:tav tm="0">
+                                          <p:val>
+                                            <p:strVal val="#ppt_x"/>
+                                          </p:val>
+                                        </p:tav>
+                                        <p:tav tm="100000">
+                                          <p:val>
+                                            <p:strVal val="#ppt_x"/>
+                                          </p:val>
+                                        </p:tav>
+                                      </p:tavLst>
+                                    </p:anim>
+                                    <p:anim calcmode="lin" valueType="num">
+                                      <p:cBhvr additive="base">
+                                        <p:cTn id="24" dur="500" fill="hold"/>
+                                        <p:tgtEl>
+                                          <p:spTgt spid="14"/>
+                                        </p:tgtEl>
+                                        <p:attrNameLst>
+                                          <p:attrName>ppt_y</p:attrName>
+                                        </p:attrNameLst>
+                                      </p:cBhvr>
+                                      <p:tavLst>
+                                        <p:tav tm="0">
+                                          <p:val>
+                                            <p:strVal val="1+#ppt_h/2"/>
+                                          </p:val>
+                                        </p:tav>
+                                        <p:tav tm="100000">
+                                          <p:val>
+                                            <p:strVal val="#ppt_y"/>
+                                          </p:val>
+                                        </p:tav>
+                                      </p:tavLst>
+                                    </p:anim>
+                                  </p:childTnLst>
+                                </p:cTn>
+                              </p:par>
+                            </p:childTnLst>
+                          </p:cTn>
+                        </p:par>
+                      </p:childTnLst>
+                    </p:cTn>
+                  </p:par>
+                  <p:par>
+                    <p:cTn id="25" fill="hold">
+                      <p:stCondLst>
+                        <p:cond delay="indefinite"/>
+                      </p:stCondLst>
+                      <p:childTnLst>
+                        <p:par>
+                          <p:cTn id="26" fill="hold">
+                            <p:stCondLst>
+                              <p:cond delay="0"/>
+                            </p:stCondLst>
+                            <p:childTnLst>
+                              <p:par>
+                                <p:cTn id="27" presetID="2" presetClass="entr" presetSubtype="4" fill="hold" grpId="0" nodeType="clickEffect">
+                                  <p:stCondLst>
+                                    <p:cond delay="0"/>
+                                  </p:stCondLst>
+                                  <p:childTnLst>
+                                    <p:set>
+                                      <p:cBhvr>
+                                        <p:cTn id="28" dur="1" fill="hold">
+                                          <p:stCondLst>
+                                            <p:cond delay="0"/>
+                                          </p:stCondLst>
+                                        </p:cTn>
+                                        <p:tgtEl>
+                                          <p:spTgt spid="8"/>
+                                        </p:tgtEl>
+                                        <p:attrNameLst>
+                                          <p:attrName>style.visibility</p:attrName>
+                                        </p:attrNameLst>
+                                      </p:cBhvr>
+                                      <p:to>
+                                        <p:strVal val="visible"/>
+                                      </p:to>
+                                    </p:set>
+                                    <p:anim calcmode="lin" valueType="num">
+                                      <p:cBhvr additive="base">
+                                        <p:cTn id="29" dur="500" fill="hold"/>
+                                        <p:tgtEl>
+                                          <p:spTgt spid="8"/>
+                                        </p:tgtEl>
+                                        <p:attrNameLst>
+                                          <p:attrName>ppt_x</p:attrName>
+                                        </p:attrNameLst>
+                                      </p:cBhvr>
+                                      <p:tavLst>
+                                        <p:tav tm="0">
+                                          <p:val>
+                                            <p:strVal val="#ppt_x"/>
+                                          </p:val>
+                                        </p:tav>
+                                        <p:tav tm="100000">
+                                          <p:val>
+                                            <p:strVal val="#ppt_x"/>
+                                          </p:val>
+                                        </p:tav>
+                                      </p:tavLst>
+                                    </p:anim>
+                                    <p:anim calcmode="lin" valueType="num">
+                                      <p:cBhvr additive="base">
+                                        <p:cTn id="30" dur="500" fill="hold"/>
+                                        <p:tgtEl>
+                                          <p:spTgt spid="8"/>
+                                        </p:tgtEl>
+                                        <p:attrNameLst>
+                                          <p:attrName>ppt_y</p:attrName>
+                                        </p:attrNameLst>
+                                      </p:cBhvr>
+                                      <p:tavLst>
+                                        <p:tav tm="0">
+                                          <p:val>
+                                            <p:strVal val="1+#ppt_h/2"/>
+                                          </p:val>
+                                        </p:tav>
+                                        <p:tav tm="100000">
+                                          <p:val>
+                                            <p:strVal val="#ppt_y"/>
+                                          </p:val>
+                                        </p:tav>
+                                      </p:tavLst>
+                                    </p:anim>
+                                  </p:childTnLst>
+                                </p:cTn>
+                              </p:par>
+                              <p:par>
+                                <p:cTn id="31" presetID="2" presetClass="entr" presetSubtype="4" fill="hold" nodeType="withEffect">
+                                  <p:stCondLst>
+                                    <p:cond delay="0"/>
+                                  </p:stCondLst>
+                                  <p:childTnLst>
+                                    <p:set>
+                                      <p:cBhvr>
+                                        <p:cTn id="32" dur="1" fill="hold">
+                                          <p:stCondLst>
+                                            <p:cond delay="0"/>
+                                          </p:stCondLst>
+                                        </p:cTn>
+                                        <p:tgtEl>
+                                          <p:spTgt spid="15"/>
+                                        </p:tgtEl>
+                                        <p:attrNameLst>
+                                          <p:attrName>style.visibility</p:attrName>
+                                        </p:attrNameLst>
+                                      </p:cBhvr>
+                                      <p:to>
+                                        <p:strVal val="visible"/>
+                                      </p:to>
+                                    </p:set>
+                                    <p:anim calcmode="lin" valueType="num">
+                                      <p:cBhvr additive="base">
+                                        <p:cTn id="33" dur="500" fill="hold"/>
+                                        <p:tgtEl>
+                                          <p:spTgt spid="15"/>
+                                        </p:tgtEl>
+                                        <p:attrNameLst>
+                                          <p:attrName>ppt_x</p:attrName>
+                                        </p:attrNameLst>
+                                      </p:cBhvr>
+                                      <p:tavLst>
+                                        <p:tav tm="0">
+                                          <p:val>
+                                            <p:strVal val="#ppt_x"/>
+                                          </p:val>
+                                        </p:tav>
+                                        <p:tav tm="100000">
+                                          <p:val>
+                                            <p:strVal val="#ppt_x"/>
+                                          </p:val>
+                                        </p:tav>
+                                      </p:tavLst>
+                                    </p:anim>
+                                    <p:anim calcmode="lin" valueType="num">
+                                      <p:cBhvr additive="base">
+                                        <p:cTn id="34" dur="500" fill="hold"/>
+                                        <p:tgtEl>
+                                          <p:spTgt spid="15"/>
+                                        </p:tgtEl>
+                                        <p:attrNameLst>
+                                          <p:attrName>ppt_y</p:attrName>
+                                        </p:attrNameLst>
+                                      </p:cBhvr>
+                                      <p:tavLst>
+                                        <p:tav tm="0">
+                                          <p:val>
+                                            <p:strVal val="1+#ppt_h/2"/>
+                                          </p:val>
+                                        </p:tav>
+                                        <p:tav tm="100000">
+                                          <p:val>
+                                            <p:strVal val="#ppt_y"/>
+                                          </p:val>
+                                        </p:tav>
+                                      </p:tavLst>
+                                    </p:anim>
+                                  </p:childTnLst>
+                                </p:cTn>
+                              </p:par>
+                            </p:childTnLst>
+                          </p:cTn>
+                        </p:par>
+                      </p:childTnLst>
+                    </p:cTn>
+                  </p:par>
+                  <p:par>
+                    <p:cTn id="35" fill="hold">
+                      <p:stCondLst>
+                        <p:cond delay="indefinite"/>
+                      </p:stCondLst>
+                      <p:childTnLst>
+                        <p:par>
+                          <p:cTn id="36" fill="hold">
+                            <p:stCondLst>
+                              <p:cond delay="0"/>
+                            </p:stCondLst>
+                            <p:childTnLst>
+                              <p:par>
+                                <p:cTn id="37" presetID="2" presetClass="entr" presetSubtype="4" fill="hold" nodeType="clickEffect">
+                                  <p:stCondLst>
+                                    <p:cond delay="0"/>
+                                  </p:stCondLst>
+                                  <p:childTnLst>
+                                    <p:set>
+                                      <p:cBhvr>
+                                        <p:cTn id="38" dur="1" fill="hold">
+                                          <p:stCondLst>
+                                            <p:cond delay="0"/>
+                                          </p:stCondLst>
+                                        </p:cTn>
+                                        <p:tgtEl>
+                                          <p:spTgt spid="17"/>
+                                        </p:tgtEl>
+                                        <p:attrNameLst>
+                                          <p:attrName>style.visibility</p:attrName>
+                                        </p:attrNameLst>
+                                      </p:cBhvr>
+                                      <p:to>
+                                        <p:strVal val="visible"/>
+                                      </p:to>
+                                    </p:set>
+                                    <p:anim calcmode="lin" valueType="num">
+                                      <p:cBhvr additive="base">
+                                        <p:cTn id="39" dur="500" fill="hold"/>
+                                        <p:tgtEl>
+                                          <p:spTgt spid="17"/>
+                                        </p:tgtEl>
+                                        <p:attrNameLst>
+                                          <p:attrName>ppt_x</p:attrName>
+                                        </p:attrNameLst>
+                                      </p:cBhvr>
+                                      <p:tavLst>
+                                        <p:tav tm="0">
+                                          <p:val>
+                                            <p:strVal val="#ppt_x"/>
+                                          </p:val>
+                                        </p:tav>
+                                        <p:tav tm="100000">
+                                          <p:val>
+                                            <p:strVal val="#ppt_x"/>
+                                          </p:val>
+                                        </p:tav>
+                                      </p:tavLst>
+                                    </p:anim>
+                                    <p:anim calcmode="lin" valueType="num">
+                                      <p:cBhvr additive="base">
+                                        <p:cTn id="40" dur="500" fill="hold"/>
+                                        <p:tgtEl>
+                                          <p:spTgt spid="17"/>
+                                        </p:tgtEl>
+                                        <p:attrNameLst>
+                                          <p:attrName>ppt_y</p:attrName>
+                                        </p:attrNameLst>
+                                      </p:cBhvr>
+                                      <p:tavLst>
+                                        <p:tav tm="0">
+                                          <p:val>
+                                            <p:strVal val="1+#ppt_h/2"/>
+                                          </p:val>
+                                        </p:tav>
+                                        <p:tav tm="100000">
+                                          <p:val>
+                                            <p:strVal val="#ppt_y"/>
+                                          </p:val>
+                                        </p:tav>
+                                      </p:tavLst>
+                                    </p:anim>
+                                  </p:childTnLst>
+                                </p:cTn>
+                              </p:par>
+                              <p:par>
+                                <p:cTn id="41" presetID="2" presetClass="entr" presetSubtype="4" fill="hold" nodeType="withEffect">
+                                  <p:stCondLst>
+                                    <p:cond delay="0"/>
+                                  </p:stCondLst>
+                                  <p:childTnLst>
+                                    <p:set>
+                                      <p:cBhvr>
+                                        <p:cTn id="42" dur="1" fill="hold">
+                                          <p:stCondLst>
+                                            <p:cond delay="0"/>
+                                          </p:stCondLst>
+                                        </p:cTn>
+                                        <p:tgtEl>
+                                          <p:spTgt spid="19"/>
+                                        </p:tgtEl>
+                                        <p:attrNameLst>
+                                          <p:attrName>style.visibility</p:attrName>
+                                        </p:attrNameLst>
+                                      </p:cBhvr>
+                                      <p:to>
+                                        <p:strVal val="visible"/>
+                                      </p:to>
+                                    </p:set>
+                                    <p:anim calcmode="lin" valueType="num">
+                                      <p:cBhvr additive="base">
+                                        <p:cTn id="43" dur="500" fill="hold"/>
+                                        <p:tgtEl>
+                                          <p:spTgt spid="19"/>
+                                        </p:tgtEl>
+                                        <p:attrNameLst>
+                                          <p:attrName>ppt_x</p:attrName>
+                                        </p:attrNameLst>
+                                      </p:cBhvr>
+                                      <p:tavLst>
+                                        <p:tav tm="0">
+                                          <p:val>
+                                            <p:strVal val="#ppt_x"/>
+                                          </p:val>
+                                        </p:tav>
+                                        <p:tav tm="100000">
+                                          <p:val>
+                                            <p:strVal val="#ppt_x"/>
+                                          </p:val>
+                                        </p:tav>
+                                      </p:tavLst>
+                                    </p:anim>
+                                    <p:anim calcmode="lin" valueType="num">
+                                      <p:cBhvr additive="base">
+                                        <p:cTn id="44" dur="500" fill="hold"/>
+                                        <p:tgtEl>
+                                          <p:spTgt spid="19"/>
+                                        </p:tgtEl>
+                                        <p:attrNameLst>
+                                          <p:attrName>ppt_y</p:attrName>
+                                        </p:attrNameLst>
+                                      </p:cBhvr>
+                                      <p:tavLst>
+                                        <p:tav tm="0">
+                                          <p:val>
+                                            <p:strVal val="1+#ppt_h/2"/>
+                                          </p:val>
+                                        </p:tav>
+                                        <p:tav tm="100000">
+                                          <p:val>
+                                            <p:strVal val="#ppt_y"/>
+                                          </p:val>
+                                        </p:tav>
+                                      </p:tavLst>
+                                    </p:anim>
+                                  </p:childTnLst>
+                                </p:cTn>
+                              </p:par>
+                            </p:childTnLst>
+                          </p:cTn>
+                        </p:par>
+                      </p:childTnLst>
+                    </p:cTn>
+                  </p:par>
+                  <p:par>
+                    <p:cTn id="45" fill="hold">
+                      <p:stCondLst>
+                        <p:cond delay="indefinite"/>
+                      </p:stCondLst>
+                      <p:childTnLst>
+                        <p:par>
+                          <p:cTn id="46" fill="hold">
+                            <p:stCondLst>
+                              <p:cond delay="0"/>
+                            </p:stCondLst>
+                            <p:childTnLst>
+                              <p:par>
+                                <p:cTn id="47" presetID="2" presetClass="entr" presetSubtype="4" fill="hold" grpId="0" nodeType="clickEffect">
+                                  <p:stCondLst>
+                                    <p:cond delay="0"/>
+                                  </p:stCondLst>
+                                  <p:childTnLst>
+                                    <p:set>
+                                      <p:cBhvr>
+                                        <p:cTn id="48" dur="1" fill="hold">
+                                          <p:stCondLst>
+                                            <p:cond delay="0"/>
+                                          </p:stCondLst>
+                                        </p:cTn>
+                                        <p:tgtEl>
+                                          <p:spTgt spid="20"/>
+                                        </p:tgtEl>
+                                        <p:attrNameLst>
+                                          <p:attrName>style.visibility</p:attrName>
+                                        </p:attrNameLst>
+                                      </p:cBhvr>
+                                      <p:to>
+                                        <p:strVal val="visible"/>
+                                      </p:to>
+                                    </p:set>
+                                    <p:anim calcmode="lin" valueType="num">
+                                      <p:cBhvr additive="base">
+                                        <p:cTn id="49" dur="500" fill="hold"/>
+                                        <p:tgtEl>
+                                          <p:spTgt spid="20"/>
+                                        </p:tgtEl>
+                                        <p:attrNameLst>
+                                          <p:attrName>ppt_x</p:attrName>
+                                        </p:attrNameLst>
+                                      </p:cBhvr>
+                                      <p:tavLst>
+                                        <p:tav tm="0">
+                                          <p:val>
+                                            <p:strVal val="#ppt_x"/>
+                                          </p:val>
+                                        </p:tav>
+                                        <p:tav tm="100000">
+                                          <p:val>
+                                            <p:strVal val="#ppt_x"/>
+                                          </p:val>
+                                        </p:tav>
+                                      </p:tavLst>
+                                    </p:anim>
+                                    <p:anim calcmode="lin" valueType="num">
+                                      <p:cBhvr additive="base">
+                                        <p:cTn id="50" dur="500" fill="hold"/>
+                                        <p:tgtEl>
+                                          <p:spTgt spid="20"/>
+                                        </p:tgtEl>
+                                        <p:attrNameLst>
+                                          <p:attrName>ppt_y</p:attrName>
+                                        </p:attrNameLst>
+                                      </p:cBhvr>
+                                      <p:tavLst>
+                                        <p:tav tm="0">
+                                          <p:val>
+                                            <p:strVal val="1+#ppt_h/2"/>
+                                          </p:val>
+                                        </p:tav>
+                                        <p:tav tm="100000">
+                                          <p:val>
+                                            <p:strVal val="#ppt_y"/>
+                                          </p:val>
+                                        </p:tav>
+                                      </p:tavLst>
+                                    </p:anim>
+                                  </p:childTnLst>
+                                </p:cTn>
+                              </p:par>
+                              <p:par>
+                                <p:cTn id="51" presetID="2" presetClass="entr" presetSubtype="4" fill="hold" nodeType="withEffect">
+                                  <p:stCondLst>
+                                    <p:cond delay="0"/>
+                                  </p:stCondLst>
+                                  <p:childTnLst>
+                                    <p:set>
+                                      <p:cBhvr>
+                                        <p:cTn id="52" dur="1" fill="hold">
+                                          <p:stCondLst>
+                                            <p:cond delay="0"/>
+                                          </p:stCondLst>
+                                        </p:cTn>
+                                        <p:tgtEl>
+                                          <p:spTgt spid="21"/>
+                                        </p:tgtEl>
+                                        <p:attrNameLst>
+                                          <p:attrName>style.visibility</p:attrName>
+                                        </p:attrNameLst>
+                                      </p:cBhvr>
+                                      <p:to>
+                                        <p:strVal val="visible"/>
+                                      </p:to>
+                                    </p:set>
+                                    <p:anim calcmode="lin" valueType="num">
+                                      <p:cBhvr additive="base">
+                                        <p:cTn id="53" dur="500" fill="hold"/>
+                                        <p:tgtEl>
+                                          <p:spTgt spid="21"/>
+                                        </p:tgtEl>
+                                        <p:attrNameLst>
+                                          <p:attrName>ppt_x</p:attrName>
+                                        </p:attrNameLst>
+                                      </p:cBhvr>
+                                      <p:tavLst>
+                                        <p:tav tm="0">
+                                          <p:val>
+                                            <p:strVal val="#ppt_x"/>
+                                          </p:val>
+                                        </p:tav>
+                                        <p:tav tm="100000">
+                                          <p:val>
+                                            <p:strVal val="#ppt_x"/>
+                                          </p:val>
+                                        </p:tav>
+                                      </p:tavLst>
+                                    </p:anim>
+                                    <p:anim calcmode="lin" valueType="num">
+                                      <p:cBhvr additive="base">
+                                        <p:cTn id="54" dur="500" fill="hold"/>
+                                        <p:tgtEl>
+                                          <p:spTgt spid="21"/>
+                                        </p:tgtEl>
+                                        <p:attrNameLst>
+                                          <p:attrName>ppt_y</p:attrName>
+                                        </p:attrNameLst>
+                                      </p:cBhvr>
+                                      <p:tavLst>
+                                        <p:tav tm="0">
+                                          <p:val>
+                                            <p:strVal val="1+#ppt_h/2"/>
+                                          </p:val>
+                                        </p:tav>
+                                        <p:tav tm="100000">
+                                          <p:val>
+                                            <p:strVal val="#ppt_y"/>
+                                          </p:val>
+                                        </p:tav>
+                                      </p:tavLst>
+                                    </p:anim>
+                                  </p:childTnLst>
+                                </p:cTn>
+                              </p:par>
+                              <p:par>
+                                <p:cTn id="55" presetID="2" presetClass="entr" presetSubtype="4" fill="hold" nodeType="withEffect">
+                                  <p:stCondLst>
+                                    <p:cond delay="0"/>
+                                  </p:stCondLst>
+                                  <p:childTnLst>
+                                    <p:set>
+                                      <p:cBhvr>
+                                        <p:cTn id="56" dur="1" fill="hold">
+                                          <p:stCondLst>
+                                            <p:cond delay="0"/>
+                                          </p:stCondLst>
+                                        </p:cTn>
+                                        <p:tgtEl>
+                                          <p:spTgt spid="22"/>
+                                        </p:tgtEl>
+                                        <p:attrNameLst>
+                                          <p:attrName>style.visibility</p:attrName>
+                                        </p:attrNameLst>
+                                      </p:cBhvr>
+                                      <p:to>
+                                        <p:strVal val="visible"/>
+                                      </p:to>
+                                    </p:set>
+                                    <p:anim calcmode="lin" valueType="num">
+                                      <p:cBhvr additive="base">
+                                        <p:cTn id="57" dur="500" fill="hold"/>
+                                        <p:tgtEl>
+                                          <p:spTgt spid="22"/>
+                                        </p:tgtEl>
+                                        <p:attrNameLst>
+                                          <p:attrName>ppt_x</p:attrName>
+                                        </p:attrNameLst>
+                                      </p:cBhvr>
+                                      <p:tavLst>
+                                        <p:tav tm="0">
+                                          <p:val>
+                                            <p:strVal val="#ppt_x"/>
+                                          </p:val>
+                                        </p:tav>
+                                        <p:tav tm="100000">
+                                          <p:val>
+                                            <p:strVal val="#ppt_x"/>
+                                          </p:val>
+                                        </p:tav>
+                                      </p:tavLst>
+                                    </p:anim>
+                                    <p:anim calcmode="lin" valueType="num">
+                                      <p:cBhvr additive="base">
+                                        <p:cTn id="58" dur="500" fill="hold"/>
+                                        <p:tgtEl>
+                                          <p:spTgt spid="22"/>
+                                        </p:tgtEl>
+                                        <p:attrNameLst>
+                                          <p:attrName>ppt_y</p:attrName>
+                                        </p:attrNameLst>
+                                      </p:cBhvr>
+                                      <p:tavLst>
+                                        <p:tav tm="0">
+                                          <p:val>
+                                            <p:strVal val="1+#ppt_h/2"/>
+                                          </p:val>
+                                        </p:tav>
+                                        <p:tav tm="100000">
+                                          <p:val>
+                                            <p:strVal val="#ppt_y"/>
+                                          </p:val>
+                                        </p:tav>
+                                      </p:tavLst>
+                                    </p:anim>
+                                  </p:childTnLst>
+                                </p:cTn>
+                              </p:par>
+                            </p:childTnLst>
+                          </p:cTn>
+                        </p:par>
+                      </p:childTnLst>
+                    </p:cTn>
+                  </p:par>
+                  <p:par>
+                    <p:cTn id="59" fill="hold">
+                      <p:stCondLst>
+                        <p:cond delay="indefinite"/>
+                      </p:stCondLst>
+                      <p:childTnLst>
+                        <p:par>
+                          <p:cTn id="60" fill="hold">
+                            <p:stCondLst>
+                              <p:cond delay="0"/>
+                            </p:stCondLst>
+                            <p:childTnLst>
+                              <p:par>
+                                <p:cTn id="61" presetID="2" presetClass="entr" presetSubtype="4" fill="hold" nodeType="clickEffect">
+                                  <p:stCondLst>
+                                    <p:cond delay="0"/>
+                                  </p:stCondLst>
+                                  <p:childTnLst>
+                                    <p:set>
+                                      <p:cBhvr>
+                                        <p:cTn id="62" dur="1" fill="hold">
+                                          <p:stCondLst>
+                                            <p:cond delay="0"/>
+                                          </p:stCondLst>
+                                        </p:cTn>
+                                        <p:tgtEl>
+                                          <p:spTgt spid="23"/>
+                                        </p:tgtEl>
+                                        <p:attrNameLst>
+                                          <p:attrName>style.visibility</p:attrName>
+                                        </p:attrNameLst>
+                                      </p:cBhvr>
+                                      <p:to>
+                                        <p:strVal val="visible"/>
+                                      </p:to>
+                                    </p:set>
+                                    <p:anim calcmode="lin" valueType="num">
+                                      <p:cBhvr additive="base">
+                                        <p:cTn id="63" dur="500" fill="hold"/>
+                                        <p:tgtEl>
+                                          <p:spTgt spid="23"/>
+                                        </p:tgtEl>
+                                        <p:attrNameLst>
+                                          <p:attrName>ppt_x</p:attrName>
+                                        </p:attrNameLst>
+                                      </p:cBhvr>
+                                      <p:tavLst>
+                                        <p:tav tm="0">
+                                          <p:val>
+                                            <p:strVal val="#ppt_x"/>
+                                          </p:val>
+                                        </p:tav>
+                                        <p:tav tm="100000">
+                                          <p:val>
+                                            <p:strVal val="#ppt_x"/>
+                                          </p:val>
+                                        </p:tav>
+                                      </p:tavLst>
+                                    </p:anim>
+                                    <p:anim calcmode="lin" valueType="num">
+                                      <p:cBhvr additive="base">
+                                        <p:cTn id="64" dur="500" fill="hold"/>
+                                        <p:tgtEl>
+                                          <p:spTgt spid="23"/>
+                                        </p:tgtEl>
+                                        <p:attrNameLst>
+                                          <p:attrName>ppt_y</p:attrName>
+                                        </p:attrNameLst>
+                                      </p:cBhvr>
+                                      <p:tavLst>
+                                        <p:tav tm="0">
+                                          <p:val>
+                                            <p:strVal val="1+#ppt_h/2"/>
+                                          </p:val>
+                                        </p:tav>
+                                        <p:tav tm="100000">
+                                          <p:val>
+                                            <p:strVal val="#ppt_y"/>
+                                          </p:val>
+                                        </p:tav>
+                                      </p:tavLst>
+                                    </p:anim>
+                                  </p:childTnLst>
+                                </p:cTn>
+                              </p:par>
+                              <p:par>
+                                <p:cTn id="65" presetID="2" presetClass="entr" presetSubtype="4" fill="hold" nodeType="withEffect">
+                                  <p:stCondLst>
+                                    <p:cond delay="0"/>
+                                  </p:stCondLst>
+                                  <p:childTnLst>
+                                    <p:set>
+                                      <p:cBhvr>
+                                        <p:cTn id="66" dur="1" fill="hold">
+                                          <p:stCondLst>
+                                            <p:cond delay="0"/>
+                                          </p:stCondLst>
+                                        </p:cTn>
+                                        <p:tgtEl>
+                                          <p:spTgt spid="31"/>
+                                        </p:tgtEl>
+                                        <p:attrNameLst>
+                                          <p:attrName>style.visibility</p:attrName>
+                                        </p:attrNameLst>
+                                      </p:cBhvr>
+                                      <p:to>
+                                        <p:strVal val="visible"/>
+                                      </p:to>
+                                    </p:set>
+                                    <p:anim calcmode="lin" valueType="num">
+                                      <p:cBhvr additive="base">
+                                        <p:cTn id="67" dur="500" fill="hold"/>
+                                        <p:tgtEl>
+                                          <p:spTgt spid="31"/>
+                                        </p:tgtEl>
+                                        <p:attrNameLst>
+                                          <p:attrName>ppt_x</p:attrName>
+                                        </p:attrNameLst>
+                                      </p:cBhvr>
+                                      <p:tavLst>
+                                        <p:tav tm="0">
+                                          <p:val>
+                                            <p:strVal val="#ppt_x"/>
+                                          </p:val>
+                                        </p:tav>
+                                        <p:tav tm="100000">
+                                          <p:val>
+                                            <p:strVal val="#ppt_x"/>
+                                          </p:val>
+                                        </p:tav>
+                                      </p:tavLst>
+                                    </p:anim>
+                                    <p:anim calcmode="lin" valueType="num">
+                                      <p:cBhvr additive="base">
+                                        <p:cTn id="68" dur="500" fill="hold"/>
+                                        <p:tgtEl>
+                                          <p:spTgt spid="31"/>
+                                        </p:tgtEl>
+                                        <p:attrNameLst>
+                                          <p:attrName>ppt_y</p:attrName>
+                                        </p:attrNameLst>
+                                      </p:cBhvr>
+                                      <p:tavLst>
+                                        <p:tav tm="0">
+                                          <p:val>
+                                            <p:strVal val="1+#ppt_h/2"/>
+                                          </p:val>
+                                        </p:tav>
+                                        <p:tav tm="100000">
+                                          <p:val>
+                                            <p:strVal val="#ppt_y"/>
+                                          </p:val>
+                                        </p:tav>
+                                      </p:tavLst>
+                                    </p:anim>
+                                  </p:childTnLst>
+                                </p:cTn>
+                              </p:par>
+                              <p:par>
+                                <p:cTn id="69" presetID="2" presetClass="entr" presetSubtype="4" fill="hold" nodeType="withEffect">
+                                  <p:stCondLst>
+                                    <p:cond delay="0"/>
+                                  </p:stCondLst>
+                                  <p:childTnLst>
+                                    <p:set>
+                                      <p:cBhvr>
+                                        <p:cTn id="70" dur="1" fill="hold">
+                                          <p:stCondLst>
+                                            <p:cond delay="0"/>
+                                          </p:stCondLst>
+                                        </p:cTn>
+                                        <p:tgtEl>
+                                          <p:spTgt spid="26"/>
+                                        </p:tgtEl>
+                                        <p:attrNameLst>
+                                          <p:attrName>style.visibility</p:attrName>
+                                        </p:attrNameLst>
+                                      </p:cBhvr>
+                                      <p:to>
+                                        <p:strVal val="visible"/>
+                                      </p:to>
+                                    </p:set>
+                                    <p:anim calcmode="lin" valueType="num">
+                                      <p:cBhvr additive="base">
+                                        <p:cTn id="71" dur="500" fill="hold"/>
+                                        <p:tgtEl>
+                                          <p:spTgt spid="26"/>
+                                        </p:tgtEl>
+                                        <p:attrNameLst>
+                                          <p:attrName>ppt_x</p:attrName>
+                                        </p:attrNameLst>
+                                      </p:cBhvr>
+                                      <p:tavLst>
+                                        <p:tav tm="0">
+                                          <p:val>
+                                            <p:strVal val="#ppt_x"/>
+                                          </p:val>
+                                        </p:tav>
+                                        <p:tav tm="100000">
+                                          <p:val>
+                                            <p:strVal val="#ppt_x"/>
+                                          </p:val>
+                                        </p:tav>
+                                      </p:tavLst>
+                                    </p:anim>
+                                    <p:anim calcmode="lin" valueType="num">
+                                      <p:cBhvr additive="base">
+                                        <p:cTn id="72" dur="500" fill="hold"/>
+                                        <p:tgtEl>
+                                          <p:spTgt spid="26"/>
+                                        </p:tgtEl>
+                                        <p:attrNameLst>
+                                          <p:attrName>ppt_y</p:attrName>
+                                        </p:attrNameLst>
+                                      </p:cBhvr>
+                                      <p:tavLst>
+                                        <p:tav tm="0">
+                                          <p:val>
+                                            <p:strVal val="1+#ppt_h/2"/>
+                                          </p:val>
+                                        </p:tav>
+                                        <p:tav tm="100000">
+                                          <p:val>
+                                            <p:strVal val="#ppt_y"/>
+                                          </p:val>
+                                        </p:tav>
+                                      </p:tavLst>
+                                    </p:anim>
+                                  </p:childTnLst>
+                                </p:cTn>
+                              </p:par>
+                            </p:childTnLst>
+                          </p:cTn>
+                        </p:par>
+                      </p:childTnLst>
+                    </p:cTn>
+                  </p:par>
+                  <p:par>
+                    <p:cTn id="73" fill="hold">
+                      <p:stCondLst>
+                        <p:cond delay="indefinite"/>
+                      </p:stCondLst>
+                      <p:childTnLst>
+                        <p:par>
+                          <p:cTn id="74" fill="hold">
+                            <p:stCondLst>
+                              <p:cond delay="0"/>
+                            </p:stCondLst>
+                            <p:childTnLst>
+                              <p:par>
+                                <p:cTn id="75" presetID="2" presetClass="entr" presetSubtype="4" fill="hold" grpId="0" nodeType="clickEffect">
+                                  <p:stCondLst>
+                                    <p:cond delay="0"/>
+                                  </p:stCondLst>
+                                  <p:childTnLst>
+                                    <p:set>
+                                      <p:cBhvr>
+                                        <p:cTn id="76" dur="1" fill="hold">
+                                          <p:stCondLst>
+                                            <p:cond delay="0"/>
+                                          </p:stCondLst>
+                                        </p:cTn>
+                                        <p:tgtEl>
+                                          <p:spTgt spid="27"/>
+                                        </p:tgtEl>
+                                        <p:attrNameLst>
+                                          <p:attrName>style.visibility</p:attrName>
+                                        </p:attrNameLst>
+                                      </p:cBhvr>
+                                      <p:to>
+                                        <p:strVal val="visible"/>
+                                      </p:to>
+                                    </p:set>
+                                    <p:anim calcmode="lin" valueType="num">
+                                      <p:cBhvr additive="base">
+                                        <p:cTn id="77" dur="500" fill="hold"/>
+                                        <p:tgtEl>
+                                          <p:spTgt spid="27"/>
+                                        </p:tgtEl>
+                                        <p:attrNameLst>
+                                          <p:attrName>ppt_x</p:attrName>
+                                        </p:attrNameLst>
+                                      </p:cBhvr>
+                                      <p:tavLst>
+                                        <p:tav tm="0">
+                                          <p:val>
+                                            <p:strVal val="#ppt_x"/>
+                                          </p:val>
+                                        </p:tav>
+                                        <p:tav tm="100000">
+                                          <p:val>
+                                            <p:strVal val="#ppt_x"/>
+                                          </p:val>
+                                        </p:tav>
+                                      </p:tavLst>
+                                    </p:anim>
+                                    <p:anim calcmode="lin" valueType="num">
+                                      <p:cBhvr additive="base">
+                                        <p:cTn id="78" dur="500" fill="hold"/>
+                                        <p:tgtEl>
+                                          <p:spTgt spid="27"/>
+                                        </p:tgtEl>
+                                        <p:attrNameLst>
+                                          <p:attrName>ppt_y</p:attrName>
+                                        </p:attrNameLst>
+                                      </p:cBhvr>
+                                      <p:tavLst>
+                                        <p:tav tm="0">
+                                          <p:val>
+                                            <p:strVal val="1+#ppt_h/2"/>
+                                          </p:val>
+                                        </p:tav>
+                                        <p:tav tm="100000">
+                                          <p:val>
+                                            <p:strVal val="#ppt_y"/>
+                                          </p:val>
+                                        </p:tav>
+                                      </p:tavLst>
+                                    </p:anim>
+                                  </p:childTnLst>
+                                </p:cTn>
+                              </p:par>
+                              <p:par>
+                                <p:cTn id="79" presetID="2" presetClass="entr" presetSubtype="4" fill="hold" nodeType="withEffect">
+                                  <p:stCondLst>
+                                    <p:cond delay="0"/>
+                                  </p:stCondLst>
+                                  <p:childTnLst>
+                                    <p:set>
+                                      <p:cBhvr>
+                                        <p:cTn id="80" dur="1" fill="hold">
+                                          <p:stCondLst>
+                                            <p:cond delay="0"/>
+                                          </p:stCondLst>
+                                        </p:cTn>
+                                        <p:tgtEl>
+                                          <p:spTgt spid="28"/>
+                                        </p:tgtEl>
+                                        <p:attrNameLst>
+                                          <p:attrName>style.visibility</p:attrName>
+                                        </p:attrNameLst>
+                                      </p:cBhvr>
+                                      <p:to>
+                                        <p:strVal val="visible"/>
+                                      </p:to>
+                                    </p:set>
+                                    <p:anim calcmode="lin" valueType="num">
+                                      <p:cBhvr additive="base">
+                                        <p:cTn id="81" dur="500" fill="hold"/>
+                                        <p:tgtEl>
+                                          <p:spTgt spid="28"/>
+                                        </p:tgtEl>
+                                        <p:attrNameLst>
+                                          <p:attrName>ppt_x</p:attrName>
+                                        </p:attrNameLst>
+                                      </p:cBhvr>
+                                      <p:tavLst>
+                                        <p:tav tm="0">
+                                          <p:val>
+                                            <p:strVal val="#ppt_x"/>
+                                          </p:val>
+                                        </p:tav>
+                                        <p:tav tm="100000">
+                                          <p:val>
+                                            <p:strVal val="#ppt_x"/>
+                                          </p:val>
+                                        </p:tav>
+                                      </p:tavLst>
+                                    </p:anim>
+                                    <p:anim calcmode="lin" valueType="num">
+                                      <p:cBhvr additive="base">
+                                        <p:cTn id="82" dur="500" fill="hold"/>
+                                        <p:tgtEl>
+                                          <p:spTgt spid="28"/>
+                                        </p:tgtEl>
+                                        <p:attrNameLst>
+                                          <p:attrName>ppt_y</p:attrName>
+                                        </p:attrNameLst>
+                                      </p:cBhvr>
+                                      <p:tavLst>
+                                        <p:tav tm="0">
+                                          <p:val>
+                                            <p:strVal val="1+#ppt_h/2"/>
+                                          </p:val>
+                                        </p:tav>
+                                        <p:tav tm="100000">
+                                          <p:val>
+                                            <p:strVal val="#ppt_y"/>
+                                          </p:val>
+                                        </p:tav>
+                                      </p:tavLst>
+                                    </p:anim>
+                                  </p:childTnLst>
+                                </p:cTn>
+                              </p:par>
+                              <p:par>
+                                <p:cTn id="83" presetID="2" presetClass="entr" presetSubtype="4" fill="hold" nodeType="withEffect">
+                                  <p:stCondLst>
+                                    <p:cond delay="0"/>
+                                  </p:stCondLst>
+                                  <p:childTnLst>
+                                    <p:set>
+                                      <p:cBhvr>
+                                        <p:cTn id="84" dur="1" fill="hold">
+                                          <p:stCondLst>
+                                            <p:cond delay="0"/>
+                                          </p:stCondLst>
+                                        </p:cTn>
+                                        <p:tgtEl>
+                                          <p:spTgt spid="30"/>
+                                        </p:tgtEl>
+                                        <p:attrNameLst>
+                                          <p:attrName>style.visibility</p:attrName>
+                                        </p:attrNameLst>
+                                      </p:cBhvr>
+                                      <p:to>
+                                        <p:strVal val="visible"/>
+                                      </p:to>
+                                    </p:set>
+                                    <p:anim calcmode="lin" valueType="num">
+                                      <p:cBhvr additive="base">
+                                        <p:cTn id="85" dur="500" fill="hold"/>
+                                        <p:tgtEl>
+                                          <p:spTgt spid="30"/>
+                                        </p:tgtEl>
+                                        <p:attrNameLst>
+                                          <p:attrName>ppt_x</p:attrName>
+                                        </p:attrNameLst>
+                                      </p:cBhvr>
+                                      <p:tavLst>
+                                        <p:tav tm="0">
+                                          <p:val>
+                                            <p:strVal val="#ppt_x"/>
+                                          </p:val>
+                                        </p:tav>
+                                        <p:tav tm="100000">
+                                          <p:val>
+                                            <p:strVal val="#ppt_x"/>
+                                          </p:val>
+                                        </p:tav>
+                                      </p:tavLst>
+                                    </p:anim>
+                                    <p:anim calcmode="lin" valueType="num">
+                                      <p:cBhvr additive="base">
+                                        <p:cTn id="86" dur="500" fill="hold"/>
+                                        <p:tgtEl>
+                                          <p:spTgt spid="30"/>
+                                        </p:tgtEl>
+                                        <p:attrNameLst>
+                                          <p:attrName>ppt_y</p:attrName>
+                                        </p:attrNameLst>
+                                      </p:cBhvr>
+                                      <p:tavLst>
+                                        <p:tav tm="0">
+                                          <p:val>
+                                            <p:strVal val="1+#ppt_h/2"/>
+                                          </p:val>
+                                        </p:tav>
+                                        <p:tav tm="100000">
+                                          <p:val>
+                                            <p:strVal val="#ppt_y"/>
+                                          </p:val>
+                                        </p:tav>
+                                      </p:tavLst>
+                                    </p:anim>
+                                  </p:childTnLst>
+                                </p:cTn>
+                              </p:par>
+                              <p:par>
+                                <p:cTn id="87" presetID="2" presetClass="entr" presetSubtype="4" fill="hold" nodeType="withEffect">
+                                  <p:stCondLst>
+                                    <p:cond delay="0"/>
+                                  </p:stCondLst>
+                                  <p:childTnLst>
+                                    <p:set>
+                                      <p:cBhvr>
+                                        <p:cTn id="88" dur="1" fill="hold">
+                                          <p:stCondLst>
+                                            <p:cond delay="0"/>
+                                          </p:stCondLst>
+                                        </p:cTn>
+                                        <p:tgtEl>
+                                          <p:spTgt spid="32"/>
+                                        </p:tgtEl>
+                                        <p:attrNameLst>
+                                          <p:attrName>style.visibility</p:attrName>
+                                        </p:attrNameLst>
+                                      </p:cBhvr>
+                                      <p:to>
+                                        <p:strVal val="visible"/>
+                                      </p:to>
+                                    </p:set>
+                                    <p:anim calcmode="lin" valueType="num">
+                                      <p:cBhvr additive="base">
+                                        <p:cTn id="89" dur="500" fill="hold"/>
+                                        <p:tgtEl>
+                                          <p:spTgt spid="32"/>
+                                        </p:tgtEl>
+                                        <p:attrNameLst>
+                                          <p:attrName>ppt_x</p:attrName>
+                                        </p:attrNameLst>
+                                      </p:cBhvr>
+                                      <p:tavLst>
+                                        <p:tav tm="0">
+                                          <p:val>
+                                            <p:strVal val="#ppt_x"/>
+                                          </p:val>
+                                        </p:tav>
+                                        <p:tav tm="100000">
+                                          <p:val>
+                                            <p:strVal val="#ppt_x"/>
+                                          </p:val>
+                                        </p:tav>
+                                      </p:tavLst>
+                                    </p:anim>
+                                    <p:anim calcmode="lin" valueType="num">
+                                      <p:cBhvr additive="base">
+                                        <p:cTn id="90" dur="500" fill="hold"/>
+                                        <p:tgtEl>
+                                          <p:spTgt spid="32"/>
+                                        </p:tgtEl>
+                                        <p:attrNameLst>
+                                          <p:attrName>ppt_y</p:attrName>
+                                        </p:attrNameLst>
+                                      </p:cBhvr>
+                                      <p:tavLst>
+                                        <p:tav tm="0">
+                                          <p:val>
+                                            <p:strVal val="1+#ppt_h/2"/>
+                                          </p:val>
+                                        </p:tav>
+                                        <p:tav tm="100000">
+                                          <p:val>
+                                            <p:strVal val="#ppt_y"/>
+                                          </p:val>
+                                        </p:tav>
+                                      </p:tavLst>
+                                    </p:anim>
+                                  </p:childTnLst>
+                                </p:cTn>
+                              </p:par>
+                              <p:par>
+                                <p:cTn id="91" presetID="2" presetClass="entr" presetSubtype="4" fill="hold" nodeType="withEffect">
+                                  <p:stCondLst>
+                                    <p:cond delay="0"/>
+                                  </p:stCondLst>
+                                  <p:childTnLst>
+                                    <p:set>
+                                      <p:cBhvr>
+                                        <p:cTn id="92" dur="1" fill="hold">
+                                          <p:stCondLst>
+                                            <p:cond delay="0"/>
+                                          </p:stCondLst>
+                                        </p:cTn>
+                                        <p:tgtEl>
+                                          <p:spTgt spid="33"/>
+                                        </p:tgtEl>
+                                        <p:attrNameLst>
+                                          <p:attrName>style.visibility</p:attrName>
+                                        </p:attrNameLst>
+                                      </p:cBhvr>
+                                      <p:to>
+                                        <p:strVal val="visible"/>
+                                      </p:to>
+                                    </p:set>
+                                    <p:anim calcmode="lin" valueType="num">
+                                      <p:cBhvr additive="base">
+                                        <p:cTn id="93" dur="500" fill="hold"/>
+                                        <p:tgtEl>
+                                          <p:spTgt spid="33"/>
+                                        </p:tgtEl>
+                                        <p:attrNameLst>
+                                          <p:attrName>ppt_x</p:attrName>
+                                        </p:attrNameLst>
+                                      </p:cBhvr>
+                                      <p:tavLst>
+                                        <p:tav tm="0">
+                                          <p:val>
+                                            <p:strVal val="#ppt_x"/>
+                                          </p:val>
+                                        </p:tav>
+                                        <p:tav tm="100000">
+                                          <p:val>
+                                            <p:strVal val="#ppt_x"/>
+                                          </p:val>
+                                        </p:tav>
+                                      </p:tavLst>
+                                    </p:anim>
+                                    <p:anim calcmode="lin" valueType="num">
+                                      <p:cBhvr additive="base">
+                                        <p:cTn id="94" dur="500" fill="hold"/>
+                                        <p:tgtEl>
+                                          <p:spTgt spid="33"/>
+                                        </p:tgtEl>
+                                        <p:attrNameLst>
+                                          <p:attrName>ppt_y</p:attrName>
+                                        </p:attrNameLst>
+                                      </p:cBhvr>
+                                      <p:tavLst>
+                                        <p:tav tm="0">
+                                          <p:val>
+                                            <p:strVal val="1+#ppt_h/2"/>
+                                          </p:val>
+                                        </p:tav>
+                                        <p:tav tm="100000">
+                                          <p:val>
+                                            <p:strVal val="#ppt_y"/>
+                                          </p:val>
+                                        </p:tav>
+                                      </p:tavLst>
+                                    </p:anim>
+                                  </p:childTnLst>
+                                </p:cTn>
+                              </p:par>
+                            </p:childTnLst>
+                          </p:cTn>
+                        </p:par>
+                      </p:childTnLst>
+                    </p:cTn>
+                  </p:par>
+                  <p:par>
+                    <p:cTn id="95" fill="hold">
+                      <p:stCondLst>
+                        <p:cond delay="indefinite"/>
+                      </p:stCondLst>
+                      <p:childTnLst>
+                        <p:par>
+                          <p:cTn id="96" fill="hold">
+                            <p:stCondLst>
+                              <p:cond delay="0"/>
+                            </p:stCondLst>
+                            <p:childTnLst>
+                              <p:par>
+                                <p:cTn id="97" presetID="2" presetClass="entr" presetSubtype="4" fill="hold" nodeType="clickEffect">
+                                  <p:stCondLst>
+                                    <p:cond delay="0"/>
+                                  </p:stCondLst>
+                                  <p:childTnLst>
+                                    <p:set>
+                                      <p:cBhvr>
+                                        <p:cTn id="98" dur="1" fill="hold">
+                                          <p:stCondLst>
+                                            <p:cond delay="0"/>
+                                          </p:stCondLst>
+                                        </p:cTn>
+                                        <p:tgtEl>
+                                          <p:spTgt spid="35"/>
+                                        </p:tgtEl>
+                                        <p:attrNameLst>
+                                          <p:attrName>style.visibility</p:attrName>
+                                        </p:attrNameLst>
+                                      </p:cBhvr>
+                                      <p:to>
+                                        <p:strVal val="visible"/>
+                                      </p:to>
+                                    </p:set>
+                                    <p:anim calcmode="lin" valueType="num">
+                                      <p:cBhvr additive="base">
+                                        <p:cTn id="99" dur="500" fill="hold"/>
+                                        <p:tgtEl>
+                                          <p:spTgt spid="35"/>
+                                        </p:tgtEl>
+                                        <p:attrNameLst>
+                                          <p:attrName>ppt_x</p:attrName>
+                                        </p:attrNameLst>
+                                      </p:cBhvr>
+                                      <p:tavLst>
+                                        <p:tav tm="0">
+                                          <p:val>
+                                            <p:strVal val="#ppt_x"/>
+                                          </p:val>
+                                        </p:tav>
+                                        <p:tav tm="100000">
+                                          <p:val>
+                                            <p:strVal val="#ppt_x"/>
+                                          </p:val>
+                                        </p:tav>
+                                      </p:tavLst>
+                                    </p:anim>
+                                    <p:anim calcmode="lin" valueType="num">
+                                      <p:cBhvr additive="base">
+                                        <p:cTn id="100" dur="500" fill="hold"/>
+                                        <p:tgtEl>
+                                          <p:spTgt spid="35"/>
+                                        </p:tgtEl>
+                                        <p:attrNameLst>
+                                          <p:attrName>ppt_y</p:attrName>
+                                        </p:attrNameLst>
+                                      </p:cBhvr>
+                                      <p:tavLst>
+                                        <p:tav tm="0">
+                                          <p:val>
+                                            <p:strVal val="1+#ppt_h/2"/>
+                                          </p:val>
+                                        </p:tav>
+                                        <p:tav tm="100000">
+                                          <p:val>
+                                            <p:strVal val="#ppt_y"/>
+                                          </p:val>
+                                        </p:tav>
+                                      </p:tavLst>
+                                    </p:anim>
+                                  </p:childTnLst>
+                                </p:cTn>
+                              </p:par>
+                              <p:par>
+                                <p:cTn id="101" presetID="2" presetClass="entr" presetSubtype="4" fill="hold" grpId="0" nodeType="withEffect">
+                                  <p:stCondLst>
+                                    <p:cond delay="0"/>
+                                  </p:stCondLst>
+                                  <p:childTnLst>
+                                    <p:set>
+                                      <p:cBhvr>
+                                        <p:cTn id="102" dur="1" fill="hold">
+                                          <p:stCondLst>
+                                            <p:cond delay="0"/>
+                                          </p:stCondLst>
+                                        </p:cTn>
+                                        <p:tgtEl>
+                                          <p:spTgt spid="36"/>
+                                        </p:tgtEl>
+                                        <p:attrNameLst>
+                                          <p:attrName>style.visibility</p:attrName>
+                                        </p:attrNameLst>
+                                      </p:cBhvr>
+                                      <p:to>
+                                        <p:strVal val="visible"/>
+                                      </p:to>
+                                    </p:set>
+                                    <p:anim calcmode="lin" valueType="num">
+                                      <p:cBhvr additive="base">
+                                        <p:cTn id="103" dur="500" fill="hold"/>
+                                        <p:tgtEl>
+                                          <p:spTgt spid="36"/>
+                                        </p:tgtEl>
+                                        <p:attrNameLst>
+                                          <p:attrName>ppt_x</p:attrName>
+                                        </p:attrNameLst>
+                                      </p:cBhvr>
+                                      <p:tavLst>
+                                        <p:tav tm="0">
+                                          <p:val>
+                                            <p:strVal val="#ppt_x"/>
+                                          </p:val>
+                                        </p:tav>
+                                        <p:tav tm="100000">
+                                          <p:val>
+                                            <p:strVal val="#ppt_x"/>
+                                          </p:val>
+                                        </p:tav>
+                                      </p:tavLst>
+                                    </p:anim>
+                                    <p:anim calcmode="lin" valueType="num">
+                                      <p:cBhvr additive="base">
+                                        <p:cTn id="104" dur="500" fill="hold"/>
+                                        <p:tgtEl>
+                                          <p:spTgt spid="36"/>
+                                        </p:tgtEl>
+                                        <p:attrNameLst>
+                                          <p:attrName>ppt_y</p:attrName>
+                                        </p:attrNameLst>
+                                      </p:cBhvr>
+                                      <p:tavLst>
+                                        <p:tav tm="0">
+                                          <p:val>
+                                            <p:strVal val="1+#ppt_h/2"/>
+                                          </p:val>
+                                        </p:tav>
+                                        <p:tav tm="100000">
+                                          <p:val>
+                                            <p:strVal val="#ppt_y"/>
+                                          </p:val>
+                                        </p:tav>
+                                      </p:tavLst>
+                                    </p:anim>
+                                  </p:childTnLst>
+                                </p:cTn>
+                              </p:par>
+                            </p:childTnLst>
+                          </p:cTn>
+                        </p:par>
+                      </p:childTnLst>
+                    </p:cTn>
+                  </p:par>
+                </p:childTnLst>
+              </p:cTn>
+              <p:prevCondLst>
+                <p:cond evt="onPrev" delay="0">
+                  <p:tgtEl>
+                    <p:sldTgt/>
+                  </p:tgtEl>
+                </p:cond>
+              </p:prevCondLst>
+              <p:nextCondLst>
+                <p:cond evt="onNext" delay="0">
+                  <p:tgtEl>
+                    <p:sldTgt/>
+                  </p:tgtEl>
+                </p:cond>
+              </p:nextCondLst>
+            </p:seq>
+          </p:childTnLst>
+        </p:cTn>
+      </p:par>
+    </p:tnLst>
+    <p:bldLst>
+      <p:bldP spid="2" grpId="0" animBg="1"/>
+      <p:bldP spid="8" grpId="0"/>
+      <p:bldP spid="20" grpId="0" animBg="1"/>
+      <p:bldP spid="27" grpId="0" animBg="1"/>
+      <p:bldP spid="36" grpId="0"/>
+    </p:bldLst>
+  </p:timing>
+</p:sld>
+</file>
+
+<file path=ppt/slides/slide17.xml><?xml version="1.0" encoding="utf-8"?>
+<p:sld xmlns:a="http://schemas.openxmlformats.org/drawingml/2006/main" xmlns:r="http://schemas.openxmlformats.org/officeDocument/2006/relationships" xmlns:p="http://schemas.openxmlformats.org/presentationml/2006/main">
+  <p:cSld>
+    <p:spTree>
+      <p:nvGrpSpPr>
+        <p:cNvPr id="1" name=""/>
+        <p:cNvGrpSpPr/>
+        <p:nvPr/>
+      </p:nvGrpSpPr>
+      <p:grpSpPr>
+        <a:xfrm>
+          <a:off x="0" y="0"/>
+          <a:ext cx="0" cy="0"/>
+          <a:chOff x="0" y="0"/>
+          <a:chExt cx="0" cy="0"/>
+        </a:xfrm>
+      </p:grpSpPr>
+      <p:pic>
+        <p:nvPicPr>
           <p:cNvPr id="4" name="Picture 2"/>
           <p:cNvPicPr>
             <a:picLocks noChangeAspect="1" noChangeArrowheads="1"/>
@@ -8043,7 +10941,7 @@
                 </a:solidFill>
                 <a:latin typeface="Times New Roman" pitchFamily="18" charset="0"/>
               </a:rPr>
-              <a:t>To work it out completely you’ll need the integral: </a:t>
+              <a:t>To work it out completely by hand you’ll need the integral: </a:t>
             </a:r>
           </a:p>
         </p:txBody>
@@ -8115,7 +11013,7 @@
 </p:sld>
 </file>
 
-<file path=ppt/slides/slide17.xml><?xml version="1.0" encoding="utf-8"?>
+<file path=ppt/slides/slide18.xml><?xml version="1.0" encoding="utf-8"?>
 <p:sld xmlns:a="http://schemas.openxmlformats.org/drawingml/2006/main" xmlns:r="http://schemas.openxmlformats.org/officeDocument/2006/relationships" xmlns:p="http://schemas.openxmlformats.org/presentationml/2006/main">
   <p:cSld>
     <p:spTree>
@@ -8170,20 +11068,495 @@
           </a:ln>
         </p:spPr>
       </p:pic>
+      <p:pic>
+        <p:nvPicPr>
+          <p:cNvPr id="2" name="Picture 1">
+            <a:extLst>
+              <a:ext uri="{FF2B5EF4-FFF2-40B4-BE49-F238E27FC236}">
+                <a16:creationId xmlns:a16="http://schemas.microsoft.com/office/drawing/2014/main" id="{77A0FEF1-E92E-AFE0-F9F2-A83078AECD82}"/>
+              </a:ext>
+            </a:extLst>
+          </p:cNvPr>
+          <p:cNvPicPr>
+            <a:picLocks noChangeAspect="1"/>
+          </p:cNvPicPr>
+          <p:nvPr/>
+        </p:nvPicPr>
+        <p:blipFill>
+          <a:blip r:embed="rId3"/>
+          <a:stretch>
+            <a:fillRect/>
+          </a:stretch>
+        </p:blipFill>
+        <p:spPr>
+          <a:xfrm>
+            <a:off x="2176283" y="1042907"/>
+            <a:ext cx="3564761" cy="893819"/>
+          </a:xfrm>
+          <a:prstGeom prst="rect">
+            <a:avLst/>
+          </a:prstGeom>
+        </p:spPr>
+      </p:pic>
+      <p:pic>
+        <p:nvPicPr>
+          <p:cNvPr id="5" name="Picture 4">
+            <a:extLst>
+              <a:ext uri="{FF2B5EF4-FFF2-40B4-BE49-F238E27FC236}">
+                <a16:creationId xmlns:a16="http://schemas.microsoft.com/office/drawing/2014/main" id="{0DFC81E3-0398-245F-5757-707ACF426B85}"/>
+              </a:ext>
+            </a:extLst>
+          </p:cNvPr>
+          <p:cNvPicPr>
+            <a:picLocks noChangeAspect="1"/>
+          </p:cNvPicPr>
+          <p:nvPr/>
+        </p:nvPicPr>
+        <p:blipFill>
+          <a:blip r:embed="rId4"/>
+          <a:stretch>
+            <a:fillRect/>
+          </a:stretch>
+        </p:blipFill>
+        <p:spPr>
+          <a:xfrm>
+            <a:off x="2826956" y="2338267"/>
+            <a:ext cx="2582983" cy="907246"/>
+          </a:xfrm>
+          <a:prstGeom prst="rect">
+            <a:avLst/>
+          </a:prstGeom>
+        </p:spPr>
+      </p:pic>
+      <p:sp>
+        <p:nvSpPr>
+          <p:cNvPr id="6" name="TextBox 5">
+            <a:extLst>
+              <a:ext uri="{FF2B5EF4-FFF2-40B4-BE49-F238E27FC236}">
+                <a16:creationId xmlns:a16="http://schemas.microsoft.com/office/drawing/2014/main" id="{655D2245-FDAC-6EFA-2CBC-3E6BE20B218A}"/>
+              </a:ext>
+            </a:extLst>
+          </p:cNvPr>
+          <p:cNvSpPr txBox="1"/>
+          <p:nvPr/>
+        </p:nvSpPr>
+        <p:spPr>
+          <a:xfrm>
+            <a:off x="1230653" y="3811132"/>
+            <a:ext cx="6900558" cy="923330"/>
+          </a:xfrm>
+          <a:prstGeom prst="rect">
+            <a:avLst/>
+          </a:prstGeom>
+          <a:solidFill>
+            <a:schemeClr val="accent1">
+              <a:lumMod val="20000"/>
+              <a:lumOff val="80000"/>
+            </a:schemeClr>
+          </a:solidFill>
+        </p:spPr>
+        <p:txBody>
+          <a:bodyPr wrap="square" rtlCol="0">
+            <a:spAutoFit/>
+          </a:bodyPr>
+          <a:lstStyle/>
+          <a:p>
+            <a:r>
+              <a:rPr lang="en-US" b="1" dirty="0">
+                <a:latin typeface="Courier" pitchFamily="2" charset="0"/>
+              </a:rPr>
+              <a:t>f = ((m w)/(Pi </a:t>
+            </a:r>
+            <a:r>
+              <a:rPr lang="en-US" b="1" dirty="0" err="1">
+                <a:latin typeface="Courier" pitchFamily="2" charset="0"/>
+              </a:rPr>
+              <a:t>hb</a:t>
+            </a:r>
+            <a:r>
+              <a:rPr lang="en-US" b="1" dirty="0">
+                <a:latin typeface="Courier" pitchFamily="2" charset="0"/>
+              </a:rPr>
+              <a:t>))^(1/4) Exp[-(m w x^2)/(2 </a:t>
+            </a:r>
+            <a:r>
+              <a:rPr lang="en-US" b="1" dirty="0" err="1">
+                <a:latin typeface="Courier" pitchFamily="2" charset="0"/>
+              </a:rPr>
+              <a:t>hb</a:t>
+            </a:r>
+            <a:r>
+              <a:rPr lang="en-US" b="1" dirty="0">
+                <a:latin typeface="Courier" pitchFamily="2" charset="0"/>
+              </a:rPr>
+              <a:t>)];</a:t>
+            </a:r>
+          </a:p>
+          <a:p>
+            <a:endParaRPr lang="en-US" b="1" dirty="0">
+              <a:latin typeface="Courier" pitchFamily="2" charset="0"/>
+            </a:endParaRPr>
+          </a:p>
+          <a:p>
+            <a:r>
+              <a:rPr lang="en-US" b="1" dirty="0">
+                <a:latin typeface="Courier" pitchFamily="2" charset="0"/>
+              </a:rPr>
+              <a:t>Integrate[x f^2, {x, -Infinity, Infinity}]</a:t>
+            </a:r>
+          </a:p>
+        </p:txBody>
+      </p:sp>
+      <p:pic>
+        <p:nvPicPr>
+          <p:cNvPr id="7" name="Picture 6">
+            <a:extLst>
+              <a:ext uri="{FF2B5EF4-FFF2-40B4-BE49-F238E27FC236}">
+                <a16:creationId xmlns:a16="http://schemas.microsoft.com/office/drawing/2014/main" id="{819FF80C-E3FD-2E01-A7A1-5C9BB4C105A5}"/>
+              </a:ext>
+            </a:extLst>
+          </p:cNvPr>
+          <p:cNvPicPr>
+            <a:picLocks noChangeAspect="1"/>
+          </p:cNvPicPr>
+          <p:nvPr/>
+        </p:nvPicPr>
+        <p:blipFill>
+          <a:blip r:embed="rId5"/>
+          <a:stretch>
+            <a:fillRect/>
+          </a:stretch>
+        </p:blipFill>
+        <p:spPr>
+          <a:xfrm>
+            <a:off x="2557282" y="5119919"/>
+            <a:ext cx="3543300" cy="736600"/>
+          </a:xfrm>
+          <a:prstGeom prst="rect">
+            <a:avLst/>
+          </a:prstGeom>
+        </p:spPr>
+      </p:pic>
     </p:spTree>
     <p:extLst>
       <p:ext uri="{BB962C8B-B14F-4D97-AF65-F5344CB8AC3E}">
-        <p14:creationId xmlns:p14="http://schemas.microsoft.com/office/powerpoint/2010/main" val="3442557538"/>
+        <p14:creationId xmlns:p14="http://schemas.microsoft.com/office/powerpoint/2010/main" val="3622149912"/>
       </p:ext>
     </p:extLst>
   </p:cSld>
   <p:clrMapOvr>
     <a:masterClrMapping/>
   </p:clrMapOvr>
+  <p:timing>
+    <p:tnLst>
+      <p:par>
+        <p:cTn id="1" dur="indefinite" restart="never" nodeType="tmRoot">
+          <p:childTnLst>
+            <p:seq concurrent="1" nextAc="seek">
+              <p:cTn id="2" dur="indefinite" nodeType="mainSeq">
+                <p:childTnLst>
+                  <p:par>
+                    <p:cTn id="3" fill="hold">
+                      <p:stCondLst>
+                        <p:cond delay="indefinite"/>
+                      </p:stCondLst>
+                      <p:childTnLst>
+                        <p:par>
+                          <p:cTn id="4" fill="hold">
+                            <p:stCondLst>
+                              <p:cond delay="0"/>
+                            </p:stCondLst>
+                            <p:childTnLst>
+                              <p:par>
+                                <p:cTn id="5" presetID="2" presetClass="entr" presetSubtype="4" fill="hold" nodeType="clickEffect">
+                                  <p:stCondLst>
+                                    <p:cond delay="0"/>
+                                  </p:stCondLst>
+                                  <p:childTnLst>
+                                    <p:set>
+                                      <p:cBhvr>
+                                        <p:cTn id="6" dur="1" fill="hold">
+                                          <p:stCondLst>
+                                            <p:cond delay="0"/>
+                                          </p:stCondLst>
+                                        </p:cTn>
+                                        <p:tgtEl>
+                                          <p:spTgt spid="5"/>
+                                        </p:tgtEl>
+                                        <p:attrNameLst>
+                                          <p:attrName>style.visibility</p:attrName>
+                                        </p:attrNameLst>
+                                      </p:cBhvr>
+                                      <p:to>
+                                        <p:strVal val="visible"/>
+                                      </p:to>
+                                    </p:set>
+                                    <p:anim calcmode="lin" valueType="num">
+                                      <p:cBhvr additive="base">
+                                        <p:cTn id="7" dur="500" fill="hold"/>
+                                        <p:tgtEl>
+                                          <p:spTgt spid="5"/>
+                                        </p:tgtEl>
+                                        <p:attrNameLst>
+                                          <p:attrName>ppt_x</p:attrName>
+                                        </p:attrNameLst>
+                                      </p:cBhvr>
+                                      <p:tavLst>
+                                        <p:tav tm="0">
+                                          <p:val>
+                                            <p:strVal val="#ppt_x"/>
+                                          </p:val>
+                                        </p:tav>
+                                        <p:tav tm="100000">
+                                          <p:val>
+                                            <p:strVal val="#ppt_x"/>
+                                          </p:val>
+                                        </p:tav>
+                                      </p:tavLst>
+                                    </p:anim>
+                                    <p:anim calcmode="lin" valueType="num">
+                                      <p:cBhvr additive="base">
+                                        <p:cTn id="8" dur="500" fill="hold"/>
+                                        <p:tgtEl>
+                                          <p:spTgt spid="5"/>
+                                        </p:tgtEl>
+                                        <p:attrNameLst>
+                                          <p:attrName>ppt_y</p:attrName>
+                                        </p:attrNameLst>
+                                      </p:cBhvr>
+                                      <p:tavLst>
+                                        <p:tav tm="0">
+                                          <p:val>
+                                            <p:strVal val="1+#ppt_h/2"/>
+                                          </p:val>
+                                        </p:tav>
+                                        <p:tav tm="100000">
+                                          <p:val>
+                                            <p:strVal val="#ppt_y"/>
+                                          </p:val>
+                                        </p:tav>
+                                      </p:tavLst>
+                                    </p:anim>
+                                  </p:childTnLst>
+                                </p:cTn>
+                              </p:par>
+                            </p:childTnLst>
+                          </p:cTn>
+                        </p:par>
+                      </p:childTnLst>
+                    </p:cTn>
+                  </p:par>
+                  <p:par>
+                    <p:cTn id="9" fill="hold">
+                      <p:stCondLst>
+                        <p:cond delay="indefinite"/>
+                      </p:stCondLst>
+                      <p:childTnLst>
+                        <p:par>
+                          <p:cTn id="10" fill="hold">
+                            <p:stCondLst>
+                              <p:cond delay="0"/>
+                            </p:stCondLst>
+                            <p:childTnLst>
+                              <p:par>
+                                <p:cTn id="11" presetID="2" presetClass="entr" presetSubtype="4" fill="hold" grpId="0" nodeType="clickEffect">
+                                  <p:stCondLst>
+                                    <p:cond delay="0"/>
+                                  </p:stCondLst>
+                                  <p:childTnLst>
+                                    <p:set>
+                                      <p:cBhvr>
+                                        <p:cTn id="12" dur="1" fill="hold">
+                                          <p:stCondLst>
+                                            <p:cond delay="0"/>
+                                          </p:stCondLst>
+                                        </p:cTn>
+                                        <p:tgtEl>
+                                          <p:spTgt spid="6"/>
+                                        </p:tgtEl>
+                                        <p:attrNameLst>
+                                          <p:attrName>style.visibility</p:attrName>
+                                        </p:attrNameLst>
+                                      </p:cBhvr>
+                                      <p:to>
+                                        <p:strVal val="visible"/>
+                                      </p:to>
+                                    </p:set>
+                                    <p:anim calcmode="lin" valueType="num">
+                                      <p:cBhvr additive="base">
+                                        <p:cTn id="13" dur="500" fill="hold"/>
+                                        <p:tgtEl>
+                                          <p:spTgt spid="6"/>
+                                        </p:tgtEl>
+                                        <p:attrNameLst>
+                                          <p:attrName>ppt_x</p:attrName>
+                                        </p:attrNameLst>
+                                      </p:cBhvr>
+                                      <p:tavLst>
+                                        <p:tav tm="0">
+                                          <p:val>
+                                            <p:strVal val="#ppt_x"/>
+                                          </p:val>
+                                        </p:tav>
+                                        <p:tav tm="100000">
+                                          <p:val>
+                                            <p:strVal val="#ppt_x"/>
+                                          </p:val>
+                                        </p:tav>
+                                      </p:tavLst>
+                                    </p:anim>
+                                    <p:anim calcmode="lin" valueType="num">
+                                      <p:cBhvr additive="base">
+                                        <p:cTn id="14" dur="500" fill="hold"/>
+                                        <p:tgtEl>
+                                          <p:spTgt spid="6"/>
+                                        </p:tgtEl>
+                                        <p:attrNameLst>
+                                          <p:attrName>ppt_y</p:attrName>
+                                        </p:attrNameLst>
+                                      </p:cBhvr>
+                                      <p:tavLst>
+                                        <p:tav tm="0">
+                                          <p:val>
+                                            <p:strVal val="1+#ppt_h/2"/>
+                                          </p:val>
+                                        </p:tav>
+                                        <p:tav tm="100000">
+                                          <p:val>
+                                            <p:strVal val="#ppt_y"/>
+                                          </p:val>
+                                        </p:tav>
+                                      </p:tavLst>
+                                    </p:anim>
+                                  </p:childTnLst>
+                                </p:cTn>
+                              </p:par>
+                            </p:childTnLst>
+                          </p:cTn>
+                        </p:par>
+                      </p:childTnLst>
+                    </p:cTn>
+                  </p:par>
+                  <p:par>
+                    <p:cTn id="15" fill="hold">
+                      <p:stCondLst>
+                        <p:cond delay="indefinite"/>
+                      </p:stCondLst>
+                      <p:childTnLst>
+                        <p:par>
+                          <p:cTn id="16" fill="hold">
+                            <p:stCondLst>
+                              <p:cond delay="0"/>
+                            </p:stCondLst>
+                            <p:childTnLst>
+                              <p:par>
+                                <p:cTn id="17" presetID="2" presetClass="entr" presetSubtype="4" fill="hold" nodeType="clickEffect">
+                                  <p:stCondLst>
+                                    <p:cond delay="0"/>
+                                  </p:stCondLst>
+                                  <p:childTnLst>
+                                    <p:set>
+                                      <p:cBhvr>
+                                        <p:cTn id="18" dur="1" fill="hold">
+                                          <p:stCondLst>
+                                            <p:cond delay="0"/>
+                                          </p:stCondLst>
+                                        </p:cTn>
+                                        <p:tgtEl>
+                                          <p:spTgt spid="7"/>
+                                        </p:tgtEl>
+                                        <p:attrNameLst>
+                                          <p:attrName>style.visibility</p:attrName>
+                                        </p:attrNameLst>
+                                      </p:cBhvr>
+                                      <p:to>
+                                        <p:strVal val="visible"/>
+                                      </p:to>
+                                    </p:set>
+                                    <p:anim calcmode="lin" valueType="num">
+                                      <p:cBhvr additive="base">
+                                        <p:cTn id="19" dur="500" fill="hold"/>
+                                        <p:tgtEl>
+                                          <p:spTgt spid="7"/>
+                                        </p:tgtEl>
+                                        <p:attrNameLst>
+                                          <p:attrName>ppt_x</p:attrName>
+                                        </p:attrNameLst>
+                                      </p:cBhvr>
+                                      <p:tavLst>
+                                        <p:tav tm="0">
+                                          <p:val>
+                                            <p:strVal val="#ppt_x"/>
+                                          </p:val>
+                                        </p:tav>
+                                        <p:tav tm="100000">
+                                          <p:val>
+                                            <p:strVal val="#ppt_x"/>
+                                          </p:val>
+                                        </p:tav>
+                                      </p:tavLst>
+                                    </p:anim>
+                                    <p:anim calcmode="lin" valueType="num">
+                                      <p:cBhvr additive="base">
+                                        <p:cTn id="20" dur="500" fill="hold"/>
+                                        <p:tgtEl>
+                                          <p:spTgt spid="7"/>
+                                        </p:tgtEl>
+                                        <p:attrNameLst>
+                                          <p:attrName>ppt_y</p:attrName>
+                                        </p:attrNameLst>
+                                      </p:cBhvr>
+                                      <p:tavLst>
+                                        <p:tav tm="0">
+                                          <p:val>
+                                            <p:strVal val="1+#ppt_h/2"/>
+                                          </p:val>
+                                        </p:tav>
+                                        <p:tav tm="100000">
+                                          <p:val>
+                                            <p:strVal val="#ppt_y"/>
+                                          </p:val>
+                                        </p:tav>
+                                      </p:tavLst>
+                                    </p:anim>
+                                  </p:childTnLst>
+                                </p:cTn>
+                              </p:par>
+                            </p:childTnLst>
+                          </p:cTn>
+                        </p:par>
+                      </p:childTnLst>
+                    </p:cTn>
+                  </p:par>
+                </p:childTnLst>
+              </p:cTn>
+              <p:prevCondLst>
+                <p:cond evt="onPrev" delay="0">
+                  <p:tgtEl>
+                    <p:sldTgt/>
+                  </p:tgtEl>
+                </p:cond>
+              </p:prevCondLst>
+              <p:nextCondLst>
+                <p:cond evt="onNext" delay="0">
+                  <p:tgtEl>
+                    <p:sldTgt/>
+                  </p:tgtEl>
+                </p:cond>
+              </p:nextCondLst>
+            </p:seq>
+          </p:childTnLst>
+        </p:cTn>
+      </p:par>
+    </p:tnLst>
+    <p:bldLst>
+      <p:bldP spid="6" grpId="0" animBg="1"/>
+    </p:bldLst>
+  </p:timing>
 </p:sld>
 </file>
 
-<file path=ppt/slides/slide18.xml><?xml version="1.0" encoding="utf-8"?>
+<file path=ppt/slides/slide19.xml><?xml version="1.0" encoding="utf-8"?>
 <p:sld xmlns:a="http://schemas.openxmlformats.org/drawingml/2006/main" xmlns:r="http://schemas.openxmlformats.org/officeDocument/2006/relationships" xmlns:p="http://schemas.openxmlformats.org/presentationml/2006/main">
   <p:cSld>
     <p:spTree>
@@ -9108,393 +12481,6 @@
 </p:sld>
 </file>
 
-<file path=ppt/slides/slide19.xml><?xml version="1.0" encoding="utf-8"?>
-<p:sld xmlns:a="http://schemas.openxmlformats.org/drawingml/2006/main" xmlns:r="http://schemas.openxmlformats.org/officeDocument/2006/relationships" xmlns:p="http://schemas.openxmlformats.org/presentationml/2006/main">
-  <p:cSld>
-    <p:spTree>
-      <p:nvGrpSpPr>
-        <p:cNvPr id="1" name=""/>
-        <p:cNvGrpSpPr/>
-        <p:nvPr/>
-      </p:nvGrpSpPr>
-      <p:grpSpPr>
-        <a:xfrm>
-          <a:off x="0" y="0"/>
-          <a:ext cx="0" cy="0"/>
-          <a:chOff x="0" y="0"/>
-          <a:chExt cx="0" cy="0"/>
-        </a:xfrm>
-      </p:grpSpPr>
-      <p:pic>
-        <p:nvPicPr>
-          <p:cNvPr id="4" name="Picture 2"/>
-          <p:cNvPicPr>
-            <a:picLocks noChangeAspect="1" noChangeArrowheads="1"/>
-          </p:cNvPicPr>
-          <p:nvPr/>
-        </p:nvPicPr>
-        <p:blipFill>
-          <a:blip r:embed="rId2" cstate="print"/>
-          <a:srcRect/>
-          <a:stretch>
-            <a:fillRect/>
-          </a:stretch>
-        </p:blipFill>
-        <p:spPr bwMode="auto">
-          <a:xfrm>
-            <a:off x="484188" y="76200"/>
-            <a:ext cx="8202612" cy="239712"/>
-          </a:xfrm>
-          <a:prstGeom prst="rect">
-            <a:avLst/>
-          </a:prstGeom>
-          <a:noFill/>
-          <a:ln w="9525">
-            <a:noFill/>
-            <a:round/>
-            <a:headEnd/>
-            <a:tailEnd/>
-          </a:ln>
-        </p:spPr>
-      </p:pic>
-      <p:sp>
-        <p:nvSpPr>
-          <p:cNvPr id="5" name="Rectangle 4"/>
-          <p:cNvSpPr>
-            <a:spLocks noChangeArrowheads="1"/>
-          </p:cNvSpPr>
-          <p:nvPr/>
-        </p:nvSpPr>
-        <p:spPr bwMode="auto">
-          <a:xfrm>
-            <a:off x="103718" y="116417"/>
-            <a:ext cx="8991601" cy="1127125"/>
-          </a:xfrm>
-          <a:prstGeom prst="rect">
-            <a:avLst/>
-          </a:prstGeom>
-          <a:noFill/>
-          <a:ln w="9525">
-            <a:noFill/>
-            <a:round/>
-            <a:headEnd/>
-            <a:tailEnd/>
-          </a:ln>
-        </p:spPr>
-        <p:txBody>
-          <a:bodyPr lIns="0" tIns="0" rIns="0" bIns="0" anchor="ctr"/>
-          <a:lstStyle/>
-          <a:p>
-            <a:pPr algn="ctr">
-              <a:buClr>
-                <a:srgbClr val="000000"/>
-              </a:buClr>
-              <a:buSzPct val="100000"/>
-              <a:buFont typeface="Times New Roman" pitchFamily="18" charset="0"/>
-              <a:buNone/>
-              <a:tabLst>
-                <a:tab pos="0" algn="l"/>
-                <a:tab pos="914400" algn="l"/>
-                <a:tab pos="1828800" algn="l"/>
-                <a:tab pos="2743200" algn="l"/>
-                <a:tab pos="3657600" algn="l"/>
-                <a:tab pos="4572000" algn="l"/>
-                <a:tab pos="5486400" algn="l"/>
-                <a:tab pos="6400800" algn="l"/>
-                <a:tab pos="7315200" algn="l"/>
-                <a:tab pos="8229600" algn="l"/>
-                <a:tab pos="9144000" algn="l"/>
-                <a:tab pos="10058400" algn="l"/>
-              </a:tabLst>
-            </a:pPr>
-            <a:r>
-              <a:rPr lang="en-GB" sz="4000" dirty="0">
-                <a:solidFill>
-                  <a:srgbClr val="000000"/>
-                </a:solidFill>
-                <a:latin typeface="Times New Roman" pitchFamily="18" charset="0"/>
-              </a:rPr>
-              <a:t>Uncertainty</a:t>
-            </a:r>
-          </a:p>
-        </p:txBody>
-      </p:sp>
-      <p:sp>
-        <p:nvSpPr>
-          <p:cNvPr id="10" name="Rectangle 5"/>
-          <p:cNvSpPr>
-            <a:spLocks noChangeArrowheads="1"/>
-          </p:cNvSpPr>
-          <p:nvPr/>
-        </p:nvSpPr>
-        <p:spPr bwMode="auto">
-          <a:xfrm>
-            <a:off x="228600" y="1060449"/>
-            <a:ext cx="8686800" cy="622301"/>
-          </a:xfrm>
-          <a:prstGeom prst="rect">
-            <a:avLst/>
-          </a:prstGeom>
-          <a:noFill/>
-          <a:ln w="9525">
-            <a:noFill/>
-            <a:round/>
-            <a:headEnd/>
-            <a:tailEnd/>
-          </a:ln>
-        </p:spPr>
-        <p:txBody>
-          <a:bodyPr lIns="0" tIns="0" rIns="0" bIns="0"/>
-          <a:lstStyle/>
-          <a:p>
-            <a:pPr marL="430213" indent="-323850">
-              <a:lnSpc>
-                <a:spcPct val="100000"/>
-              </a:lnSpc>
-              <a:spcBef>
-                <a:spcPts val="800"/>
-              </a:spcBef>
-              <a:buFont typeface="Times New Roman" pitchFamily="18" charset="0"/>
-              <a:buChar char="•"/>
-              <a:tabLst>
-                <a:tab pos="430213" algn="l"/>
-                <a:tab pos="1344613" algn="l"/>
-                <a:tab pos="2259013" algn="l"/>
-                <a:tab pos="3173413" algn="l"/>
-                <a:tab pos="4087813" algn="l"/>
-                <a:tab pos="5002213" algn="l"/>
-                <a:tab pos="5916613" algn="l"/>
-                <a:tab pos="6831013" algn="l"/>
-                <a:tab pos="7745413" algn="l"/>
-                <a:tab pos="8659813" algn="l"/>
-                <a:tab pos="9574213" algn="l"/>
-                <a:tab pos="10488613" algn="l"/>
-              </a:tabLst>
-            </a:pPr>
-            <a:r>
-              <a:rPr lang="en-GB" sz="3200" dirty="0">
-                <a:solidFill>
-                  <a:srgbClr val="000000"/>
-                </a:solidFill>
-                <a:latin typeface="Times New Roman" pitchFamily="18" charset="0"/>
-              </a:rPr>
-              <a:t>We can find average values for </a:t>
-            </a:r>
-            <a:r>
-              <a:rPr lang="en-GB" sz="3200" i="1" dirty="0">
-                <a:solidFill>
-                  <a:srgbClr val="000000"/>
-                </a:solidFill>
-                <a:latin typeface="Times New Roman" pitchFamily="18" charset="0"/>
-              </a:rPr>
-              <a:t>any</a:t>
-            </a:r>
-            <a:r>
-              <a:rPr lang="en-GB" sz="3200" dirty="0">
-                <a:solidFill>
-                  <a:srgbClr val="000000"/>
-                </a:solidFill>
-                <a:latin typeface="Times New Roman" pitchFamily="18" charset="0"/>
-              </a:rPr>
-              <a:t> operator</a:t>
-            </a:r>
-          </a:p>
-          <a:p>
-            <a:pPr marL="106363">
-              <a:lnSpc>
-                <a:spcPct val="100000"/>
-              </a:lnSpc>
-              <a:spcBef>
-                <a:spcPts val="800"/>
-              </a:spcBef>
-              <a:tabLst>
-                <a:tab pos="430213" algn="l"/>
-                <a:tab pos="1344613" algn="l"/>
-                <a:tab pos="2259013" algn="l"/>
-                <a:tab pos="3173413" algn="l"/>
-                <a:tab pos="4087813" algn="l"/>
-                <a:tab pos="5002213" algn="l"/>
-                <a:tab pos="5916613" algn="l"/>
-                <a:tab pos="6831013" algn="l"/>
-                <a:tab pos="7745413" algn="l"/>
-                <a:tab pos="8659813" algn="l"/>
-                <a:tab pos="9574213" algn="l"/>
-                <a:tab pos="10488613" algn="l"/>
-              </a:tabLst>
-            </a:pPr>
-            <a:endParaRPr lang="en-GB" sz="3200" dirty="0">
-              <a:solidFill>
-                <a:srgbClr val="000000"/>
-              </a:solidFill>
-              <a:latin typeface="Times New Roman" pitchFamily="18" charset="0"/>
-            </a:endParaRPr>
-          </a:p>
-        </p:txBody>
-      </p:sp>
-      <p:pic>
-        <p:nvPicPr>
-          <p:cNvPr id="2" name="Picture 1"/>
-          <p:cNvPicPr>
-            <a:picLocks noChangeAspect="1"/>
-          </p:cNvPicPr>
-          <p:nvPr/>
-        </p:nvPicPr>
-        <p:blipFill>
-          <a:blip r:embed="rId3"/>
-          <a:stretch>
-            <a:fillRect/>
-          </a:stretch>
-        </p:blipFill>
-        <p:spPr>
-          <a:xfrm>
-            <a:off x="2308225" y="2225675"/>
-            <a:ext cx="5384800" cy="1917700"/>
-          </a:xfrm>
-          <a:prstGeom prst="rect">
-            <a:avLst/>
-          </a:prstGeom>
-        </p:spPr>
-      </p:pic>
-      <p:sp>
-        <p:nvSpPr>
-          <p:cNvPr id="3" name="Rectangle 2"/>
-          <p:cNvSpPr/>
-          <p:nvPr/>
-        </p:nvSpPr>
-        <p:spPr>
-          <a:xfrm>
-            <a:off x="345168" y="1805315"/>
-            <a:ext cx="5481864" cy="523220"/>
-          </a:xfrm>
-          <a:prstGeom prst="rect">
-            <a:avLst/>
-          </a:prstGeom>
-        </p:spPr>
-        <p:txBody>
-          <a:bodyPr wrap="none">
-            <a:spAutoFit/>
-          </a:bodyPr>
-          <a:lstStyle/>
-          <a:p>
-            <a:r>
-              <a:rPr lang="en-GB" sz="2800" dirty="0">
-                <a:solidFill>
-                  <a:srgbClr val="000000"/>
-                </a:solidFill>
-                <a:latin typeface="Times New Roman" pitchFamily="18" charset="0"/>
-              </a:rPr>
-              <a:t>Average value of </a:t>
-            </a:r>
-            <a:r>
-              <a:rPr lang="en-GB" sz="2800" i="1" dirty="0">
-                <a:solidFill>
-                  <a:srgbClr val="000000"/>
-                </a:solidFill>
-                <a:latin typeface="Times New Roman" pitchFamily="18" charset="0"/>
-              </a:rPr>
-              <a:t>A</a:t>
-            </a:r>
-            <a:r>
-              <a:rPr lang="en-GB" sz="2800" dirty="0">
-                <a:solidFill>
-                  <a:srgbClr val="000000"/>
-                </a:solidFill>
-                <a:latin typeface="Times New Roman" pitchFamily="18" charset="0"/>
-              </a:rPr>
-              <a:t>-squared operator</a:t>
-            </a:r>
-            <a:endParaRPr lang="en-US" sz="2800" dirty="0"/>
-          </a:p>
-        </p:txBody>
-      </p:sp>
-      <p:sp>
-        <p:nvSpPr>
-          <p:cNvPr id="14" name="Rectangle 13"/>
-          <p:cNvSpPr/>
-          <p:nvPr/>
-        </p:nvSpPr>
-        <p:spPr>
-          <a:xfrm>
-            <a:off x="276225" y="4211965"/>
-            <a:ext cx="5507287" cy="523220"/>
-          </a:xfrm>
-          <a:prstGeom prst="rect">
-            <a:avLst/>
-          </a:prstGeom>
-        </p:spPr>
-        <p:txBody>
-          <a:bodyPr wrap="none">
-            <a:spAutoFit/>
-          </a:bodyPr>
-          <a:lstStyle/>
-          <a:p>
-            <a:r>
-              <a:rPr lang="en-GB" sz="2800" dirty="0">
-                <a:solidFill>
-                  <a:srgbClr val="000000"/>
-                </a:solidFill>
-                <a:latin typeface="Times New Roman" pitchFamily="18" charset="0"/>
-              </a:rPr>
-              <a:t>Average value of </a:t>
-            </a:r>
-            <a:r>
-              <a:rPr lang="en-GB" sz="2800" i="1" dirty="0">
-                <a:solidFill>
-                  <a:srgbClr val="000000"/>
-                </a:solidFill>
-                <a:latin typeface="Times New Roman" pitchFamily="18" charset="0"/>
-              </a:rPr>
-              <a:t>A</a:t>
-            </a:r>
-            <a:r>
-              <a:rPr lang="en-GB" sz="2800" dirty="0">
-                <a:solidFill>
-                  <a:srgbClr val="000000"/>
-                </a:solidFill>
-                <a:latin typeface="Times New Roman" pitchFamily="18" charset="0"/>
-              </a:rPr>
-              <a:t> operator, squared</a:t>
-            </a:r>
-            <a:endParaRPr lang="en-US" sz="2800" dirty="0"/>
-          </a:p>
-        </p:txBody>
-      </p:sp>
-      <p:pic>
-        <p:nvPicPr>
-          <p:cNvPr id="6" name="Picture 5"/>
-          <p:cNvPicPr>
-            <a:picLocks noChangeAspect="1"/>
-          </p:cNvPicPr>
-          <p:nvPr/>
-        </p:nvPicPr>
-        <p:blipFill rotWithShape="1">
-          <a:blip r:embed="rId4"/>
-          <a:srcRect t="7006" b="6456"/>
-          <a:stretch/>
-        </p:blipFill>
-        <p:spPr>
-          <a:xfrm>
-            <a:off x="2244725" y="4778374"/>
-            <a:ext cx="6019800" cy="2000251"/>
-          </a:xfrm>
-          <a:prstGeom prst="rect">
-            <a:avLst/>
-          </a:prstGeom>
-        </p:spPr>
-      </p:pic>
-    </p:spTree>
-    <p:extLst>
-      <p:ext uri="{BB962C8B-B14F-4D97-AF65-F5344CB8AC3E}">
-        <p14:creationId xmlns:p14="http://schemas.microsoft.com/office/powerpoint/2010/main" val="391129558"/>
-      </p:ext>
-    </p:extLst>
-  </p:cSld>
-  <p:clrMapOvr>
-    <a:masterClrMapping/>
-  </p:clrMapOvr>
-</p:sld>
-</file>
-
 <file path=ppt/slides/slide2.xml><?xml version="1.0" encoding="utf-8"?>
 <p:sld xmlns:a="http://schemas.openxmlformats.org/drawingml/2006/main" xmlns:r="http://schemas.openxmlformats.org/officeDocument/2006/relationships" xmlns:p="http://schemas.openxmlformats.org/presentationml/2006/main">
   <p:cSld>
@@ -11057,7 +14043,7 @@
         <p:spPr bwMode="auto">
           <a:xfrm>
             <a:off x="228600" y="1060449"/>
-            <a:ext cx="8686800" cy="1082676"/>
+            <a:ext cx="8686800" cy="622301"/>
           </a:xfrm>
           <a:prstGeom prst="rect">
             <a:avLst/>
@@ -11105,16 +14091,16 @@
                 </a:solidFill>
                 <a:latin typeface="Times New Roman" pitchFamily="18" charset="0"/>
               </a:rPr>
-              <a:t>The </a:t>
-            </a:r>
-            <a:r>
-              <a:rPr lang="en-GB" sz="3200" b="1" dirty="0">
+              <a:t>We can find average values for </a:t>
+            </a:r>
+            <a:r>
+              <a:rPr lang="en-GB" sz="3200" i="1" dirty="0">
                 <a:solidFill>
                   <a:srgbClr val="000000"/>
                 </a:solidFill>
                 <a:latin typeface="Times New Roman" pitchFamily="18" charset="0"/>
               </a:rPr>
-              <a:t>standard deviation</a:t>
+              <a:t>any</a:t>
             </a:r>
             <a:r>
               <a:rPr lang="en-GB" sz="3200" dirty="0">
@@ -11123,25 +14109,7 @@
                 </a:solidFill>
                 <a:latin typeface="Times New Roman" pitchFamily="18" charset="0"/>
               </a:rPr>
-              <a:t> (</a:t>
-            </a:r>
-            <a:r>
-              <a:rPr lang="en-GB" sz="3200" b="1" dirty="0">
-                <a:solidFill>
-                  <a:srgbClr val="000000"/>
-                </a:solidFill>
-                <a:latin typeface="Times New Roman" pitchFamily="18" charset="0"/>
-              </a:rPr>
-              <a:t>spread</a:t>
-            </a:r>
-            <a:r>
-              <a:rPr lang="en-GB" sz="3200" dirty="0">
-                <a:solidFill>
-                  <a:srgbClr val="000000"/>
-                </a:solidFill>
-                <a:latin typeface="Times New Roman" pitchFamily="18" charset="0"/>
-              </a:rPr>
-              <a:t>) in the values we’d measure is:</a:t>
+              <a:t> operator</a:t>
             </a:r>
           </a:p>
           <a:p>
@@ -11176,158 +14144,9 @@
           </a:p>
         </p:txBody>
       </p:sp>
-      <p:sp>
-        <p:nvSpPr>
-          <p:cNvPr id="9" name="Rectangle 5"/>
-          <p:cNvSpPr>
-            <a:spLocks noChangeArrowheads="1"/>
-          </p:cNvSpPr>
-          <p:nvPr/>
-        </p:nvSpPr>
-        <p:spPr bwMode="auto">
-          <a:xfrm>
-            <a:off x="228600" y="4221691"/>
-            <a:ext cx="8686800" cy="2636309"/>
-          </a:xfrm>
-          <a:prstGeom prst="rect">
-            <a:avLst/>
-          </a:prstGeom>
-          <a:noFill/>
-          <a:ln w="9525">
-            <a:noFill/>
-            <a:round/>
-            <a:headEnd/>
-            <a:tailEnd/>
-          </a:ln>
-        </p:spPr>
-        <p:txBody>
-          <a:bodyPr lIns="0" tIns="0" rIns="0" bIns="0"/>
-          <a:lstStyle/>
-          <a:p>
-            <a:pPr marL="430213" indent="-323850">
-              <a:lnSpc>
-                <a:spcPct val="100000"/>
-              </a:lnSpc>
-              <a:spcBef>
-                <a:spcPts val="800"/>
-              </a:spcBef>
-              <a:buFont typeface="Times New Roman" pitchFamily="18" charset="0"/>
-              <a:buChar char="•"/>
-              <a:tabLst>
-                <a:tab pos="430213" algn="l"/>
-                <a:tab pos="1344613" algn="l"/>
-                <a:tab pos="2259013" algn="l"/>
-                <a:tab pos="3173413" algn="l"/>
-                <a:tab pos="4087813" algn="l"/>
-                <a:tab pos="5002213" algn="l"/>
-                <a:tab pos="5916613" algn="l"/>
-                <a:tab pos="6831013" algn="l"/>
-                <a:tab pos="7745413" algn="l"/>
-                <a:tab pos="8659813" algn="l"/>
-                <a:tab pos="9574213" algn="l"/>
-                <a:tab pos="10488613" algn="l"/>
-              </a:tabLst>
-            </a:pPr>
-            <a:r>
-              <a:rPr lang="en-GB" sz="3200" dirty="0">
-                <a:solidFill>
-                  <a:srgbClr val="000000"/>
-                </a:solidFill>
-                <a:latin typeface="Times New Roman" pitchFamily="18" charset="0"/>
-              </a:rPr>
-              <a:t>In physics, we call standard deviation: </a:t>
-            </a:r>
-            <a:r>
-              <a:rPr lang="en-GB" sz="3200" b="1" u="sng" dirty="0">
-                <a:solidFill>
-                  <a:srgbClr val="000000"/>
-                </a:solidFill>
-                <a:latin typeface="Times New Roman" pitchFamily="18" charset="0"/>
-              </a:rPr>
-              <a:t>uncertainty</a:t>
-            </a:r>
-          </a:p>
-          <a:p>
-            <a:pPr marL="887413" lvl="1" indent="-323850">
-              <a:spcBef>
-                <a:spcPts val="800"/>
-              </a:spcBef>
-              <a:buFont typeface="Times New Roman" pitchFamily="18" charset="0"/>
-              <a:buChar char="•"/>
-              <a:tabLst>
-                <a:tab pos="430213" algn="l"/>
-                <a:tab pos="1344613" algn="l"/>
-                <a:tab pos="2259013" algn="l"/>
-                <a:tab pos="3173413" algn="l"/>
-                <a:tab pos="4087813" algn="l"/>
-                <a:tab pos="5002213" algn="l"/>
-                <a:tab pos="5916613" algn="l"/>
-                <a:tab pos="6831013" algn="l"/>
-                <a:tab pos="7745413" algn="l"/>
-                <a:tab pos="8659813" algn="l"/>
-                <a:tab pos="9574213" algn="l"/>
-                <a:tab pos="10488613" algn="l"/>
-              </a:tabLst>
-            </a:pPr>
-            <a:r>
-              <a:rPr lang="en-GB" sz="2800" dirty="0">
-                <a:solidFill>
-                  <a:srgbClr val="000000"/>
-                </a:solidFill>
-                <a:latin typeface="Times New Roman" pitchFamily="18" charset="0"/>
-              </a:rPr>
-              <a:t>Statisticians are still arguing with each other about the definition of uncertainty…</a:t>
-            </a:r>
-            <a:endParaRPr lang="en-GB" sz="3200" dirty="0">
-              <a:solidFill>
-                <a:srgbClr val="000000"/>
-              </a:solidFill>
-              <a:latin typeface="Times New Roman" pitchFamily="18" charset="0"/>
-            </a:endParaRPr>
-          </a:p>
-          <a:p>
-            <a:pPr marL="1344613" lvl="2" indent="-323850">
-              <a:spcBef>
-                <a:spcPts val="800"/>
-              </a:spcBef>
-              <a:buFont typeface="Times New Roman" pitchFamily="18" charset="0"/>
-              <a:buChar char="•"/>
-              <a:tabLst>
-                <a:tab pos="430213" algn="l"/>
-                <a:tab pos="1344613" algn="l"/>
-                <a:tab pos="2259013" algn="l"/>
-                <a:tab pos="3173413" algn="l"/>
-                <a:tab pos="4087813" algn="l"/>
-                <a:tab pos="5002213" algn="l"/>
-                <a:tab pos="5916613" algn="l"/>
-                <a:tab pos="6831013" algn="l"/>
-                <a:tab pos="7745413" algn="l"/>
-                <a:tab pos="8659813" algn="l"/>
-                <a:tab pos="9574213" algn="l"/>
-                <a:tab pos="10488613" algn="l"/>
-              </a:tabLst>
-            </a:pPr>
-            <a:r>
-              <a:rPr lang="en-GB" sz="2800" dirty="0">
-                <a:solidFill>
-                  <a:srgbClr val="000000"/>
-                </a:solidFill>
-                <a:latin typeface="Times New Roman" pitchFamily="18" charset="0"/>
-              </a:rPr>
-              <a:t>Reality is that there are alternative definitions.</a:t>
-            </a:r>
-            <a:endParaRPr lang="en-GB" sz="2400" dirty="0">
-              <a:solidFill>
-                <a:srgbClr val="000000"/>
-              </a:solidFill>
-              <a:latin typeface="Times New Roman" pitchFamily="18" charset="0"/>
-            </a:endParaRPr>
-          </a:p>
-        </p:txBody>
-      </p:sp>
       <p:pic>
         <p:nvPicPr>
-          <p:cNvPr id="7" name="Picture 6"/>
+          <p:cNvPr id="2" name="Picture 1"/>
           <p:cNvPicPr>
             <a:picLocks noChangeAspect="1"/>
           </p:cNvPicPr>
@@ -11341,8 +14160,135 @@
         </p:blipFill>
         <p:spPr>
           <a:xfrm>
-            <a:off x="1816100" y="2533650"/>
-            <a:ext cx="5511800" cy="1219200"/>
+            <a:off x="2308225" y="2225675"/>
+            <a:ext cx="5384800" cy="1917700"/>
+          </a:xfrm>
+          <a:prstGeom prst="rect">
+            <a:avLst/>
+          </a:prstGeom>
+        </p:spPr>
+      </p:pic>
+      <p:sp>
+        <p:nvSpPr>
+          <p:cNvPr id="3" name="Rectangle 2"/>
+          <p:cNvSpPr/>
+          <p:nvPr/>
+        </p:nvSpPr>
+        <p:spPr>
+          <a:xfrm>
+            <a:off x="345168" y="1805315"/>
+            <a:ext cx="5481864" cy="523220"/>
+          </a:xfrm>
+          <a:prstGeom prst="rect">
+            <a:avLst/>
+          </a:prstGeom>
+        </p:spPr>
+        <p:txBody>
+          <a:bodyPr wrap="none">
+            <a:spAutoFit/>
+          </a:bodyPr>
+          <a:lstStyle/>
+          <a:p>
+            <a:r>
+              <a:rPr lang="en-GB" sz="2800" dirty="0">
+                <a:solidFill>
+                  <a:srgbClr val="000000"/>
+                </a:solidFill>
+                <a:latin typeface="Times New Roman" pitchFamily="18" charset="0"/>
+              </a:rPr>
+              <a:t>Average value of </a:t>
+            </a:r>
+            <a:r>
+              <a:rPr lang="en-GB" sz="2800" i="1" dirty="0">
+                <a:solidFill>
+                  <a:srgbClr val="000000"/>
+                </a:solidFill>
+                <a:latin typeface="Times New Roman" pitchFamily="18" charset="0"/>
+              </a:rPr>
+              <a:t>A</a:t>
+            </a:r>
+            <a:r>
+              <a:rPr lang="en-GB" sz="2800" dirty="0">
+                <a:solidFill>
+                  <a:srgbClr val="000000"/>
+                </a:solidFill>
+                <a:latin typeface="Times New Roman" pitchFamily="18" charset="0"/>
+              </a:rPr>
+              <a:t>-squared operator</a:t>
+            </a:r>
+            <a:endParaRPr lang="en-US" sz="2800" dirty="0"/>
+          </a:p>
+        </p:txBody>
+      </p:sp>
+      <p:sp>
+        <p:nvSpPr>
+          <p:cNvPr id="14" name="Rectangle 13"/>
+          <p:cNvSpPr/>
+          <p:nvPr/>
+        </p:nvSpPr>
+        <p:spPr>
+          <a:xfrm>
+            <a:off x="276225" y="4211965"/>
+            <a:ext cx="5507287" cy="523220"/>
+          </a:xfrm>
+          <a:prstGeom prst="rect">
+            <a:avLst/>
+          </a:prstGeom>
+        </p:spPr>
+        <p:txBody>
+          <a:bodyPr wrap="none">
+            <a:spAutoFit/>
+          </a:bodyPr>
+          <a:lstStyle/>
+          <a:p>
+            <a:r>
+              <a:rPr lang="en-GB" sz="2800" dirty="0">
+                <a:solidFill>
+                  <a:srgbClr val="000000"/>
+                </a:solidFill>
+                <a:latin typeface="Times New Roman" pitchFamily="18" charset="0"/>
+              </a:rPr>
+              <a:t>Average value of </a:t>
+            </a:r>
+            <a:r>
+              <a:rPr lang="en-GB" sz="2800" i="1" dirty="0">
+                <a:solidFill>
+                  <a:srgbClr val="000000"/>
+                </a:solidFill>
+                <a:latin typeface="Times New Roman" pitchFamily="18" charset="0"/>
+              </a:rPr>
+              <a:t>A</a:t>
+            </a:r>
+            <a:r>
+              <a:rPr lang="en-GB" sz="2800" dirty="0">
+                <a:solidFill>
+                  <a:srgbClr val="000000"/>
+                </a:solidFill>
+                <a:latin typeface="Times New Roman" pitchFamily="18" charset="0"/>
+              </a:rPr>
+              <a:t> operator, squared</a:t>
+            </a:r>
+            <a:endParaRPr lang="en-US" sz="2800" dirty="0"/>
+          </a:p>
+        </p:txBody>
+      </p:sp>
+      <p:pic>
+        <p:nvPicPr>
+          <p:cNvPr id="6" name="Picture 5"/>
+          <p:cNvPicPr>
+            <a:picLocks noChangeAspect="1"/>
+          </p:cNvPicPr>
+          <p:nvPr/>
+        </p:nvPicPr>
+        <p:blipFill rotWithShape="1">
+          <a:blip r:embed="rId4"/>
+          <a:srcRect t="7006" b="6456"/>
+          <a:stretch/>
+        </p:blipFill>
+        <p:spPr>
+          <a:xfrm>
+            <a:off x="2244725" y="4778374"/>
+            <a:ext cx="6019800" cy="2000251"/>
           </a:xfrm>
           <a:prstGeom prst="rect">
             <a:avLst/>
@@ -11352,137 +14298,13 @@
     </p:spTree>
     <p:extLst>
       <p:ext uri="{BB962C8B-B14F-4D97-AF65-F5344CB8AC3E}">
-        <p14:creationId xmlns:p14="http://schemas.microsoft.com/office/powerpoint/2010/main" val="435410625"/>
+        <p14:creationId xmlns:p14="http://schemas.microsoft.com/office/powerpoint/2010/main" val="391129558"/>
       </p:ext>
     </p:extLst>
   </p:cSld>
   <p:clrMapOvr>
     <a:masterClrMapping/>
   </p:clrMapOvr>
-  <p:timing>
-    <p:tnLst>
-      <p:par>
-        <p:cTn id="1" dur="indefinite" restart="never" nodeType="tmRoot">
-          <p:childTnLst>
-            <p:seq concurrent="1" nextAc="seek">
-              <p:cTn id="2" dur="indefinite" nodeType="mainSeq">
-                <p:childTnLst>
-                  <p:par>
-                    <p:cTn id="3" fill="hold">
-                      <p:stCondLst>
-                        <p:cond delay="indefinite"/>
-                      </p:stCondLst>
-                      <p:childTnLst>
-                        <p:par>
-                          <p:cTn id="4" fill="hold">
-                            <p:stCondLst>
-                              <p:cond delay="0"/>
-                            </p:stCondLst>
-                            <p:childTnLst>
-                              <p:par>
-                                <p:cTn id="5" presetID="2" presetClass="entr" presetSubtype="4" fill="hold" grpId="0" nodeType="clickEffect">
-                                  <p:stCondLst>
-                                    <p:cond delay="0"/>
-                                  </p:stCondLst>
-                                  <p:childTnLst>
-                                    <p:set>
-                                      <p:cBhvr>
-                                        <p:cTn id="6" dur="1" fill="hold">
-                                          <p:stCondLst>
-                                            <p:cond delay="0"/>
-                                          </p:stCondLst>
-                                        </p:cTn>
-                                        <p:tgtEl>
-                                          <p:spTgt spid="9"/>
-                                        </p:tgtEl>
-                                        <p:attrNameLst>
-                                          <p:attrName>style.visibility</p:attrName>
-                                        </p:attrNameLst>
-                                      </p:cBhvr>
-                                      <p:to>
-                                        <p:strVal val="visible"/>
-                                      </p:to>
-                                    </p:set>
-                                    <p:anim calcmode="lin" valueType="num">
-                                      <p:cBhvr additive="base">
-                                        <p:cTn id="7" dur="500" fill="hold"/>
-                                        <p:tgtEl>
-                                          <p:spTgt spid="9"/>
-                                        </p:tgtEl>
-                                        <p:attrNameLst>
-                                          <p:attrName>ppt_x</p:attrName>
-                                        </p:attrNameLst>
-                                      </p:cBhvr>
-                                      <p:tavLst>
-                                        <p:tav tm="0">
-                                          <p:val>
-                                            <p:strVal val="#ppt_x"/>
-                                          </p:val>
-                                        </p:tav>
-                                        <p:tav tm="100000">
-                                          <p:val>
-                                            <p:strVal val="#ppt_x"/>
-                                          </p:val>
-                                        </p:tav>
-                                      </p:tavLst>
-                                    </p:anim>
-                                    <p:anim calcmode="lin" valueType="num">
-                                      <p:cBhvr additive="base">
-                                        <p:cTn id="8" dur="500" fill="hold"/>
-                                        <p:tgtEl>
-                                          <p:spTgt spid="9"/>
-                                        </p:tgtEl>
-                                        <p:attrNameLst>
-                                          <p:attrName>ppt_y</p:attrName>
-                                        </p:attrNameLst>
-                                      </p:cBhvr>
-                                      <p:tavLst>
-                                        <p:tav tm="0">
-                                          <p:val>
-                                            <p:strVal val="1+#ppt_h/2"/>
-                                          </p:val>
-                                        </p:tav>
-                                        <p:tav tm="100000">
-                                          <p:val>
-                                            <p:strVal val="#ppt_y"/>
-                                          </p:val>
-                                        </p:tav>
-                                      </p:tavLst>
-                                    </p:anim>
-                                  </p:childTnLst>
-                                </p:cTn>
-                              </p:par>
-                            </p:childTnLst>
-                          </p:cTn>
-                        </p:par>
-                      </p:childTnLst>
-                    </p:cTn>
-                  </p:par>
-                </p:childTnLst>
-              </p:cTn>
-              <p:prevCondLst>
-                <p:cond evt="onPrev" delay="0">
-                  <p:tgtEl>
-                    <p:sldTgt/>
-                  </p:tgtEl>
-                </p:cond>
-              </p:prevCondLst>
-              <p:nextCondLst>
-                <p:cond evt="onNext" delay="0">
-                  <p:tgtEl>
-                    <p:sldTgt/>
-                  </p:tgtEl>
-                </p:cond>
-              </p:nextCondLst>
-            </p:seq>
-          </p:childTnLst>
-        </p:cTn>
-      </p:par>
-    </p:tnLst>
-    <p:bldLst>
-      <p:bldP spid="9" grpId="0"/>
-    </p:bldLst>
-  </p:timing>
 </p:sld>
 </file>
 
@@ -11656,7 +14478,7 @@
                 </a:solidFill>
                 <a:latin typeface="Times New Roman" pitchFamily="18" charset="0"/>
               </a:rPr>
-              <a:t>In statistics you learn about an alternative measure of spread, </a:t>
+              <a:t>The </a:t>
             </a:r>
             <a:r>
               <a:rPr lang="en-GB" sz="3200" b="1" dirty="0">
@@ -11665,7 +14487,7 @@
                 </a:solidFill>
                 <a:latin typeface="Times New Roman" pitchFamily="18" charset="0"/>
               </a:rPr>
-              <a:t>variance</a:t>
+              <a:t>standard deviation</a:t>
             </a:r>
             <a:r>
               <a:rPr lang="en-GB" sz="3200" dirty="0">
@@ -11674,7 +14496,25 @@
                 </a:solidFill>
                 <a:latin typeface="Times New Roman" pitchFamily="18" charset="0"/>
               </a:rPr>
-              <a:t>:</a:t>
+              <a:t> (</a:t>
+            </a:r>
+            <a:r>
+              <a:rPr lang="en-GB" sz="3200" b="1" dirty="0">
+                <a:solidFill>
+                  <a:srgbClr val="000000"/>
+                </a:solidFill>
+                <a:latin typeface="Times New Roman" pitchFamily="18" charset="0"/>
+              </a:rPr>
+              <a:t>spread</a:t>
+            </a:r>
+            <a:r>
+              <a:rPr lang="en-GB" sz="3200" dirty="0">
+                <a:solidFill>
+                  <a:srgbClr val="000000"/>
+                </a:solidFill>
+                <a:latin typeface="Times New Roman" pitchFamily="18" charset="0"/>
+              </a:rPr>
+              <a:t>) in the values we’d measure is:</a:t>
             </a:r>
           </a:p>
           <a:p>
@@ -11719,8 +14559,8 @@
         </p:nvSpPr>
         <p:spPr bwMode="auto">
           <a:xfrm>
-            <a:off x="228600" y="4729692"/>
-            <a:ext cx="8686800" cy="1556808"/>
+            <a:off x="228600" y="4221691"/>
+            <a:ext cx="8686800" cy="2636309"/>
           </a:xfrm>
           <a:prstGeom prst="rect">
             <a:avLst/>
@@ -11768,23 +14608,25 @@
                 </a:solidFill>
                 <a:latin typeface="Times New Roman" pitchFamily="18" charset="0"/>
               </a:rPr>
-              <a:t>Both definitions of standard deviation and variance are identical to what you learned in statistics.</a:t>
-            </a:r>
-            <a:endParaRPr lang="en-GB" sz="3200" b="1" u="sng" dirty="0">
-              <a:solidFill>
-                <a:srgbClr val="000000"/>
-              </a:solidFill>
-              <a:latin typeface="Times New Roman" pitchFamily="18" charset="0"/>
-            </a:endParaRPr>
+              <a:t>In physics, we call standard deviation: </a:t>
+            </a:r>
+            <a:r>
+              <a:rPr lang="en-GB" sz="3200" b="1" u="sng" dirty="0">
+                <a:solidFill>
+                  <a:srgbClr val="000000"/>
+                </a:solidFill>
+                <a:latin typeface="Times New Roman" pitchFamily="18" charset="0"/>
+              </a:rPr>
+              <a:t>uncertainty</a:t>
+            </a:r>
           </a:p>
           <a:p>
-            <a:pPr marL="106363">
-              <a:lnSpc>
-                <a:spcPct val="100000"/>
-              </a:lnSpc>
+            <a:pPr marL="887413" lvl="1" indent="-323850">
               <a:spcBef>
                 <a:spcPts val="800"/>
               </a:spcBef>
+              <a:buFont typeface="Times New Roman" pitchFamily="18" charset="0"/>
+              <a:buChar char="•"/>
               <a:tabLst>
                 <a:tab pos="430213" algn="l"/>
                 <a:tab pos="1344613" algn="l"/>
@@ -11800,7 +14642,54 @@
                 <a:tab pos="10488613" algn="l"/>
               </a:tabLst>
             </a:pPr>
+            <a:r>
+              <a:rPr lang="en-GB" sz="2800" dirty="0">
+                <a:solidFill>
+                  <a:srgbClr val="000000"/>
+                </a:solidFill>
+                <a:latin typeface="Times New Roman" pitchFamily="18" charset="0"/>
+              </a:rPr>
+              <a:t>Statisticians are still arguing with each other about the definition of uncertainty…</a:t>
+            </a:r>
             <a:endParaRPr lang="en-GB" sz="3200" dirty="0">
+              <a:solidFill>
+                <a:srgbClr val="000000"/>
+              </a:solidFill>
+              <a:latin typeface="Times New Roman" pitchFamily="18" charset="0"/>
+            </a:endParaRPr>
+          </a:p>
+          <a:p>
+            <a:pPr marL="1344613" lvl="2" indent="-323850">
+              <a:spcBef>
+                <a:spcPts val="800"/>
+              </a:spcBef>
+              <a:buFont typeface="Times New Roman" pitchFamily="18" charset="0"/>
+              <a:buChar char="•"/>
+              <a:tabLst>
+                <a:tab pos="430213" algn="l"/>
+                <a:tab pos="1344613" algn="l"/>
+                <a:tab pos="2259013" algn="l"/>
+                <a:tab pos="3173413" algn="l"/>
+                <a:tab pos="4087813" algn="l"/>
+                <a:tab pos="5002213" algn="l"/>
+                <a:tab pos="5916613" algn="l"/>
+                <a:tab pos="6831013" algn="l"/>
+                <a:tab pos="7745413" algn="l"/>
+                <a:tab pos="8659813" algn="l"/>
+                <a:tab pos="9574213" algn="l"/>
+                <a:tab pos="10488613" algn="l"/>
+              </a:tabLst>
+            </a:pPr>
+            <a:r>
+              <a:rPr lang="en-GB" sz="2800" dirty="0">
+                <a:solidFill>
+                  <a:srgbClr val="000000"/>
+                </a:solidFill>
+                <a:latin typeface="Times New Roman" pitchFamily="18" charset="0"/>
+              </a:rPr>
+              <a:t>Reality is that there are alternative definitions.</a:t>
+            </a:r>
+            <a:endParaRPr lang="en-GB" sz="2400" dirty="0">
               <a:solidFill>
                 <a:srgbClr val="000000"/>
               </a:solidFill>
@@ -11811,7 +14700,7 @@
       </p:sp>
       <p:pic>
         <p:nvPicPr>
-          <p:cNvPr id="2" name="Picture 1"/>
+          <p:cNvPr id="7" name="Picture 6"/>
           <p:cNvPicPr>
             <a:picLocks noChangeAspect="1"/>
           </p:cNvPicPr>
@@ -11825,8 +14714,8 @@
         </p:blipFill>
         <p:spPr>
           <a:xfrm>
-            <a:off x="2019300" y="2971800"/>
-            <a:ext cx="5105400" cy="914400"/>
+            <a:off x="1816100" y="2533650"/>
+            <a:ext cx="5511800" cy="1219200"/>
           </a:xfrm>
           <a:prstGeom prst="rect">
             <a:avLst/>
@@ -11836,7 +14725,7 @@
     </p:spTree>
     <p:extLst>
       <p:ext uri="{BB962C8B-B14F-4D97-AF65-F5344CB8AC3E}">
-        <p14:creationId xmlns:p14="http://schemas.microsoft.com/office/powerpoint/2010/main" val="608787513"/>
+        <p14:creationId xmlns:p14="http://schemas.microsoft.com/office/powerpoint/2010/main" val="435410625"/>
       </p:ext>
     </p:extLst>
   </p:cSld>
@@ -12091,6 +14980,490 @@
         </p:nvSpPr>
         <p:spPr bwMode="auto">
           <a:xfrm>
+            <a:off x="228600" y="1060449"/>
+            <a:ext cx="8686800" cy="1082676"/>
+          </a:xfrm>
+          <a:prstGeom prst="rect">
+            <a:avLst/>
+          </a:prstGeom>
+          <a:noFill/>
+          <a:ln w="9525">
+            <a:noFill/>
+            <a:round/>
+            <a:headEnd/>
+            <a:tailEnd/>
+          </a:ln>
+        </p:spPr>
+        <p:txBody>
+          <a:bodyPr lIns="0" tIns="0" rIns="0" bIns="0"/>
+          <a:lstStyle/>
+          <a:p>
+            <a:pPr marL="430213" indent="-323850">
+              <a:lnSpc>
+                <a:spcPct val="100000"/>
+              </a:lnSpc>
+              <a:spcBef>
+                <a:spcPts val="800"/>
+              </a:spcBef>
+              <a:buFont typeface="Times New Roman" pitchFamily="18" charset="0"/>
+              <a:buChar char="•"/>
+              <a:tabLst>
+                <a:tab pos="430213" algn="l"/>
+                <a:tab pos="1344613" algn="l"/>
+                <a:tab pos="2259013" algn="l"/>
+                <a:tab pos="3173413" algn="l"/>
+                <a:tab pos="4087813" algn="l"/>
+                <a:tab pos="5002213" algn="l"/>
+                <a:tab pos="5916613" algn="l"/>
+                <a:tab pos="6831013" algn="l"/>
+                <a:tab pos="7745413" algn="l"/>
+                <a:tab pos="8659813" algn="l"/>
+                <a:tab pos="9574213" algn="l"/>
+                <a:tab pos="10488613" algn="l"/>
+              </a:tabLst>
+            </a:pPr>
+            <a:r>
+              <a:rPr lang="en-GB" sz="3200" dirty="0">
+                <a:solidFill>
+                  <a:srgbClr val="000000"/>
+                </a:solidFill>
+                <a:latin typeface="Times New Roman" pitchFamily="18" charset="0"/>
+              </a:rPr>
+              <a:t>In statistics you learn about an alternative measure of spread, </a:t>
+            </a:r>
+            <a:r>
+              <a:rPr lang="en-GB" sz="3200" b="1" dirty="0">
+                <a:solidFill>
+                  <a:srgbClr val="000000"/>
+                </a:solidFill>
+                <a:latin typeface="Times New Roman" pitchFamily="18" charset="0"/>
+              </a:rPr>
+              <a:t>variance</a:t>
+            </a:r>
+            <a:r>
+              <a:rPr lang="en-GB" sz="3200" dirty="0">
+                <a:solidFill>
+                  <a:srgbClr val="000000"/>
+                </a:solidFill>
+                <a:latin typeface="Times New Roman" pitchFamily="18" charset="0"/>
+              </a:rPr>
+              <a:t>:</a:t>
+            </a:r>
+          </a:p>
+          <a:p>
+            <a:pPr marL="106363">
+              <a:lnSpc>
+                <a:spcPct val="100000"/>
+              </a:lnSpc>
+              <a:spcBef>
+                <a:spcPts val="800"/>
+              </a:spcBef>
+              <a:tabLst>
+                <a:tab pos="430213" algn="l"/>
+                <a:tab pos="1344613" algn="l"/>
+                <a:tab pos="2259013" algn="l"/>
+                <a:tab pos="3173413" algn="l"/>
+                <a:tab pos="4087813" algn="l"/>
+                <a:tab pos="5002213" algn="l"/>
+                <a:tab pos="5916613" algn="l"/>
+                <a:tab pos="6831013" algn="l"/>
+                <a:tab pos="7745413" algn="l"/>
+                <a:tab pos="8659813" algn="l"/>
+                <a:tab pos="9574213" algn="l"/>
+                <a:tab pos="10488613" algn="l"/>
+              </a:tabLst>
+            </a:pPr>
+            <a:endParaRPr lang="en-GB" sz="3200" dirty="0">
+              <a:solidFill>
+                <a:srgbClr val="000000"/>
+              </a:solidFill>
+              <a:latin typeface="Times New Roman" pitchFamily="18" charset="0"/>
+            </a:endParaRPr>
+          </a:p>
+        </p:txBody>
+      </p:sp>
+      <p:sp>
+        <p:nvSpPr>
+          <p:cNvPr id="9" name="Rectangle 5"/>
+          <p:cNvSpPr>
+            <a:spLocks noChangeArrowheads="1"/>
+          </p:cNvSpPr>
+          <p:nvPr/>
+        </p:nvSpPr>
+        <p:spPr bwMode="auto">
+          <a:xfrm>
+            <a:off x="228600" y="4729692"/>
+            <a:ext cx="8686800" cy="1556808"/>
+          </a:xfrm>
+          <a:prstGeom prst="rect">
+            <a:avLst/>
+          </a:prstGeom>
+          <a:noFill/>
+          <a:ln w="9525">
+            <a:noFill/>
+            <a:round/>
+            <a:headEnd/>
+            <a:tailEnd/>
+          </a:ln>
+        </p:spPr>
+        <p:txBody>
+          <a:bodyPr lIns="0" tIns="0" rIns="0" bIns="0"/>
+          <a:lstStyle/>
+          <a:p>
+            <a:pPr marL="430213" indent="-323850">
+              <a:lnSpc>
+                <a:spcPct val="100000"/>
+              </a:lnSpc>
+              <a:spcBef>
+                <a:spcPts val="800"/>
+              </a:spcBef>
+              <a:buFont typeface="Times New Roman" pitchFamily="18" charset="0"/>
+              <a:buChar char="•"/>
+              <a:tabLst>
+                <a:tab pos="430213" algn="l"/>
+                <a:tab pos="1344613" algn="l"/>
+                <a:tab pos="2259013" algn="l"/>
+                <a:tab pos="3173413" algn="l"/>
+                <a:tab pos="4087813" algn="l"/>
+                <a:tab pos="5002213" algn="l"/>
+                <a:tab pos="5916613" algn="l"/>
+                <a:tab pos="6831013" algn="l"/>
+                <a:tab pos="7745413" algn="l"/>
+                <a:tab pos="8659813" algn="l"/>
+                <a:tab pos="9574213" algn="l"/>
+                <a:tab pos="10488613" algn="l"/>
+              </a:tabLst>
+            </a:pPr>
+            <a:r>
+              <a:rPr lang="en-GB" sz="3200" dirty="0">
+                <a:solidFill>
+                  <a:srgbClr val="000000"/>
+                </a:solidFill>
+                <a:latin typeface="Times New Roman" pitchFamily="18" charset="0"/>
+              </a:rPr>
+              <a:t>Both definitions of standard deviation and variance are identical to what you learned in statistics.</a:t>
+            </a:r>
+            <a:endParaRPr lang="en-GB" sz="3200" b="1" u="sng" dirty="0">
+              <a:solidFill>
+                <a:srgbClr val="000000"/>
+              </a:solidFill>
+              <a:latin typeface="Times New Roman" pitchFamily="18" charset="0"/>
+            </a:endParaRPr>
+          </a:p>
+          <a:p>
+            <a:pPr marL="106363">
+              <a:lnSpc>
+                <a:spcPct val="100000"/>
+              </a:lnSpc>
+              <a:spcBef>
+                <a:spcPts val="800"/>
+              </a:spcBef>
+              <a:tabLst>
+                <a:tab pos="430213" algn="l"/>
+                <a:tab pos="1344613" algn="l"/>
+                <a:tab pos="2259013" algn="l"/>
+                <a:tab pos="3173413" algn="l"/>
+                <a:tab pos="4087813" algn="l"/>
+                <a:tab pos="5002213" algn="l"/>
+                <a:tab pos="5916613" algn="l"/>
+                <a:tab pos="6831013" algn="l"/>
+                <a:tab pos="7745413" algn="l"/>
+                <a:tab pos="8659813" algn="l"/>
+                <a:tab pos="9574213" algn="l"/>
+                <a:tab pos="10488613" algn="l"/>
+              </a:tabLst>
+            </a:pPr>
+            <a:endParaRPr lang="en-GB" sz="3200" dirty="0">
+              <a:solidFill>
+                <a:srgbClr val="000000"/>
+              </a:solidFill>
+              <a:latin typeface="Times New Roman" pitchFamily="18" charset="0"/>
+            </a:endParaRPr>
+          </a:p>
+        </p:txBody>
+      </p:sp>
+      <p:pic>
+        <p:nvPicPr>
+          <p:cNvPr id="2" name="Picture 1"/>
+          <p:cNvPicPr>
+            <a:picLocks noChangeAspect="1"/>
+          </p:cNvPicPr>
+          <p:nvPr/>
+        </p:nvPicPr>
+        <p:blipFill>
+          <a:blip r:embed="rId3"/>
+          <a:stretch>
+            <a:fillRect/>
+          </a:stretch>
+        </p:blipFill>
+        <p:spPr>
+          <a:xfrm>
+            <a:off x="2019300" y="2971800"/>
+            <a:ext cx="5105400" cy="914400"/>
+          </a:xfrm>
+          <a:prstGeom prst="rect">
+            <a:avLst/>
+          </a:prstGeom>
+        </p:spPr>
+      </p:pic>
+    </p:spTree>
+    <p:extLst>
+      <p:ext uri="{BB962C8B-B14F-4D97-AF65-F5344CB8AC3E}">
+        <p14:creationId xmlns:p14="http://schemas.microsoft.com/office/powerpoint/2010/main" val="608787513"/>
+      </p:ext>
+    </p:extLst>
+  </p:cSld>
+  <p:clrMapOvr>
+    <a:masterClrMapping/>
+  </p:clrMapOvr>
+  <p:timing>
+    <p:tnLst>
+      <p:par>
+        <p:cTn id="1" dur="indefinite" restart="never" nodeType="tmRoot">
+          <p:childTnLst>
+            <p:seq concurrent="1" nextAc="seek">
+              <p:cTn id="2" dur="indefinite" nodeType="mainSeq">
+                <p:childTnLst>
+                  <p:par>
+                    <p:cTn id="3" fill="hold">
+                      <p:stCondLst>
+                        <p:cond delay="indefinite"/>
+                      </p:stCondLst>
+                      <p:childTnLst>
+                        <p:par>
+                          <p:cTn id="4" fill="hold">
+                            <p:stCondLst>
+                              <p:cond delay="0"/>
+                            </p:stCondLst>
+                            <p:childTnLst>
+                              <p:par>
+                                <p:cTn id="5" presetID="2" presetClass="entr" presetSubtype="4" fill="hold" grpId="0" nodeType="clickEffect">
+                                  <p:stCondLst>
+                                    <p:cond delay="0"/>
+                                  </p:stCondLst>
+                                  <p:childTnLst>
+                                    <p:set>
+                                      <p:cBhvr>
+                                        <p:cTn id="6" dur="1" fill="hold">
+                                          <p:stCondLst>
+                                            <p:cond delay="0"/>
+                                          </p:stCondLst>
+                                        </p:cTn>
+                                        <p:tgtEl>
+                                          <p:spTgt spid="9"/>
+                                        </p:tgtEl>
+                                        <p:attrNameLst>
+                                          <p:attrName>style.visibility</p:attrName>
+                                        </p:attrNameLst>
+                                      </p:cBhvr>
+                                      <p:to>
+                                        <p:strVal val="visible"/>
+                                      </p:to>
+                                    </p:set>
+                                    <p:anim calcmode="lin" valueType="num">
+                                      <p:cBhvr additive="base">
+                                        <p:cTn id="7" dur="500" fill="hold"/>
+                                        <p:tgtEl>
+                                          <p:spTgt spid="9"/>
+                                        </p:tgtEl>
+                                        <p:attrNameLst>
+                                          <p:attrName>ppt_x</p:attrName>
+                                        </p:attrNameLst>
+                                      </p:cBhvr>
+                                      <p:tavLst>
+                                        <p:tav tm="0">
+                                          <p:val>
+                                            <p:strVal val="#ppt_x"/>
+                                          </p:val>
+                                        </p:tav>
+                                        <p:tav tm="100000">
+                                          <p:val>
+                                            <p:strVal val="#ppt_x"/>
+                                          </p:val>
+                                        </p:tav>
+                                      </p:tavLst>
+                                    </p:anim>
+                                    <p:anim calcmode="lin" valueType="num">
+                                      <p:cBhvr additive="base">
+                                        <p:cTn id="8" dur="500" fill="hold"/>
+                                        <p:tgtEl>
+                                          <p:spTgt spid="9"/>
+                                        </p:tgtEl>
+                                        <p:attrNameLst>
+                                          <p:attrName>ppt_y</p:attrName>
+                                        </p:attrNameLst>
+                                      </p:cBhvr>
+                                      <p:tavLst>
+                                        <p:tav tm="0">
+                                          <p:val>
+                                            <p:strVal val="1+#ppt_h/2"/>
+                                          </p:val>
+                                        </p:tav>
+                                        <p:tav tm="100000">
+                                          <p:val>
+                                            <p:strVal val="#ppt_y"/>
+                                          </p:val>
+                                        </p:tav>
+                                      </p:tavLst>
+                                    </p:anim>
+                                  </p:childTnLst>
+                                </p:cTn>
+                              </p:par>
+                            </p:childTnLst>
+                          </p:cTn>
+                        </p:par>
+                      </p:childTnLst>
+                    </p:cTn>
+                  </p:par>
+                </p:childTnLst>
+              </p:cTn>
+              <p:prevCondLst>
+                <p:cond evt="onPrev" delay="0">
+                  <p:tgtEl>
+                    <p:sldTgt/>
+                  </p:tgtEl>
+                </p:cond>
+              </p:prevCondLst>
+              <p:nextCondLst>
+                <p:cond evt="onNext" delay="0">
+                  <p:tgtEl>
+                    <p:sldTgt/>
+                  </p:tgtEl>
+                </p:cond>
+              </p:nextCondLst>
+            </p:seq>
+          </p:childTnLst>
+        </p:cTn>
+      </p:par>
+    </p:tnLst>
+    <p:bldLst>
+      <p:bldP spid="9" grpId="0"/>
+    </p:bldLst>
+  </p:timing>
+</p:sld>
+</file>
+
+<file path=ppt/slides/slide23.xml><?xml version="1.0" encoding="utf-8"?>
+<p:sld xmlns:a="http://schemas.openxmlformats.org/drawingml/2006/main" xmlns:r="http://schemas.openxmlformats.org/officeDocument/2006/relationships" xmlns:p="http://schemas.openxmlformats.org/presentationml/2006/main">
+  <p:cSld>
+    <p:spTree>
+      <p:nvGrpSpPr>
+        <p:cNvPr id="1" name=""/>
+        <p:cNvGrpSpPr/>
+        <p:nvPr/>
+      </p:nvGrpSpPr>
+      <p:grpSpPr>
+        <a:xfrm>
+          <a:off x="0" y="0"/>
+          <a:ext cx="0" cy="0"/>
+          <a:chOff x="0" y="0"/>
+          <a:chExt cx="0" cy="0"/>
+        </a:xfrm>
+      </p:grpSpPr>
+      <p:pic>
+        <p:nvPicPr>
+          <p:cNvPr id="4" name="Picture 2"/>
+          <p:cNvPicPr>
+            <a:picLocks noChangeAspect="1" noChangeArrowheads="1"/>
+          </p:cNvPicPr>
+          <p:nvPr/>
+        </p:nvPicPr>
+        <p:blipFill>
+          <a:blip r:embed="rId2" cstate="print"/>
+          <a:srcRect/>
+          <a:stretch>
+            <a:fillRect/>
+          </a:stretch>
+        </p:blipFill>
+        <p:spPr bwMode="auto">
+          <a:xfrm>
+            <a:off x="484188" y="76200"/>
+            <a:ext cx="8202612" cy="239712"/>
+          </a:xfrm>
+          <a:prstGeom prst="rect">
+            <a:avLst/>
+          </a:prstGeom>
+          <a:noFill/>
+          <a:ln w="9525">
+            <a:noFill/>
+            <a:round/>
+            <a:headEnd/>
+            <a:tailEnd/>
+          </a:ln>
+        </p:spPr>
+      </p:pic>
+      <p:sp>
+        <p:nvSpPr>
+          <p:cNvPr id="5" name="Rectangle 4"/>
+          <p:cNvSpPr>
+            <a:spLocks noChangeArrowheads="1"/>
+          </p:cNvSpPr>
+          <p:nvPr/>
+        </p:nvSpPr>
+        <p:spPr bwMode="auto">
+          <a:xfrm>
+            <a:off x="103718" y="116417"/>
+            <a:ext cx="8991601" cy="1127125"/>
+          </a:xfrm>
+          <a:prstGeom prst="rect">
+            <a:avLst/>
+          </a:prstGeom>
+          <a:noFill/>
+          <a:ln w="9525">
+            <a:noFill/>
+            <a:round/>
+            <a:headEnd/>
+            <a:tailEnd/>
+          </a:ln>
+        </p:spPr>
+        <p:txBody>
+          <a:bodyPr lIns="0" tIns="0" rIns="0" bIns="0" anchor="ctr"/>
+          <a:lstStyle/>
+          <a:p>
+            <a:pPr algn="ctr">
+              <a:buClr>
+                <a:srgbClr val="000000"/>
+              </a:buClr>
+              <a:buSzPct val="100000"/>
+              <a:buFont typeface="Times New Roman" pitchFamily="18" charset="0"/>
+              <a:buNone/>
+              <a:tabLst>
+                <a:tab pos="0" algn="l"/>
+                <a:tab pos="914400" algn="l"/>
+                <a:tab pos="1828800" algn="l"/>
+                <a:tab pos="2743200" algn="l"/>
+                <a:tab pos="3657600" algn="l"/>
+                <a:tab pos="4572000" algn="l"/>
+                <a:tab pos="5486400" algn="l"/>
+                <a:tab pos="6400800" algn="l"/>
+                <a:tab pos="7315200" algn="l"/>
+                <a:tab pos="8229600" algn="l"/>
+                <a:tab pos="9144000" algn="l"/>
+                <a:tab pos="10058400" algn="l"/>
+              </a:tabLst>
+            </a:pPr>
+            <a:r>
+              <a:rPr lang="en-GB" sz="4000" dirty="0">
+                <a:solidFill>
+                  <a:srgbClr val="000000"/>
+                </a:solidFill>
+                <a:latin typeface="Times New Roman" pitchFamily="18" charset="0"/>
+              </a:rPr>
+              <a:t>Uncertainty</a:t>
+            </a:r>
+          </a:p>
+        </p:txBody>
+      </p:sp>
+      <p:sp>
+        <p:nvSpPr>
+          <p:cNvPr id="10" name="Rectangle 5"/>
+          <p:cNvSpPr>
+            <a:spLocks noChangeArrowheads="1"/>
+          </p:cNvSpPr>
+          <p:nvPr/>
+        </p:nvSpPr>
+        <p:spPr bwMode="auto">
+          <a:xfrm>
             <a:off x="228600" y="1060448"/>
             <a:ext cx="8686800" cy="3019427"/>
           </a:xfrm>
@@ -13155,7 +16528,7 @@
 </p:sld>
 </file>
 
-<file path=ppt/slides/slide23.xml><?xml version="1.0" encoding="utf-8"?>
+<file path=ppt/slides/slide24.xml><?xml version="1.0" encoding="utf-8"?>
 <p:sld xmlns:a="http://schemas.openxmlformats.org/drawingml/2006/main" xmlns:r="http://schemas.openxmlformats.org/officeDocument/2006/relationships" xmlns:p="http://schemas.openxmlformats.org/presentationml/2006/main">
   <p:cSld>
     <p:spTree>
@@ -13781,7 +17154,7 @@
 </p:sld>
 </file>
 
-<file path=ppt/slides/slide24.xml><?xml version="1.0" encoding="utf-8"?>
+<file path=ppt/slides/slide25.xml><?xml version="1.0" encoding="utf-8"?>
 <p:sld xmlns:a="http://schemas.openxmlformats.org/drawingml/2006/main" xmlns:r="http://schemas.openxmlformats.org/officeDocument/2006/relationships" xmlns:p="http://schemas.openxmlformats.org/presentationml/2006/main">
   <p:cSld>
     <p:spTree>
@@ -14505,7 +17878,7 @@
 </p:sld>
 </file>
 
-<file path=ppt/slides/slide25.xml><?xml version="1.0" encoding="utf-8"?>
+<file path=ppt/slides/slide26.xml><?xml version="1.0" encoding="utf-8"?>
 <p:sld xmlns:a="http://schemas.openxmlformats.org/drawingml/2006/main" xmlns:r="http://schemas.openxmlformats.org/officeDocument/2006/relationships" xmlns:p="http://schemas.openxmlformats.org/presentationml/2006/main">
   <p:cSld>
     <p:spTree>
@@ -15492,7 +18865,7 @@
 </p:sld>
 </file>
 
-<file path=ppt/slides/slide26.xml><?xml version="1.0" encoding="utf-8"?>
+<file path=ppt/slides/slide27.xml><?xml version="1.0" encoding="utf-8"?>
 <p:sld xmlns:a="http://schemas.openxmlformats.org/drawingml/2006/main" xmlns:r="http://schemas.openxmlformats.org/officeDocument/2006/relationships" xmlns:p="http://schemas.openxmlformats.org/presentationml/2006/main">
   <p:cSld>
     <p:spTree>
@@ -18904,7 +22277,7 @@
         </p:blipFill>
         <p:spPr>
           <a:xfrm>
-            <a:off x="1714499" y="2218779"/>
+            <a:off x="753799" y="2218779"/>
             <a:ext cx="5324475" cy="4420145"/>
           </a:xfrm>
           <a:prstGeom prst="rect">
@@ -18920,7 +22293,7 @@
         </p:nvSpPr>
         <p:spPr>
           <a:xfrm>
-            <a:off x="1094288" y="2396321"/>
+            <a:off x="133588" y="2396321"/>
             <a:ext cx="469399" cy="584776"/>
           </a:xfrm>
           <a:prstGeom prst="rect">
@@ -18954,7 +22327,7 @@
         </p:nvSpPr>
         <p:spPr>
           <a:xfrm>
-            <a:off x="1103813" y="3501221"/>
+            <a:off x="143113" y="3501221"/>
             <a:ext cx="492443" cy="584776"/>
           </a:xfrm>
           <a:prstGeom prst="rect">
@@ -18988,7 +22361,7 @@
         </p:nvSpPr>
         <p:spPr>
           <a:xfrm>
-            <a:off x="1113338" y="4542621"/>
+            <a:off x="152638" y="4542621"/>
             <a:ext cx="469399" cy="584776"/>
           </a:xfrm>
           <a:prstGeom prst="rect">
@@ -19022,7 +22395,7 @@
         </p:nvSpPr>
         <p:spPr>
           <a:xfrm>
-            <a:off x="1106988" y="5726896"/>
+            <a:off x="146288" y="5726896"/>
             <a:ext cx="492443" cy="584776"/>
           </a:xfrm>
           <a:prstGeom prst="rect">
@@ -19048,6 +22421,166 @@
           </a:p>
         </p:txBody>
       </p:sp>
+      <p:sp>
+        <p:nvSpPr>
+          <p:cNvPr id="6" name="TextBox 5">
+            <a:extLst>
+              <a:ext uri="{FF2B5EF4-FFF2-40B4-BE49-F238E27FC236}">
+                <a16:creationId xmlns:a16="http://schemas.microsoft.com/office/drawing/2014/main" id="{976C62AC-B1F1-7076-3AB3-CE0EDBA51533}"/>
+              </a:ext>
+            </a:extLst>
+          </p:cNvPr>
+          <p:cNvSpPr txBox="1"/>
+          <p:nvPr/>
+        </p:nvSpPr>
+        <p:spPr>
+          <a:xfrm>
+            <a:off x="5605289" y="2227044"/>
+            <a:ext cx="3405123" cy="646331"/>
+          </a:xfrm>
+          <a:prstGeom prst="rect">
+            <a:avLst/>
+          </a:prstGeom>
+          <a:solidFill>
+            <a:schemeClr val="accent1">
+              <a:lumMod val="20000"/>
+              <a:lumOff val="80000"/>
+            </a:schemeClr>
+          </a:solidFill>
+        </p:spPr>
+        <p:txBody>
+          <a:bodyPr wrap="square" rtlCol="0">
+            <a:spAutoFit/>
+          </a:bodyPr>
+          <a:lstStyle/>
+          <a:p>
+            <a:r>
+              <a:rPr lang="en-US" b="1" dirty="0">
+                <a:latin typeface="Courier" pitchFamily="2" charset="0"/>
+              </a:rPr>
+              <a:t>f = Cos[x] + Sin[x];</a:t>
+            </a:r>
+          </a:p>
+          <a:p>
+            <a:r>
+              <a:rPr lang="en-US" b="1" dirty="0">
+                <a:latin typeface="Courier" pitchFamily="2" charset="0"/>
+              </a:rPr>
+              <a:t>D[f, {x, 2}]</a:t>
+            </a:r>
+          </a:p>
+        </p:txBody>
+      </p:sp>
+      <p:pic>
+        <p:nvPicPr>
+          <p:cNvPr id="11" name="Picture 10">
+            <a:extLst>
+              <a:ext uri="{FF2B5EF4-FFF2-40B4-BE49-F238E27FC236}">
+                <a16:creationId xmlns:a16="http://schemas.microsoft.com/office/drawing/2014/main" id="{D5572AF7-E481-5303-DF41-E7BFD34CF67E}"/>
+              </a:ext>
+            </a:extLst>
+          </p:cNvPr>
+          <p:cNvPicPr>
+            <a:picLocks noChangeAspect="1"/>
+          </p:cNvPicPr>
+          <p:nvPr/>
+        </p:nvPicPr>
+        <p:blipFill>
+          <a:blip r:embed="rId4"/>
+          <a:stretch>
+            <a:fillRect/>
+          </a:stretch>
+        </p:blipFill>
+        <p:spPr>
+          <a:xfrm>
+            <a:off x="5844572" y="2960552"/>
+            <a:ext cx="2454476" cy="316707"/>
+          </a:xfrm>
+          <a:prstGeom prst="rect">
+            <a:avLst/>
+          </a:prstGeom>
+        </p:spPr>
+      </p:pic>
+      <p:sp>
+        <p:nvSpPr>
+          <p:cNvPr id="12" name="TextBox 11">
+            <a:extLst>
+              <a:ext uri="{FF2B5EF4-FFF2-40B4-BE49-F238E27FC236}">
+                <a16:creationId xmlns:a16="http://schemas.microsoft.com/office/drawing/2014/main" id="{C7C70074-2A66-D256-F00C-AB2D1D3340D1}"/>
+              </a:ext>
+            </a:extLst>
+          </p:cNvPr>
+          <p:cNvSpPr txBox="1"/>
+          <p:nvPr/>
+        </p:nvSpPr>
+        <p:spPr>
+          <a:xfrm>
+            <a:off x="4317357" y="5228031"/>
+            <a:ext cx="4693055" cy="646331"/>
+          </a:xfrm>
+          <a:prstGeom prst="rect">
+            <a:avLst/>
+          </a:prstGeom>
+          <a:solidFill>
+            <a:schemeClr val="accent1">
+              <a:lumMod val="20000"/>
+              <a:lumOff val="80000"/>
+            </a:schemeClr>
+          </a:solidFill>
+        </p:spPr>
+        <p:txBody>
+          <a:bodyPr wrap="square" rtlCol="0">
+            <a:spAutoFit/>
+          </a:bodyPr>
+          <a:lstStyle/>
+          <a:p>
+            <a:r>
+              <a:rPr lang="en-US" b="1" dirty="0">
+                <a:latin typeface="Courier" pitchFamily="2" charset="0"/>
+              </a:rPr>
+              <a:t>f = N Exp[I k x] + N Exp[-I k x];</a:t>
+            </a:r>
+          </a:p>
+          <a:p>
+            <a:r>
+              <a:rPr lang="en-US" b="1" dirty="0">
+                <a:latin typeface="Courier" pitchFamily="2" charset="0"/>
+              </a:rPr>
+              <a:t>Integrate[f, x]</a:t>
+            </a:r>
+          </a:p>
+        </p:txBody>
+      </p:sp>
+      <p:pic>
+        <p:nvPicPr>
+          <p:cNvPr id="14" name="Picture 13">
+            <a:extLst>
+              <a:ext uri="{FF2B5EF4-FFF2-40B4-BE49-F238E27FC236}">
+                <a16:creationId xmlns:a16="http://schemas.microsoft.com/office/drawing/2014/main" id="{41CB8501-74A4-8CF0-DD16-884FB221D5A3}"/>
+              </a:ext>
+            </a:extLst>
+          </p:cNvPr>
+          <p:cNvPicPr>
+            <a:picLocks noChangeAspect="1"/>
+          </p:cNvPicPr>
+          <p:nvPr/>
+        </p:nvPicPr>
+        <p:blipFill>
+          <a:blip r:embed="rId5"/>
+          <a:stretch>
+            <a:fillRect/>
+          </a:stretch>
+        </p:blipFill>
+        <p:spPr>
+          <a:xfrm>
+            <a:off x="6078274" y="6087852"/>
+            <a:ext cx="2665239" cy="622235"/>
+          </a:xfrm>
+          <a:prstGeom prst="rect">
+            <a:avLst/>
+          </a:prstGeom>
+        </p:spPr>
+      </p:pic>
     </p:spTree>
     <p:extLst>
       <p:ext uri="{BB962C8B-B14F-4D97-AF65-F5344CB8AC3E}">
@@ -19058,6 +22591,350 @@
   <p:clrMapOvr>
     <a:masterClrMapping/>
   </p:clrMapOvr>
+  <p:timing>
+    <p:tnLst>
+      <p:par>
+        <p:cTn id="1" dur="indefinite" restart="never" nodeType="tmRoot">
+          <p:childTnLst>
+            <p:seq concurrent="1" nextAc="seek">
+              <p:cTn id="2" dur="indefinite" nodeType="mainSeq">
+                <p:childTnLst>
+                  <p:par>
+                    <p:cTn id="3" fill="hold">
+                      <p:stCondLst>
+                        <p:cond delay="indefinite"/>
+                      </p:stCondLst>
+                      <p:childTnLst>
+                        <p:par>
+                          <p:cTn id="4" fill="hold">
+                            <p:stCondLst>
+                              <p:cond delay="0"/>
+                            </p:stCondLst>
+                            <p:childTnLst>
+                              <p:par>
+                                <p:cTn id="5" presetID="2" presetClass="entr" presetSubtype="4" fill="hold" grpId="0" nodeType="clickEffect">
+                                  <p:stCondLst>
+                                    <p:cond delay="0"/>
+                                  </p:stCondLst>
+                                  <p:childTnLst>
+                                    <p:set>
+                                      <p:cBhvr>
+                                        <p:cTn id="6" dur="1" fill="hold">
+                                          <p:stCondLst>
+                                            <p:cond delay="0"/>
+                                          </p:stCondLst>
+                                        </p:cTn>
+                                        <p:tgtEl>
+                                          <p:spTgt spid="6"/>
+                                        </p:tgtEl>
+                                        <p:attrNameLst>
+                                          <p:attrName>style.visibility</p:attrName>
+                                        </p:attrNameLst>
+                                      </p:cBhvr>
+                                      <p:to>
+                                        <p:strVal val="visible"/>
+                                      </p:to>
+                                    </p:set>
+                                    <p:anim calcmode="lin" valueType="num">
+                                      <p:cBhvr additive="base">
+                                        <p:cTn id="7" dur="500" fill="hold"/>
+                                        <p:tgtEl>
+                                          <p:spTgt spid="6"/>
+                                        </p:tgtEl>
+                                        <p:attrNameLst>
+                                          <p:attrName>ppt_x</p:attrName>
+                                        </p:attrNameLst>
+                                      </p:cBhvr>
+                                      <p:tavLst>
+                                        <p:tav tm="0">
+                                          <p:val>
+                                            <p:strVal val="#ppt_x"/>
+                                          </p:val>
+                                        </p:tav>
+                                        <p:tav tm="100000">
+                                          <p:val>
+                                            <p:strVal val="#ppt_x"/>
+                                          </p:val>
+                                        </p:tav>
+                                      </p:tavLst>
+                                    </p:anim>
+                                    <p:anim calcmode="lin" valueType="num">
+                                      <p:cBhvr additive="base">
+                                        <p:cTn id="8" dur="500" fill="hold"/>
+                                        <p:tgtEl>
+                                          <p:spTgt spid="6"/>
+                                        </p:tgtEl>
+                                        <p:attrNameLst>
+                                          <p:attrName>ppt_y</p:attrName>
+                                        </p:attrNameLst>
+                                      </p:cBhvr>
+                                      <p:tavLst>
+                                        <p:tav tm="0">
+                                          <p:val>
+                                            <p:strVal val="1+#ppt_h/2"/>
+                                          </p:val>
+                                        </p:tav>
+                                        <p:tav tm="100000">
+                                          <p:val>
+                                            <p:strVal val="#ppt_y"/>
+                                          </p:val>
+                                        </p:tav>
+                                      </p:tavLst>
+                                    </p:anim>
+                                  </p:childTnLst>
+                                </p:cTn>
+                              </p:par>
+                              <p:par>
+                                <p:cTn id="9" presetID="2" presetClass="entr" presetSubtype="4" fill="hold" nodeType="withEffect">
+                                  <p:stCondLst>
+                                    <p:cond delay="0"/>
+                                  </p:stCondLst>
+                                  <p:childTnLst>
+                                    <p:set>
+                                      <p:cBhvr>
+                                        <p:cTn id="10" dur="1" fill="hold">
+                                          <p:stCondLst>
+                                            <p:cond delay="0"/>
+                                          </p:stCondLst>
+                                        </p:cTn>
+                                        <p:tgtEl>
+                                          <p:spTgt spid="11"/>
+                                        </p:tgtEl>
+                                        <p:attrNameLst>
+                                          <p:attrName>style.visibility</p:attrName>
+                                        </p:attrNameLst>
+                                      </p:cBhvr>
+                                      <p:to>
+                                        <p:strVal val="visible"/>
+                                      </p:to>
+                                    </p:set>
+                                    <p:anim calcmode="lin" valueType="num">
+                                      <p:cBhvr additive="base">
+                                        <p:cTn id="11" dur="500" fill="hold"/>
+                                        <p:tgtEl>
+                                          <p:spTgt spid="11"/>
+                                        </p:tgtEl>
+                                        <p:attrNameLst>
+                                          <p:attrName>ppt_x</p:attrName>
+                                        </p:attrNameLst>
+                                      </p:cBhvr>
+                                      <p:tavLst>
+                                        <p:tav tm="0">
+                                          <p:val>
+                                            <p:strVal val="#ppt_x"/>
+                                          </p:val>
+                                        </p:tav>
+                                        <p:tav tm="100000">
+                                          <p:val>
+                                            <p:strVal val="#ppt_x"/>
+                                          </p:val>
+                                        </p:tav>
+                                      </p:tavLst>
+                                    </p:anim>
+                                    <p:anim calcmode="lin" valueType="num">
+                                      <p:cBhvr additive="base">
+                                        <p:cTn id="12" dur="500" fill="hold"/>
+                                        <p:tgtEl>
+                                          <p:spTgt spid="11"/>
+                                        </p:tgtEl>
+                                        <p:attrNameLst>
+                                          <p:attrName>ppt_y</p:attrName>
+                                        </p:attrNameLst>
+                                      </p:cBhvr>
+                                      <p:tavLst>
+                                        <p:tav tm="0">
+                                          <p:val>
+                                            <p:strVal val="1+#ppt_h/2"/>
+                                          </p:val>
+                                        </p:tav>
+                                        <p:tav tm="100000">
+                                          <p:val>
+                                            <p:strVal val="#ppt_y"/>
+                                          </p:val>
+                                        </p:tav>
+                                      </p:tavLst>
+                                    </p:anim>
+                                  </p:childTnLst>
+                                </p:cTn>
+                              </p:par>
+                              <p:par>
+                                <p:cTn id="13" presetID="2" presetClass="entr" presetSubtype="4" fill="hold" grpId="0" nodeType="withEffect">
+                                  <p:stCondLst>
+                                    <p:cond delay="0"/>
+                                  </p:stCondLst>
+                                  <p:childTnLst>
+                                    <p:set>
+                                      <p:cBhvr>
+                                        <p:cTn id="14" dur="1" fill="hold">
+                                          <p:stCondLst>
+                                            <p:cond delay="0"/>
+                                          </p:stCondLst>
+                                        </p:cTn>
+                                        <p:tgtEl>
+                                          <p:spTgt spid="12"/>
+                                        </p:tgtEl>
+                                        <p:attrNameLst>
+                                          <p:attrName>style.visibility</p:attrName>
+                                        </p:attrNameLst>
+                                      </p:cBhvr>
+                                      <p:to>
+                                        <p:strVal val="visible"/>
+                                      </p:to>
+                                    </p:set>
+                                    <p:anim calcmode="lin" valueType="num">
+                                      <p:cBhvr additive="base">
+                                        <p:cTn id="15" dur="500" fill="hold"/>
+                                        <p:tgtEl>
+                                          <p:spTgt spid="12"/>
+                                        </p:tgtEl>
+                                        <p:attrNameLst>
+                                          <p:attrName>ppt_x</p:attrName>
+                                        </p:attrNameLst>
+                                      </p:cBhvr>
+                                      <p:tavLst>
+                                        <p:tav tm="0">
+                                          <p:val>
+                                            <p:strVal val="#ppt_x"/>
+                                          </p:val>
+                                        </p:tav>
+                                        <p:tav tm="100000">
+                                          <p:val>
+                                            <p:strVal val="#ppt_x"/>
+                                          </p:val>
+                                        </p:tav>
+                                      </p:tavLst>
+                                    </p:anim>
+                                    <p:anim calcmode="lin" valueType="num">
+                                      <p:cBhvr additive="base">
+                                        <p:cTn id="16" dur="500" fill="hold"/>
+                                        <p:tgtEl>
+                                          <p:spTgt spid="12"/>
+                                        </p:tgtEl>
+                                        <p:attrNameLst>
+                                          <p:attrName>ppt_y</p:attrName>
+                                        </p:attrNameLst>
+                                      </p:cBhvr>
+                                      <p:tavLst>
+                                        <p:tav tm="0">
+                                          <p:val>
+                                            <p:strVal val="1+#ppt_h/2"/>
+                                          </p:val>
+                                        </p:tav>
+                                        <p:tav tm="100000">
+                                          <p:val>
+                                            <p:strVal val="#ppt_y"/>
+                                          </p:val>
+                                        </p:tav>
+                                      </p:tavLst>
+                                    </p:anim>
+                                  </p:childTnLst>
+                                </p:cTn>
+                              </p:par>
+                              <p:par>
+                                <p:cTn id="17" presetID="2" presetClass="entr" presetSubtype="4" fill="hold" nodeType="withEffect">
+                                  <p:stCondLst>
+                                    <p:cond delay="0"/>
+                                  </p:stCondLst>
+                                  <p:childTnLst>
+                                    <p:set>
+                                      <p:cBhvr>
+                                        <p:cTn id="18" dur="1" fill="hold">
+                                          <p:stCondLst>
+                                            <p:cond delay="0"/>
+                                          </p:stCondLst>
+                                        </p:cTn>
+                                        <p:tgtEl>
+                                          <p:spTgt spid="14"/>
+                                        </p:tgtEl>
+                                        <p:attrNameLst>
+                                          <p:attrName>style.visibility</p:attrName>
+                                        </p:attrNameLst>
+                                      </p:cBhvr>
+                                      <p:to>
+                                        <p:strVal val="visible"/>
+                                      </p:to>
+                                    </p:set>
+                                    <p:anim calcmode="lin" valueType="num">
+                                      <p:cBhvr additive="base">
+                                        <p:cTn id="19" dur="500" fill="hold"/>
+                                        <p:tgtEl>
+                                          <p:spTgt spid="14"/>
+                                        </p:tgtEl>
+                                        <p:attrNameLst>
+                                          <p:attrName>ppt_x</p:attrName>
+                                        </p:attrNameLst>
+                                      </p:cBhvr>
+                                      <p:tavLst>
+                                        <p:tav tm="0">
+                                          <p:val>
+                                            <p:strVal val="#ppt_x"/>
+                                          </p:val>
+                                        </p:tav>
+                                        <p:tav tm="100000">
+                                          <p:val>
+                                            <p:strVal val="#ppt_x"/>
+                                          </p:val>
+                                        </p:tav>
+                                      </p:tavLst>
+                                    </p:anim>
+                                    <p:anim calcmode="lin" valueType="num">
+                                      <p:cBhvr additive="base">
+                                        <p:cTn id="20" dur="500" fill="hold"/>
+                                        <p:tgtEl>
+                                          <p:spTgt spid="14"/>
+                                        </p:tgtEl>
+                                        <p:attrNameLst>
+                                          <p:attrName>ppt_y</p:attrName>
+                                        </p:attrNameLst>
+                                      </p:cBhvr>
+                                      <p:tavLst>
+                                        <p:tav tm="0">
+                                          <p:val>
+                                            <p:strVal val="1+#ppt_h/2"/>
+                                          </p:val>
+                                        </p:tav>
+                                        <p:tav tm="100000">
+                                          <p:val>
+                                            <p:strVal val="#ppt_y"/>
+                                          </p:val>
+                                        </p:tav>
+                                      </p:tavLst>
+                                    </p:anim>
+                                  </p:childTnLst>
+                                </p:cTn>
+                              </p:par>
+                            </p:childTnLst>
+                          </p:cTn>
+                        </p:par>
+                      </p:childTnLst>
+                    </p:cTn>
+                  </p:par>
+                </p:childTnLst>
+              </p:cTn>
+              <p:prevCondLst>
+                <p:cond evt="onPrev" delay="0">
+                  <p:tgtEl>
+                    <p:sldTgt/>
+                  </p:tgtEl>
+                </p:cond>
+              </p:prevCondLst>
+              <p:nextCondLst>
+                <p:cond evt="onNext" delay="0">
+                  <p:tgtEl>
+                    <p:sldTgt/>
+                  </p:tgtEl>
+                </p:cond>
+              </p:nextCondLst>
+            </p:seq>
+          </p:childTnLst>
+        </p:cTn>
+      </p:par>
+    </p:tnLst>
+    <p:bldLst>
+      <p:bldP spid="6" grpId="0" animBg="1"/>
+      <p:bldP spid="12" grpId="0" animBg="1"/>
+    </p:bldLst>
+  </p:timing>
 </p:sld>
 </file>
 
@@ -21043,7 +24920,7 @@
         </p:blipFill>
         <p:spPr>
           <a:xfrm>
-            <a:off x="4365624" y="2287699"/>
+            <a:off x="2247463" y="2287699"/>
             <a:ext cx="2828925" cy="4427425"/>
           </a:xfrm>
           <a:prstGeom prst="rect">
@@ -21067,8 +24944,168 @@
         </p:blipFill>
         <p:spPr>
           <a:xfrm>
-            <a:off x="1371600" y="3438525"/>
+            <a:off x="40512" y="3438525"/>
             <a:ext cx="1943100" cy="1333500"/>
+          </a:xfrm>
+          <a:prstGeom prst="rect">
+            <a:avLst/>
+          </a:prstGeom>
+        </p:spPr>
+      </p:pic>
+      <p:sp>
+        <p:nvSpPr>
+          <p:cNvPr id="6" name="TextBox 5">
+            <a:extLst>
+              <a:ext uri="{FF2B5EF4-FFF2-40B4-BE49-F238E27FC236}">
+                <a16:creationId xmlns:a16="http://schemas.microsoft.com/office/drawing/2014/main" id="{8FAE6314-5D89-9299-73D3-2AB2DEBC3275}"/>
+              </a:ext>
+            </a:extLst>
+          </p:cNvPr>
+          <p:cNvSpPr txBox="1"/>
+          <p:nvPr/>
+        </p:nvSpPr>
+        <p:spPr>
+          <a:xfrm>
+            <a:off x="5068589" y="3458944"/>
+            <a:ext cx="3405123" cy="646331"/>
+          </a:xfrm>
+          <a:prstGeom prst="rect">
+            <a:avLst/>
+          </a:prstGeom>
+          <a:solidFill>
+            <a:schemeClr val="accent1">
+              <a:lumMod val="20000"/>
+              <a:lumOff val="80000"/>
+            </a:schemeClr>
+          </a:solidFill>
+        </p:spPr>
+        <p:txBody>
+          <a:bodyPr wrap="square" rtlCol="0">
+            <a:spAutoFit/>
+          </a:bodyPr>
+          <a:lstStyle/>
+          <a:p>
+            <a:r>
+              <a:rPr lang="en-US" b="1" dirty="0">
+                <a:latin typeface="Courier" pitchFamily="2" charset="0"/>
+              </a:rPr>
+              <a:t>f = B Cos[n Pi x];</a:t>
+            </a:r>
+          </a:p>
+          <a:p>
+            <a:r>
+              <a:rPr lang="en-US" b="1" dirty="0">
+                <a:latin typeface="Courier" pitchFamily="2" charset="0"/>
+              </a:rPr>
+              <a:t>D[f, x]</a:t>
+            </a:r>
+          </a:p>
+        </p:txBody>
+      </p:sp>
+      <p:pic>
+        <p:nvPicPr>
+          <p:cNvPr id="7" name="Picture 6">
+            <a:extLst>
+              <a:ext uri="{FF2B5EF4-FFF2-40B4-BE49-F238E27FC236}">
+                <a16:creationId xmlns:a16="http://schemas.microsoft.com/office/drawing/2014/main" id="{A441A959-BF25-7B57-A585-706AF3E0090F}"/>
+              </a:ext>
+            </a:extLst>
+          </p:cNvPr>
+          <p:cNvPicPr>
+            <a:picLocks noChangeAspect="1"/>
+          </p:cNvPicPr>
+          <p:nvPr/>
+        </p:nvPicPr>
+        <p:blipFill>
+          <a:blip r:embed="rId5"/>
+          <a:stretch>
+            <a:fillRect/>
+          </a:stretch>
+        </p:blipFill>
+        <p:spPr>
+          <a:xfrm>
+            <a:off x="5076388" y="4329961"/>
+            <a:ext cx="3035300" cy="342900"/>
+          </a:xfrm>
+          <a:prstGeom prst="rect">
+            <a:avLst/>
+          </a:prstGeom>
+        </p:spPr>
+      </p:pic>
+      <p:sp>
+        <p:nvSpPr>
+          <p:cNvPr id="9" name="TextBox 8">
+            <a:extLst>
+              <a:ext uri="{FF2B5EF4-FFF2-40B4-BE49-F238E27FC236}">
+                <a16:creationId xmlns:a16="http://schemas.microsoft.com/office/drawing/2014/main" id="{93EBA5F8-DD11-A087-023F-039565655146}"/>
+              </a:ext>
+            </a:extLst>
+          </p:cNvPr>
+          <p:cNvSpPr txBox="1"/>
+          <p:nvPr/>
+        </p:nvSpPr>
+        <p:spPr>
+          <a:xfrm>
+            <a:off x="4040371" y="5601319"/>
+            <a:ext cx="3405123" cy="646331"/>
+          </a:xfrm>
+          <a:prstGeom prst="rect">
+            <a:avLst/>
+          </a:prstGeom>
+          <a:solidFill>
+            <a:schemeClr val="accent1">
+              <a:lumMod val="20000"/>
+              <a:lumOff val="80000"/>
+            </a:schemeClr>
+          </a:solidFill>
+        </p:spPr>
+        <p:txBody>
+          <a:bodyPr wrap="square" rtlCol="0">
+            <a:spAutoFit/>
+          </a:bodyPr>
+          <a:lstStyle/>
+          <a:p>
+            <a:r>
+              <a:rPr lang="en-US" b="1" dirty="0">
+                <a:latin typeface="Courier" pitchFamily="2" charset="0"/>
+              </a:rPr>
+              <a:t>f = x Exp[x^2];</a:t>
+            </a:r>
+          </a:p>
+          <a:p>
+            <a:r>
+              <a:rPr lang="en-US" b="1" dirty="0">
+                <a:latin typeface="Courier" pitchFamily="2" charset="0"/>
+              </a:rPr>
+              <a:t>D[f, x]</a:t>
+            </a:r>
+          </a:p>
+        </p:txBody>
+      </p:sp>
+      <p:pic>
+        <p:nvPicPr>
+          <p:cNvPr id="10" name="Picture 9">
+            <a:extLst>
+              <a:ext uri="{FF2B5EF4-FFF2-40B4-BE49-F238E27FC236}">
+                <a16:creationId xmlns:a16="http://schemas.microsoft.com/office/drawing/2014/main" id="{6CA4AD14-22C1-24D4-AC46-DC364FD7164B}"/>
+              </a:ext>
+            </a:extLst>
+          </p:cNvPr>
+          <p:cNvPicPr>
+            <a:picLocks noChangeAspect="1"/>
+          </p:cNvPicPr>
+          <p:nvPr/>
+        </p:nvPicPr>
+        <p:blipFill>
+          <a:blip r:embed="rId6"/>
+          <a:stretch>
+            <a:fillRect/>
+          </a:stretch>
+        </p:blipFill>
+        <p:spPr>
+          <a:xfrm>
+            <a:off x="4040371" y="6271837"/>
+            <a:ext cx="2590800" cy="419100"/>
           </a:xfrm>
           <a:prstGeom prst="rect">
             <a:avLst/>
@@ -21085,6 +25122,350 @@
   <p:clrMapOvr>
     <a:masterClrMapping/>
   </p:clrMapOvr>
+  <p:timing>
+    <p:tnLst>
+      <p:par>
+        <p:cTn id="1" dur="indefinite" restart="never" nodeType="tmRoot">
+          <p:childTnLst>
+            <p:seq concurrent="1" nextAc="seek">
+              <p:cTn id="2" dur="indefinite" nodeType="mainSeq">
+                <p:childTnLst>
+                  <p:par>
+                    <p:cTn id="3" fill="hold">
+                      <p:stCondLst>
+                        <p:cond delay="indefinite"/>
+                      </p:stCondLst>
+                      <p:childTnLst>
+                        <p:par>
+                          <p:cTn id="4" fill="hold">
+                            <p:stCondLst>
+                              <p:cond delay="0"/>
+                            </p:stCondLst>
+                            <p:childTnLst>
+                              <p:par>
+                                <p:cTn id="5" presetID="2" presetClass="entr" presetSubtype="4" fill="hold" grpId="0" nodeType="clickEffect">
+                                  <p:stCondLst>
+                                    <p:cond delay="0"/>
+                                  </p:stCondLst>
+                                  <p:childTnLst>
+                                    <p:set>
+                                      <p:cBhvr>
+                                        <p:cTn id="6" dur="1" fill="hold">
+                                          <p:stCondLst>
+                                            <p:cond delay="0"/>
+                                          </p:stCondLst>
+                                        </p:cTn>
+                                        <p:tgtEl>
+                                          <p:spTgt spid="6"/>
+                                        </p:tgtEl>
+                                        <p:attrNameLst>
+                                          <p:attrName>style.visibility</p:attrName>
+                                        </p:attrNameLst>
+                                      </p:cBhvr>
+                                      <p:to>
+                                        <p:strVal val="visible"/>
+                                      </p:to>
+                                    </p:set>
+                                    <p:anim calcmode="lin" valueType="num">
+                                      <p:cBhvr additive="base">
+                                        <p:cTn id="7" dur="500" fill="hold"/>
+                                        <p:tgtEl>
+                                          <p:spTgt spid="6"/>
+                                        </p:tgtEl>
+                                        <p:attrNameLst>
+                                          <p:attrName>ppt_x</p:attrName>
+                                        </p:attrNameLst>
+                                      </p:cBhvr>
+                                      <p:tavLst>
+                                        <p:tav tm="0">
+                                          <p:val>
+                                            <p:strVal val="#ppt_x"/>
+                                          </p:val>
+                                        </p:tav>
+                                        <p:tav tm="100000">
+                                          <p:val>
+                                            <p:strVal val="#ppt_x"/>
+                                          </p:val>
+                                        </p:tav>
+                                      </p:tavLst>
+                                    </p:anim>
+                                    <p:anim calcmode="lin" valueType="num">
+                                      <p:cBhvr additive="base">
+                                        <p:cTn id="8" dur="500" fill="hold"/>
+                                        <p:tgtEl>
+                                          <p:spTgt spid="6"/>
+                                        </p:tgtEl>
+                                        <p:attrNameLst>
+                                          <p:attrName>ppt_y</p:attrName>
+                                        </p:attrNameLst>
+                                      </p:cBhvr>
+                                      <p:tavLst>
+                                        <p:tav tm="0">
+                                          <p:val>
+                                            <p:strVal val="1+#ppt_h/2"/>
+                                          </p:val>
+                                        </p:tav>
+                                        <p:tav tm="100000">
+                                          <p:val>
+                                            <p:strVal val="#ppt_y"/>
+                                          </p:val>
+                                        </p:tav>
+                                      </p:tavLst>
+                                    </p:anim>
+                                  </p:childTnLst>
+                                </p:cTn>
+                              </p:par>
+                              <p:par>
+                                <p:cTn id="9" presetID="2" presetClass="entr" presetSubtype="4" fill="hold" nodeType="withEffect">
+                                  <p:stCondLst>
+                                    <p:cond delay="0"/>
+                                  </p:stCondLst>
+                                  <p:childTnLst>
+                                    <p:set>
+                                      <p:cBhvr>
+                                        <p:cTn id="10" dur="1" fill="hold">
+                                          <p:stCondLst>
+                                            <p:cond delay="0"/>
+                                          </p:stCondLst>
+                                        </p:cTn>
+                                        <p:tgtEl>
+                                          <p:spTgt spid="7"/>
+                                        </p:tgtEl>
+                                        <p:attrNameLst>
+                                          <p:attrName>style.visibility</p:attrName>
+                                        </p:attrNameLst>
+                                      </p:cBhvr>
+                                      <p:to>
+                                        <p:strVal val="visible"/>
+                                      </p:to>
+                                    </p:set>
+                                    <p:anim calcmode="lin" valueType="num">
+                                      <p:cBhvr additive="base">
+                                        <p:cTn id="11" dur="500" fill="hold"/>
+                                        <p:tgtEl>
+                                          <p:spTgt spid="7"/>
+                                        </p:tgtEl>
+                                        <p:attrNameLst>
+                                          <p:attrName>ppt_x</p:attrName>
+                                        </p:attrNameLst>
+                                      </p:cBhvr>
+                                      <p:tavLst>
+                                        <p:tav tm="0">
+                                          <p:val>
+                                            <p:strVal val="#ppt_x"/>
+                                          </p:val>
+                                        </p:tav>
+                                        <p:tav tm="100000">
+                                          <p:val>
+                                            <p:strVal val="#ppt_x"/>
+                                          </p:val>
+                                        </p:tav>
+                                      </p:tavLst>
+                                    </p:anim>
+                                    <p:anim calcmode="lin" valueType="num">
+                                      <p:cBhvr additive="base">
+                                        <p:cTn id="12" dur="500" fill="hold"/>
+                                        <p:tgtEl>
+                                          <p:spTgt spid="7"/>
+                                        </p:tgtEl>
+                                        <p:attrNameLst>
+                                          <p:attrName>ppt_y</p:attrName>
+                                        </p:attrNameLst>
+                                      </p:cBhvr>
+                                      <p:tavLst>
+                                        <p:tav tm="0">
+                                          <p:val>
+                                            <p:strVal val="1+#ppt_h/2"/>
+                                          </p:val>
+                                        </p:tav>
+                                        <p:tav tm="100000">
+                                          <p:val>
+                                            <p:strVal val="#ppt_y"/>
+                                          </p:val>
+                                        </p:tav>
+                                      </p:tavLst>
+                                    </p:anim>
+                                  </p:childTnLst>
+                                </p:cTn>
+                              </p:par>
+                              <p:par>
+                                <p:cTn id="13" presetID="2" presetClass="entr" presetSubtype="4" fill="hold" grpId="0" nodeType="withEffect">
+                                  <p:stCondLst>
+                                    <p:cond delay="0"/>
+                                  </p:stCondLst>
+                                  <p:childTnLst>
+                                    <p:set>
+                                      <p:cBhvr>
+                                        <p:cTn id="14" dur="1" fill="hold">
+                                          <p:stCondLst>
+                                            <p:cond delay="0"/>
+                                          </p:stCondLst>
+                                        </p:cTn>
+                                        <p:tgtEl>
+                                          <p:spTgt spid="9"/>
+                                        </p:tgtEl>
+                                        <p:attrNameLst>
+                                          <p:attrName>style.visibility</p:attrName>
+                                        </p:attrNameLst>
+                                      </p:cBhvr>
+                                      <p:to>
+                                        <p:strVal val="visible"/>
+                                      </p:to>
+                                    </p:set>
+                                    <p:anim calcmode="lin" valueType="num">
+                                      <p:cBhvr additive="base">
+                                        <p:cTn id="15" dur="500" fill="hold"/>
+                                        <p:tgtEl>
+                                          <p:spTgt spid="9"/>
+                                        </p:tgtEl>
+                                        <p:attrNameLst>
+                                          <p:attrName>ppt_x</p:attrName>
+                                        </p:attrNameLst>
+                                      </p:cBhvr>
+                                      <p:tavLst>
+                                        <p:tav tm="0">
+                                          <p:val>
+                                            <p:strVal val="#ppt_x"/>
+                                          </p:val>
+                                        </p:tav>
+                                        <p:tav tm="100000">
+                                          <p:val>
+                                            <p:strVal val="#ppt_x"/>
+                                          </p:val>
+                                        </p:tav>
+                                      </p:tavLst>
+                                    </p:anim>
+                                    <p:anim calcmode="lin" valueType="num">
+                                      <p:cBhvr additive="base">
+                                        <p:cTn id="16" dur="500" fill="hold"/>
+                                        <p:tgtEl>
+                                          <p:spTgt spid="9"/>
+                                        </p:tgtEl>
+                                        <p:attrNameLst>
+                                          <p:attrName>ppt_y</p:attrName>
+                                        </p:attrNameLst>
+                                      </p:cBhvr>
+                                      <p:tavLst>
+                                        <p:tav tm="0">
+                                          <p:val>
+                                            <p:strVal val="1+#ppt_h/2"/>
+                                          </p:val>
+                                        </p:tav>
+                                        <p:tav tm="100000">
+                                          <p:val>
+                                            <p:strVal val="#ppt_y"/>
+                                          </p:val>
+                                        </p:tav>
+                                      </p:tavLst>
+                                    </p:anim>
+                                  </p:childTnLst>
+                                </p:cTn>
+                              </p:par>
+                              <p:par>
+                                <p:cTn id="17" presetID="2" presetClass="entr" presetSubtype="4" fill="hold" nodeType="withEffect">
+                                  <p:stCondLst>
+                                    <p:cond delay="0"/>
+                                  </p:stCondLst>
+                                  <p:childTnLst>
+                                    <p:set>
+                                      <p:cBhvr>
+                                        <p:cTn id="18" dur="1" fill="hold">
+                                          <p:stCondLst>
+                                            <p:cond delay="0"/>
+                                          </p:stCondLst>
+                                        </p:cTn>
+                                        <p:tgtEl>
+                                          <p:spTgt spid="10"/>
+                                        </p:tgtEl>
+                                        <p:attrNameLst>
+                                          <p:attrName>style.visibility</p:attrName>
+                                        </p:attrNameLst>
+                                      </p:cBhvr>
+                                      <p:to>
+                                        <p:strVal val="visible"/>
+                                      </p:to>
+                                    </p:set>
+                                    <p:anim calcmode="lin" valueType="num">
+                                      <p:cBhvr additive="base">
+                                        <p:cTn id="19" dur="500" fill="hold"/>
+                                        <p:tgtEl>
+                                          <p:spTgt spid="10"/>
+                                        </p:tgtEl>
+                                        <p:attrNameLst>
+                                          <p:attrName>ppt_x</p:attrName>
+                                        </p:attrNameLst>
+                                      </p:cBhvr>
+                                      <p:tavLst>
+                                        <p:tav tm="0">
+                                          <p:val>
+                                            <p:strVal val="#ppt_x"/>
+                                          </p:val>
+                                        </p:tav>
+                                        <p:tav tm="100000">
+                                          <p:val>
+                                            <p:strVal val="#ppt_x"/>
+                                          </p:val>
+                                        </p:tav>
+                                      </p:tavLst>
+                                    </p:anim>
+                                    <p:anim calcmode="lin" valueType="num">
+                                      <p:cBhvr additive="base">
+                                        <p:cTn id="20" dur="500" fill="hold"/>
+                                        <p:tgtEl>
+                                          <p:spTgt spid="10"/>
+                                        </p:tgtEl>
+                                        <p:attrNameLst>
+                                          <p:attrName>ppt_y</p:attrName>
+                                        </p:attrNameLst>
+                                      </p:cBhvr>
+                                      <p:tavLst>
+                                        <p:tav tm="0">
+                                          <p:val>
+                                            <p:strVal val="1+#ppt_h/2"/>
+                                          </p:val>
+                                        </p:tav>
+                                        <p:tav tm="100000">
+                                          <p:val>
+                                            <p:strVal val="#ppt_y"/>
+                                          </p:val>
+                                        </p:tav>
+                                      </p:tavLst>
+                                    </p:anim>
+                                  </p:childTnLst>
+                                </p:cTn>
+                              </p:par>
+                            </p:childTnLst>
+                          </p:cTn>
+                        </p:par>
+                      </p:childTnLst>
+                    </p:cTn>
+                  </p:par>
+                </p:childTnLst>
+              </p:cTn>
+              <p:prevCondLst>
+                <p:cond evt="onPrev" delay="0">
+                  <p:tgtEl>
+                    <p:sldTgt/>
+                  </p:tgtEl>
+                </p:cond>
+              </p:prevCondLst>
+              <p:nextCondLst>
+                <p:cond evt="onNext" delay="0">
+                  <p:tgtEl>
+                    <p:sldTgt/>
+                  </p:tgtEl>
+                </p:cond>
+              </p:nextCondLst>
+            </p:seq>
+          </p:childTnLst>
+        </p:cTn>
+      </p:par>
+    </p:tnLst>
+    <p:bldLst>
+      <p:bldP spid="6" grpId="0" animBg="1"/>
+      <p:bldP spid="9" grpId="0" animBg="1"/>
+    </p:bldLst>
+  </p:timing>
 </p:sld>
 </file>
 

--- a/Notes/4_postulates.pptx
+++ b/Notes/4_postulates.pptx
@@ -234,7 +234,7 @@
           <a:p>
             <a:fld id="{47B5508F-B9DA-3A4B-92BF-6A4138802024}" type="datetimeFigureOut">
               <a:rPr lang="en-US" smtClean="0"/>
-              <a:t>9/9/24</a:t>
+              <a:t>2/3/25</a:t>
             </a:fld>
             <a:endParaRPr lang="en-US"/>
           </a:p>
@@ -768,7 +768,7 @@
             <a:fld id="{B2F2B4BC-311C-574E-AB1F-5BCC7E00BDAB}" type="datetimeFigureOut">
               <a:rPr lang="en-US" smtClean="0"/>
               <a:pPr/>
-              <a:t>9/9/24</a:t>
+              <a:t>2/3/25</a:t>
             </a:fld>
             <a:endParaRPr lang="en-US"/>
           </a:p>
@@ -933,7 +933,7 @@
             <a:fld id="{B2F2B4BC-311C-574E-AB1F-5BCC7E00BDAB}" type="datetimeFigureOut">
               <a:rPr lang="en-US" smtClean="0"/>
               <a:pPr/>
-              <a:t>9/9/24</a:t>
+              <a:t>2/3/25</a:t>
             </a:fld>
             <a:endParaRPr lang="en-US"/>
           </a:p>
@@ -1108,7 +1108,7 @@
             <a:fld id="{B2F2B4BC-311C-574E-AB1F-5BCC7E00BDAB}" type="datetimeFigureOut">
               <a:rPr lang="en-US" smtClean="0"/>
               <a:pPr/>
-              <a:t>9/9/24</a:t>
+              <a:t>2/3/25</a:t>
             </a:fld>
             <a:endParaRPr lang="en-US"/>
           </a:p>
@@ -1273,7 +1273,7 @@
             <a:fld id="{B2F2B4BC-311C-574E-AB1F-5BCC7E00BDAB}" type="datetimeFigureOut">
               <a:rPr lang="en-US" smtClean="0"/>
               <a:pPr/>
-              <a:t>9/9/24</a:t>
+              <a:t>2/3/25</a:t>
             </a:fld>
             <a:endParaRPr lang="en-US"/>
           </a:p>
@@ -1515,7 +1515,7 @@
             <a:fld id="{B2F2B4BC-311C-574E-AB1F-5BCC7E00BDAB}" type="datetimeFigureOut">
               <a:rPr lang="en-US" smtClean="0"/>
               <a:pPr/>
-              <a:t>9/9/24</a:t>
+              <a:t>2/3/25</a:t>
             </a:fld>
             <a:endParaRPr lang="en-US"/>
           </a:p>
@@ -1797,7 +1797,7 @@
             <a:fld id="{B2F2B4BC-311C-574E-AB1F-5BCC7E00BDAB}" type="datetimeFigureOut">
               <a:rPr lang="en-US" smtClean="0"/>
               <a:pPr/>
-              <a:t>9/9/24</a:t>
+              <a:t>2/3/25</a:t>
             </a:fld>
             <a:endParaRPr lang="en-US"/>
           </a:p>
@@ -2213,7 +2213,7 @@
             <a:fld id="{B2F2B4BC-311C-574E-AB1F-5BCC7E00BDAB}" type="datetimeFigureOut">
               <a:rPr lang="en-US" smtClean="0"/>
               <a:pPr/>
-              <a:t>9/9/24</a:t>
+              <a:t>2/3/25</a:t>
             </a:fld>
             <a:endParaRPr lang="en-US"/>
           </a:p>
@@ -2327,7 +2327,7 @@
             <a:fld id="{B2F2B4BC-311C-574E-AB1F-5BCC7E00BDAB}" type="datetimeFigureOut">
               <a:rPr lang="en-US" smtClean="0"/>
               <a:pPr/>
-              <a:t>9/9/24</a:t>
+              <a:t>2/3/25</a:t>
             </a:fld>
             <a:endParaRPr lang="en-US"/>
           </a:p>
@@ -2419,7 +2419,7 @@
             <a:fld id="{B2F2B4BC-311C-574E-AB1F-5BCC7E00BDAB}" type="datetimeFigureOut">
               <a:rPr lang="en-US" smtClean="0"/>
               <a:pPr/>
-              <a:t>9/9/24</a:t>
+              <a:t>2/3/25</a:t>
             </a:fld>
             <a:endParaRPr lang="en-US"/>
           </a:p>
@@ -2691,7 +2691,7 @@
             <a:fld id="{B2F2B4BC-311C-574E-AB1F-5BCC7E00BDAB}" type="datetimeFigureOut">
               <a:rPr lang="en-US" smtClean="0"/>
               <a:pPr/>
-              <a:t>9/9/24</a:t>
+              <a:t>2/3/25</a:t>
             </a:fld>
             <a:endParaRPr lang="en-US"/>
           </a:p>
@@ -2940,7 +2940,7 @@
             <a:fld id="{B2F2B4BC-311C-574E-AB1F-5BCC7E00BDAB}" type="datetimeFigureOut">
               <a:rPr lang="en-US" smtClean="0"/>
               <a:pPr/>
-              <a:t>9/9/24</a:t>
+              <a:t>2/3/25</a:t>
             </a:fld>
             <a:endParaRPr lang="en-US"/>
           </a:p>
@@ -3148,7 +3148,7 @@
             <a:fld id="{B2F2B4BC-311C-574E-AB1F-5BCC7E00BDAB}" type="datetimeFigureOut">
               <a:rPr lang="en-US" smtClean="0"/>
               <a:pPr/>
-              <a:t>9/9/24</a:t>
+              <a:t>2/3/25</a:t>
             </a:fld>
             <a:endParaRPr lang="en-US"/>
           </a:p>
@@ -3687,7 +3687,7 @@
                       <a:noFill/>
                       <a:extLst>
                         <a:ext uri="{909E8E84-426E-40dd-AFC4-6F175D3DCCD1}">
-                          <a14:hiddenFill xmlns:a14="http://schemas.microsoft.com/office/drawing/2010/main" xmlns="">
+                          <a14:hiddenFill xmlns="" xmlns:a14="http://schemas.microsoft.com/office/drawing/2010/main">
                             <a:blipFill dpi="0" rotWithShape="0">
                               <a:blip/>
                               <a:srcRect/>
@@ -26196,6 +26196,56 @@
           </a:prstGeom>
         </p:spPr>
       </p:pic>
+      <p:sp>
+        <p:nvSpPr>
+          <p:cNvPr id="9" name="Rectangle 8">
+            <a:extLst>
+              <a:ext uri="{FF2B5EF4-FFF2-40B4-BE49-F238E27FC236}">
+                <a16:creationId xmlns:a16="http://schemas.microsoft.com/office/drawing/2014/main" id="{2D9A087B-B53D-EADF-953F-281CA7698EF5}"/>
+              </a:ext>
+            </a:extLst>
+          </p:cNvPr>
+          <p:cNvSpPr/>
+          <p:nvPr/>
+        </p:nvSpPr>
+        <p:spPr>
+          <a:xfrm>
+            <a:off x="920751" y="2557850"/>
+            <a:ext cx="7302498" cy="4177714"/>
+          </a:xfrm>
+          <a:prstGeom prst="rect">
+            <a:avLst/>
+          </a:prstGeom>
+          <a:noFill/>
+          <a:ln w="57150" cmpd="sng">
+            <a:solidFill>
+              <a:srgbClr val="008000"/>
+            </a:solidFill>
+          </a:ln>
+        </p:spPr>
+        <p:style>
+          <a:lnRef idx="1">
+            <a:schemeClr val="accent1"/>
+          </a:lnRef>
+          <a:fillRef idx="3">
+            <a:schemeClr val="accent1"/>
+          </a:fillRef>
+          <a:effectRef idx="2">
+            <a:schemeClr val="accent1"/>
+          </a:effectRef>
+          <a:fontRef idx="minor">
+            <a:schemeClr val="lt1"/>
+          </a:fontRef>
+        </p:style>
+        <p:txBody>
+          <a:bodyPr rtlCol="0" anchor="ctr"/>
+          <a:lstStyle/>
+          <a:p>
+            <a:pPr algn="ctr"/>
+            <a:endParaRPr lang="en-US"/>
+          </a:p>
+        </p:txBody>
+      </p:sp>
     </p:spTree>
     <p:extLst>
       <p:ext uri="{BB962C8B-B14F-4D97-AF65-F5344CB8AC3E}">
@@ -26998,6 +27048,97 @@
                       </p:childTnLst>
                     </p:cTn>
                   </p:par>
+                  <p:par>
+                    <p:cTn id="49" fill="hold">
+                      <p:stCondLst>
+                        <p:cond delay="indefinite"/>
+                      </p:stCondLst>
+                      <p:childTnLst>
+                        <p:par>
+                          <p:cTn id="50" fill="hold">
+                            <p:stCondLst>
+                              <p:cond delay="0"/>
+                            </p:stCondLst>
+                            <p:childTnLst>
+                              <p:par>
+                                <p:cTn id="51" presetID="2" presetClass="entr" presetSubtype="4" fill="hold" grpId="0" nodeType="clickEffect">
+                                  <p:stCondLst>
+                                    <p:cond delay="0"/>
+                                  </p:stCondLst>
+                                  <p:childTnLst>
+                                    <p:set>
+                                      <p:cBhvr>
+                                        <p:cTn id="52" dur="1" fill="hold">
+                                          <p:stCondLst>
+                                            <p:cond delay="0"/>
+                                          </p:stCondLst>
+                                        </p:cTn>
+                                        <p:tgtEl>
+                                          <p:spTgt spid="9"/>
+                                        </p:tgtEl>
+                                        <p:attrNameLst>
+                                          <p:attrName>style.visibility</p:attrName>
+                                        </p:attrNameLst>
+                                      </p:cBhvr>
+                                      <p:to>
+                                        <p:strVal val="visible"/>
+                                      </p:to>
+                                    </p:set>
+                                    <p:anim calcmode="lin" valueType="num">
+                                      <p:cBhvr additive="base">
+                                        <p:cTn id="53" dur="500" fill="hold"/>
+                                        <p:tgtEl>
+                                          <p:spTgt spid="9"/>
+                                        </p:tgtEl>
+                                        <p:attrNameLst>
+                                          <p:attrName>ppt_x</p:attrName>
+                                        </p:attrNameLst>
+                                      </p:cBhvr>
+                                      <p:tavLst>
+                                        <p:tav tm="0">
+                                          <p:val>
+                                            <p:strVal val="#ppt_x"/>
+                                          </p:val>
+                                        </p:tav>
+                                        <p:tav tm="100000">
+                                          <p:val>
+                                            <p:strVal val="#ppt_x"/>
+                                          </p:val>
+                                        </p:tav>
+                                      </p:tavLst>
+                                    </p:anim>
+                                    <p:anim calcmode="lin" valueType="num">
+                                      <p:cBhvr additive="base">
+                                        <p:cTn id="54" dur="500" fill="hold"/>
+                                        <p:tgtEl>
+                                          <p:spTgt spid="9"/>
+                                        </p:tgtEl>
+                                        <p:attrNameLst>
+                                          <p:attrName>ppt_y</p:attrName>
+                                        </p:attrNameLst>
+                                      </p:cBhvr>
+                                      <p:tavLst>
+                                        <p:tav tm="0">
+                                          <p:val>
+                                            <p:strVal val="1+#ppt_h/2"/>
+                                          </p:val>
+                                        </p:tav>
+                                        <p:tav tm="100000">
+                                          <p:val>
+                                            <p:strVal val="#ppt_y"/>
+                                          </p:val>
+                                        </p:tav>
+                                      </p:tavLst>
+                                    </p:anim>
+                                  </p:childTnLst>
+                                </p:cTn>
+                              </p:par>
+                            </p:childTnLst>
+                          </p:cTn>
+                        </p:par>
+                      </p:childTnLst>
+                    </p:cTn>
+                  </p:par>
                 </p:childTnLst>
               </p:cTn>
               <p:prevCondLst>
@@ -27021,6 +27162,7 @@
     </p:tnLst>
     <p:bldLst>
       <p:bldP spid="16" grpId="0"/>
+      <p:bldP spid="9" grpId="0" animBg="1"/>
     </p:bldLst>
   </p:timing>
 </p:sld>
